--- a/IHP_2024/20240620/TIAの小信号等価回路による.pptx
+++ b/IHP_2024/20240620/TIAの小信号等価回路による.pptx
@@ -5,7 +5,7 @@
     <p:sldMasterId id="2147483648" r:id="rId1"/>
   </p:sldMasterIdLst>
   <p:notesMasterIdLst>
-    <p:notesMasterId r:id="rId7"/>
+    <p:notesMasterId r:id="rId13"/>
   </p:notesMasterIdLst>
   <p:sldIdLst>
     <p:sldId id="256" r:id="rId2"/>
@@ -13,6 +13,12 @@
     <p:sldId id="257" r:id="rId4"/>
     <p:sldId id="259" r:id="rId5"/>
     <p:sldId id="260" r:id="rId6"/>
+    <p:sldId id="261" r:id="rId7"/>
+    <p:sldId id="262" r:id="rId8"/>
+    <p:sldId id="263" r:id="rId9"/>
+    <p:sldId id="264" r:id="rId10"/>
+    <p:sldId id="265" r:id="rId11"/>
+    <p:sldId id="266" r:id="rId12"/>
   </p:sldIdLst>
   <p:sldSz cx="12192000" cy="6858000"/>
   <p:notesSz cx="6858000" cy="9144000"/>
@@ -201,7 +207,7 @@
           <a:p>
             <a:fld id="{F8456487-DC86-474A-B4EE-F658698A396D}" type="datetimeFigureOut">
               <a:rPr kumimoji="1" lang="ja-JP" altLang="en-US" smtClean="0"/>
-              <a:t>2024/6/15</a:t>
+              <a:t>2024/6/16</a:t>
             </a:fld>
             <a:endParaRPr kumimoji="1" lang="ja-JP" altLang="en-US"/>
           </a:p>
@@ -691,7 +697,7 @@
           <a:p>
             <a:fld id="{FEB85F8A-DDB5-432B-B8BF-86E12CA3E1B5}" type="datetime1">
               <a:rPr kumimoji="1" lang="ja-JP" altLang="en-US" smtClean="0"/>
-              <a:t>2024/6/15</a:t>
+              <a:t>2024/6/16</a:t>
             </a:fld>
             <a:endParaRPr kumimoji="1" lang="ja-JP" altLang="en-US"/>
           </a:p>
@@ -1007,7 +1013,7 @@
           <a:p>
             <a:fld id="{21AF51CA-8154-4160-8313-688B08CD61D6}" type="datetime1">
               <a:rPr kumimoji="1" lang="ja-JP" altLang="en-US" smtClean="0"/>
-              <a:t>2024/6/15</a:t>
+              <a:t>2024/6/16</a:t>
             </a:fld>
             <a:endParaRPr kumimoji="1" lang="ja-JP" altLang="en-US"/>
           </a:p>
@@ -1266,7 +1272,7 @@
           <a:p>
             <a:fld id="{D5D22A7C-5C5E-4AEF-9904-8AC373CD06D1}" type="datetime1">
               <a:rPr kumimoji="1" lang="ja-JP" altLang="en-US" smtClean="0"/>
-              <a:t>2024/6/15</a:t>
+              <a:t>2024/6/16</a:t>
             </a:fld>
             <a:endParaRPr kumimoji="1" lang="ja-JP" altLang="en-US"/>
           </a:p>
@@ -1520,7 +1526,7 @@
           <a:p>
             <a:fld id="{7D14AB70-9A31-428D-80CA-6C2A71BE81C0}" type="datetime1">
               <a:rPr kumimoji="1" lang="ja-JP" altLang="en-US" smtClean="0"/>
-              <a:t>2024/6/15</a:t>
+              <a:t>2024/6/16</a:t>
             </a:fld>
             <a:endParaRPr kumimoji="1" lang="ja-JP" altLang="en-US"/>
           </a:p>
@@ -1892,7 +1898,7 @@
           <a:p>
             <a:fld id="{617D3280-2E51-4BDE-B06A-470263465AE0}" type="datetime1">
               <a:rPr kumimoji="1" lang="ja-JP" altLang="en-US" smtClean="0"/>
-              <a:t>2024/6/15</a:t>
+              <a:t>2024/6/16</a:t>
             </a:fld>
             <a:endParaRPr kumimoji="1" lang="ja-JP" altLang="en-US"/>
           </a:p>
@@ -2240,7 +2246,7 @@
           <a:p>
             <a:fld id="{534E7D8B-15CC-4ADD-A96D-E53EE0773D10}" type="datetime1">
               <a:rPr kumimoji="1" lang="ja-JP" altLang="en-US" smtClean="0"/>
-              <a:t>2024/6/15</a:t>
+              <a:t>2024/6/16</a:t>
             </a:fld>
             <a:endParaRPr kumimoji="1" lang="ja-JP" altLang="en-US"/>
           </a:p>
@@ -2735,7 +2741,7 @@
           <a:p>
             <a:fld id="{0A7E0AD5-8B2C-4807-9A34-44B53ED8C9E2}" type="datetime1">
               <a:rPr kumimoji="1" lang="ja-JP" altLang="en-US" smtClean="0"/>
-              <a:t>2024/6/15</a:t>
+              <a:t>2024/6/16</a:t>
             </a:fld>
             <a:endParaRPr kumimoji="1" lang="ja-JP" altLang="en-US"/>
           </a:p>
@@ -2906,7 +2912,7 @@
           <a:p>
             <a:fld id="{EEA6A375-72BC-45FC-83AA-00EA8839FC12}" type="datetime1">
               <a:rPr kumimoji="1" lang="ja-JP" altLang="en-US" smtClean="0"/>
-              <a:t>2024/6/15</a:t>
+              <a:t>2024/6/16</a:t>
             </a:fld>
             <a:endParaRPr kumimoji="1" lang="ja-JP" altLang="en-US"/>
           </a:p>
@@ -3105,7 +3111,7 @@
           <a:p>
             <a:fld id="{2E745049-197C-41A0-8DB6-4F32FD03AE57}" type="datetime1">
               <a:rPr kumimoji="1" lang="ja-JP" altLang="en-US" smtClean="0"/>
-              <a:t>2024/6/15</a:t>
+              <a:t>2024/6/16</a:t>
             </a:fld>
             <a:endParaRPr kumimoji="1" lang="ja-JP" altLang="en-US"/>
           </a:p>
@@ -3534,7 +3540,7 @@
           <a:p>
             <a:fld id="{C680A16C-E6A7-4756-A3F4-14C1642851C1}" type="datetime1">
               <a:rPr kumimoji="1" lang="ja-JP" altLang="en-US" smtClean="0"/>
-              <a:t>2024/6/15</a:t>
+              <a:t>2024/6/16</a:t>
             </a:fld>
             <a:endParaRPr kumimoji="1" lang="ja-JP" altLang="en-US"/>
           </a:p>
@@ -3844,7 +3850,7 @@
           <a:p>
             <a:fld id="{A56F6540-D1D8-4517-9227-190B63944A94}" type="datetime1">
               <a:rPr kumimoji="1" lang="ja-JP" altLang="en-US" smtClean="0"/>
-              <a:t>2024/6/15</a:t>
+              <a:t>2024/6/16</a:t>
             </a:fld>
             <a:endParaRPr kumimoji="1" lang="ja-JP" altLang="en-US"/>
           </a:p>
@@ -4194,7 +4200,7 @@
           <a:p>
             <a:fld id="{0FF07873-ABA9-44AB-A9BF-3A41F38C3D70}" type="datetime1">
               <a:rPr lang="ja-JP" altLang="en-US" smtClean="0"/>
-              <a:t>2024/6/15</a:t>
+              <a:t>2024/6/16</a:t>
             </a:fld>
             <a:endParaRPr lang="ja-JP" altLang="en-US" dirty="0"/>
           </a:p>
@@ -4872,7 +4878,7 @@
           <a:p>
             <a:fld id="{AB2DCCF9-1D86-4D8B-BD00-9792060EEB29}" type="datetime1">
               <a:rPr kumimoji="1" lang="ja-JP" altLang="en-US" smtClean="0"/>
-              <a:t>2024/6/15</a:t>
+              <a:t>2024/6/16</a:t>
             </a:fld>
             <a:endParaRPr kumimoji="1" lang="ja-JP" altLang="en-US"/>
           </a:p>
@@ -4911,6 +4917,680 @@
     <p:extLst>
       <p:ext uri="{BB962C8B-B14F-4D97-AF65-F5344CB8AC3E}">
         <p14:creationId xmlns:p14="http://schemas.microsoft.com/office/powerpoint/2010/main" val="1307137312"/>
+      </p:ext>
+    </p:extLst>
+  </p:cSld>
+  <p:clrMapOvr>
+    <a:masterClrMapping/>
+  </p:clrMapOvr>
+</p:sld>
+</file>
+
+<file path=ppt/slides/slide10.xml><?xml version="1.0" encoding="utf-8"?>
+<p:sld xmlns:a="http://schemas.openxmlformats.org/drawingml/2006/main" xmlns:r="http://schemas.openxmlformats.org/officeDocument/2006/relationships" xmlns:p="http://schemas.openxmlformats.org/presentationml/2006/main">
+  <p:cSld>
+    <p:spTree>
+      <p:nvGrpSpPr>
+        <p:cNvPr id="1" name=""/>
+        <p:cNvGrpSpPr/>
+        <p:nvPr/>
+      </p:nvGrpSpPr>
+      <p:grpSpPr>
+        <a:xfrm>
+          <a:off x="0" y="0"/>
+          <a:ext cx="0" cy="0"/>
+          <a:chOff x="0" y="0"/>
+          <a:chExt cx="0" cy="0"/>
+        </a:xfrm>
+      </p:grpSpPr>
+      <p:sp>
+        <p:nvSpPr>
+          <p:cNvPr id="2" name="タイトル 1">
+            <a:extLst>
+              <a:ext uri="{FF2B5EF4-FFF2-40B4-BE49-F238E27FC236}">
+                <a16:creationId xmlns:a16="http://schemas.microsoft.com/office/drawing/2014/main" id="{93DBF429-9B5B-7670-F17D-0ADA5C1D03E2}"/>
+              </a:ext>
+            </a:extLst>
+          </p:cNvPr>
+          <p:cNvSpPr>
+            <a:spLocks noGrp="1"/>
+          </p:cNvSpPr>
+          <p:nvPr>
+            <p:ph type="title"/>
+          </p:nvPr>
+        </p:nvSpPr>
+        <p:spPr>
+          <a:xfrm>
+            <a:off x="110877" y="191551"/>
+            <a:ext cx="10515600" cy="785955"/>
+          </a:xfrm>
+        </p:spPr>
+        <p:txBody>
+          <a:bodyPr>
+            <a:normAutofit/>
+          </a:bodyPr>
+          <a:lstStyle/>
+          <a:p>
+            <a:r>
+              <a:rPr kumimoji="1" lang="ja-JP" altLang="en-US" dirty="0"/>
+              <a:t>寄生成分をさらに追加したシミュレーション</a:t>
+            </a:r>
+          </a:p>
+        </p:txBody>
+      </p:sp>
+      <p:sp>
+        <p:nvSpPr>
+          <p:cNvPr id="3" name="日付プレースホルダー 2">
+            <a:extLst>
+              <a:ext uri="{FF2B5EF4-FFF2-40B4-BE49-F238E27FC236}">
+                <a16:creationId xmlns:a16="http://schemas.microsoft.com/office/drawing/2014/main" id="{182290C3-2E5E-9BE5-98E1-EB1C94F0273C}"/>
+              </a:ext>
+            </a:extLst>
+          </p:cNvPr>
+          <p:cNvSpPr>
+            <a:spLocks noGrp="1"/>
+          </p:cNvSpPr>
+          <p:nvPr>
+            <p:ph type="dt" sz="half" idx="10"/>
+          </p:nvPr>
+        </p:nvSpPr>
+        <p:spPr/>
+        <p:txBody>
+          <a:bodyPr/>
+          <a:lstStyle/>
+          <a:p>
+            <a:fld id="{EEA6A375-72BC-45FC-83AA-00EA8839FC12}" type="datetime1">
+              <a:rPr kumimoji="1" lang="ja-JP" altLang="en-US" smtClean="0"/>
+              <a:t>2024/6/16</a:t>
+            </a:fld>
+            <a:endParaRPr kumimoji="1" lang="ja-JP" altLang="en-US"/>
+          </a:p>
+        </p:txBody>
+      </p:sp>
+      <p:sp>
+        <p:nvSpPr>
+          <p:cNvPr id="4" name="スライド番号プレースホルダー 3">
+            <a:extLst>
+              <a:ext uri="{FF2B5EF4-FFF2-40B4-BE49-F238E27FC236}">
+                <a16:creationId xmlns:a16="http://schemas.microsoft.com/office/drawing/2014/main" id="{DA571182-36FB-204E-722A-5E95C407AB37}"/>
+              </a:ext>
+            </a:extLst>
+          </p:cNvPr>
+          <p:cNvSpPr>
+            <a:spLocks noGrp="1"/>
+          </p:cNvSpPr>
+          <p:nvPr>
+            <p:ph type="sldNum" sz="quarter" idx="12"/>
+          </p:nvPr>
+        </p:nvSpPr>
+        <p:spPr/>
+        <p:txBody>
+          <a:bodyPr/>
+          <a:lstStyle/>
+          <a:p>
+            <a:fld id="{6294761A-CFE9-4878-87A7-90ECABD59CE5}" type="slidenum">
+              <a:rPr kumimoji="1" lang="ja-JP" altLang="en-US" smtClean="0"/>
+              <a:t>10</a:t>
+            </a:fld>
+            <a:endParaRPr kumimoji="1" lang="ja-JP" altLang="en-US"/>
+          </a:p>
+        </p:txBody>
+      </p:sp>
+      <p:sp>
+        <p:nvSpPr>
+          <p:cNvPr id="5" name="フッター プレースホルダー 4">
+            <a:extLst>
+              <a:ext uri="{FF2B5EF4-FFF2-40B4-BE49-F238E27FC236}">
+                <a16:creationId xmlns:a16="http://schemas.microsoft.com/office/drawing/2014/main" id="{C42F7151-F844-C8A3-2250-4D549CF70072}"/>
+              </a:ext>
+            </a:extLst>
+          </p:cNvPr>
+          <p:cNvSpPr>
+            <a:spLocks noGrp="1"/>
+          </p:cNvSpPr>
+          <p:nvPr>
+            <p:ph type="ftr" sz="quarter" idx="3"/>
+          </p:nvPr>
+        </p:nvSpPr>
+        <p:spPr/>
+        <p:txBody>
+          <a:bodyPr/>
+          <a:lstStyle/>
+          <a:p>
+            <a:r>
+              <a:rPr lang="en-US" altLang="ja-JP"/>
+              <a:t>Wave Signal Processing Circuit Laboratory,  Meiji University</a:t>
+            </a:r>
+            <a:endParaRPr lang="en-US" altLang="ja-JP" dirty="0"/>
+          </a:p>
+        </p:txBody>
+      </p:sp>
+      <p:pic>
+        <p:nvPicPr>
+          <p:cNvPr id="7" name="図 6" descr="グラフ&#10;&#10;自動的に生成された説明">
+            <a:extLst>
+              <a:ext uri="{FF2B5EF4-FFF2-40B4-BE49-F238E27FC236}">
+                <a16:creationId xmlns:a16="http://schemas.microsoft.com/office/drawing/2014/main" id="{D9595D57-B440-EF40-DEA3-82901A8B4E8E}"/>
+              </a:ext>
+            </a:extLst>
+          </p:cNvPr>
+          <p:cNvPicPr>
+            <a:picLocks noChangeAspect="1"/>
+          </p:cNvPicPr>
+          <p:nvPr/>
+        </p:nvPicPr>
+        <p:blipFill>
+          <a:blip r:embed="rId2">
+            <a:extLst>
+              <a:ext uri="{28A0092B-C50C-407E-A947-70E740481C1C}">
+                <a14:useLocalDpi xmlns:a14="http://schemas.microsoft.com/office/drawing/2010/main" val="0"/>
+              </a:ext>
+            </a:extLst>
+          </a:blip>
+          <a:stretch>
+            <a:fillRect/>
+          </a:stretch>
+        </p:blipFill>
+        <p:spPr>
+          <a:xfrm>
+            <a:off x="367553" y="1125198"/>
+            <a:ext cx="7459733" cy="5221814"/>
+          </a:xfrm>
+          <a:prstGeom prst="rect">
+            <a:avLst/>
+          </a:prstGeom>
+        </p:spPr>
+      </p:pic>
+      <p:sp>
+        <p:nvSpPr>
+          <p:cNvPr id="8" name="テキスト ボックス 7">
+            <a:extLst>
+              <a:ext uri="{FF2B5EF4-FFF2-40B4-BE49-F238E27FC236}">
+                <a16:creationId xmlns:a16="http://schemas.microsoft.com/office/drawing/2014/main" id="{3F69D502-8D4A-7801-8821-47F28BAAA9DB}"/>
+              </a:ext>
+            </a:extLst>
+          </p:cNvPr>
+          <p:cNvSpPr txBox="1"/>
+          <p:nvPr/>
+        </p:nvSpPr>
+        <p:spPr>
+          <a:xfrm>
+            <a:off x="7404846" y="2581943"/>
+            <a:ext cx="4554071" cy="2308324"/>
+          </a:xfrm>
+          <a:prstGeom prst="rect">
+            <a:avLst/>
+          </a:prstGeom>
+          <a:noFill/>
+        </p:spPr>
+        <p:txBody>
+          <a:bodyPr wrap="square" rtlCol="0">
+            <a:spAutoFit/>
+          </a:bodyPr>
+          <a:lstStyle/>
+          <a:p>
+            <a:pPr algn="l"/>
+            <a:r>
+              <a:rPr lang="en-US" altLang="ja-JP" sz="2400" dirty="0">
+                <a:latin typeface="Times Newer Roman" panose="00000500000000000000" pitchFamily="50" charset="0"/>
+              </a:rPr>
+              <a:t>IHP</a:t>
+            </a:r>
+            <a:r>
+              <a:rPr lang="ja-JP" altLang="en-US" sz="2400" dirty="0">
+                <a:latin typeface="Times Newer Roman" panose="00000500000000000000" pitchFamily="50" charset="0"/>
+              </a:rPr>
+              <a:t>のモデルと遮断周波数は</a:t>
+            </a:r>
+            <a:endParaRPr lang="en-US" altLang="ja-JP" sz="2400" dirty="0">
+              <a:latin typeface="Times Newer Roman" panose="00000500000000000000" pitchFamily="50" charset="0"/>
+            </a:endParaRPr>
+          </a:p>
+          <a:p>
+            <a:pPr algn="l"/>
+            <a:r>
+              <a:rPr lang="ja-JP" altLang="en-US" sz="2400" dirty="0">
+                <a:latin typeface="Times Newer Roman" panose="00000500000000000000" pitchFamily="50" charset="0"/>
+              </a:rPr>
+              <a:t>かなり近づいた。</a:t>
+            </a:r>
+            <a:endParaRPr lang="en-US" altLang="ja-JP" sz="2400" dirty="0">
+              <a:latin typeface="Times Newer Roman" panose="00000500000000000000" pitchFamily="50" charset="0"/>
+            </a:endParaRPr>
+          </a:p>
+          <a:p>
+            <a:pPr algn="l"/>
+            <a:r>
+              <a:rPr lang="ja-JP" altLang="en-US" sz="2400" dirty="0">
+                <a:latin typeface="Times Newer Roman" panose="00000500000000000000" pitchFamily="50" charset="0"/>
+              </a:rPr>
+              <a:t>利得はまだ</a:t>
+            </a:r>
+            <a:r>
+              <a:rPr lang="en-US" altLang="ja-JP" sz="2400" dirty="0">
+                <a:latin typeface="Times Newer Roman" panose="00000500000000000000" pitchFamily="50" charset="0"/>
+              </a:rPr>
+              <a:t>2 dB</a:t>
+            </a:r>
+            <a:r>
+              <a:rPr lang="ja-JP" altLang="en-US" sz="2400" dirty="0">
+                <a:latin typeface="Times Newer Roman" panose="00000500000000000000" pitchFamily="50" charset="0"/>
+              </a:rPr>
+              <a:t>程度ずれている。</a:t>
+            </a:r>
+            <a:endParaRPr lang="en-US" altLang="ja-JP" sz="2400" dirty="0">
+              <a:latin typeface="Times Newer Roman" panose="00000500000000000000" pitchFamily="50" charset="0"/>
+            </a:endParaRPr>
+          </a:p>
+          <a:p>
+            <a:pPr algn="l"/>
+            <a:endParaRPr lang="en-US" altLang="ja-JP" sz="2400" dirty="0">
+              <a:latin typeface="Times Newer Roman" panose="00000500000000000000" pitchFamily="50" charset="0"/>
+            </a:endParaRPr>
+          </a:p>
+          <a:p>
+            <a:pPr algn="l"/>
+            <a:r>
+              <a:rPr kumimoji="1" lang="en-US" altLang="ja-JP" sz="2400" dirty="0">
+                <a:latin typeface="Times Newer Roman" panose="00000500000000000000" pitchFamily="50" charset="0"/>
+              </a:rPr>
+              <a:t>TIA</a:t>
+            </a:r>
+            <a:r>
+              <a:rPr kumimoji="1" lang="ja-JP" altLang="en-US" sz="2400" dirty="0">
+                <a:latin typeface="Times Newer Roman" panose="00000500000000000000" pitchFamily="50" charset="0"/>
+              </a:rPr>
+              <a:t>の方にも同様に負荷すると</a:t>
+            </a:r>
+            <a:r>
+              <a:rPr kumimoji="1" lang="en-US" altLang="ja-JP" sz="2400" dirty="0">
+                <a:latin typeface="Times Newer Roman" panose="00000500000000000000" pitchFamily="50" charset="0"/>
+              </a:rPr>
+              <a:t>IHP</a:t>
+            </a:r>
+            <a:r>
+              <a:rPr kumimoji="1" lang="ja-JP" altLang="en-US" sz="2400" dirty="0">
+                <a:latin typeface="Times Newer Roman" panose="00000500000000000000" pitchFamily="50" charset="0"/>
+              </a:rPr>
+              <a:t>のモデルから離れた。</a:t>
+            </a:r>
+          </a:p>
+        </p:txBody>
+      </p:sp>
+    </p:spTree>
+    <p:extLst>
+      <p:ext uri="{BB962C8B-B14F-4D97-AF65-F5344CB8AC3E}">
+        <p14:creationId xmlns:p14="http://schemas.microsoft.com/office/powerpoint/2010/main" val="2150409590"/>
+      </p:ext>
+    </p:extLst>
+  </p:cSld>
+  <p:clrMapOvr>
+    <a:masterClrMapping/>
+  </p:clrMapOvr>
+</p:sld>
+</file>
+
+<file path=ppt/slides/slide11.xml><?xml version="1.0" encoding="utf-8"?>
+<p:sld xmlns:a="http://schemas.openxmlformats.org/drawingml/2006/main" xmlns:r="http://schemas.openxmlformats.org/officeDocument/2006/relationships" xmlns:p="http://schemas.openxmlformats.org/presentationml/2006/main">
+  <p:cSld>
+    <p:spTree>
+      <p:nvGrpSpPr>
+        <p:cNvPr id="1" name=""/>
+        <p:cNvGrpSpPr/>
+        <p:nvPr/>
+      </p:nvGrpSpPr>
+      <p:grpSpPr>
+        <a:xfrm>
+          <a:off x="0" y="0"/>
+          <a:ext cx="0" cy="0"/>
+          <a:chOff x="0" y="0"/>
+          <a:chExt cx="0" cy="0"/>
+        </a:xfrm>
+      </p:grpSpPr>
+      <p:sp>
+        <p:nvSpPr>
+          <p:cNvPr id="2" name="タイトル 1">
+            <a:extLst>
+              <a:ext uri="{FF2B5EF4-FFF2-40B4-BE49-F238E27FC236}">
+                <a16:creationId xmlns:a16="http://schemas.microsoft.com/office/drawing/2014/main" id="{8ED1F140-798D-8537-4861-C59200EEEC7F}"/>
+              </a:ext>
+            </a:extLst>
+          </p:cNvPr>
+          <p:cNvSpPr>
+            <a:spLocks noGrp="1"/>
+          </p:cNvSpPr>
+          <p:nvPr>
+            <p:ph type="title"/>
+          </p:nvPr>
+        </p:nvSpPr>
+        <p:spPr/>
+        <p:txBody>
+          <a:bodyPr/>
+          <a:lstStyle/>
+          <a:p>
+            <a:r>
+              <a:rPr lang="en-US" altLang="ja-JP" dirty="0"/>
+              <a:t>TIA+</a:t>
+            </a:r>
+            <a:r>
+              <a:rPr lang="ja-JP" altLang="en-US" dirty="0"/>
+              <a:t>ソース接地のシミュレーション</a:t>
+            </a:r>
+            <a:endParaRPr kumimoji="1" lang="ja-JP" altLang="en-US" dirty="0"/>
+          </a:p>
+        </p:txBody>
+      </p:sp>
+      <p:sp>
+        <p:nvSpPr>
+          <p:cNvPr id="3" name="日付プレースホルダー 2">
+            <a:extLst>
+              <a:ext uri="{FF2B5EF4-FFF2-40B4-BE49-F238E27FC236}">
+                <a16:creationId xmlns:a16="http://schemas.microsoft.com/office/drawing/2014/main" id="{D7BEB4D6-90B3-601E-32AB-F5DEB7D8DCB1}"/>
+              </a:ext>
+            </a:extLst>
+          </p:cNvPr>
+          <p:cNvSpPr>
+            <a:spLocks noGrp="1"/>
+          </p:cNvSpPr>
+          <p:nvPr>
+            <p:ph type="dt" sz="half" idx="10"/>
+          </p:nvPr>
+        </p:nvSpPr>
+        <p:spPr/>
+        <p:txBody>
+          <a:bodyPr/>
+          <a:lstStyle/>
+          <a:p>
+            <a:fld id="{EEA6A375-72BC-45FC-83AA-00EA8839FC12}" type="datetime1">
+              <a:rPr kumimoji="1" lang="ja-JP" altLang="en-US" smtClean="0"/>
+              <a:t>2024/6/16</a:t>
+            </a:fld>
+            <a:endParaRPr kumimoji="1" lang="ja-JP" altLang="en-US"/>
+          </a:p>
+        </p:txBody>
+      </p:sp>
+      <p:sp>
+        <p:nvSpPr>
+          <p:cNvPr id="4" name="スライド番号プレースホルダー 3">
+            <a:extLst>
+              <a:ext uri="{FF2B5EF4-FFF2-40B4-BE49-F238E27FC236}">
+                <a16:creationId xmlns:a16="http://schemas.microsoft.com/office/drawing/2014/main" id="{0F3975BE-4090-1FA3-C644-E697B089EC92}"/>
+              </a:ext>
+            </a:extLst>
+          </p:cNvPr>
+          <p:cNvSpPr>
+            <a:spLocks noGrp="1"/>
+          </p:cNvSpPr>
+          <p:nvPr>
+            <p:ph type="sldNum" sz="quarter" idx="12"/>
+          </p:nvPr>
+        </p:nvSpPr>
+        <p:spPr/>
+        <p:txBody>
+          <a:bodyPr/>
+          <a:lstStyle/>
+          <a:p>
+            <a:fld id="{6294761A-CFE9-4878-87A7-90ECABD59CE5}" type="slidenum">
+              <a:rPr kumimoji="1" lang="ja-JP" altLang="en-US" smtClean="0"/>
+              <a:t>11</a:t>
+            </a:fld>
+            <a:endParaRPr kumimoji="1" lang="ja-JP" altLang="en-US"/>
+          </a:p>
+        </p:txBody>
+      </p:sp>
+      <p:sp>
+        <p:nvSpPr>
+          <p:cNvPr id="5" name="フッター プレースホルダー 4">
+            <a:extLst>
+              <a:ext uri="{FF2B5EF4-FFF2-40B4-BE49-F238E27FC236}">
+                <a16:creationId xmlns:a16="http://schemas.microsoft.com/office/drawing/2014/main" id="{B826E359-F946-F4F7-DFB8-78B5CE2E46C9}"/>
+              </a:ext>
+            </a:extLst>
+          </p:cNvPr>
+          <p:cNvSpPr>
+            <a:spLocks noGrp="1"/>
+          </p:cNvSpPr>
+          <p:nvPr>
+            <p:ph type="ftr" sz="quarter" idx="3"/>
+          </p:nvPr>
+        </p:nvSpPr>
+        <p:spPr/>
+        <p:txBody>
+          <a:bodyPr/>
+          <a:lstStyle/>
+          <a:p>
+            <a:r>
+              <a:rPr lang="en-US" altLang="ja-JP"/>
+              <a:t>Wave Signal Processing Circuit Laboratory,  Meiji University</a:t>
+            </a:r>
+            <a:endParaRPr lang="en-US" altLang="ja-JP" dirty="0"/>
+          </a:p>
+        </p:txBody>
+      </p:sp>
+      <p:pic>
+        <p:nvPicPr>
+          <p:cNvPr id="7" name="図 6" descr="グラフ&#10;&#10;自動的に生成された説明">
+            <a:extLst>
+              <a:ext uri="{FF2B5EF4-FFF2-40B4-BE49-F238E27FC236}">
+                <a16:creationId xmlns:a16="http://schemas.microsoft.com/office/drawing/2014/main" id="{A614ED6B-7C81-5931-E32F-231615C6BF8D}"/>
+              </a:ext>
+            </a:extLst>
+          </p:cNvPr>
+          <p:cNvPicPr>
+            <a:picLocks noChangeAspect="1"/>
+          </p:cNvPicPr>
+          <p:nvPr/>
+        </p:nvPicPr>
+        <p:blipFill>
+          <a:blip r:embed="rId2">
+            <a:extLst>
+              <a:ext uri="{28A0092B-C50C-407E-A947-70E740481C1C}">
+                <a14:useLocalDpi xmlns:a14="http://schemas.microsoft.com/office/drawing/2010/main" val="0"/>
+              </a:ext>
+            </a:extLst>
+          </a:blip>
+          <a:stretch>
+            <a:fillRect/>
+          </a:stretch>
+        </p:blipFill>
+        <p:spPr>
+          <a:xfrm>
+            <a:off x="254311" y="1300210"/>
+            <a:ext cx="7120069" cy="4984049"/>
+          </a:xfrm>
+          <a:prstGeom prst="rect">
+            <a:avLst/>
+          </a:prstGeom>
+        </p:spPr>
+      </p:pic>
+      <mc:AlternateContent xmlns:mc="http://schemas.openxmlformats.org/markup-compatibility/2006">
+        <mc:Choice xmlns:a14="http://schemas.microsoft.com/office/drawing/2010/main" Requires="a14">
+          <p:sp>
+            <p:nvSpPr>
+              <p:cNvPr id="8" name="テキスト ボックス 7">
+                <a:extLst>
+                  <a:ext uri="{FF2B5EF4-FFF2-40B4-BE49-F238E27FC236}">
+                    <a16:creationId xmlns:a16="http://schemas.microsoft.com/office/drawing/2014/main" id="{EC1F50C0-29A6-5BE1-BF97-CE7833B2EAFE}"/>
+                  </a:ext>
+                </a:extLst>
+              </p:cNvPr>
+              <p:cNvSpPr txBox="1"/>
+              <p:nvPr/>
+            </p:nvSpPr>
+            <p:spPr>
+              <a:xfrm>
+                <a:off x="6893857" y="2090172"/>
+                <a:ext cx="4756960" cy="2677656"/>
+              </a:xfrm>
+              <a:prstGeom prst="rect">
+                <a:avLst/>
+              </a:prstGeom>
+              <a:noFill/>
+            </p:spPr>
+            <p:txBody>
+              <a:bodyPr wrap="square" rtlCol="0">
+                <a:spAutoFit/>
+              </a:bodyPr>
+              <a:lstStyle/>
+              <a:p>
+                <a:pPr algn="l"/>
+                <a:r>
+                  <a:rPr kumimoji="1" lang="ja-JP" altLang="en-US" sz="2400" dirty="0">
+                    <a:latin typeface="Times Newer Roman" panose="00000500000000000000" pitchFamily="50" charset="0"/>
+                  </a:rPr>
+                  <a:t>乗算回路との接続はなし</a:t>
+                </a:r>
+                <a:endParaRPr kumimoji="1" lang="en-US" altLang="ja-JP" sz="2400" dirty="0">
+                  <a:latin typeface="Times Newer Roman" panose="00000500000000000000" pitchFamily="50" charset="0"/>
+                </a:endParaRPr>
+              </a:p>
+              <a:p>
+                <a:pPr algn="l"/>
+                <a:r>
+                  <a:rPr lang="en-US" altLang="ja-JP" sz="2400" dirty="0">
+                    <a:latin typeface="Times Newer Roman" panose="00000500000000000000" pitchFamily="50" charset="0"/>
+                  </a:rPr>
+                  <a:t>TIA</a:t>
+                </a:r>
+                <a:r>
+                  <a:rPr lang="ja-JP" altLang="en-US" sz="2400" dirty="0">
+                    <a:latin typeface="Times Newer Roman" panose="00000500000000000000" pitchFamily="50" charset="0"/>
+                  </a:rPr>
+                  <a:t>とソース接地増幅回路を接続した状態でのシミュレーション。</a:t>
+                </a:r>
+                <a:endParaRPr lang="en-US" altLang="ja-JP" sz="2400" dirty="0">
+                  <a:latin typeface="Times Newer Roman" panose="00000500000000000000" pitchFamily="50" charset="0"/>
+                </a:endParaRPr>
+              </a:p>
+              <a:p>
+                <a:pPr algn="l"/>
+                <a14:m>
+                  <m:oMath xmlns:m="http://schemas.openxmlformats.org/officeDocument/2006/math">
+                    <m:sSub>
+                      <m:sSubPr>
+                        <m:ctrlPr>
+                          <a:rPr kumimoji="1" lang="en-US" altLang="ja-JP" sz="2400" b="0" smtClean="0">
+                            <a:latin typeface="Cambria Math" panose="02040503050406030204" pitchFamily="18" charset="0"/>
+                          </a:rPr>
+                        </m:ctrlPr>
+                      </m:sSubPr>
+                      <m:e>
+                        <m:r>
+                          <m:rPr>
+                            <m:sty m:val="p"/>
+                          </m:rPr>
+                          <a:rPr kumimoji="1" lang="en-US" altLang="ja-JP" sz="2400" b="0" i="0" smtClean="0">
+                            <a:latin typeface="Cambria Math" panose="02040503050406030204" pitchFamily="18" charset="0"/>
+                          </a:rPr>
+                          <m:t>v</m:t>
+                        </m:r>
+                      </m:e>
+                      <m:sub>
+                        <m:r>
+                          <m:rPr>
+                            <m:sty m:val="p"/>
+                          </m:rPr>
+                          <a:rPr kumimoji="1" lang="en-US" altLang="ja-JP" sz="2400" b="0" i="0" smtClean="0">
+                            <a:latin typeface="Cambria Math" panose="02040503050406030204" pitchFamily="18" charset="0"/>
+                          </a:rPr>
+                          <m:t>m</m:t>
+                        </m:r>
+                      </m:sub>
+                    </m:sSub>
+                  </m:oMath>
+                </a14:m>
+                <a:r>
+                  <a:rPr kumimoji="1" lang="ja-JP" altLang="en-US" sz="2400" dirty="0">
+                    <a:latin typeface="Times Newer Roman" panose="00000500000000000000" pitchFamily="50" charset="0"/>
+                  </a:rPr>
+                  <a:t>は</a:t>
+                </a:r>
+                <a:r>
+                  <a:rPr kumimoji="1" lang="en-US" altLang="ja-JP" sz="2400" dirty="0">
+                    <a:latin typeface="Times Newer Roman" panose="00000500000000000000" pitchFamily="50" charset="0"/>
+                  </a:rPr>
+                  <a:t>TIA</a:t>
+                </a:r>
+                <a:r>
+                  <a:rPr kumimoji="1" lang="ja-JP" altLang="en-US" sz="2400" dirty="0">
+                    <a:latin typeface="Times Newer Roman" panose="00000500000000000000" pitchFamily="50" charset="0"/>
+                  </a:rPr>
+                  <a:t>とソース接地の接続部分。</a:t>
+                </a:r>
+                <a:endParaRPr kumimoji="1" lang="en-US" altLang="ja-JP" sz="2400" dirty="0">
+                  <a:latin typeface="Times Newer Roman" panose="00000500000000000000" pitchFamily="50" charset="0"/>
+                </a:endParaRPr>
+              </a:p>
+              <a:p>
+                <a:pPr algn="l"/>
+                <a:endParaRPr lang="en-US" altLang="ja-JP" sz="2400" dirty="0">
+                  <a:latin typeface="Times Newer Roman" panose="00000500000000000000" pitchFamily="50" charset="0"/>
+                </a:endParaRPr>
+              </a:p>
+              <a:p>
+                <a:pPr algn="l"/>
+                <a:r>
+                  <a:rPr kumimoji="1" lang="ja-JP" altLang="en-US" sz="2400" dirty="0">
+                    <a:latin typeface="Times Newer Roman" panose="00000500000000000000" pitchFamily="50" charset="0"/>
+                  </a:rPr>
+                  <a:t>遮断周波数、伝達インピーダンスをある程度は予測できそうである。</a:t>
+                </a:r>
+                <a:endParaRPr kumimoji="1" lang="en-US" altLang="ja-JP" sz="2400" dirty="0">
+                  <a:latin typeface="Times Newer Roman" panose="00000500000000000000" pitchFamily="50" charset="0"/>
+                </a:endParaRPr>
+              </a:p>
+            </p:txBody>
+          </p:sp>
+        </mc:Choice>
+        <mc:Fallback>
+          <p:sp>
+            <p:nvSpPr>
+              <p:cNvPr id="8" name="テキスト ボックス 7">
+                <a:extLst>
+                  <a:ext uri="{FF2B5EF4-FFF2-40B4-BE49-F238E27FC236}">
+                    <a16:creationId xmlns:a16="http://schemas.microsoft.com/office/drawing/2014/main" id="{EC1F50C0-29A6-5BE1-BF97-CE7833B2EAFE}"/>
+                  </a:ext>
+                </a:extLst>
+              </p:cNvPr>
+              <p:cNvSpPr txBox="1">
+                <a:spLocks noRot="1" noChangeAspect="1" noMove="1" noResize="1" noEditPoints="1" noAdjustHandles="1" noChangeArrowheads="1" noChangeShapeType="1" noTextEdit="1"/>
+              </p:cNvSpPr>
+              <p:nvPr/>
+            </p:nvSpPr>
+            <p:spPr>
+              <a:xfrm>
+                <a:off x="6893857" y="2090172"/>
+                <a:ext cx="4756960" cy="2677656"/>
+              </a:xfrm>
+              <a:prstGeom prst="rect">
+                <a:avLst/>
+              </a:prstGeom>
+              <a:blipFill>
+                <a:blip r:embed="rId3"/>
+                <a:stretch>
+                  <a:fillRect l="-2051" t="-2278" r="-8333" b="-3872"/>
+                </a:stretch>
+              </a:blipFill>
+            </p:spPr>
+            <p:txBody>
+              <a:bodyPr/>
+              <a:lstStyle/>
+              <a:p>
+                <a:r>
+                  <a:rPr lang="ja-JP" altLang="en-US">
+                    <a:noFill/>
+                  </a:rPr>
+                  <a:t> </a:t>
+                </a:r>
+              </a:p>
+            </p:txBody>
+          </p:sp>
+        </mc:Fallback>
+      </mc:AlternateContent>
+    </p:spTree>
+    <p:extLst>
+      <p:ext uri="{BB962C8B-B14F-4D97-AF65-F5344CB8AC3E}">
+        <p14:creationId xmlns:p14="http://schemas.microsoft.com/office/powerpoint/2010/main" val="2495404354"/>
       </p:ext>
     </p:extLst>
   </p:cSld>
@@ -5010,7 +5690,7 @@
           <a:p>
             <a:fld id="{7D14AB70-9A31-428D-80CA-6C2A71BE81C0}" type="datetime1">
               <a:rPr kumimoji="1" lang="ja-JP" altLang="en-US" smtClean="0"/>
-              <a:t>2024/6/15</a:t>
+              <a:t>2024/6/16</a:t>
             </a:fld>
             <a:endParaRPr kumimoji="1" lang="ja-JP" altLang="en-US"/>
           </a:p>
@@ -5156,7 +5836,7 @@
           <a:p>
             <a:fld id="{EEA6A375-72BC-45FC-83AA-00EA8839FC12}" type="datetime1">
               <a:rPr kumimoji="1" lang="ja-JP" altLang="en-US" smtClean="0"/>
-              <a:t>2024/6/15</a:t>
+              <a:t>2024/6/16</a:t>
             </a:fld>
             <a:endParaRPr kumimoji="1" lang="ja-JP" altLang="en-US"/>
           </a:p>
@@ -5301,7 +5981,7 @@
           <a:p>
             <a:fld id="{EEA6A375-72BC-45FC-83AA-00EA8839FC12}" type="datetime1">
               <a:rPr kumimoji="1" lang="ja-JP" altLang="en-US" smtClean="0"/>
-              <a:t>2024/6/15</a:t>
+              <a:t>2024/6/16</a:t>
             </a:fld>
             <a:endParaRPr kumimoji="1" lang="ja-JP" altLang="en-US"/>
           </a:p>
@@ -5418,7 +6098,15 @@
           <a:p>
             <a:r>
               <a:rPr kumimoji="1" lang="ja-JP" altLang="en-US" dirty="0"/>
-              <a:t>シミュレーション回路</a:t>
+              <a:t>シミュレーション回路 </a:t>
+            </a:r>
+            <a:r>
+              <a:rPr kumimoji="1" lang="en-US" altLang="ja-JP" dirty="0"/>
+              <a:t>– </a:t>
+            </a:r>
+            <a:r>
+              <a:rPr kumimoji="1" lang="ja-JP" altLang="en-US" dirty="0"/>
+              <a:t>初段</a:t>
             </a:r>
           </a:p>
         </p:txBody>
@@ -5446,7 +6134,7 @@
           <a:p>
             <a:fld id="{EEA6A375-72BC-45FC-83AA-00EA8839FC12}" type="datetime1">
               <a:rPr kumimoji="1" lang="ja-JP" altLang="en-US" smtClean="0"/>
-              <a:t>2024/6/15</a:t>
+              <a:t>2024/6/16</a:t>
             </a:fld>
             <a:endParaRPr kumimoji="1" lang="ja-JP" altLang="en-US"/>
           </a:p>
@@ -5707,7 +6395,7 @@
               <a:rPr lang="ja-JP" altLang="en-US" sz="2400" dirty="0">
                 <a:latin typeface="Times Newer Roman" panose="00000500000000000000" pitchFamily="50" charset="0"/>
               </a:rPr>
-              <a:t>電圧制御電流源を使用。</a:t>
+              <a:t>シミュレーション。</a:t>
             </a:r>
             <a:endParaRPr lang="en-US" altLang="ja-JP" sz="2400" dirty="0">
               <a:latin typeface="Times Newer Roman" panose="00000500000000000000" pitchFamily="50" charset="0"/>
@@ -5728,22 +6416,16 @@
               <a:t>virtuoso</a:t>
             </a:r>
             <a:r>
-              <a:rPr kumimoji="1" lang="ja-JP" altLang="en-US" sz="2400">
+              <a:rPr kumimoji="1" lang="ja-JP" altLang="en-US" sz="2400" dirty="0">
                 <a:latin typeface="Times Newer Roman" panose="00000500000000000000" pitchFamily="50" charset="0"/>
               </a:rPr>
               <a:t>の</a:t>
             </a:r>
             <a:r>
-              <a:rPr kumimoji="1" lang="en-US" altLang="ja-JP" sz="2400">
-                <a:latin typeface="Times Newer Roman" panose="00000500000000000000" pitchFamily="50" charset="0"/>
-              </a:rPr>
-              <a:t>DC </a:t>
-            </a:r>
-            <a:r>
               <a:rPr kumimoji="1" lang="en-US" altLang="ja-JP" sz="2400" dirty="0">
                 <a:latin typeface="Times Newer Roman" panose="00000500000000000000" pitchFamily="50" charset="0"/>
               </a:rPr>
-              <a:t>Operating Points</a:t>
+              <a:t>DC Operating Points</a:t>
             </a:r>
             <a:r>
               <a:rPr kumimoji="1" lang="ja-JP" altLang="en-US" sz="2400" dirty="0">
@@ -5758,6 +6440,1245 @@
     <p:extLst>
       <p:ext uri="{BB962C8B-B14F-4D97-AF65-F5344CB8AC3E}">
         <p14:creationId xmlns:p14="http://schemas.microsoft.com/office/powerpoint/2010/main" val="2871149507"/>
+      </p:ext>
+    </p:extLst>
+  </p:cSld>
+  <p:clrMapOvr>
+    <a:masterClrMapping/>
+  </p:clrMapOvr>
+</p:sld>
+</file>
+
+<file path=ppt/slides/slide6.xml><?xml version="1.0" encoding="utf-8"?>
+<p:sld xmlns:a="http://schemas.openxmlformats.org/drawingml/2006/main" xmlns:r="http://schemas.openxmlformats.org/officeDocument/2006/relationships" xmlns:p="http://schemas.openxmlformats.org/presentationml/2006/main">
+  <p:cSld>
+    <p:spTree>
+      <p:nvGrpSpPr>
+        <p:cNvPr id="1" name=""/>
+        <p:cNvGrpSpPr/>
+        <p:nvPr/>
+      </p:nvGrpSpPr>
+      <p:grpSpPr>
+        <a:xfrm>
+          <a:off x="0" y="0"/>
+          <a:ext cx="0" cy="0"/>
+          <a:chOff x="0" y="0"/>
+          <a:chExt cx="0" cy="0"/>
+        </a:xfrm>
+      </p:grpSpPr>
+      <p:sp>
+        <p:nvSpPr>
+          <p:cNvPr id="2" name="タイトル 1">
+            <a:extLst>
+              <a:ext uri="{FF2B5EF4-FFF2-40B4-BE49-F238E27FC236}">
+                <a16:creationId xmlns:a16="http://schemas.microsoft.com/office/drawing/2014/main" id="{7B6969B9-7263-43BA-22D7-793B3D0497DC}"/>
+              </a:ext>
+            </a:extLst>
+          </p:cNvPr>
+          <p:cNvSpPr>
+            <a:spLocks noGrp="1"/>
+          </p:cNvSpPr>
+          <p:nvPr>
+            <p:ph type="title"/>
+          </p:nvPr>
+        </p:nvSpPr>
+        <p:spPr/>
+        <p:txBody>
+          <a:bodyPr/>
+          <a:lstStyle/>
+          <a:p>
+            <a:r>
+              <a:rPr kumimoji="1" lang="ja-JP" altLang="en-US" dirty="0"/>
+              <a:t>シミュレーション結果 </a:t>
+            </a:r>
+            <a:r>
+              <a:rPr kumimoji="1" lang="en-US" altLang="ja-JP" dirty="0"/>
+              <a:t>– </a:t>
+            </a:r>
+            <a:r>
+              <a:rPr kumimoji="1" lang="ja-JP" altLang="en-US" dirty="0"/>
+              <a:t>初段</a:t>
+            </a:r>
+          </a:p>
+        </p:txBody>
+      </p:sp>
+      <p:sp>
+        <p:nvSpPr>
+          <p:cNvPr id="3" name="日付プレースホルダー 2">
+            <a:extLst>
+              <a:ext uri="{FF2B5EF4-FFF2-40B4-BE49-F238E27FC236}">
+                <a16:creationId xmlns:a16="http://schemas.microsoft.com/office/drawing/2014/main" id="{B37D906C-CFB4-6AA2-418D-2B5668B2F5FC}"/>
+              </a:ext>
+            </a:extLst>
+          </p:cNvPr>
+          <p:cNvSpPr>
+            <a:spLocks noGrp="1"/>
+          </p:cNvSpPr>
+          <p:nvPr>
+            <p:ph type="dt" sz="half" idx="10"/>
+          </p:nvPr>
+        </p:nvSpPr>
+        <p:spPr/>
+        <p:txBody>
+          <a:bodyPr/>
+          <a:lstStyle/>
+          <a:p>
+            <a:fld id="{EEA6A375-72BC-45FC-83AA-00EA8839FC12}" type="datetime1">
+              <a:rPr kumimoji="1" lang="ja-JP" altLang="en-US" smtClean="0"/>
+              <a:t>2024/6/16</a:t>
+            </a:fld>
+            <a:endParaRPr kumimoji="1" lang="ja-JP" altLang="en-US"/>
+          </a:p>
+        </p:txBody>
+      </p:sp>
+      <p:sp>
+        <p:nvSpPr>
+          <p:cNvPr id="4" name="スライド番号プレースホルダー 3">
+            <a:extLst>
+              <a:ext uri="{FF2B5EF4-FFF2-40B4-BE49-F238E27FC236}">
+                <a16:creationId xmlns:a16="http://schemas.microsoft.com/office/drawing/2014/main" id="{F5D0811D-A28D-AD47-8070-716DE9D1A750}"/>
+              </a:ext>
+            </a:extLst>
+          </p:cNvPr>
+          <p:cNvSpPr>
+            <a:spLocks noGrp="1"/>
+          </p:cNvSpPr>
+          <p:nvPr>
+            <p:ph type="sldNum" sz="quarter" idx="12"/>
+          </p:nvPr>
+        </p:nvSpPr>
+        <p:spPr/>
+        <p:txBody>
+          <a:bodyPr/>
+          <a:lstStyle/>
+          <a:p>
+            <a:fld id="{6294761A-CFE9-4878-87A7-90ECABD59CE5}" type="slidenum">
+              <a:rPr kumimoji="1" lang="ja-JP" altLang="en-US" smtClean="0"/>
+              <a:t>6</a:t>
+            </a:fld>
+            <a:endParaRPr kumimoji="1" lang="ja-JP" altLang="en-US"/>
+          </a:p>
+        </p:txBody>
+      </p:sp>
+      <p:sp>
+        <p:nvSpPr>
+          <p:cNvPr id="5" name="フッター プレースホルダー 4">
+            <a:extLst>
+              <a:ext uri="{FF2B5EF4-FFF2-40B4-BE49-F238E27FC236}">
+                <a16:creationId xmlns:a16="http://schemas.microsoft.com/office/drawing/2014/main" id="{B6AB0A62-5889-2E08-DBAD-68156BC494AE}"/>
+              </a:ext>
+            </a:extLst>
+          </p:cNvPr>
+          <p:cNvSpPr>
+            <a:spLocks noGrp="1"/>
+          </p:cNvSpPr>
+          <p:nvPr>
+            <p:ph type="ftr" sz="quarter" idx="3"/>
+          </p:nvPr>
+        </p:nvSpPr>
+        <p:spPr/>
+        <p:txBody>
+          <a:bodyPr/>
+          <a:lstStyle/>
+          <a:p>
+            <a:r>
+              <a:rPr lang="en-US" altLang="ja-JP"/>
+              <a:t>Wave Signal Processing Circuit Laboratory,  Meiji University</a:t>
+            </a:r>
+            <a:endParaRPr lang="en-US" altLang="ja-JP" dirty="0"/>
+          </a:p>
+        </p:txBody>
+      </p:sp>
+      <p:pic>
+        <p:nvPicPr>
+          <p:cNvPr id="7" name="図 6" descr="グラフ&#10;&#10;自動的に生成された説明">
+            <a:extLst>
+              <a:ext uri="{FF2B5EF4-FFF2-40B4-BE49-F238E27FC236}">
+                <a16:creationId xmlns:a16="http://schemas.microsoft.com/office/drawing/2014/main" id="{1EE7D774-9D36-F740-7A72-FCAAC7A1CE46}"/>
+              </a:ext>
+            </a:extLst>
+          </p:cNvPr>
+          <p:cNvPicPr>
+            <a:picLocks noChangeAspect="1"/>
+          </p:cNvPicPr>
+          <p:nvPr/>
+        </p:nvPicPr>
+        <p:blipFill>
+          <a:blip r:embed="rId2">
+            <a:extLst>
+              <a:ext uri="{28A0092B-C50C-407E-A947-70E740481C1C}">
+                <a14:useLocalDpi xmlns:a14="http://schemas.microsoft.com/office/drawing/2010/main" val="0"/>
+              </a:ext>
+            </a:extLst>
+          </a:blip>
+          <a:stretch>
+            <a:fillRect/>
+          </a:stretch>
+        </p:blipFill>
+        <p:spPr>
+          <a:xfrm>
+            <a:off x="370853" y="1172263"/>
+            <a:ext cx="7398788" cy="5179152"/>
+          </a:xfrm>
+          <a:prstGeom prst="rect">
+            <a:avLst/>
+          </a:prstGeom>
+        </p:spPr>
+      </p:pic>
+      <p:sp>
+        <p:nvSpPr>
+          <p:cNvPr id="8" name="テキスト ボックス 7">
+            <a:extLst>
+              <a:ext uri="{FF2B5EF4-FFF2-40B4-BE49-F238E27FC236}">
+                <a16:creationId xmlns:a16="http://schemas.microsoft.com/office/drawing/2014/main" id="{CE60BDA4-7578-EE55-6A08-2493F668A472}"/>
+              </a:ext>
+            </a:extLst>
+          </p:cNvPr>
+          <p:cNvSpPr txBox="1"/>
+          <p:nvPr/>
+        </p:nvSpPr>
+        <p:spPr>
+          <a:xfrm>
+            <a:off x="7083767" y="2459504"/>
+            <a:ext cx="4730065" cy="1938992"/>
+          </a:xfrm>
+          <a:prstGeom prst="rect">
+            <a:avLst/>
+          </a:prstGeom>
+          <a:noFill/>
+        </p:spPr>
+        <p:txBody>
+          <a:bodyPr wrap="square" rtlCol="0">
+            <a:spAutoFit/>
+          </a:bodyPr>
+          <a:lstStyle/>
+          <a:p>
+            <a:pPr algn="l"/>
+            <a:r>
+              <a:rPr kumimoji="1" lang="en-US" altLang="ja-JP" sz="2400" dirty="0" err="1">
+                <a:latin typeface="Times Newer Roman" panose="00000500000000000000" pitchFamily="50" charset="0"/>
+              </a:rPr>
+              <a:t>LTSpice</a:t>
+            </a:r>
+            <a:r>
+              <a:rPr lang="ja-JP" altLang="en-US" sz="2400" dirty="0">
+                <a:latin typeface="Times Newer Roman" panose="00000500000000000000" pitchFamily="50" charset="0"/>
+              </a:rPr>
+              <a:t>と</a:t>
+            </a:r>
+            <a:r>
+              <a:rPr lang="en-US" altLang="ja-JP" sz="2400" dirty="0">
+                <a:latin typeface="Times Newer Roman" panose="00000500000000000000" pitchFamily="50" charset="0"/>
+              </a:rPr>
+              <a:t>virtuoso</a:t>
+            </a:r>
+            <a:r>
+              <a:rPr lang="ja-JP" altLang="en-US" sz="2400" dirty="0">
+                <a:latin typeface="Times Newer Roman" panose="00000500000000000000" pitchFamily="50" charset="0"/>
+              </a:rPr>
+              <a:t>でのモデルを使用したシミュレーション結果はかなり一致していた。</a:t>
+            </a:r>
+            <a:endParaRPr lang="en-US" altLang="ja-JP" sz="2400" dirty="0">
+              <a:latin typeface="Times Newer Roman" panose="00000500000000000000" pitchFamily="50" charset="0"/>
+            </a:endParaRPr>
+          </a:p>
+          <a:p>
+            <a:pPr algn="l"/>
+            <a:endParaRPr kumimoji="1" lang="en-US" altLang="ja-JP" sz="2400" dirty="0">
+              <a:latin typeface="Times Newer Roman" panose="00000500000000000000" pitchFamily="50" charset="0"/>
+            </a:endParaRPr>
+          </a:p>
+          <a:p>
+            <a:pPr algn="l"/>
+            <a:r>
+              <a:rPr lang="en-US" altLang="ja-JP" sz="2400" dirty="0">
+                <a:latin typeface="Times Newer Roman" panose="00000500000000000000" pitchFamily="50" charset="0"/>
+              </a:rPr>
+              <a:t>TIA</a:t>
+            </a:r>
+            <a:r>
+              <a:rPr lang="ja-JP" altLang="en-US" sz="2400" dirty="0">
+                <a:latin typeface="Times Newer Roman" panose="00000500000000000000" pitchFamily="50" charset="0"/>
+              </a:rPr>
+              <a:t>のモデルとしては十分なよう。</a:t>
+            </a:r>
+            <a:endParaRPr kumimoji="1" lang="ja-JP" altLang="en-US" sz="2400" dirty="0">
+              <a:latin typeface="Times Newer Roman" panose="00000500000000000000" pitchFamily="50" charset="0"/>
+            </a:endParaRPr>
+          </a:p>
+        </p:txBody>
+      </p:sp>
+    </p:spTree>
+    <p:extLst>
+      <p:ext uri="{BB962C8B-B14F-4D97-AF65-F5344CB8AC3E}">
+        <p14:creationId xmlns:p14="http://schemas.microsoft.com/office/powerpoint/2010/main" val="97927760"/>
+      </p:ext>
+    </p:extLst>
+  </p:cSld>
+  <p:clrMapOvr>
+    <a:masterClrMapping/>
+  </p:clrMapOvr>
+</p:sld>
+</file>
+
+<file path=ppt/slides/slide7.xml><?xml version="1.0" encoding="utf-8"?>
+<p:sld xmlns:a="http://schemas.openxmlformats.org/drawingml/2006/main" xmlns:r="http://schemas.openxmlformats.org/officeDocument/2006/relationships" xmlns:p="http://schemas.openxmlformats.org/presentationml/2006/main">
+  <p:cSld>
+    <p:spTree>
+      <p:nvGrpSpPr>
+        <p:cNvPr id="1" name=""/>
+        <p:cNvGrpSpPr/>
+        <p:nvPr/>
+      </p:nvGrpSpPr>
+      <p:grpSpPr>
+        <a:xfrm>
+          <a:off x="0" y="0"/>
+          <a:ext cx="0" cy="0"/>
+          <a:chOff x="0" y="0"/>
+          <a:chExt cx="0" cy="0"/>
+        </a:xfrm>
+      </p:grpSpPr>
+      <p:sp>
+        <p:nvSpPr>
+          <p:cNvPr id="2" name="タイトル 1">
+            <a:extLst>
+              <a:ext uri="{FF2B5EF4-FFF2-40B4-BE49-F238E27FC236}">
+                <a16:creationId xmlns:a16="http://schemas.microsoft.com/office/drawing/2014/main" id="{0A6B2B24-5347-02E2-7DA3-CB2F7868D229}"/>
+              </a:ext>
+            </a:extLst>
+          </p:cNvPr>
+          <p:cNvSpPr>
+            <a:spLocks noGrp="1"/>
+          </p:cNvSpPr>
+          <p:nvPr>
+            <p:ph type="title"/>
+          </p:nvPr>
+        </p:nvSpPr>
+        <p:spPr/>
+        <p:txBody>
+          <a:bodyPr/>
+          <a:lstStyle/>
+          <a:p>
+            <a:r>
+              <a:rPr kumimoji="1" lang="ja-JP" altLang="en-US" dirty="0"/>
+              <a:t>シミュレーション回路 </a:t>
+            </a:r>
+            <a:r>
+              <a:rPr kumimoji="1" lang="en-US" altLang="ja-JP" dirty="0"/>
+              <a:t>– </a:t>
+            </a:r>
+            <a:r>
+              <a:rPr lang="ja-JP" altLang="en-US" dirty="0"/>
+              <a:t>二段目</a:t>
+            </a:r>
+            <a:endParaRPr kumimoji="1" lang="ja-JP" altLang="en-US" dirty="0"/>
+          </a:p>
+        </p:txBody>
+      </p:sp>
+      <p:sp>
+        <p:nvSpPr>
+          <p:cNvPr id="3" name="日付プレースホルダー 2">
+            <a:extLst>
+              <a:ext uri="{FF2B5EF4-FFF2-40B4-BE49-F238E27FC236}">
+                <a16:creationId xmlns:a16="http://schemas.microsoft.com/office/drawing/2014/main" id="{0812DAD0-5275-5C28-7736-EA767B7D29BE}"/>
+              </a:ext>
+            </a:extLst>
+          </p:cNvPr>
+          <p:cNvSpPr>
+            <a:spLocks noGrp="1"/>
+          </p:cNvSpPr>
+          <p:nvPr>
+            <p:ph type="dt" sz="half" idx="10"/>
+          </p:nvPr>
+        </p:nvSpPr>
+        <p:spPr/>
+        <p:txBody>
+          <a:bodyPr/>
+          <a:lstStyle/>
+          <a:p>
+            <a:fld id="{EEA6A375-72BC-45FC-83AA-00EA8839FC12}" type="datetime1">
+              <a:rPr kumimoji="1" lang="ja-JP" altLang="en-US" smtClean="0"/>
+              <a:t>2024/6/16</a:t>
+            </a:fld>
+            <a:endParaRPr kumimoji="1" lang="ja-JP" altLang="en-US"/>
+          </a:p>
+        </p:txBody>
+      </p:sp>
+      <p:sp>
+        <p:nvSpPr>
+          <p:cNvPr id="4" name="スライド番号プレースホルダー 3">
+            <a:extLst>
+              <a:ext uri="{FF2B5EF4-FFF2-40B4-BE49-F238E27FC236}">
+                <a16:creationId xmlns:a16="http://schemas.microsoft.com/office/drawing/2014/main" id="{238A165B-F0EA-8015-B14E-D4DE148E5F04}"/>
+              </a:ext>
+            </a:extLst>
+          </p:cNvPr>
+          <p:cNvSpPr>
+            <a:spLocks noGrp="1"/>
+          </p:cNvSpPr>
+          <p:nvPr>
+            <p:ph type="sldNum" sz="quarter" idx="12"/>
+          </p:nvPr>
+        </p:nvSpPr>
+        <p:spPr/>
+        <p:txBody>
+          <a:bodyPr/>
+          <a:lstStyle/>
+          <a:p>
+            <a:fld id="{6294761A-CFE9-4878-87A7-90ECABD59CE5}" type="slidenum">
+              <a:rPr kumimoji="1" lang="ja-JP" altLang="en-US" smtClean="0"/>
+              <a:t>7</a:t>
+            </a:fld>
+            <a:endParaRPr kumimoji="1" lang="ja-JP" altLang="en-US"/>
+          </a:p>
+        </p:txBody>
+      </p:sp>
+      <p:sp>
+        <p:nvSpPr>
+          <p:cNvPr id="5" name="フッター プレースホルダー 4">
+            <a:extLst>
+              <a:ext uri="{FF2B5EF4-FFF2-40B4-BE49-F238E27FC236}">
+                <a16:creationId xmlns:a16="http://schemas.microsoft.com/office/drawing/2014/main" id="{B84D36C3-1FC8-0951-80B7-0260FAE213C0}"/>
+              </a:ext>
+            </a:extLst>
+          </p:cNvPr>
+          <p:cNvSpPr>
+            <a:spLocks noGrp="1"/>
+          </p:cNvSpPr>
+          <p:nvPr>
+            <p:ph type="ftr" sz="quarter" idx="3"/>
+          </p:nvPr>
+        </p:nvSpPr>
+        <p:spPr/>
+        <p:txBody>
+          <a:bodyPr/>
+          <a:lstStyle/>
+          <a:p>
+            <a:r>
+              <a:rPr lang="en-US" altLang="ja-JP"/>
+              <a:t>Wave Signal Processing Circuit Laboratory,  Meiji University</a:t>
+            </a:r>
+            <a:endParaRPr lang="en-US" altLang="ja-JP" dirty="0"/>
+          </a:p>
+        </p:txBody>
+      </p:sp>
+      <p:pic>
+        <p:nvPicPr>
+          <p:cNvPr id="7" name="図 6" descr="グラフィカル ユーザー インターフェイス, アプリケーション&#10;&#10;自動的に生成された説明">
+            <a:extLst>
+              <a:ext uri="{FF2B5EF4-FFF2-40B4-BE49-F238E27FC236}">
+                <a16:creationId xmlns:a16="http://schemas.microsoft.com/office/drawing/2014/main" id="{FABFA668-DBFB-0B7F-BAB6-E53DAE13A71E}"/>
+              </a:ext>
+            </a:extLst>
+          </p:cNvPr>
+          <p:cNvPicPr>
+            <a:picLocks noChangeAspect="1"/>
+          </p:cNvPicPr>
+          <p:nvPr/>
+        </p:nvPicPr>
+        <p:blipFill>
+          <a:blip r:embed="rId2">
+            <a:extLst>
+              <a:ext uri="{28A0092B-C50C-407E-A947-70E740481C1C}">
+                <a14:useLocalDpi xmlns:a14="http://schemas.microsoft.com/office/drawing/2010/main" val="0"/>
+              </a:ext>
+            </a:extLst>
+          </a:blip>
+          <a:stretch>
+            <a:fillRect/>
+          </a:stretch>
+        </p:blipFill>
+        <p:spPr>
+          <a:xfrm>
+            <a:off x="1317917" y="1186881"/>
+            <a:ext cx="2850563" cy="3413271"/>
+          </a:xfrm>
+          <a:prstGeom prst="rect">
+            <a:avLst/>
+          </a:prstGeom>
+        </p:spPr>
+      </p:pic>
+      <p:pic>
+        <p:nvPicPr>
+          <p:cNvPr id="13" name="図 12" descr="グラフィカル ユーザー インターフェイス が含まれている画像&#10;&#10;自動的に生成された説明">
+            <a:extLst>
+              <a:ext uri="{FF2B5EF4-FFF2-40B4-BE49-F238E27FC236}">
+                <a16:creationId xmlns:a16="http://schemas.microsoft.com/office/drawing/2014/main" id="{71D4E75B-6D0B-D84F-35EF-4128FFDE5736}"/>
+              </a:ext>
+            </a:extLst>
+          </p:cNvPr>
+          <p:cNvPicPr>
+            <a:picLocks noChangeAspect="1"/>
+          </p:cNvPicPr>
+          <p:nvPr/>
+        </p:nvPicPr>
+        <p:blipFill>
+          <a:blip r:embed="rId3">
+            <a:extLst>
+              <a:ext uri="{28A0092B-C50C-407E-A947-70E740481C1C}">
+                <a14:useLocalDpi xmlns:a14="http://schemas.microsoft.com/office/drawing/2010/main" val="0"/>
+              </a:ext>
+            </a:extLst>
+          </a:blip>
+          <a:stretch>
+            <a:fillRect/>
+          </a:stretch>
+        </p:blipFill>
+        <p:spPr>
+          <a:xfrm>
+            <a:off x="4271674" y="1471622"/>
+            <a:ext cx="7772416" cy="2843790"/>
+          </a:xfrm>
+          <a:prstGeom prst="rect">
+            <a:avLst/>
+          </a:prstGeom>
+        </p:spPr>
+      </p:pic>
+      <p:sp>
+        <p:nvSpPr>
+          <p:cNvPr id="15" name="テキスト ボックス 14">
+            <a:extLst>
+              <a:ext uri="{FF2B5EF4-FFF2-40B4-BE49-F238E27FC236}">
+                <a16:creationId xmlns:a16="http://schemas.microsoft.com/office/drawing/2014/main" id="{0B923A91-DE07-DFA6-0EFD-BD41907BA117}"/>
+              </a:ext>
+            </a:extLst>
+          </p:cNvPr>
+          <p:cNvSpPr txBox="1"/>
+          <p:nvPr/>
+        </p:nvSpPr>
+        <p:spPr>
+          <a:xfrm>
+            <a:off x="645458" y="5028796"/>
+            <a:ext cx="4195483" cy="830997"/>
+          </a:xfrm>
+          <a:prstGeom prst="rect">
+            <a:avLst/>
+          </a:prstGeom>
+          <a:noFill/>
+        </p:spPr>
+        <p:txBody>
+          <a:bodyPr wrap="square" rtlCol="0">
+            <a:spAutoFit/>
+          </a:bodyPr>
+          <a:lstStyle/>
+          <a:p>
+            <a:pPr algn="l"/>
+            <a:r>
+              <a:rPr kumimoji="1" lang="en-US" altLang="ja-JP" sz="2400" dirty="0">
+                <a:latin typeface="Times Newer Roman" panose="00000500000000000000" pitchFamily="50" charset="0"/>
+              </a:rPr>
+              <a:t>virtuoso</a:t>
+            </a:r>
+            <a:r>
+              <a:rPr kumimoji="1" lang="ja-JP" altLang="en-US" sz="2400" dirty="0">
+                <a:latin typeface="Times Newer Roman" panose="00000500000000000000" pitchFamily="50" charset="0"/>
+              </a:rPr>
+              <a:t>で</a:t>
+            </a:r>
+            <a:r>
+              <a:rPr kumimoji="1" lang="en-US" altLang="ja-JP" sz="2400" dirty="0">
+                <a:latin typeface="Times Newer Roman" panose="00000500000000000000" pitchFamily="50" charset="0"/>
+              </a:rPr>
+              <a:t>IHP</a:t>
+            </a:r>
+            <a:r>
+              <a:rPr kumimoji="1" lang="ja-JP" altLang="en-US" sz="2400" dirty="0">
+                <a:latin typeface="Times Newer Roman" panose="00000500000000000000" pitchFamily="50" charset="0"/>
+              </a:rPr>
+              <a:t>のモデルを使用したソース接地増幅回路。</a:t>
+            </a:r>
+          </a:p>
+        </p:txBody>
+      </p:sp>
+      <p:sp>
+        <p:nvSpPr>
+          <p:cNvPr id="16" name="テキスト ボックス 15">
+            <a:extLst>
+              <a:ext uri="{FF2B5EF4-FFF2-40B4-BE49-F238E27FC236}">
+                <a16:creationId xmlns:a16="http://schemas.microsoft.com/office/drawing/2014/main" id="{90E34BB1-CB1F-851E-282C-2B0483447328}"/>
+              </a:ext>
+            </a:extLst>
+          </p:cNvPr>
+          <p:cNvSpPr txBox="1"/>
+          <p:nvPr/>
+        </p:nvSpPr>
+        <p:spPr>
+          <a:xfrm>
+            <a:off x="6033247" y="4943497"/>
+            <a:ext cx="5280212" cy="830997"/>
+          </a:xfrm>
+          <a:prstGeom prst="rect">
+            <a:avLst/>
+          </a:prstGeom>
+          <a:noFill/>
+        </p:spPr>
+        <p:txBody>
+          <a:bodyPr wrap="square" rtlCol="0">
+            <a:spAutoFit/>
+          </a:bodyPr>
+          <a:lstStyle/>
+          <a:p>
+            <a:pPr algn="l"/>
+            <a:r>
+              <a:rPr kumimoji="1" lang="en-US" altLang="ja-JP" sz="2400" dirty="0" err="1">
+                <a:latin typeface="Times Newer Roman" panose="00000500000000000000" pitchFamily="50" charset="0"/>
+              </a:rPr>
+              <a:t>LTSpice</a:t>
+            </a:r>
+            <a:r>
+              <a:rPr lang="ja-JP" altLang="en-US" sz="2400" dirty="0">
+                <a:latin typeface="Times Newer Roman" panose="00000500000000000000" pitchFamily="50" charset="0"/>
+              </a:rPr>
+              <a:t>で電圧制御電流源を使用した</a:t>
+            </a:r>
+            <a:endParaRPr lang="en-US" altLang="ja-JP" sz="2400" dirty="0">
+              <a:latin typeface="Times Newer Roman" panose="00000500000000000000" pitchFamily="50" charset="0"/>
+            </a:endParaRPr>
+          </a:p>
+          <a:p>
+            <a:pPr algn="l"/>
+            <a:r>
+              <a:rPr kumimoji="1" lang="ja-JP" altLang="en-US" sz="2400" dirty="0">
+                <a:latin typeface="Times Newer Roman" panose="00000500000000000000" pitchFamily="50" charset="0"/>
+              </a:rPr>
+              <a:t>ソース接地増幅回路。</a:t>
+            </a:r>
+          </a:p>
+        </p:txBody>
+      </p:sp>
+    </p:spTree>
+    <p:extLst>
+      <p:ext uri="{BB962C8B-B14F-4D97-AF65-F5344CB8AC3E}">
+        <p14:creationId xmlns:p14="http://schemas.microsoft.com/office/powerpoint/2010/main" val="3713300253"/>
+      </p:ext>
+    </p:extLst>
+  </p:cSld>
+  <p:clrMapOvr>
+    <a:masterClrMapping/>
+  </p:clrMapOvr>
+</p:sld>
+</file>
+
+<file path=ppt/slides/slide8.xml><?xml version="1.0" encoding="utf-8"?>
+<p:sld xmlns:a="http://schemas.openxmlformats.org/drawingml/2006/main" xmlns:r="http://schemas.openxmlformats.org/officeDocument/2006/relationships" xmlns:p="http://schemas.openxmlformats.org/presentationml/2006/main">
+  <p:cSld>
+    <p:spTree>
+      <p:nvGrpSpPr>
+        <p:cNvPr id="1" name=""/>
+        <p:cNvGrpSpPr/>
+        <p:nvPr/>
+      </p:nvGrpSpPr>
+      <p:grpSpPr>
+        <a:xfrm>
+          <a:off x="0" y="0"/>
+          <a:ext cx="0" cy="0"/>
+          <a:chOff x="0" y="0"/>
+          <a:chExt cx="0" cy="0"/>
+        </a:xfrm>
+      </p:grpSpPr>
+      <p:sp>
+        <p:nvSpPr>
+          <p:cNvPr id="2" name="タイトル 1">
+            <a:extLst>
+              <a:ext uri="{FF2B5EF4-FFF2-40B4-BE49-F238E27FC236}">
+                <a16:creationId xmlns:a16="http://schemas.microsoft.com/office/drawing/2014/main" id="{E83E530C-D718-3130-A158-D29904E93A8E}"/>
+              </a:ext>
+            </a:extLst>
+          </p:cNvPr>
+          <p:cNvSpPr>
+            <a:spLocks noGrp="1"/>
+          </p:cNvSpPr>
+          <p:nvPr>
+            <p:ph type="title"/>
+          </p:nvPr>
+        </p:nvSpPr>
+        <p:spPr/>
+        <p:txBody>
+          <a:bodyPr/>
+          <a:lstStyle/>
+          <a:p>
+            <a:r>
+              <a:rPr kumimoji="1" lang="ja-JP" altLang="en-US" dirty="0"/>
+              <a:t>シミュレーション結果 </a:t>
+            </a:r>
+            <a:r>
+              <a:rPr kumimoji="1" lang="en-US" altLang="ja-JP" dirty="0"/>
+              <a:t>– </a:t>
+            </a:r>
+            <a:r>
+              <a:rPr lang="ja-JP" altLang="en-US" dirty="0"/>
+              <a:t>二段目</a:t>
+            </a:r>
+            <a:endParaRPr kumimoji="1" lang="ja-JP" altLang="en-US" dirty="0"/>
+          </a:p>
+        </p:txBody>
+      </p:sp>
+      <p:sp>
+        <p:nvSpPr>
+          <p:cNvPr id="3" name="日付プレースホルダー 2">
+            <a:extLst>
+              <a:ext uri="{FF2B5EF4-FFF2-40B4-BE49-F238E27FC236}">
+                <a16:creationId xmlns:a16="http://schemas.microsoft.com/office/drawing/2014/main" id="{DAD53EA8-AA07-1D67-9C5A-68D887822E47}"/>
+              </a:ext>
+            </a:extLst>
+          </p:cNvPr>
+          <p:cNvSpPr>
+            <a:spLocks noGrp="1"/>
+          </p:cNvSpPr>
+          <p:nvPr>
+            <p:ph type="dt" sz="half" idx="10"/>
+          </p:nvPr>
+        </p:nvSpPr>
+        <p:spPr/>
+        <p:txBody>
+          <a:bodyPr/>
+          <a:lstStyle/>
+          <a:p>
+            <a:fld id="{EEA6A375-72BC-45FC-83AA-00EA8839FC12}" type="datetime1">
+              <a:rPr kumimoji="1" lang="ja-JP" altLang="en-US" smtClean="0"/>
+              <a:t>2024/6/16</a:t>
+            </a:fld>
+            <a:endParaRPr kumimoji="1" lang="ja-JP" altLang="en-US"/>
+          </a:p>
+        </p:txBody>
+      </p:sp>
+      <p:sp>
+        <p:nvSpPr>
+          <p:cNvPr id="4" name="スライド番号プレースホルダー 3">
+            <a:extLst>
+              <a:ext uri="{FF2B5EF4-FFF2-40B4-BE49-F238E27FC236}">
+                <a16:creationId xmlns:a16="http://schemas.microsoft.com/office/drawing/2014/main" id="{62E4B590-C00C-99DC-189A-FC574C3E993F}"/>
+              </a:ext>
+            </a:extLst>
+          </p:cNvPr>
+          <p:cNvSpPr>
+            <a:spLocks noGrp="1"/>
+          </p:cNvSpPr>
+          <p:nvPr>
+            <p:ph type="sldNum" sz="quarter" idx="12"/>
+          </p:nvPr>
+        </p:nvSpPr>
+        <p:spPr/>
+        <p:txBody>
+          <a:bodyPr/>
+          <a:lstStyle/>
+          <a:p>
+            <a:fld id="{6294761A-CFE9-4878-87A7-90ECABD59CE5}" type="slidenum">
+              <a:rPr kumimoji="1" lang="ja-JP" altLang="en-US" smtClean="0"/>
+              <a:t>8</a:t>
+            </a:fld>
+            <a:endParaRPr kumimoji="1" lang="ja-JP" altLang="en-US"/>
+          </a:p>
+        </p:txBody>
+      </p:sp>
+      <p:sp>
+        <p:nvSpPr>
+          <p:cNvPr id="5" name="フッター プレースホルダー 4">
+            <a:extLst>
+              <a:ext uri="{FF2B5EF4-FFF2-40B4-BE49-F238E27FC236}">
+                <a16:creationId xmlns:a16="http://schemas.microsoft.com/office/drawing/2014/main" id="{F8CB3DE4-E149-806B-0085-1154FFF3903A}"/>
+              </a:ext>
+            </a:extLst>
+          </p:cNvPr>
+          <p:cNvSpPr>
+            <a:spLocks noGrp="1"/>
+          </p:cNvSpPr>
+          <p:nvPr>
+            <p:ph type="ftr" sz="quarter" idx="3"/>
+          </p:nvPr>
+        </p:nvSpPr>
+        <p:spPr/>
+        <p:txBody>
+          <a:bodyPr/>
+          <a:lstStyle/>
+          <a:p>
+            <a:r>
+              <a:rPr lang="en-US" altLang="ja-JP"/>
+              <a:t>Wave Signal Processing Circuit Laboratory,  Meiji University</a:t>
+            </a:r>
+            <a:endParaRPr lang="en-US" altLang="ja-JP" dirty="0"/>
+          </a:p>
+        </p:txBody>
+      </p:sp>
+      <p:pic>
+        <p:nvPicPr>
+          <p:cNvPr id="7" name="図 6" descr="グラフ&#10;&#10;自動的に生成された説明">
+            <a:extLst>
+              <a:ext uri="{FF2B5EF4-FFF2-40B4-BE49-F238E27FC236}">
+                <a16:creationId xmlns:a16="http://schemas.microsoft.com/office/drawing/2014/main" id="{95126014-88FA-E0BC-6E17-7F4D54C9CB4F}"/>
+              </a:ext>
+            </a:extLst>
+          </p:cNvPr>
+          <p:cNvPicPr>
+            <a:picLocks noChangeAspect="1"/>
+          </p:cNvPicPr>
+          <p:nvPr/>
+        </p:nvPicPr>
+        <p:blipFill>
+          <a:blip r:embed="rId2">
+            <a:extLst>
+              <a:ext uri="{28A0092B-C50C-407E-A947-70E740481C1C}">
+                <a14:useLocalDpi xmlns:a14="http://schemas.microsoft.com/office/drawing/2010/main" val="0"/>
+              </a:ext>
+            </a:extLst>
+          </a:blip>
+          <a:stretch>
+            <a:fillRect/>
+          </a:stretch>
+        </p:blipFill>
+        <p:spPr>
+          <a:xfrm>
+            <a:off x="370853" y="1279256"/>
+            <a:ext cx="7156740" cy="5009719"/>
+          </a:xfrm>
+          <a:prstGeom prst="rect">
+            <a:avLst/>
+          </a:prstGeom>
+        </p:spPr>
+      </p:pic>
+      <p:sp>
+        <p:nvSpPr>
+          <p:cNvPr id="8" name="テキスト ボックス 7">
+            <a:extLst>
+              <a:ext uri="{FF2B5EF4-FFF2-40B4-BE49-F238E27FC236}">
+                <a16:creationId xmlns:a16="http://schemas.microsoft.com/office/drawing/2014/main" id="{9F52A065-8E20-4AE1-E282-E276157390F1}"/>
+              </a:ext>
+            </a:extLst>
+          </p:cNvPr>
+          <p:cNvSpPr txBox="1"/>
+          <p:nvPr/>
+        </p:nvSpPr>
+        <p:spPr>
+          <a:xfrm>
+            <a:off x="7050741" y="2814619"/>
+            <a:ext cx="4796118" cy="1938992"/>
+          </a:xfrm>
+          <a:prstGeom prst="rect">
+            <a:avLst/>
+          </a:prstGeom>
+          <a:noFill/>
+        </p:spPr>
+        <p:txBody>
+          <a:bodyPr wrap="square" rtlCol="0">
+            <a:spAutoFit/>
+          </a:bodyPr>
+          <a:lstStyle/>
+          <a:p>
+            <a:pPr algn="l"/>
+            <a:r>
+              <a:rPr lang="ja-JP" altLang="en-US" sz="2400" dirty="0">
+                <a:latin typeface="Times Newer Roman" panose="00000500000000000000" pitchFamily="50" charset="0"/>
+              </a:rPr>
+              <a:t>全体的に</a:t>
+            </a:r>
+            <a:r>
+              <a:rPr lang="en-US" altLang="ja-JP" sz="2400" dirty="0">
+                <a:latin typeface="Times Newer Roman" panose="00000500000000000000" pitchFamily="50" charset="0"/>
+              </a:rPr>
+              <a:t>4 dB</a:t>
+            </a:r>
+            <a:r>
+              <a:rPr lang="ja-JP" altLang="en-US" sz="2400" dirty="0">
+                <a:latin typeface="Times Newer Roman" panose="00000500000000000000" pitchFamily="50" charset="0"/>
+              </a:rPr>
+              <a:t>程度の差があり、</a:t>
+            </a:r>
+            <a:endParaRPr lang="en-US" altLang="ja-JP" sz="2400" dirty="0">
+              <a:latin typeface="Times Newer Roman" panose="00000500000000000000" pitchFamily="50" charset="0"/>
+            </a:endParaRPr>
+          </a:p>
+          <a:p>
+            <a:pPr algn="l"/>
+            <a:r>
+              <a:rPr lang="ja-JP" altLang="en-US" sz="2400" dirty="0">
+                <a:latin typeface="Times Newer Roman" panose="00000500000000000000" pitchFamily="50" charset="0"/>
+              </a:rPr>
+              <a:t>遮断周波数も一桁程度ずれていた。</a:t>
+            </a:r>
+            <a:endParaRPr lang="en-US" altLang="ja-JP" sz="2400" dirty="0">
+              <a:latin typeface="Times Newer Roman" panose="00000500000000000000" pitchFamily="50" charset="0"/>
+            </a:endParaRPr>
+          </a:p>
+          <a:p>
+            <a:pPr algn="l"/>
+            <a:endParaRPr kumimoji="1" lang="en-US" altLang="ja-JP" sz="2400" dirty="0">
+              <a:latin typeface="Times Newer Roman" panose="00000500000000000000" pitchFamily="50" charset="0"/>
+            </a:endParaRPr>
+          </a:p>
+          <a:p>
+            <a:pPr algn="l"/>
+            <a:r>
+              <a:rPr lang="ja-JP" altLang="en-US" sz="2400" dirty="0">
+                <a:latin typeface="Times Newer Roman" panose="00000500000000000000" pitchFamily="50" charset="0"/>
+              </a:rPr>
+              <a:t>こちらはこのままのモデルでは</a:t>
+            </a:r>
+            <a:endParaRPr lang="en-US" altLang="ja-JP" sz="2400" dirty="0">
+              <a:latin typeface="Times Newer Roman" panose="00000500000000000000" pitchFamily="50" charset="0"/>
+            </a:endParaRPr>
+          </a:p>
+          <a:p>
+            <a:pPr algn="l"/>
+            <a:r>
+              <a:rPr lang="ja-JP" altLang="en-US" sz="2400" dirty="0">
+                <a:latin typeface="Times Newer Roman" panose="00000500000000000000" pitchFamily="50" charset="0"/>
+              </a:rPr>
+              <a:t>あまり一致しない。</a:t>
+            </a:r>
+            <a:endParaRPr kumimoji="1" lang="ja-JP" altLang="en-US" sz="2400" dirty="0">
+              <a:latin typeface="Times Newer Roman" panose="00000500000000000000" pitchFamily="50" charset="0"/>
+            </a:endParaRPr>
+          </a:p>
+        </p:txBody>
+      </p:sp>
+    </p:spTree>
+    <p:extLst>
+      <p:ext uri="{BB962C8B-B14F-4D97-AF65-F5344CB8AC3E}">
+        <p14:creationId xmlns:p14="http://schemas.microsoft.com/office/powerpoint/2010/main" val="1410602941"/>
+      </p:ext>
+    </p:extLst>
+  </p:cSld>
+  <p:clrMapOvr>
+    <a:masterClrMapping/>
+  </p:clrMapOvr>
+</p:sld>
+</file>
+
+<file path=ppt/slides/slide9.xml><?xml version="1.0" encoding="utf-8"?>
+<p:sld xmlns:a="http://schemas.openxmlformats.org/drawingml/2006/main" xmlns:r="http://schemas.openxmlformats.org/officeDocument/2006/relationships" xmlns:p="http://schemas.openxmlformats.org/presentationml/2006/main">
+  <p:cSld>
+    <p:spTree>
+      <p:nvGrpSpPr>
+        <p:cNvPr id="1" name=""/>
+        <p:cNvGrpSpPr/>
+        <p:nvPr/>
+      </p:nvGrpSpPr>
+      <p:grpSpPr>
+        <a:xfrm>
+          <a:off x="0" y="0"/>
+          <a:ext cx="0" cy="0"/>
+          <a:chOff x="0" y="0"/>
+          <a:chExt cx="0" cy="0"/>
+        </a:xfrm>
+      </p:grpSpPr>
+      <p:sp>
+        <p:nvSpPr>
+          <p:cNvPr id="2" name="タイトル 1">
+            <a:extLst>
+              <a:ext uri="{FF2B5EF4-FFF2-40B4-BE49-F238E27FC236}">
+                <a16:creationId xmlns:a16="http://schemas.microsoft.com/office/drawing/2014/main" id="{492D78FC-7341-B51F-F4EE-33A7853EFB3D}"/>
+              </a:ext>
+            </a:extLst>
+          </p:cNvPr>
+          <p:cNvSpPr>
+            <a:spLocks noGrp="1"/>
+          </p:cNvSpPr>
+          <p:nvPr>
+            <p:ph type="title"/>
+          </p:nvPr>
+        </p:nvSpPr>
+        <p:spPr/>
+        <p:txBody>
+          <a:bodyPr/>
+          <a:lstStyle/>
+          <a:p>
+            <a:r>
+              <a:rPr lang="ja-JP" altLang="en-US" dirty="0"/>
+              <a:t>ソース接地の寄生成分</a:t>
+            </a:r>
+            <a:endParaRPr kumimoji="1" lang="ja-JP" altLang="en-US" dirty="0"/>
+          </a:p>
+        </p:txBody>
+      </p:sp>
+      <p:sp>
+        <p:nvSpPr>
+          <p:cNvPr id="3" name="日付プレースホルダー 2">
+            <a:extLst>
+              <a:ext uri="{FF2B5EF4-FFF2-40B4-BE49-F238E27FC236}">
+                <a16:creationId xmlns:a16="http://schemas.microsoft.com/office/drawing/2014/main" id="{397E73DC-4C42-622E-2103-B3E66A2AFF09}"/>
+              </a:ext>
+            </a:extLst>
+          </p:cNvPr>
+          <p:cNvSpPr>
+            <a:spLocks noGrp="1"/>
+          </p:cNvSpPr>
+          <p:nvPr>
+            <p:ph type="dt" sz="half" idx="10"/>
+          </p:nvPr>
+        </p:nvSpPr>
+        <p:spPr/>
+        <p:txBody>
+          <a:bodyPr/>
+          <a:lstStyle/>
+          <a:p>
+            <a:fld id="{EEA6A375-72BC-45FC-83AA-00EA8839FC12}" type="datetime1">
+              <a:rPr kumimoji="1" lang="ja-JP" altLang="en-US" smtClean="0"/>
+              <a:t>2024/6/16</a:t>
+            </a:fld>
+            <a:endParaRPr kumimoji="1" lang="ja-JP" altLang="en-US"/>
+          </a:p>
+        </p:txBody>
+      </p:sp>
+      <p:sp>
+        <p:nvSpPr>
+          <p:cNvPr id="4" name="スライド番号プレースホルダー 3">
+            <a:extLst>
+              <a:ext uri="{FF2B5EF4-FFF2-40B4-BE49-F238E27FC236}">
+                <a16:creationId xmlns:a16="http://schemas.microsoft.com/office/drawing/2014/main" id="{60A2C3EC-8248-41CE-B56A-11DE73779DC5}"/>
+              </a:ext>
+            </a:extLst>
+          </p:cNvPr>
+          <p:cNvSpPr>
+            <a:spLocks noGrp="1"/>
+          </p:cNvSpPr>
+          <p:nvPr>
+            <p:ph type="sldNum" sz="quarter" idx="12"/>
+          </p:nvPr>
+        </p:nvSpPr>
+        <p:spPr/>
+        <p:txBody>
+          <a:bodyPr/>
+          <a:lstStyle/>
+          <a:p>
+            <a:fld id="{6294761A-CFE9-4878-87A7-90ECABD59CE5}" type="slidenum">
+              <a:rPr kumimoji="1" lang="ja-JP" altLang="en-US" smtClean="0"/>
+              <a:t>9</a:t>
+            </a:fld>
+            <a:endParaRPr kumimoji="1" lang="ja-JP" altLang="en-US"/>
+          </a:p>
+        </p:txBody>
+      </p:sp>
+      <p:sp>
+        <p:nvSpPr>
+          <p:cNvPr id="5" name="フッター プレースホルダー 4">
+            <a:extLst>
+              <a:ext uri="{FF2B5EF4-FFF2-40B4-BE49-F238E27FC236}">
+                <a16:creationId xmlns:a16="http://schemas.microsoft.com/office/drawing/2014/main" id="{3F28BDEF-923A-1E73-CFF5-7D7D89A88E28}"/>
+              </a:ext>
+            </a:extLst>
+          </p:cNvPr>
+          <p:cNvSpPr>
+            <a:spLocks noGrp="1"/>
+          </p:cNvSpPr>
+          <p:nvPr>
+            <p:ph type="ftr" sz="quarter" idx="3"/>
+          </p:nvPr>
+        </p:nvSpPr>
+        <p:spPr/>
+        <p:txBody>
+          <a:bodyPr/>
+          <a:lstStyle/>
+          <a:p>
+            <a:r>
+              <a:rPr lang="en-US" altLang="ja-JP"/>
+              <a:t>Wave Signal Processing Circuit Laboratory,  Meiji University</a:t>
+            </a:r>
+            <a:endParaRPr lang="en-US" altLang="ja-JP" dirty="0"/>
+          </a:p>
+        </p:txBody>
+      </p:sp>
+      <p:pic>
+        <p:nvPicPr>
+          <p:cNvPr id="7" name="図 6" descr="タイムライン&#10;&#10;自動的に生成された説明">
+            <a:extLst>
+              <a:ext uri="{FF2B5EF4-FFF2-40B4-BE49-F238E27FC236}">
+                <a16:creationId xmlns:a16="http://schemas.microsoft.com/office/drawing/2014/main" id="{BCDE615A-07E4-3451-61F1-2852E8B0A291}"/>
+              </a:ext>
+            </a:extLst>
+          </p:cNvPr>
+          <p:cNvPicPr>
+            <a:picLocks noChangeAspect="1"/>
+          </p:cNvPicPr>
+          <p:nvPr/>
+        </p:nvPicPr>
+        <p:blipFill>
+          <a:blip r:embed="rId2">
+            <a:extLst>
+              <a:ext uri="{28A0092B-C50C-407E-A947-70E740481C1C}">
+                <a14:useLocalDpi xmlns:a14="http://schemas.microsoft.com/office/drawing/2010/main" val="0"/>
+              </a:ext>
+            </a:extLst>
+          </a:blip>
+          <a:stretch>
+            <a:fillRect/>
+          </a:stretch>
+        </p:blipFill>
+        <p:spPr>
+          <a:xfrm>
+            <a:off x="861048" y="1460258"/>
+            <a:ext cx="10469901" cy="2843790"/>
+          </a:xfrm>
+          <a:prstGeom prst="rect">
+            <a:avLst/>
+          </a:prstGeom>
+        </p:spPr>
+      </p:pic>
+      <mc:AlternateContent xmlns:mc="http://schemas.openxmlformats.org/markup-compatibility/2006">
+        <mc:Choice xmlns:a14="http://schemas.microsoft.com/office/drawing/2010/main" Requires="a14">
+          <p:sp>
+            <p:nvSpPr>
+              <p:cNvPr id="8" name="テキスト ボックス 7">
+                <a:extLst>
+                  <a:ext uri="{FF2B5EF4-FFF2-40B4-BE49-F238E27FC236}">
+                    <a16:creationId xmlns:a16="http://schemas.microsoft.com/office/drawing/2014/main" id="{391B238D-C0AB-ED28-3970-BEC3B6B7895F}"/>
+                  </a:ext>
+                </a:extLst>
+              </p:cNvPr>
+              <p:cNvSpPr txBox="1"/>
+              <p:nvPr/>
+            </p:nvSpPr>
+            <p:spPr>
+              <a:xfrm>
+                <a:off x="2241176" y="4894729"/>
+                <a:ext cx="7709647" cy="830997"/>
+              </a:xfrm>
+              <a:prstGeom prst="rect">
+                <a:avLst/>
+              </a:prstGeom>
+              <a:noFill/>
+            </p:spPr>
+            <p:txBody>
+              <a:bodyPr wrap="square" rtlCol="0">
+                <a:spAutoFit/>
+              </a:bodyPr>
+              <a:lstStyle/>
+              <a:p>
+                <a:pPr algn="l"/>
+                <a:r>
+                  <a:rPr kumimoji="1" lang="en-US" altLang="ja-JP" sz="2400" dirty="0">
+                    <a:latin typeface="Times Newer Roman" panose="00000500000000000000" pitchFamily="50" charset="0"/>
+                  </a:rPr>
+                  <a:t>OP</a:t>
+                </a:r>
+                <a:r>
+                  <a:rPr kumimoji="1" lang="ja-JP" altLang="en-US" sz="2400" dirty="0">
+                    <a:latin typeface="Times Newer Roman" panose="00000500000000000000" pitchFamily="50" charset="0"/>
+                  </a:rPr>
+                  <a:t>解析では</a:t>
+                </a:r>
+                <a14:m>
+                  <m:oMath xmlns:m="http://schemas.openxmlformats.org/officeDocument/2006/math">
+                    <m:sSub>
+                      <m:sSubPr>
+                        <m:ctrlPr>
+                          <a:rPr kumimoji="1" lang="en-US" altLang="ja-JP" sz="2400" b="0" i="1" smtClean="0">
+                            <a:latin typeface="Cambria Math" panose="02040503050406030204" pitchFamily="18" charset="0"/>
+                          </a:rPr>
+                        </m:ctrlPr>
+                      </m:sSubPr>
+                      <m:e>
+                        <m:r>
+                          <a:rPr kumimoji="1" lang="en-US" altLang="ja-JP" sz="2400" b="0" i="1" smtClean="0">
+                            <a:latin typeface="Cambria Math" panose="02040503050406030204" pitchFamily="18" charset="0"/>
+                          </a:rPr>
+                          <m:t>𝑅</m:t>
+                        </m:r>
+                      </m:e>
+                      <m:sub>
+                        <m:r>
+                          <a:rPr kumimoji="1" lang="en-US" altLang="ja-JP" sz="2400" b="0" i="1" smtClean="0">
+                            <a:latin typeface="Cambria Math" panose="02040503050406030204" pitchFamily="18" charset="0"/>
+                          </a:rPr>
+                          <m:t>𝑠𝑢𝑏</m:t>
+                        </m:r>
+                      </m:sub>
+                    </m:sSub>
+                  </m:oMath>
+                </a14:m>
+                <a:r>
+                  <a:rPr kumimoji="1" lang="ja-JP" altLang="en-US" sz="2400" dirty="0">
+                    <a:latin typeface="Times Newer Roman" panose="00000500000000000000" pitchFamily="50" charset="0"/>
+                  </a:rPr>
+                  <a:t>と</a:t>
+                </a:r>
+                <a14:m>
+                  <m:oMath xmlns:m="http://schemas.openxmlformats.org/officeDocument/2006/math">
+                    <m:sSub>
+                      <m:sSubPr>
+                        <m:ctrlPr>
+                          <a:rPr kumimoji="1" lang="en-US" altLang="ja-JP" sz="2400" b="0" i="1" dirty="0" smtClean="0">
+                            <a:latin typeface="Cambria Math" panose="02040503050406030204" pitchFamily="18" charset="0"/>
+                          </a:rPr>
+                        </m:ctrlPr>
+                      </m:sSubPr>
+                      <m:e>
+                        <m:r>
+                          <a:rPr kumimoji="1" lang="en-US" altLang="ja-JP" sz="2400" b="0" i="1" dirty="0" smtClean="0">
+                            <a:latin typeface="Cambria Math" panose="02040503050406030204" pitchFamily="18" charset="0"/>
+                          </a:rPr>
+                          <m:t>𝐶</m:t>
+                        </m:r>
+                      </m:e>
+                      <m:sub>
+                        <m:r>
+                          <a:rPr kumimoji="1" lang="en-US" altLang="ja-JP" sz="2400" b="0" i="1" dirty="0" smtClean="0">
+                            <a:latin typeface="Cambria Math" panose="02040503050406030204" pitchFamily="18" charset="0"/>
+                          </a:rPr>
+                          <m:t>𝑠𝑢𝑏</m:t>
+                        </m:r>
+                      </m:sub>
+                    </m:sSub>
+                  </m:oMath>
+                </a14:m>
+                <a:r>
+                  <a:rPr kumimoji="1" lang="ja-JP" altLang="en-US" sz="2400" dirty="0">
+                    <a:latin typeface="Times Newer Roman" panose="00000500000000000000" pitchFamily="50" charset="0"/>
+                  </a:rPr>
+                  <a:t>の二つの値が書いてあったので、コレクタとグランド間に挿入して試してみた。</a:t>
+                </a:r>
+              </a:p>
+            </p:txBody>
+          </p:sp>
+        </mc:Choice>
+        <mc:Fallback>
+          <p:sp>
+            <p:nvSpPr>
+              <p:cNvPr id="8" name="テキスト ボックス 7">
+                <a:extLst>
+                  <a:ext uri="{FF2B5EF4-FFF2-40B4-BE49-F238E27FC236}">
+                    <a16:creationId xmlns:a16="http://schemas.microsoft.com/office/drawing/2014/main" id="{391B238D-C0AB-ED28-3970-BEC3B6B7895F}"/>
+                  </a:ext>
+                </a:extLst>
+              </p:cNvPr>
+              <p:cNvSpPr txBox="1">
+                <a:spLocks noRot="1" noChangeAspect="1" noMove="1" noResize="1" noEditPoints="1" noAdjustHandles="1" noChangeArrowheads="1" noChangeShapeType="1" noTextEdit="1"/>
+              </p:cNvSpPr>
+              <p:nvPr/>
+            </p:nvSpPr>
+            <p:spPr>
+              <a:xfrm>
+                <a:off x="2241176" y="4894729"/>
+                <a:ext cx="7709647" cy="830997"/>
+              </a:xfrm>
+              <a:prstGeom prst="rect">
+                <a:avLst/>
+              </a:prstGeom>
+              <a:blipFill>
+                <a:blip r:embed="rId3"/>
+                <a:stretch>
+                  <a:fillRect l="-1266" t="-7353" r="-5222" b="-14706"/>
+                </a:stretch>
+              </a:blipFill>
+            </p:spPr>
+            <p:txBody>
+              <a:bodyPr/>
+              <a:lstStyle/>
+              <a:p>
+                <a:r>
+                  <a:rPr lang="ja-JP" altLang="en-US">
+                    <a:noFill/>
+                  </a:rPr>
+                  <a:t> </a:t>
+                </a:r>
+              </a:p>
+            </p:txBody>
+          </p:sp>
+        </mc:Fallback>
+      </mc:AlternateContent>
+    </p:spTree>
+    <p:extLst>
+      <p:ext uri="{BB962C8B-B14F-4D97-AF65-F5344CB8AC3E}">
+        <p14:creationId xmlns:p14="http://schemas.microsoft.com/office/powerpoint/2010/main" val="3451484510"/>
       </p:ext>
     </p:extLst>
   </p:cSld>

--- a/IHP_2024/20240620/TIAの小信号等価回路による.pptx
+++ b/IHP_2024/20240620/TIAの小信号等価回路による.pptx
@@ -5,20 +5,25 @@
     <p:sldMasterId id="2147483648" r:id="rId1"/>
   </p:sldMasterIdLst>
   <p:notesMasterIdLst>
-    <p:notesMasterId r:id="rId13"/>
+    <p:notesMasterId r:id="rId18"/>
   </p:notesMasterIdLst>
   <p:sldIdLst>
     <p:sldId id="256" r:id="rId2"/>
     <p:sldId id="258" r:id="rId3"/>
-    <p:sldId id="257" r:id="rId4"/>
-    <p:sldId id="259" r:id="rId5"/>
-    <p:sldId id="260" r:id="rId6"/>
-    <p:sldId id="261" r:id="rId7"/>
-    <p:sldId id="262" r:id="rId8"/>
-    <p:sldId id="263" r:id="rId9"/>
-    <p:sldId id="264" r:id="rId10"/>
-    <p:sldId id="265" r:id="rId11"/>
-    <p:sldId id="266" r:id="rId12"/>
+    <p:sldId id="259" r:id="rId4"/>
+    <p:sldId id="260" r:id="rId5"/>
+    <p:sldId id="261" r:id="rId6"/>
+    <p:sldId id="262" r:id="rId7"/>
+    <p:sldId id="263" r:id="rId8"/>
+    <p:sldId id="264" r:id="rId9"/>
+    <p:sldId id="265" r:id="rId10"/>
+    <p:sldId id="266" r:id="rId11"/>
+    <p:sldId id="272" r:id="rId12"/>
+    <p:sldId id="267" r:id="rId13"/>
+    <p:sldId id="268" r:id="rId14"/>
+    <p:sldId id="269" r:id="rId15"/>
+    <p:sldId id="270" r:id="rId16"/>
+    <p:sldId id="271" r:id="rId17"/>
   </p:sldIdLst>
   <p:sldSz cx="12192000" cy="6858000"/>
   <p:notesSz cx="6858000" cy="9144000"/>
@@ -207,7 +212,7 @@
           <a:p>
             <a:fld id="{F8456487-DC86-474A-B4EE-F658698A396D}" type="datetimeFigureOut">
               <a:rPr kumimoji="1" lang="ja-JP" altLang="en-US" smtClean="0"/>
-              <a:t>2024/6/16</a:t>
+              <a:t>2024/6/19</a:t>
             </a:fld>
             <a:endParaRPr kumimoji="1" lang="ja-JP" altLang="en-US"/>
           </a:p>
@@ -697,7 +702,7 @@
           <a:p>
             <a:fld id="{FEB85F8A-DDB5-432B-B8BF-86E12CA3E1B5}" type="datetime1">
               <a:rPr kumimoji="1" lang="ja-JP" altLang="en-US" smtClean="0"/>
-              <a:t>2024/6/16</a:t>
+              <a:t>2024/6/19</a:t>
             </a:fld>
             <a:endParaRPr kumimoji="1" lang="ja-JP" altLang="en-US"/>
           </a:p>
@@ -1013,7 +1018,7 @@
           <a:p>
             <a:fld id="{21AF51CA-8154-4160-8313-688B08CD61D6}" type="datetime1">
               <a:rPr kumimoji="1" lang="ja-JP" altLang="en-US" smtClean="0"/>
-              <a:t>2024/6/16</a:t>
+              <a:t>2024/6/19</a:t>
             </a:fld>
             <a:endParaRPr kumimoji="1" lang="ja-JP" altLang="en-US"/>
           </a:p>
@@ -1272,7 +1277,7 @@
           <a:p>
             <a:fld id="{D5D22A7C-5C5E-4AEF-9904-8AC373CD06D1}" type="datetime1">
               <a:rPr kumimoji="1" lang="ja-JP" altLang="en-US" smtClean="0"/>
-              <a:t>2024/6/16</a:t>
+              <a:t>2024/6/19</a:t>
             </a:fld>
             <a:endParaRPr kumimoji="1" lang="ja-JP" altLang="en-US"/>
           </a:p>
@@ -1526,7 +1531,7 @@
           <a:p>
             <a:fld id="{7D14AB70-9A31-428D-80CA-6C2A71BE81C0}" type="datetime1">
               <a:rPr kumimoji="1" lang="ja-JP" altLang="en-US" smtClean="0"/>
-              <a:t>2024/6/16</a:t>
+              <a:t>2024/6/19</a:t>
             </a:fld>
             <a:endParaRPr kumimoji="1" lang="ja-JP" altLang="en-US"/>
           </a:p>
@@ -1898,7 +1903,7 @@
           <a:p>
             <a:fld id="{617D3280-2E51-4BDE-B06A-470263465AE0}" type="datetime1">
               <a:rPr kumimoji="1" lang="ja-JP" altLang="en-US" smtClean="0"/>
-              <a:t>2024/6/16</a:t>
+              <a:t>2024/6/19</a:t>
             </a:fld>
             <a:endParaRPr kumimoji="1" lang="ja-JP" altLang="en-US"/>
           </a:p>
@@ -2246,7 +2251,7 @@
           <a:p>
             <a:fld id="{534E7D8B-15CC-4ADD-A96D-E53EE0773D10}" type="datetime1">
               <a:rPr kumimoji="1" lang="ja-JP" altLang="en-US" smtClean="0"/>
-              <a:t>2024/6/16</a:t>
+              <a:t>2024/6/19</a:t>
             </a:fld>
             <a:endParaRPr kumimoji="1" lang="ja-JP" altLang="en-US"/>
           </a:p>
@@ -2741,7 +2746,7 @@
           <a:p>
             <a:fld id="{0A7E0AD5-8B2C-4807-9A34-44B53ED8C9E2}" type="datetime1">
               <a:rPr kumimoji="1" lang="ja-JP" altLang="en-US" smtClean="0"/>
-              <a:t>2024/6/16</a:t>
+              <a:t>2024/6/19</a:t>
             </a:fld>
             <a:endParaRPr kumimoji="1" lang="ja-JP" altLang="en-US"/>
           </a:p>
@@ -2912,7 +2917,7 @@
           <a:p>
             <a:fld id="{EEA6A375-72BC-45FC-83AA-00EA8839FC12}" type="datetime1">
               <a:rPr kumimoji="1" lang="ja-JP" altLang="en-US" smtClean="0"/>
-              <a:t>2024/6/16</a:t>
+              <a:t>2024/6/19</a:t>
             </a:fld>
             <a:endParaRPr kumimoji="1" lang="ja-JP" altLang="en-US"/>
           </a:p>
@@ -3111,7 +3116,7 @@
           <a:p>
             <a:fld id="{2E745049-197C-41A0-8DB6-4F32FD03AE57}" type="datetime1">
               <a:rPr kumimoji="1" lang="ja-JP" altLang="en-US" smtClean="0"/>
-              <a:t>2024/6/16</a:t>
+              <a:t>2024/6/19</a:t>
             </a:fld>
             <a:endParaRPr kumimoji="1" lang="ja-JP" altLang="en-US"/>
           </a:p>
@@ -3540,7 +3545,7 @@
           <a:p>
             <a:fld id="{C680A16C-E6A7-4756-A3F4-14C1642851C1}" type="datetime1">
               <a:rPr kumimoji="1" lang="ja-JP" altLang="en-US" smtClean="0"/>
-              <a:t>2024/6/16</a:t>
+              <a:t>2024/6/19</a:t>
             </a:fld>
             <a:endParaRPr kumimoji="1" lang="ja-JP" altLang="en-US"/>
           </a:p>
@@ -3850,7 +3855,7 @@
           <a:p>
             <a:fld id="{A56F6540-D1D8-4517-9227-190B63944A94}" type="datetime1">
               <a:rPr kumimoji="1" lang="ja-JP" altLang="en-US" smtClean="0"/>
-              <a:t>2024/6/16</a:t>
+              <a:t>2024/6/19</a:t>
             </a:fld>
             <a:endParaRPr kumimoji="1" lang="ja-JP" altLang="en-US"/>
           </a:p>
@@ -4200,7 +4205,7 @@
           <a:p>
             <a:fld id="{0FF07873-ABA9-44AB-A9BF-3A41F38C3D70}" type="datetime1">
               <a:rPr lang="ja-JP" altLang="en-US" smtClean="0"/>
-              <a:t>2024/6/16</a:t>
+              <a:t>2024/6/19</a:t>
             </a:fld>
             <a:endParaRPr lang="ja-JP" altLang="en-US" dirty="0"/>
           </a:p>
@@ -4732,11 +4737,14 @@
               </a:rPr>
             </a:br>
             <a:r>
-              <a:rPr kumimoji="1" lang="ja-JP" altLang="en-US" dirty="0">
+              <a:rPr kumimoji="1" lang="ja-JP" altLang="en-US">
                 <a:latin typeface="Times Newer Roman" panose="00000500000000000000" pitchFamily="50" charset="0"/>
               </a:rPr>
-              <a:t>モデルの評価</a:t>
-            </a:r>
+              <a:t>モデルの確認</a:t>
+            </a:r>
+            <a:endParaRPr kumimoji="1" lang="ja-JP" altLang="en-US" dirty="0">
+              <a:latin typeface="Times Newer Roman" panose="00000500000000000000" pitchFamily="50" charset="0"/>
+            </a:endParaRPr>
           </a:p>
         </p:txBody>
       </p:sp>
@@ -4878,7 +4886,7 @@
           <a:p>
             <a:fld id="{AB2DCCF9-1D86-4D8B-BD00-9792060EEB29}" type="datetime1">
               <a:rPr kumimoji="1" lang="ja-JP" altLang="en-US" smtClean="0"/>
-              <a:t>2024/6/16</a:t>
+              <a:t>2024/6/19</a:t>
             </a:fld>
             <a:endParaRPr kumimoji="1" lang="ja-JP" altLang="en-US"/>
           </a:p>
@@ -4948,7 +4956,7 @@
           <p:cNvPr id="2" name="タイトル 1">
             <a:extLst>
               <a:ext uri="{FF2B5EF4-FFF2-40B4-BE49-F238E27FC236}">
-                <a16:creationId xmlns:a16="http://schemas.microsoft.com/office/drawing/2014/main" id="{93DBF429-9B5B-7670-F17D-0ADA5C1D03E2}"/>
+                <a16:creationId xmlns:a16="http://schemas.microsoft.com/office/drawing/2014/main" id="{8ED1F140-798D-8537-4861-C59200EEEC7F}"/>
               </a:ext>
             </a:extLst>
           </p:cNvPr>
@@ -4959,22 +4967,20 @@
             <p:ph type="title"/>
           </p:nvPr>
         </p:nvSpPr>
-        <p:spPr>
-          <a:xfrm>
-            <a:off x="110877" y="191551"/>
-            <a:ext cx="10515600" cy="785955"/>
-          </a:xfrm>
-        </p:spPr>
-        <p:txBody>
-          <a:bodyPr>
-            <a:normAutofit/>
-          </a:bodyPr>
-          <a:lstStyle/>
-          <a:p>
-            <a:r>
-              <a:rPr kumimoji="1" lang="ja-JP" altLang="en-US" dirty="0"/>
-              <a:t>寄生成分をさらに追加したシミュレーション</a:t>
-            </a:r>
+        <p:spPr/>
+        <p:txBody>
+          <a:bodyPr/>
+          <a:lstStyle/>
+          <a:p>
+            <a:r>
+              <a:rPr lang="en-US" altLang="ja-JP" dirty="0"/>
+              <a:t>TIA+</a:t>
+            </a:r>
+            <a:r>
+              <a:rPr lang="ja-JP" altLang="en-US" dirty="0"/>
+              <a:t>ソース接地のシミュレーション</a:t>
+            </a:r>
+            <a:endParaRPr kumimoji="1" lang="ja-JP" altLang="en-US" dirty="0"/>
           </a:p>
         </p:txBody>
       </p:sp>
@@ -4983,7 +4989,7 @@
           <p:cNvPr id="3" name="日付プレースホルダー 2">
             <a:extLst>
               <a:ext uri="{FF2B5EF4-FFF2-40B4-BE49-F238E27FC236}">
-                <a16:creationId xmlns:a16="http://schemas.microsoft.com/office/drawing/2014/main" id="{182290C3-2E5E-9BE5-98E1-EB1C94F0273C}"/>
+                <a16:creationId xmlns:a16="http://schemas.microsoft.com/office/drawing/2014/main" id="{D7BEB4D6-90B3-601E-32AB-F5DEB7D8DCB1}"/>
               </a:ext>
             </a:extLst>
           </p:cNvPr>
@@ -5001,7 +5007,7 @@
           <a:p>
             <a:fld id="{EEA6A375-72BC-45FC-83AA-00EA8839FC12}" type="datetime1">
               <a:rPr kumimoji="1" lang="ja-JP" altLang="en-US" smtClean="0"/>
-              <a:t>2024/6/16</a:t>
+              <a:t>2024/6/19</a:t>
             </a:fld>
             <a:endParaRPr kumimoji="1" lang="ja-JP" altLang="en-US"/>
           </a:p>
@@ -5012,7 +5018,7 @@
           <p:cNvPr id="4" name="スライド番号プレースホルダー 3">
             <a:extLst>
               <a:ext uri="{FF2B5EF4-FFF2-40B4-BE49-F238E27FC236}">
-                <a16:creationId xmlns:a16="http://schemas.microsoft.com/office/drawing/2014/main" id="{DA571182-36FB-204E-722A-5E95C407AB37}"/>
+                <a16:creationId xmlns:a16="http://schemas.microsoft.com/office/drawing/2014/main" id="{0F3975BE-4090-1FA3-C644-E697B089EC92}"/>
               </a:ext>
             </a:extLst>
           </p:cNvPr>
@@ -5031,308 +5037,6 @@
             <a:fld id="{6294761A-CFE9-4878-87A7-90ECABD59CE5}" type="slidenum">
               <a:rPr kumimoji="1" lang="ja-JP" altLang="en-US" smtClean="0"/>
               <a:t>10</a:t>
-            </a:fld>
-            <a:endParaRPr kumimoji="1" lang="ja-JP" altLang="en-US"/>
-          </a:p>
-        </p:txBody>
-      </p:sp>
-      <p:sp>
-        <p:nvSpPr>
-          <p:cNvPr id="5" name="フッター プレースホルダー 4">
-            <a:extLst>
-              <a:ext uri="{FF2B5EF4-FFF2-40B4-BE49-F238E27FC236}">
-                <a16:creationId xmlns:a16="http://schemas.microsoft.com/office/drawing/2014/main" id="{C42F7151-F844-C8A3-2250-4D549CF70072}"/>
-              </a:ext>
-            </a:extLst>
-          </p:cNvPr>
-          <p:cNvSpPr>
-            <a:spLocks noGrp="1"/>
-          </p:cNvSpPr>
-          <p:nvPr>
-            <p:ph type="ftr" sz="quarter" idx="3"/>
-          </p:nvPr>
-        </p:nvSpPr>
-        <p:spPr/>
-        <p:txBody>
-          <a:bodyPr/>
-          <a:lstStyle/>
-          <a:p>
-            <a:r>
-              <a:rPr lang="en-US" altLang="ja-JP"/>
-              <a:t>Wave Signal Processing Circuit Laboratory,  Meiji University</a:t>
-            </a:r>
-            <a:endParaRPr lang="en-US" altLang="ja-JP" dirty="0"/>
-          </a:p>
-        </p:txBody>
-      </p:sp>
-      <p:pic>
-        <p:nvPicPr>
-          <p:cNvPr id="7" name="図 6" descr="グラフ&#10;&#10;自動的に生成された説明">
-            <a:extLst>
-              <a:ext uri="{FF2B5EF4-FFF2-40B4-BE49-F238E27FC236}">
-                <a16:creationId xmlns:a16="http://schemas.microsoft.com/office/drawing/2014/main" id="{D9595D57-B440-EF40-DEA3-82901A8B4E8E}"/>
-              </a:ext>
-            </a:extLst>
-          </p:cNvPr>
-          <p:cNvPicPr>
-            <a:picLocks noChangeAspect="1"/>
-          </p:cNvPicPr>
-          <p:nvPr/>
-        </p:nvPicPr>
-        <p:blipFill>
-          <a:blip r:embed="rId2">
-            <a:extLst>
-              <a:ext uri="{28A0092B-C50C-407E-A947-70E740481C1C}">
-                <a14:useLocalDpi xmlns:a14="http://schemas.microsoft.com/office/drawing/2010/main" val="0"/>
-              </a:ext>
-            </a:extLst>
-          </a:blip>
-          <a:stretch>
-            <a:fillRect/>
-          </a:stretch>
-        </p:blipFill>
-        <p:spPr>
-          <a:xfrm>
-            <a:off x="367553" y="1125198"/>
-            <a:ext cx="7459733" cy="5221814"/>
-          </a:xfrm>
-          <a:prstGeom prst="rect">
-            <a:avLst/>
-          </a:prstGeom>
-        </p:spPr>
-      </p:pic>
-      <p:sp>
-        <p:nvSpPr>
-          <p:cNvPr id="8" name="テキスト ボックス 7">
-            <a:extLst>
-              <a:ext uri="{FF2B5EF4-FFF2-40B4-BE49-F238E27FC236}">
-                <a16:creationId xmlns:a16="http://schemas.microsoft.com/office/drawing/2014/main" id="{3F69D502-8D4A-7801-8821-47F28BAAA9DB}"/>
-              </a:ext>
-            </a:extLst>
-          </p:cNvPr>
-          <p:cNvSpPr txBox="1"/>
-          <p:nvPr/>
-        </p:nvSpPr>
-        <p:spPr>
-          <a:xfrm>
-            <a:off x="7404846" y="2581943"/>
-            <a:ext cx="4554071" cy="2308324"/>
-          </a:xfrm>
-          <a:prstGeom prst="rect">
-            <a:avLst/>
-          </a:prstGeom>
-          <a:noFill/>
-        </p:spPr>
-        <p:txBody>
-          <a:bodyPr wrap="square" rtlCol="0">
-            <a:spAutoFit/>
-          </a:bodyPr>
-          <a:lstStyle/>
-          <a:p>
-            <a:pPr algn="l"/>
-            <a:r>
-              <a:rPr lang="en-US" altLang="ja-JP" sz="2400" dirty="0">
-                <a:latin typeface="Times Newer Roman" panose="00000500000000000000" pitchFamily="50" charset="0"/>
-              </a:rPr>
-              <a:t>IHP</a:t>
-            </a:r>
-            <a:r>
-              <a:rPr lang="ja-JP" altLang="en-US" sz="2400" dirty="0">
-                <a:latin typeface="Times Newer Roman" panose="00000500000000000000" pitchFamily="50" charset="0"/>
-              </a:rPr>
-              <a:t>のモデルと遮断周波数は</a:t>
-            </a:r>
-            <a:endParaRPr lang="en-US" altLang="ja-JP" sz="2400" dirty="0">
-              <a:latin typeface="Times Newer Roman" panose="00000500000000000000" pitchFamily="50" charset="0"/>
-            </a:endParaRPr>
-          </a:p>
-          <a:p>
-            <a:pPr algn="l"/>
-            <a:r>
-              <a:rPr lang="ja-JP" altLang="en-US" sz="2400" dirty="0">
-                <a:latin typeface="Times Newer Roman" panose="00000500000000000000" pitchFamily="50" charset="0"/>
-              </a:rPr>
-              <a:t>かなり近づいた。</a:t>
-            </a:r>
-            <a:endParaRPr lang="en-US" altLang="ja-JP" sz="2400" dirty="0">
-              <a:latin typeface="Times Newer Roman" panose="00000500000000000000" pitchFamily="50" charset="0"/>
-            </a:endParaRPr>
-          </a:p>
-          <a:p>
-            <a:pPr algn="l"/>
-            <a:r>
-              <a:rPr lang="ja-JP" altLang="en-US" sz="2400" dirty="0">
-                <a:latin typeface="Times Newer Roman" panose="00000500000000000000" pitchFamily="50" charset="0"/>
-              </a:rPr>
-              <a:t>利得はまだ</a:t>
-            </a:r>
-            <a:r>
-              <a:rPr lang="en-US" altLang="ja-JP" sz="2400" dirty="0">
-                <a:latin typeface="Times Newer Roman" panose="00000500000000000000" pitchFamily="50" charset="0"/>
-              </a:rPr>
-              <a:t>2 dB</a:t>
-            </a:r>
-            <a:r>
-              <a:rPr lang="ja-JP" altLang="en-US" sz="2400" dirty="0">
-                <a:latin typeface="Times Newer Roman" panose="00000500000000000000" pitchFamily="50" charset="0"/>
-              </a:rPr>
-              <a:t>程度ずれている。</a:t>
-            </a:r>
-            <a:endParaRPr lang="en-US" altLang="ja-JP" sz="2400" dirty="0">
-              <a:latin typeface="Times Newer Roman" panose="00000500000000000000" pitchFamily="50" charset="0"/>
-            </a:endParaRPr>
-          </a:p>
-          <a:p>
-            <a:pPr algn="l"/>
-            <a:endParaRPr lang="en-US" altLang="ja-JP" sz="2400" dirty="0">
-              <a:latin typeface="Times Newer Roman" panose="00000500000000000000" pitchFamily="50" charset="0"/>
-            </a:endParaRPr>
-          </a:p>
-          <a:p>
-            <a:pPr algn="l"/>
-            <a:r>
-              <a:rPr kumimoji="1" lang="en-US" altLang="ja-JP" sz="2400" dirty="0">
-                <a:latin typeface="Times Newer Roman" panose="00000500000000000000" pitchFamily="50" charset="0"/>
-              </a:rPr>
-              <a:t>TIA</a:t>
-            </a:r>
-            <a:r>
-              <a:rPr kumimoji="1" lang="ja-JP" altLang="en-US" sz="2400" dirty="0">
-                <a:latin typeface="Times Newer Roman" panose="00000500000000000000" pitchFamily="50" charset="0"/>
-              </a:rPr>
-              <a:t>の方にも同様に負荷すると</a:t>
-            </a:r>
-            <a:r>
-              <a:rPr kumimoji="1" lang="en-US" altLang="ja-JP" sz="2400" dirty="0">
-                <a:latin typeface="Times Newer Roman" panose="00000500000000000000" pitchFamily="50" charset="0"/>
-              </a:rPr>
-              <a:t>IHP</a:t>
-            </a:r>
-            <a:r>
-              <a:rPr kumimoji="1" lang="ja-JP" altLang="en-US" sz="2400" dirty="0">
-                <a:latin typeface="Times Newer Roman" panose="00000500000000000000" pitchFamily="50" charset="0"/>
-              </a:rPr>
-              <a:t>のモデルから離れた。</a:t>
-            </a:r>
-          </a:p>
-        </p:txBody>
-      </p:sp>
-    </p:spTree>
-    <p:extLst>
-      <p:ext uri="{BB962C8B-B14F-4D97-AF65-F5344CB8AC3E}">
-        <p14:creationId xmlns:p14="http://schemas.microsoft.com/office/powerpoint/2010/main" val="2150409590"/>
-      </p:ext>
-    </p:extLst>
-  </p:cSld>
-  <p:clrMapOvr>
-    <a:masterClrMapping/>
-  </p:clrMapOvr>
-</p:sld>
-</file>
-
-<file path=ppt/slides/slide11.xml><?xml version="1.0" encoding="utf-8"?>
-<p:sld xmlns:a="http://schemas.openxmlformats.org/drawingml/2006/main" xmlns:r="http://schemas.openxmlformats.org/officeDocument/2006/relationships" xmlns:p="http://schemas.openxmlformats.org/presentationml/2006/main">
-  <p:cSld>
-    <p:spTree>
-      <p:nvGrpSpPr>
-        <p:cNvPr id="1" name=""/>
-        <p:cNvGrpSpPr/>
-        <p:nvPr/>
-      </p:nvGrpSpPr>
-      <p:grpSpPr>
-        <a:xfrm>
-          <a:off x="0" y="0"/>
-          <a:ext cx="0" cy="0"/>
-          <a:chOff x="0" y="0"/>
-          <a:chExt cx="0" cy="0"/>
-        </a:xfrm>
-      </p:grpSpPr>
-      <p:sp>
-        <p:nvSpPr>
-          <p:cNvPr id="2" name="タイトル 1">
-            <a:extLst>
-              <a:ext uri="{FF2B5EF4-FFF2-40B4-BE49-F238E27FC236}">
-                <a16:creationId xmlns:a16="http://schemas.microsoft.com/office/drawing/2014/main" id="{8ED1F140-798D-8537-4861-C59200EEEC7F}"/>
-              </a:ext>
-            </a:extLst>
-          </p:cNvPr>
-          <p:cNvSpPr>
-            <a:spLocks noGrp="1"/>
-          </p:cNvSpPr>
-          <p:nvPr>
-            <p:ph type="title"/>
-          </p:nvPr>
-        </p:nvSpPr>
-        <p:spPr/>
-        <p:txBody>
-          <a:bodyPr/>
-          <a:lstStyle/>
-          <a:p>
-            <a:r>
-              <a:rPr lang="en-US" altLang="ja-JP" dirty="0"/>
-              <a:t>TIA+</a:t>
-            </a:r>
-            <a:r>
-              <a:rPr lang="ja-JP" altLang="en-US" dirty="0"/>
-              <a:t>ソース接地のシミュレーション</a:t>
-            </a:r>
-            <a:endParaRPr kumimoji="1" lang="ja-JP" altLang="en-US" dirty="0"/>
-          </a:p>
-        </p:txBody>
-      </p:sp>
-      <p:sp>
-        <p:nvSpPr>
-          <p:cNvPr id="3" name="日付プレースホルダー 2">
-            <a:extLst>
-              <a:ext uri="{FF2B5EF4-FFF2-40B4-BE49-F238E27FC236}">
-                <a16:creationId xmlns:a16="http://schemas.microsoft.com/office/drawing/2014/main" id="{D7BEB4D6-90B3-601E-32AB-F5DEB7D8DCB1}"/>
-              </a:ext>
-            </a:extLst>
-          </p:cNvPr>
-          <p:cNvSpPr>
-            <a:spLocks noGrp="1"/>
-          </p:cNvSpPr>
-          <p:nvPr>
-            <p:ph type="dt" sz="half" idx="10"/>
-          </p:nvPr>
-        </p:nvSpPr>
-        <p:spPr/>
-        <p:txBody>
-          <a:bodyPr/>
-          <a:lstStyle/>
-          <a:p>
-            <a:fld id="{EEA6A375-72BC-45FC-83AA-00EA8839FC12}" type="datetime1">
-              <a:rPr kumimoji="1" lang="ja-JP" altLang="en-US" smtClean="0"/>
-              <a:t>2024/6/16</a:t>
-            </a:fld>
-            <a:endParaRPr kumimoji="1" lang="ja-JP" altLang="en-US"/>
-          </a:p>
-        </p:txBody>
-      </p:sp>
-      <p:sp>
-        <p:nvSpPr>
-          <p:cNvPr id="4" name="スライド番号プレースホルダー 3">
-            <a:extLst>
-              <a:ext uri="{FF2B5EF4-FFF2-40B4-BE49-F238E27FC236}">
-                <a16:creationId xmlns:a16="http://schemas.microsoft.com/office/drawing/2014/main" id="{0F3975BE-4090-1FA3-C644-E697B089EC92}"/>
-              </a:ext>
-            </a:extLst>
-          </p:cNvPr>
-          <p:cNvSpPr>
-            <a:spLocks noGrp="1"/>
-          </p:cNvSpPr>
-          <p:nvPr>
-            <p:ph type="sldNum" sz="quarter" idx="12"/>
-          </p:nvPr>
-        </p:nvSpPr>
-        <p:spPr/>
-        <p:txBody>
-          <a:bodyPr/>
-          <a:lstStyle/>
-          <a:p>
-            <a:fld id="{6294761A-CFE9-4878-87A7-90ECABD59CE5}" type="slidenum">
-              <a:rPr kumimoji="1" lang="ja-JP" altLang="en-US" smtClean="0"/>
-              <a:t>11</a:t>
             </a:fld>
             <a:endParaRPr kumimoji="1" lang="ja-JP" altLang="en-US"/>
           </a:p>
@@ -5403,8 +5107,8 @@
           </a:prstGeom>
         </p:spPr>
       </p:pic>
-      <mc:AlternateContent xmlns:mc="http://schemas.openxmlformats.org/markup-compatibility/2006">
-        <mc:Choice xmlns:a14="http://schemas.microsoft.com/office/drawing/2010/main" Requires="a14">
+      <mc:AlternateContent xmlns:mc="http://schemas.openxmlformats.org/markup-compatibility/2006" xmlns:a14="http://schemas.microsoft.com/office/drawing/2010/main">
+        <mc:Choice Requires="a14">
           <p:sp>
             <p:nvSpPr>
               <p:cNvPr id="8" name="テキスト ボックス 7">
@@ -5469,7 +5173,7 @@
                     <m:sSub>
                       <m:sSubPr>
                         <m:ctrlPr>
-                          <a:rPr kumimoji="1" lang="en-US" altLang="ja-JP" sz="2400" b="0" smtClean="0">
+                          <a:rPr kumimoji="1" lang="en-US" altLang="ja-JP" sz="2400" b="0" i="1" smtClean="0">
                             <a:latin typeface="Cambria Math" panose="02040503050406030204" pitchFamily="18" charset="0"/>
                           </a:rPr>
                         </m:ctrlPr>
@@ -5542,7 +5246,7 @@
             </p:txBody>
           </p:sp>
         </mc:Choice>
-        <mc:Fallback>
+        <mc:Fallback xmlns="">
           <p:sp>
             <p:nvSpPr>
               <p:cNvPr id="8" name="テキスト ボックス 7">
@@ -5600,6 +5304,1940 @@
 </p:sld>
 </file>
 
+<file path=ppt/slides/slide11.xml><?xml version="1.0" encoding="utf-8"?>
+<p:sld xmlns:a="http://schemas.openxmlformats.org/drawingml/2006/main" xmlns:r="http://schemas.openxmlformats.org/officeDocument/2006/relationships" xmlns:p="http://schemas.openxmlformats.org/presentationml/2006/main">
+  <p:cSld>
+    <p:spTree>
+      <p:nvGrpSpPr>
+        <p:cNvPr id="1" name=""/>
+        <p:cNvGrpSpPr/>
+        <p:nvPr/>
+      </p:nvGrpSpPr>
+      <p:grpSpPr>
+        <a:xfrm>
+          <a:off x="0" y="0"/>
+          <a:ext cx="0" cy="0"/>
+          <a:chOff x="0" y="0"/>
+          <a:chExt cx="0" cy="0"/>
+        </a:xfrm>
+      </p:grpSpPr>
+      <p:sp>
+        <p:nvSpPr>
+          <p:cNvPr id="2" name="タイトル 1">
+            <a:extLst>
+              <a:ext uri="{FF2B5EF4-FFF2-40B4-BE49-F238E27FC236}">
+                <a16:creationId xmlns:a16="http://schemas.microsoft.com/office/drawing/2014/main" id="{15DCE3CD-01DC-9D5A-E2CC-881197747927}"/>
+              </a:ext>
+            </a:extLst>
+          </p:cNvPr>
+          <p:cNvSpPr>
+            <a:spLocks noGrp="1"/>
+          </p:cNvSpPr>
+          <p:nvPr>
+            <p:ph type="title"/>
+          </p:nvPr>
+        </p:nvSpPr>
+        <p:spPr/>
+        <p:txBody>
+          <a:bodyPr/>
+          <a:lstStyle/>
+          <a:p>
+            <a:r>
+              <a:rPr lang="ja-JP" altLang="en-US" dirty="0"/>
+              <a:t>まとめ</a:t>
+            </a:r>
+            <a:endParaRPr kumimoji="1" lang="ja-JP" altLang="en-US" dirty="0"/>
+          </a:p>
+        </p:txBody>
+      </p:sp>
+      <p:sp>
+        <p:nvSpPr>
+          <p:cNvPr id="3" name="日付プレースホルダー 2">
+            <a:extLst>
+              <a:ext uri="{FF2B5EF4-FFF2-40B4-BE49-F238E27FC236}">
+                <a16:creationId xmlns:a16="http://schemas.microsoft.com/office/drawing/2014/main" id="{4BF978DF-A4DB-B291-1FC7-A25AA3FFD005}"/>
+              </a:ext>
+            </a:extLst>
+          </p:cNvPr>
+          <p:cNvSpPr>
+            <a:spLocks noGrp="1"/>
+          </p:cNvSpPr>
+          <p:nvPr>
+            <p:ph type="dt" sz="half" idx="10"/>
+          </p:nvPr>
+        </p:nvSpPr>
+        <p:spPr/>
+        <p:txBody>
+          <a:bodyPr/>
+          <a:lstStyle/>
+          <a:p>
+            <a:fld id="{EEA6A375-72BC-45FC-83AA-00EA8839FC12}" type="datetime1">
+              <a:rPr kumimoji="1" lang="ja-JP" altLang="en-US" smtClean="0"/>
+              <a:t>2024/6/19</a:t>
+            </a:fld>
+            <a:endParaRPr kumimoji="1" lang="ja-JP" altLang="en-US"/>
+          </a:p>
+        </p:txBody>
+      </p:sp>
+      <p:sp>
+        <p:nvSpPr>
+          <p:cNvPr id="4" name="スライド番号プレースホルダー 3">
+            <a:extLst>
+              <a:ext uri="{FF2B5EF4-FFF2-40B4-BE49-F238E27FC236}">
+                <a16:creationId xmlns:a16="http://schemas.microsoft.com/office/drawing/2014/main" id="{22835D37-E3E0-85F5-E961-BDEE56E8D71B}"/>
+              </a:ext>
+            </a:extLst>
+          </p:cNvPr>
+          <p:cNvSpPr>
+            <a:spLocks noGrp="1"/>
+          </p:cNvSpPr>
+          <p:nvPr>
+            <p:ph type="sldNum" sz="quarter" idx="12"/>
+          </p:nvPr>
+        </p:nvSpPr>
+        <p:spPr/>
+        <p:txBody>
+          <a:bodyPr/>
+          <a:lstStyle/>
+          <a:p>
+            <a:fld id="{6294761A-CFE9-4878-87A7-90ECABD59CE5}" type="slidenum">
+              <a:rPr kumimoji="1" lang="ja-JP" altLang="en-US" smtClean="0"/>
+              <a:t>11</a:t>
+            </a:fld>
+            <a:endParaRPr kumimoji="1" lang="ja-JP" altLang="en-US"/>
+          </a:p>
+        </p:txBody>
+      </p:sp>
+      <p:sp>
+        <p:nvSpPr>
+          <p:cNvPr id="5" name="フッター プレースホルダー 4">
+            <a:extLst>
+              <a:ext uri="{FF2B5EF4-FFF2-40B4-BE49-F238E27FC236}">
+                <a16:creationId xmlns:a16="http://schemas.microsoft.com/office/drawing/2014/main" id="{40A15311-F7B7-D52C-EDC1-766881956ACB}"/>
+              </a:ext>
+            </a:extLst>
+          </p:cNvPr>
+          <p:cNvSpPr>
+            <a:spLocks noGrp="1"/>
+          </p:cNvSpPr>
+          <p:nvPr>
+            <p:ph type="ftr" sz="quarter" idx="3"/>
+          </p:nvPr>
+        </p:nvSpPr>
+        <p:spPr/>
+        <p:txBody>
+          <a:bodyPr/>
+          <a:lstStyle/>
+          <a:p>
+            <a:r>
+              <a:rPr lang="en-US" altLang="ja-JP"/>
+              <a:t>Wave Signal Processing Circuit Laboratory,  Meiji University</a:t>
+            </a:r>
+            <a:endParaRPr lang="en-US" altLang="ja-JP" dirty="0"/>
+          </a:p>
+        </p:txBody>
+      </p:sp>
+      <p:sp>
+        <p:nvSpPr>
+          <p:cNvPr id="6" name="テキスト ボックス 5">
+            <a:extLst>
+              <a:ext uri="{FF2B5EF4-FFF2-40B4-BE49-F238E27FC236}">
+                <a16:creationId xmlns:a16="http://schemas.microsoft.com/office/drawing/2014/main" id="{3F254F51-C654-37DC-3860-E7209D6EDB20}"/>
+              </a:ext>
+            </a:extLst>
+          </p:cNvPr>
+          <p:cNvSpPr txBox="1"/>
+          <p:nvPr/>
+        </p:nvSpPr>
+        <p:spPr>
+          <a:xfrm>
+            <a:off x="2040320" y="2999285"/>
+            <a:ext cx="8111359" cy="1569660"/>
+          </a:xfrm>
+          <a:prstGeom prst="rect">
+            <a:avLst/>
+          </a:prstGeom>
+          <a:noFill/>
+        </p:spPr>
+        <p:txBody>
+          <a:bodyPr wrap="square" rtlCol="0">
+            <a:spAutoFit/>
+          </a:bodyPr>
+          <a:lstStyle/>
+          <a:p>
+            <a:pPr algn="l"/>
+            <a:r>
+              <a:rPr kumimoji="1" lang="en-US" altLang="ja-JP" sz="2400" dirty="0">
+                <a:latin typeface="Times Newer Roman" panose="00000500000000000000" pitchFamily="50" charset="0"/>
+              </a:rPr>
+              <a:t>TIA</a:t>
+            </a:r>
+            <a:r>
+              <a:rPr kumimoji="1" lang="ja-JP" altLang="en-US" sz="2400" dirty="0">
+                <a:latin typeface="Times Newer Roman" panose="00000500000000000000" pitchFamily="50" charset="0"/>
+              </a:rPr>
+              <a:t>の方は小信号等価回路で十分モデリングできていた</a:t>
+            </a:r>
+            <a:r>
+              <a:rPr lang="ja-JP" altLang="en-US" sz="2400" dirty="0">
+                <a:latin typeface="Times Newer Roman" panose="00000500000000000000" pitchFamily="50" charset="0"/>
+              </a:rPr>
+              <a:t>が、ソース接地増幅回路は少し怪しい。</a:t>
+            </a:r>
+            <a:endParaRPr lang="en-US" altLang="ja-JP" sz="2400" dirty="0">
+              <a:latin typeface="Times Newer Roman" panose="00000500000000000000" pitchFamily="50" charset="0"/>
+            </a:endParaRPr>
+          </a:p>
+          <a:p>
+            <a:pPr algn="l"/>
+            <a:endParaRPr lang="en-US" altLang="ja-JP" sz="2400" dirty="0">
+              <a:latin typeface="Times Newer Roman" panose="00000500000000000000" pitchFamily="50" charset="0"/>
+            </a:endParaRPr>
+          </a:p>
+          <a:p>
+            <a:pPr algn="l"/>
+            <a:r>
+              <a:rPr kumimoji="1" lang="ja-JP" altLang="en-US" sz="2400" dirty="0">
+                <a:latin typeface="Times Newer Roman" panose="00000500000000000000" pitchFamily="50" charset="0"/>
+              </a:rPr>
+              <a:t>これをもとに</a:t>
+            </a:r>
+            <a:r>
+              <a:rPr kumimoji="1" lang="en-US" altLang="ja-JP" sz="2400" dirty="0">
+                <a:latin typeface="Times Newer Roman" panose="00000500000000000000" pitchFamily="50" charset="0"/>
+              </a:rPr>
+              <a:t>TIA</a:t>
+            </a:r>
+            <a:r>
+              <a:rPr kumimoji="1" lang="ja-JP" altLang="en-US" sz="2400" dirty="0">
+                <a:latin typeface="Times Newer Roman" panose="00000500000000000000" pitchFamily="50" charset="0"/>
+              </a:rPr>
+              <a:t>の検討を進める。</a:t>
+            </a:r>
+            <a:endParaRPr kumimoji="1" lang="en-US" altLang="ja-JP" sz="2400" dirty="0">
+              <a:latin typeface="Times Newer Roman" panose="00000500000000000000" pitchFamily="50" charset="0"/>
+            </a:endParaRPr>
+          </a:p>
+        </p:txBody>
+      </p:sp>
+    </p:spTree>
+    <p:extLst>
+      <p:ext uri="{BB962C8B-B14F-4D97-AF65-F5344CB8AC3E}">
+        <p14:creationId xmlns:p14="http://schemas.microsoft.com/office/powerpoint/2010/main" val="1106961987"/>
+      </p:ext>
+    </p:extLst>
+  </p:cSld>
+  <p:clrMapOvr>
+    <a:masterClrMapping/>
+  </p:clrMapOvr>
+</p:sld>
+</file>
+
+<file path=ppt/slides/slide12.xml><?xml version="1.0" encoding="utf-8"?>
+<p:sld xmlns:a="http://schemas.openxmlformats.org/drawingml/2006/main" xmlns:r="http://schemas.openxmlformats.org/officeDocument/2006/relationships" xmlns:p="http://schemas.openxmlformats.org/presentationml/2006/main">
+  <p:cSld>
+    <p:spTree>
+      <p:nvGrpSpPr>
+        <p:cNvPr id="1" name=""/>
+        <p:cNvGrpSpPr/>
+        <p:nvPr/>
+      </p:nvGrpSpPr>
+      <p:grpSpPr>
+        <a:xfrm>
+          <a:off x="0" y="0"/>
+          <a:ext cx="0" cy="0"/>
+          <a:chOff x="0" y="0"/>
+          <a:chExt cx="0" cy="0"/>
+        </a:xfrm>
+      </p:grpSpPr>
+      <p:sp>
+        <p:nvSpPr>
+          <p:cNvPr id="2" name="タイトル 1">
+            <a:extLst>
+              <a:ext uri="{FF2B5EF4-FFF2-40B4-BE49-F238E27FC236}">
+                <a16:creationId xmlns:a16="http://schemas.microsoft.com/office/drawing/2014/main" id="{1028EC36-CBFE-B6D2-D6D9-195691A5BD33}"/>
+              </a:ext>
+            </a:extLst>
+          </p:cNvPr>
+          <p:cNvSpPr>
+            <a:spLocks noGrp="1"/>
+          </p:cNvSpPr>
+          <p:nvPr>
+            <p:ph type="title"/>
+          </p:nvPr>
+        </p:nvSpPr>
+        <p:spPr/>
+        <p:txBody>
+          <a:bodyPr/>
+          <a:lstStyle/>
+          <a:p>
+            <a:r>
+              <a:rPr kumimoji="1" lang="en-US" altLang="ja-JP" dirty="0"/>
+              <a:t>ESD</a:t>
+            </a:r>
+            <a:r>
+              <a:rPr kumimoji="1" lang="ja-JP" altLang="en-US" dirty="0"/>
+              <a:t>について</a:t>
+            </a:r>
+          </a:p>
+        </p:txBody>
+      </p:sp>
+      <p:sp>
+        <p:nvSpPr>
+          <p:cNvPr id="3" name="日付プレースホルダー 2">
+            <a:extLst>
+              <a:ext uri="{FF2B5EF4-FFF2-40B4-BE49-F238E27FC236}">
+                <a16:creationId xmlns:a16="http://schemas.microsoft.com/office/drawing/2014/main" id="{4F2329C6-B855-3100-7C39-546F5B0E5E5B}"/>
+              </a:ext>
+            </a:extLst>
+          </p:cNvPr>
+          <p:cNvSpPr>
+            <a:spLocks noGrp="1"/>
+          </p:cNvSpPr>
+          <p:nvPr>
+            <p:ph type="dt" sz="half" idx="10"/>
+          </p:nvPr>
+        </p:nvSpPr>
+        <p:spPr/>
+        <p:txBody>
+          <a:bodyPr/>
+          <a:lstStyle/>
+          <a:p>
+            <a:fld id="{EEA6A375-72BC-45FC-83AA-00EA8839FC12}" type="datetime1">
+              <a:rPr kumimoji="1" lang="ja-JP" altLang="en-US" smtClean="0"/>
+              <a:t>2024/6/19</a:t>
+            </a:fld>
+            <a:endParaRPr kumimoji="1" lang="ja-JP" altLang="en-US"/>
+          </a:p>
+        </p:txBody>
+      </p:sp>
+      <p:sp>
+        <p:nvSpPr>
+          <p:cNvPr id="4" name="スライド番号プレースホルダー 3">
+            <a:extLst>
+              <a:ext uri="{FF2B5EF4-FFF2-40B4-BE49-F238E27FC236}">
+                <a16:creationId xmlns:a16="http://schemas.microsoft.com/office/drawing/2014/main" id="{13F17D55-A5D2-0CF7-F50C-61ACB1D177BA}"/>
+              </a:ext>
+            </a:extLst>
+          </p:cNvPr>
+          <p:cNvSpPr>
+            <a:spLocks noGrp="1"/>
+          </p:cNvSpPr>
+          <p:nvPr>
+            <p:ph type="sldNum" sz="quarter" idx="12"/>
+          </p:nvPr>
+        </p:nvSpPr>
+        <p:spPr/>
+        <p:txBody>
+          <a:bodyPr/>
+          <a:lstStyle/>
+          <a:p>
+            <a:fld id="{6294761A-CFE9-4878-87A7-90ECABD59CE5}" type="slidenum">
+              <a:rPr kumimoji="1" lang="ja-JP" altLang="en-US" smtClean="0"/>
+              <a:t>12</a:t>
+            </a:fld>
+            <a:endParaRPr kumimoji="1" lang="ja-JP" altLang="en-US"/>
+          </a:p>
+        </p:txBody>
+      </p:sp>
+      <p:sp>
+        <p:nvSpPr>
+          <p:cNvPr id="5" name="フッター プレースホルダー 4">
+            <a:extLst>
+              <a:ext uri="{FF2B5EF4-FFF2-40B4-BE49-F238E27FC236}">
+                <a16:creationId xmlns:a16="http://schemas.microsoft.com/office/drawing/2014/main" id="{D964E53A-87CE-DC34-03AF-30C7CAA5ABF3}"/>
+              </a:ext>
+            </a:extLst>
+          </p:cNvPr>
+          <p:cNvSpPr>
+            <a:spLocks noGrp="1"/>
+          </p:cNvSpPr>
+          <p:nvPr>
+            <p:ph type="ftr" sz="quarter" idx="3"/>
+          </p:nvPr>
+        </p:nvSpPr>
+        <p:spPr/>
+        <p:txBody>
+          <a:bodyPr/>
+          <a:lstStyle/>
+          <a:p>
+            <a:r>
+              <a:rPr lang="en-US" altLang="ja-JP"/>
+              <a:t>Wave Signal Processing Circuit Laboratory,  Meiji University</a:t>
+            </a:r>
+            <a:endParaRPr lang="en-US" altLang="ja-JP" dirty="0"/>
+          </a:p>
+        </p:txBody>
+      </p:sp>
+      <p:sp>
+        <p:nvSpPr>
+          <p:cNvPr id="6" name="テキスト ボックス 5">
+            <a:extLst>
+              <a:ext uri="{FF2B5EF4-FFF2-40B4-BE49-F238E27FC236}">
+                <a16:creationId xmlns:a16="http://schemas.microsoft.com/office/drawing/2014/main" id="{6D9755F6-8010-17F1-F920-E751555AB940}"/>
+              </a:ext>
+            </a:extLst>
+          </p:cNvPr>
+          <p:cNvSpPr txBox="1"/>
+          <p:nvPr/>
+        </p:nvSpPr>
+        <p:spPr>
+          <a:xfrm>
+            <a:off x="2593427" y="5849007"/>
+            <a:ext cx="5494283" cy="461665"/>
+          </a:xfrm>
+          <a:prstGeom prst="rect">
+            <a:avLst/>
+          </a:prstGeom>
+          <a:noFill/>
+        </p:spPr>
+        <p:txBody>
+          <a:bodyPr wrap="square" rtlCol="0">
+            <a:spAutoFit/>
+          </a:bodyPr>
+          <a:lstStyle/>
+          <a:p>
+            <a:pPr algn="l"/>
+            <a:r>
+              <a:rPr kumimoji="1" lang="en-US" altLang="ja-JP" sz="2400" dirty="0">
+                <a:latin typeface="Times Newer Roman" panose="00000500000000000000" pitchFamily="50" charset="0"/>
+              </a:rPr>
+              <a:t>IHP</a:t>
+            </a:r>
+            <a:r>
+              <a:rPr kumimoji="1" lang="ja-JP" altLang="en-US" sz="2400" dirty="0">
+                <a:latin typeface="Times Newer Roman" panose="00000500000000000000" pitchFamily="50" charset="0"/>
+              </a:rPr>
+              <a:t>では</a:t>
+            </a:r>
+            <a:r>
+              <a:rPr kumimoji="1" lang="en-US" altLang="ja-JP" sz="2400" dirty="0">
+                <a:latin typeface="Times Newer Roman" panose="00000500000000000000" pitchFamily="50" charset="0"/>
+              </a:rPr>
+              <a:t>6</a:t>
+            </a:r>
+            <a:r>
+              <a:rPr kumimoji="1" lang="ja-JP" altLang="en-US" sz="2400" dirty="0">
+                <a:latin typeface="Times Newer Roman" panose="00000500000000000000" pitchFamily="50" charset="0"/>
+              </a:rPr>
+              <a:t>種類の</a:t>
+            </a:r>
+            <a:r>
+              <a:rPr kumimoji="1" lang="en-US" altLang="ja-JP" sz="2400" dirty="0">
+                <a:latin typeface="Times Newer Roman" panose="00000500000000000000" pitchFamily="50" charset="0"/>
+              </a:rPr>
+              <a:t>ESD</a:t>
+            </a:r>
+            <a:r>
+              <a:rPr kumimoji="1" lang="ja-JP" altLang="en-US" sz="2400" dirty="0">
+                <a:latin typeface="Times Newer Roman" panose="00000500000000000000" pitchFamily="50" charset="0"/>
+              </a:rPr>
+              <a:t>保護素子が使える。</a:t>
+            </a:r>
+          </a:p>
+        </p:txBody>
+      </p:sp>
+      <p:pic>
+        <p:nvPicPr>
+          <p:cNvPr id="8" name="図 7" descr="夜に光っている電子&#10;&#10;自動的に生成された説明">
+            <a:extLst>
+              <a:ext uri="{FF2B5EF4-FFF2-40B4-BE49-F238E27FC236}">
+                <a16:creationId xmlns:a16="http://schemas.microsoft.com/office/drawing/2014/main" id="{EDEDCDBF-A112-7295-CBCC-D1312BBB02D8}"/>
+              </a:ext>
+            </a:extLst>
+          </p:cNvPr>
+          <p:cNvPicPr>
+            <a:picLocks noChangeAspect="1"/>
+          </p:cNvPicPr>
+          <p:nvPr/>
+        </p:nvPicPr>
+        <p:blipFill>
+          <a:blip r:embed="rId2">
+            <a:extLst>
+              <a:ext uri="{28A0092B-C50C-407E-A947-70E740481C1C}">
+                <a14:useLocalDpi xmlns:a14="http://schemas.microsoft.com/office/drawing/2010/main" val="0"/>
+              </a:ext>
+            </a:extLst>
+          </a:blip>
+          <a:stretch>
+            <a:fillRect/>
+          </a:stretch>
+        </p:blipFill>
+        <p:spPr>
+          <a:xfrm>
+            <a:off x="1897489" y="1375072"/>
+            <a:ext cx="8397022" cy="4354012"/>
+          </a:xfrm>
+          <a:prstGeom prst="rect">
+            <a:avLst/>
+          </a:prstGeom>
+        </p:spPr>
+      </p:pic>
+    </p:spTree>
+    <p:extLst>
+      <p:ext uri="{BB962C8B-B14F-4D97-AF65-F5344CB8AC3E}">
+        <p14:creationId xmlns:p14="http://schemas.microsoft.com/office/powerpoint/2010/main" val="2001289022"/>
+      </p:ext>
+    </p:extLst>
+  </p:cSld>
+  <p:clrMapOvr>
+    <a:masterClrMapping/>
+  </p:clrMapOvr>
+</p:sld>
+</file>
+
+<file path=ppt/slides/slide13.xml><?xml version="1.0" encoding="utf-8"?>
+<p:sld xmlns:a="http://schemas.openxmlformats.org/drawingml/2006/main" xmlns:r="http://schemas.openxmlformats.org/officeDocument/2006/relationships" xmlns:p="http://schemas.openxmlformats.org/presentationml/2006/main">
+  <p:cSld>
+    <p:spTree>
+      <p:nvGrpSpPr>
+        <p:cNvPr id="1" name=""/>
+        <p:cNvGrpSpPr/>
+        <p:nvPr/>
+      </p:nvGrpSpPr>
+      <p:grpSpPr>
+        <a:xfrm>
+          <a:off x="0" y="0"/>
+          <a:ext cx="0" cy="0"/>
+          <a:chOff x="0" y="0"/>
+          <a:chExt cx="0" cy="0"/>
+        </a:xfrm>
+      </p:grpSpPr>
+      <p:sp>
+        <p:nvSpPr>
+          <p:cNvPr id="2" name="タイトル 1">
+            <a:extLst>
+              <a:ext uri="{FF2B5EF4-FFF2-40B4-BE49-F238E27FC236}">
+                <a16:creationId xmlns:a16="http://schemas.microsoft.com/office/drawing/2014/main" id="{1028EC36-CBFE-B6D2-D6D9-195691A5BD33}"/>
+              </a:ext>
+            </a:extLst>
+          </p:cNvPr>
+          <p:cNvSpPr>
+            <a:spLocks noGrp="1"/>
+          </p:cNvSpPr>
+          <p:nvPr>
+            <p:ph type="title"/>
+          </p:nvPr>
+        </p:nvSpPr>
+        <p:spPr/>
+        <p:txBody>
+          <a:bodyPr/>
+          <a:lstStyle/>
+          <a:p>
+            <a:r>
+              <a:rPr kumimoji="1" lang="en-US" altLang="ja-JP" dirty="0"/>
+              <a:t>ESD</a:t>
+            </a:r>
+            <a:r>
+              <a:rPr kumimoji="1" lang="ja-JP" altLang="en-US" dirty="0"/>
+              <a:t>について</a:t>
+            </a:r>
+          </a:p>
+        </p:txBody>
+      </p:sp>
+      <p:sp>
+        <p:nvSpPr>
+          <p:cNvPr id="3" name="日付プレースホルダー 2">
+            <a:extLst>
+              <a:ext uri="{FF2B5EF4-FFF2-40B4-BE49-F238E27FC236}">
+                <a16:creationId xmlns:a16="http://schemas.microsoft.com/office/drawing/2014/main" id="{4F2329C6-B855-3100-7C39-546F5B0E5E5B}"/>
+              </a:ext>
+            </a:extLst>
+          </p:cNvPr>
+          <p:cNvSpPr>
+            <a:spLocks noGrp="1"/>
+          </p:cNvSpPr>
+          <p:nvPr>
+            <p:ph type="dt" sz="half" idx="10"/>
+          </p:nvPr>
+        </p:nvSpPr>
+        <p:spPr/>
+        <p:txBody>
+          <a:bodyPr/>
+          <a:lstStyle/>
+          <a:p>
+            <a:fld id="{EEA6A375-72BC-45FC-83AA-00EA8839FC12}" type="datetime1">
+              <a:rPr kumimoji="1" lang="ja-JP" altLang="en-US" smtClean="0"/>
+              <a:t>2024/6/19</a:t>
+            </a:fld>
+            <a:endParaRPr kumimoji="1" lang="ja-JP" altLang="en-US"/>
+          </a:p>
+        </p:txBody>
+      </p:sp>
+      <p:sp>
+        <p:nvSpPr>
+          <p:cNvPr id="4" name="スライド番号プレースホルダー 3">
+            <a:extLst>
+              <a:ext uri="{FF2B5EF4-FFF2-40B4-BE49-F238E27FC236}">
+                <a16:creationId xmlns:a16="http://schemas.microsoft.com/office/drawing/2014/main" id="{13F17D55-A5D2-0CF7-F50C-61ACB1D177BA}"/>
+              </a:ext>
+            </a:extLst>
+          </p:cNvPr>
+          <p:cNvSpPr>
+            <a:spLocks noGrp="1"/>
+          </p:cNvSpPr>
+          <p:nvPr>
+            <p:ph type="sldNum" sz="quarter" idx="12"/>
+          </p:nvPr>
+        </p:nvSpPr>
+        <p:spPr/>
+        <p:txBody>
+          <a:bodyPr/>
+          <a:lstStyle/>
+          <a:p>
+            <a:fld id="{6294761A-CFE9-4878-87A7-90ECABD59CE5}" type="slidenum">
+              <a:rPr kumimoji="1" lang="ja-JP" altLang="en-US" smtClean="0"/>
+              <a:t>13</a:t>
+            </a:fld>
+            <a:endParaRPr kumimoji="1" lang="ja-JP" altLang="en-US"/>
+          </a:p>
+        </p:txBody>
+      </p:sp>
+      <p:sp>
+        <p:nvSpPr>
+          <p:cNvPr id="5" name="フッター プレースホルダー 4">
+            <a:extLst>
+              <a:ext uri="{FF2B5EF4-FFF2-40B4-BE49-F238E27FC236}">
+                <a16:creationId xmlns:a16="http://schemas.microsoft.com/office/drawing/2014/main" id="{D964E53A-87CE-DC34-03AF-30C7CAA5ABF3}"/>
+              </a:ext>
+            </a:extLst>
+          </p:cNvPr>
+          <p:cNvSpPr>
+            <a:spLocks noGrp="1"/>
+          </p:cNvSpPr>
+          <p:nvPr>
+            <p:ph type="ftr" sz="quarter" idx="3"/>
+          </p:nvPr>
+        </p:nvSpPr>
+        <p:spPr/>
+        <p:txBody>
+          <a:bodyPr/>
+          <a:lstStyle/>
+          <a:p>
+            <a:r>
+              <a:rPr lang="en-US" altLang="ja-JP"/>
+              <a:t>Wave Signal Processing Circuit Laboratory,  Meiji University</a:t>
+            </a:r>
+            <a:endParaRPr lang="en-US" altLang="ja-JP" dirty="0"/>
+          </a:p>
+        </p:txBody>
+      </p:sp>
+      <p:pic>
+        <p:nvPicPr>
+          <p:cNvPr id="8" name="図 7" descr="夜に光っている電子&#10;&#10;自動的に生成された説明">
+            <a:extLst>
+              <a:ext uri="{FF2B5EF4-FFF2-40B4-BE49-F238E27FC236}">
+                <a16:creationId xmlns:a16="http://schemas.microsoft.com/office/drawing/2014/main" id="{EDEDCDBF-A112-7295-CBCC-D1312BBB02D8}"/>
+              </a:ext>
+            </a:extLst>
+          </p:cNvPr>
+          <p:cNvPicPr>
+            <a:picLocks noChangeAspect="1"/>
+          </p:cNvPicPr>
+          <p:nvPr/>
+        </p:nvPicPr>
+        <p:blipFill rotWithShape="1">
+          <a:blip r:embed="rId2">
+            <a:extLst>
+              <a:ext uri="{28A0092B-C50C-407E-A947-70E740481C1C}">
+                <a14:useLocalDpi xmlns:a14="http://schemas.microsoft.com/office/drawing/2010/main" val="0"/>
+              </a:ext>
+            </a:extLst>
+          </a:blip>
+          <a:srcRect l="-1" r="37202"/>
+          <a:stretch/>
+        </p:blipFill>
+        <p:spPr>
+          <a:xfrm>
+            <a:off x="588944" y="1584833"/>
+            <a:ext cx="5273202" cy="4354012"/>
+          </a:xfrm>
+          <a:prstGeom prst="rect">
+            <a:avLst/>
+          </a:prstGeom>
+        </p:spPr>
+      </p:pic>
+      <p:sp>
+        <p:nvSpPr>
+          <p:cNvPr id="7" name="テキスト ボックス 6">
+            <a:extLst>
+              <a:ext uri="{FF2B5EF4-FFF2-40B4-BE49-F238E27FC236}">
+                <a16:creationId xmlns:a16="http://schemas.microsoft.com/office/drawing/2014/main" id="{31DCE6F9-6DDF-C178-24E2-9D52D59A0221}"/>
+              </a:ext>
+            </a:extLst>
+          </p:cNvPr>
+          <p:cNvSpPr txBox="1"/>
+          <p:nvPr/>
+        </p:nvSpPr>
+        <p:spPr>
+          <a:xfrm>
+            <a:off x="6329855" y="2977009"/>
+            <a:ext cx="4903076" cy="1569660"/>
+          </a:xfrm>
+          <a:prstGeom prst="rect">
+            <a:avLst/>
+          </a:prstGeom>
+          <a:noFill/>
+        </p:spPr>
+        <p:txBody>
+          <a:bodyPr wrap="square" rtlCol="0">
+            <a:spAutoFit/>
+          </a:bodyPr>
+          <a:lstStyle/>
+          <a:p>
+            <a:pPr algn="l"/>
+            <a:r>
+              <a:rPr kumimoji="1" lang="ja-JP" altLang="en-US" sz="2400" dirty="0">
+                <a:latin typeface="Times Newer Roman" panose="00000500000000000000" pitchFamily="50" charset="0"/>
+              </a:rPr>
+              <a:t>左は</a:t>
+            </a:r>
+            <a:r>
+              <a:rPr kumimoji="1" lang="en-US" altLang="ja-JP" sz="2400" dirty="0" err="1">
+                <a:latin typeface="Times Newer Roman" panose="00000500000000000000" pitchFamily="50" charset="0"/>
+              </a:rPr>
+              <a:t>vdd</a:t>
+            </a:r>
+            <a:r>
+              <a:rPr lang="ja-JP" altLang="en-US" sz="2400" dirty="0">
+                <a:latin typeface="Times Newer Roman" panose="00000500000000000000" pitchFamily="50" charset="0"/>
+              </a:rPr>
+              <a:t>側に、右は</a:t>
+            </a:r>
+            <a:r>
+              <a:rPr lang="en-US" altLang="ja-JP" sz="2400" dirty="0" err="1">
+                <a:latin typeface="Times Newer Roman" panose="00000500000000000000" pitchFamily="50" charset="0"/>
+              </a:rPr>
+              <a:t>vss</a:t>
+            </a:r>
+            <a:r>
+              <a:rPr lang="ja-JP" altLang="en-US" sz="2400" dirty="0">
+                <a:latin typeface="Times Newer Roman" panose="00000500000000000000" pitchFamily="50" charset="0"/>
+              </a:rPr>
+              <a:t>側に電流を流す</a:t>
+            </a:r>
+            <a:r>
+              <a:rPr lang="en-US" altLang="ja-JP" sz="2400" dirty="0">
+                <a:latin typeface="Times Newer Roman" panose="00000500000000000000" pitchFamily="50" charset="0"/>
+              </a:rPr>
+              <a:t>ESD</a:t>
+            </a:r>
+            <a:r>
+              <a:rPr lang="ja-JP" altLang="en-US" sz="2400" dirty="0">
+                <a:latin typeface="Times Newer Roman" panose="00000500000000000000" pitchFamily="50" charset="0"/>
+              </a:rPr>
+              <a:t>保護ダイオード。</a:t>
+            </a:r>
+            <a:endParaRPr lang="en-US" altLang="ja-JP" sz="2400" dirty="0">
+              <a:latin typeface="Times Newer Roman" panose="00000500000000000000" pitchFamily="50" charset="0"/>
+            </a:endParaRPr>
+          </a:p>
+          <a:p>
+            <a:pPr algn="l"/>
+            <a:r>
+              <a:rPr kumimoji="1" lang="en-US" altLang="ja-JP" sz="2400" dirty="0">
+                <a:latin typeface="Times Newer Roman" panose="00000500000000000000" pitchFamily="50" charset="0"/>
+              </a:rPr>
+              <a:t>4051</a:t>
+            </a:r>
+            <a:r>
+              <a:rPr kumimoji="1" lang="ja-JP" altLang="en-US" sz="2400" dirty="0">
+                <a:latin typeface="Times Newer Roman" panose="00000500000000000000" pitchFamily="50" charset="0"/>
+              </a:rPr>
+              <a:t>と</a:t>
+            </a:r>
+            <a:r>
+              <a:rPr kumimoji="1" lang="en-US" altLang="ja-JP" sz="2400" dirty="0">
+                <a:latin typeface="Times Newer Roman" panose="00000500000000000000" pitchFamily="50" charset="0"/>
+              </a:rPr>
+              <a:t>4052</a:t>
+            </a:r>
+            <a:r>
+              <a:rPr kumimoji="1" lang="ja-JP" altLang="en-US" sz="2400" dirty="0">
+                <a:latin typeface="Times Newer Roman" panose="00000500000000000000" pitchFamily="50" charset="0"/>
+              </a:rPr>
+              <a:t>の差はチャネル幅の差で</a:t>
+            </a:r>
+            <a:r>
+              <a:rPr kumimoji="1" lang="en-US" altLang="ja-JP" sz="2400" dirty="0">
+                <a:latin typeface="Times Newer Roman" panose="00000500000000000000" pitchFamily="50" charset="0"/>
+              </a:rPr>
+              <a:t>4052</a:t>
+            </a:r>
+            <a:r>
+              <a:rPr kumimoji="1" lang="ja-JP" altLang="en-US" sz="2400" dirty="0">
+                <a:latin typeface="Times Newer Roman" panose="00000500000000000000" pitchFamily="50" charset="0"/>
+              </a:rPr>
+              <a:t>の方が</a:t>
+            </a:r>
+            <a:r>
+              <a:rPr kumimoji="1" lang="en-US" altLang="ja-JP" sz="2400" dirty="0">
+                <a:latin typeface="Times Newer Roman" panose="00000500000000000000" pitchFamily="50" charset="0"/>
+              </a:rPr>
+              <a:t>1.5</a:t>
+            </a:r>
+            <a:r>
+              <a:rPr kumimoji="1" lang="ja-JP" altLang="en-US" sz="2400" dirty="0">
+                <a:latin typeface="Times Newer Roman" panose="00000500000000000000" pitchFamily="50" charset="0"/>
+              </a:rPr>
+              <a:t>倍くらい大きい。</a:t>
+            </a:r>
+          </a:p>
+        </p:txBody>
+      </p:sp>
+    </p:spTree>
+    <p:extLst>
+      <p:ext uri="{BB962C8B-B14F-4D97-AF65-F5344CB8AC3E}">
+        <p14:creationId xmlns:p14="http://schemas.microsoft.com/office/powerpoint/2010/main" val="2849553788"/>
+      </p:ext>
+    </p:extLst>
+  </p:cSld>
+  <p:clrMapOvr>
+    <a:masterClrMapping/>
+  </p:clrMapOvr>
+</p:sld>
+</file>
+
+<file path=ppt/slides/slide14.xml><?xml version="1.0" encoding="utf-8"?>
+<p:sld xmlns:a="http://schemas.openxmlformats.org/drawingml/2006/main" xmlns:r="http://schemas.openxmlformats.org/officeDocument/2006/relationships" xmlns:p="http://schemas.openxmlformats.org/presentationml/2006/main">
+  <p:cSld>
+    <p:spTree>
+      <p:nvGrpSpPr>
+        <p:cNvPr id="1" name=""/>
+        <p:cNvGrpSpPr/>
+        <p:nvPr/>
+      </p:nvGrpSpPr>
+      <p:grpSpPr>
+        <a:xfrm>
+          <a:off x="0" y="0"/>
+          <a:ext cx="0" cy="0"/>
+          <a:chOff x="0" y="0"/>
+          <a:chExt cx="0" cy="0"/>
+        </a:xfrm>
+      </p:grpSpPr>
+      <p:sp>
+        <p:nvSpPr>
+          <p:cNvPr id="2" name="タイトル 1">
+            <a:extLst>
+              <a:ext uri="{FF2B5EF4-FFF2-40B4-BE49-F238E27FC236}">
+                <a16:creationId xmlns:a16="http://schemas.microsoft.com/office/drawing/2014/main" id="{B43AE58F-EBC5-DC93-8D7F-65EB88CBAC76}"/>
+              </a:ext>
+            </a:extLst>
+          </p:cNvPr>
+          <p:cNvSpPr>
+            <a:spLocks noGrp="1"/>
+          </p:cNvSpPr>
+          <p:nvPr>
+            <p:ph type="title"/>
+          </p:nvPr>
+        </p:nvSpPr>
+        <p:spPr/>
+        <p:txBody>
+          <a:bodyPr/>
+          <a:lstStyle/>
+          <a:p>
+            <a:r>
+              <a:rPr kumimoji="1" lang="en-US" altLang="ja-JP" dirty="0"/>
+              <a:t>ESD</a:t>
+            </a:r>
+            <a:r>
+              <a:rPr kumimoji="1" lang="ja-JP" altLang="en-US" dirty="0"/>
+              <a:t>について</a:t>
+            </a:r>
+          </a:p>
+        </p:txBody>
+      </p:sp>
+      <p:sp>
+        <p:nvSpPr>
+          <p:cNvPr id="3" name="日付プレースホルダー 2">
+            <a:extLst>
+              <a:ext uri="{FF2B5EF4-FFF2-40B4-BE49-F238E27FC236}">
+                <a16:creationId xmlns:a16="http://schemas.microsoft.com/office/drawing/2014/main" id="{65B65F96-4B9B-CFD1-D279-EE77EFBE4316}"/>
+              </a:ext>
+            </a:extLst>
+          </p:cNvPr>
+          <p:cNvSpPr>
+            <a:spLocks noGrp="1"/>
+          </p:cNvSpPr>
+          <p:nvPr>
+            <p:ph type="dt" sz="half" idx="10"/>
+          </p:nvPr>
+        </p:nvSpPr>
+        <p:spPr/>
+        <p:txBody>
+          <a:bodyPr/>
+          <a:lstStyle/>
+          <a:p>
+            <a:fld id="{EEA6A375-72BC-45FC-83AA-00EA8839FC12}" type="datetime1">
+              <a:rPr kumimoji="1" lang="ja-JP" altLang="en-US" smtClean="0"/>
+              <a:t>2024/6/19</a:t>
+            </a:fld>
+            <a:endParaRPr kumimoji="1" lang="ja-JP" altLang="en-US"/>
+          </a:p>
+        </p:txBody>
+      </p:sp>
+      <p:sp>
+        <p:nvSpPr>
+          <p:cNvPr id="4" name="スライド番号プレースホルダー 3">
+            <a:extLst>
+              <a:ext uri="{FF2B5EF4-FFF2-40B4-BE49-F238E27FC236}">
+                <a16:creationId xmlns:a16="http://schemas.microsoft.com/office/drawing/2014/main" id="{82C2217C-E478-50E4-85ED-9725A3D71F97}"/>
+              </a:ext>
+            </a:extLst>
+          </p:cNvPr>
+          <p:cNvSpPr>
+            <a:spLocks noGrp="1"/>
+          </p:cNvSpPr>
+          <p:nvPr>
+            <p:ph type="sldNum" sz="quarter" idx="12"/>
+          </p:nvPr>
+        </p:nvSpPr>
+        <p:spPr/>
+        <p:txBody>
+          <a:bodyPr/>
+          <a:lstStyle/>
+          <a:p>
+            <a:fld id="{6294761A-CFE9-4878-87A7-90ECABD59CE5}" type="slidenum">
+              <a:rPr kumimoji="1" lang="ja-JP" altLang="en-US" smtClean="0"/>
+              <a:t>14</a:t>
+            </a:fld>
+            <a:endParaRPr kumimoji="1" lang="ja-JP" altLang="en-US"/>
+          </a:p>
+        </p:txBody>
+      </p:sp>
+      <p:sp>
+        <p:nvSpPr>
+          <p:cNvPr id="5" name="フッター プレースホルダー 4">
+            <a:extLst>
+              <a:ext uri="{FF2B5EF4-FFF2-40B4-BE49-F238E27FC236}">
+                <a16:creationId xmlns:a16="http://schemas.microsoft.com/office/drawing/2014/main" id="{097A0C08-E819-3C63-123D-0BF667E0A534}"/>
+              </a:ext>
+            </a:extLst>
+          </p:cNvPr>
+          <p:cNvSpPr>
+            <a:spLocks noGrp="1"/>
+          </p:cNvSpPr>
+          <p:nvPr>
+            <p:ph type="ftr" sz="quarter" idx="3"/>
+          </p:nvPr>
+        </p:nvSpPr>
+        <p:spPr/>
+        <p:txBody>
+          <a:bodyPr/>
+          <a:lstStyle/>
+          <a:p>
+            <a:r>
+              <a:rPr lang="en-US" altLang="ja-JP"/>
+              <a:t>Wave Signal Processing Circuit Laboratory,  Meiji University</a:t>
+            </a:r>
+            <a:endParaRPr lang="en-US" altLang="ja-JP" dirty="0"/>
+          </a:p>
+        </p:txBody>
+      </p:sp>
+      <p:pic>
+        <p:nvPicPr>
+          <p:cNvPr id="7" name="図 6" descr="グラフィカル ユーザー インターフェイス&#10;&#10;低い精度で自動的に生成された説明">
+            <a:extLst>
+              <a:ext uri="{FF2B5EF4-FFF2-40B4-BE49-F238E27FC236}">
+                <a16:creationId xmlns:a16="http://schemas.microsoft.com/office/drawing/2014/main" id="{4207C631-C5B7-A1F3-3997-CD3554880B72}"/>
+              </a:ext>
+            </a:extLst>
+          </p:cNvPr>
+          <p:cNvPicPr>
+            <a:picLocks noChangeAspect="1"/>
+          </p:cNvPicPr>
+          <p:nvPr/>
+        </p:nvPicPr>
+        <p:blipFill>
+          <a:blip r:embed="rId2">
+            <a:extLst>
+              <a:ext uri="{28A0092B-C50C-407E-A947-70E740481C1C}">
+                <a14:useLocalDpi xmlns:a14="http://schemas.microsoft.com/office/drawing/2010/main" val="0"/>
+              </a:ext>
+            </a:extLst>
+          </a:blip>
+          <a:stretch>
+            <a:fillRect/>
+          </a:stretch>
+        </p:blipFill>
+        <p:spPr>
+          <a:xfrm>
+            <a:off x="0" y="1223873"/>
+            <a:ext cx="12192000" cy="4410253"/>
+          </a:xfrm>
+          <a:prstGeom prst="rect">
+            <a:avLst/>
+          </a:prstGeom>
+        </p:spPr>
+      </p:pic>
+      <mc:AlternateContent xmlns:mc="http://schemas.openxmlformats.org/markup-compatibility/2006">
+        <mc:Choice xmlns:a14="http://schemas.microsoft.com/office/drawing/2010/main" Requires="a14">
+          <p:sp>
+            <p:nvSpPr>
+              <p:cNvPr id="8" name="テキスト ボックス 7">
+                <a:extLst>
+                  <a:ext uri="{FF2B5EF4-FFF2-40B4-BE49-F238E27FC236}">
+                    <a16:creationId xmlns:a16="http://schemas.microsoft.com/office/drawing/2014/main" id="{95EC1BC8-366E-B07D-2AF0-A48657E119B8}"/>
+                  </a:ext>
+                </a:extLst>
+              </p:cNvPr>
+              <p:cNvSpPr txBox="1"/>
+              <p:nvPr/>
+            </p:nvSpPr>
+            <p:spPr>
+              <a:xfrm>
+                <a:off x="1555531" y="5741799"/>
+                <a:ext cx="9080938" cy="830997"/>
+              </a:xfrm>
+              <a:prstGeom prst="rect">
+                <a:avLst/>
+              </a:prstGeom>
+              <a:noFill/>
+            </p:spPr>
+            <p:txBody>
+              <a:bodyPr wrap="square" rtlCol="0">
+                <a:spAutoFit/>
+              </a:bodyPr>
+              <a:lstStyle/>
+              <a:p>
+                <a:pPr algn="ctr"/>
+                <a:r>
+                  <a:rPr kumimoji="1" lang="ja-JP" altLang="en-US" sz="2400" dirty="0">
+                    <a:latin typeface="Times Newer Roman" panose="00000500000000000000" pitchFamily="50" charset="0"/>
+                  </a:rPr>
+                  <a:t>配置は前ページと同じ。</a:t>
+                </a:r>
+                <a:endParaRPr kumimoji="1" lang="en-US" altLang="ja-JP" sz="2400" dirty="0">
+                  <a:latin typeface="Times Newer Roman" panose="00000500000000000000" pitchFamily="50" charset="0"/>
+                </a:endParaRPr>
+              </a:p>
+              <a:p>
+                <a:pPr algn="ctr"/>
+                <a:r>
+                  <a:rPr lang="en-US" altLang="ja-JP" sz="2400" dirty="0">
+                    <a:latin typeface="Times Newer Roman" panose="00000500000000000000" pitchFamily="50" charset="0"/>
+                  </a:rPr>
+                  <a:t>4051</a:t>
+                </a:r>
+                <a:r>
+                  <a:rPr lang="ja-JP" altLang="en-US" sz="2400" dirty="0">
+                    <a:latin typeface="Times Newer Roman" panose="00000500000000000000" pitchFamily="50" charset="0"/>
+                  </a:rPr>
+                  <a:t>はおよそ</a:t>
+                </a:r>
+                <a14:m>
+                  <m:oMath xmlns:m="http://schemas.openxmlformats.org/officeDocument/2006/math">
+                    <m:r>
+                      <a:rPr lang="en-US" altLang="ja-JP" sz="2400" b="0" i="1" smtClean="0">
+                        <a:latin typeface="Cambria Math" panose="02040503050406030204" pitchFamily="18" charset="0"/>
+                      </a:rPr>
+                      <m:t>10 </m:t>
+                    </m:r>
+                    <m:r>
+                      <m:rPr>
+                        <m:sty m:val="p"/>
+                      </m:rPr>
+                      <a:rPr lang="en-US" altLang="ja-JP" sz="2400" b="0" i="0" smtClean="0">
+                        <a:latin typeface="Cambria Math" panose="02040503050406030204" pitchFamily="18" charset="0"/>
+                      </a:rPr>
+                      <m:t>μm</m:t>
+                    </m:r>
+                    <m:r>
+                      <a:rPr lang="en-US" altLang="ja-JP" sz="2400" b="0" i="1" smtClean="0">
+                        <a:latin typeface="Cambria Math" panose="02040503050406030204" pitchFamily="18" charset="0"/>
+                      </a:rPr>
+                      <m:t>×40 </m:t>
+                    </m:r>
+                    <m:r>
+                      <m:rPr>
+                        <m:sty m:val="p"/>
+                      </m:rPr>
+                      <a:rPr lang="en-US" altLang="ja-JP" sz="2400" b="0" i="0" smtClean="0">
+                        <a:latin typeface="Cambria Math" panose="02040503050406030204" pitchFamily="18" charset="0"/>
+                      </a:rPr>
+                      <m:t>μm</m:t>
+                    </m:r>
+                  </m:oMath>
+                </a14:m>
+                <a:r>
+                  <a:rPr kumimoji="1" lang="ja-JP" altLang="en-US" sz="2400" dirty="0">
+                    <a:latin typeface="Times Newer Roman" panose="00000500000000000000" pitchFamily="50" charset="0"/>
+                  </a:rPr>
+                  <a:t>、</a:t>
+                </a:r>
+                <a:r>
+                  <a:rPr kumimoji="1" lang="en-US" altLang="ja-JP" sz="2400" dirty="0">
+                    <a:latin typeface="Times Newer Roman" panose="00000500000000000000" pitchFamily="50" charset="0"/>
+                  </a:rPr>
+                  <a:t>4052</a:t>
+                </a:r>
+                <a:r>
+                  <a:rPr kumimoji="1" lang="ja-JP" altLang="en-US" sz="2400" dirty="0">
+                    <a:latin typeface="Times Newer Roman" panose="00000500000000000000" pitchFamily="50" charset="0"/>
+                  </a:rPr>
+                  <a:t>は</a:t>
+                </a:r>
+                <a14:m>
+                  <m:oMath xmlns:m="http://schemas.openxmlformats.org/officeDocument/2006/math">
+                    <m:r>
+                      <a:rPr kumimoji="1" lang="en-US" altLang="ja-JP" sz="2400" b="0" i="1" smtClean="0">
+                        <a:latin typeface="Cambria Math" panose="02040503050406030204" pitchFamily="18" charset="0"/>
+                      </a:rPr>
+                      <m:t>15 </m:t>
+                    </m:r>
+                    <m:r>
+                      <m:rPr>
+                        <m:sty m:val="p"/>
+                      </m:rPr>
+                      <a:rPr kumimoji="1" lang="en-US" altLang="ja-JP" sz="2400" b="0" i="0" smtClean="0">
+                        <a:latin typeface="Cambria Math" panose="02040503050406030204" pitchFamily="18" charset="0"/>
+                      </a:rPr>
+                      <m:t>μm</m:t>
+                    </m:r>
+                    <m:r>
+                      <a:rPr kumimoji="1" lang="en-US" altLang="ja-JP" sz="2400" b="0" i="1" smtClean="0">
+                        <a:latin typeface="Cambria Math" panose="02040503050406030204" pitchFamily="18" charset="0"/>
+                      </a:rPr>
+                      <m:t>×40 </m:t>
+                    </m:r>
+                    <m:r>
+                      <m:rPr>
+                        <m:sty m:val="p"/>
+                      </m:rPr>
+                      <a:rPr kumimoji="1" lang="en-US" altLang="ja-JP" sz="2400" b="0" i="0" smtClean="0">
+                        <a:latin typeface="Cambria Math" panose="02040503050406030204" pitchFamily="18" charset="0"/>
+                      </a:rPr>
+                      <m:t>μm</m:t>
+                    </m:r>
+                  </m:oMath>
+                </a14:m>
+                <a:r>
+                  <a:rPr kumimoji="1" lang="ja-JP" altLang="en-US" sz="2400" dirty="0">
+                    <a:latin typeface="Times Newer Roman" panose="00000500000000000000" pitchFamily="50" charset="0"/>
+                  </a:rPr>
+                  <a:t>程度。</a:t>
+                </a:r>
+              </a:p>
+            </p:txBody>
+          </p:sp>
+        </mc:Choice>
+        <mc:Fallback>
+          <p:sp>
+            <p:nvSpPr>
+              <p:cNvPr id="8" name="テキスト ボックス 7">
+                <a:extLst>
+                  <a:ext uri="{FF2B5EF4-FFF2-40B4-BE49-F238E27FC236}">
+                    <a16:creationId xmlns:a16="http://schemas.microsoft.com/office/drawing/2014/main" id="{95EC1BC8-366E-B07D-2AF0-A48657E119B8}"/>
+                  </a:ext>
+                </a:extLst>
+              </p:cNvPr>
+              <p:cNvSpPr txBox="1">
+                <a:spLocks noRot="1" noChangeAspect="1" noMove="1" noResize="1" noEditPoints="1" noAdjustHandles="1" noChangeArrowheads="1" noChangeShapeType="1" noTextEdit="1"/>
+              </p:cNvSpPr>
+              <p:nvPr/>
+            </p:nvSpPr>
+            <p:spPr>
+              <a:xfrm>
+                <a:off x="1555531" y="5741799"/>
+                <a:ext cx="9080938" cy="830997"/>
+              </a:xfrm>
+              <a:prstGeom prst="rect">
+                <a:avLst/>
+              </a:prstGeom>
+              <a:blipFill>
+                <a:blip r:embed="rId3"/>
+                <a:stretch>
+                  <a:fillRect t="-7353" b="-16912"/>
+                </a:stretch>
+              </a:blipFill>
+            </p:spPr>
+            <p:txBody>
+              <a:bodyPr/>
+              <a:lstStyle/>
+              <a:p>
+                <a:r>
+                  <a:rPr lang="ja-JP" altLang="en-US">
+                    <a:noFill/>
+                  </a:rPr>
+                  <a:t> </a:t>
+                </a:r>
+              </a:p>
+            </p:txBody>
+          </p:sp>
+        </mc:Fallback>
+      </mc:AlternateContent>
+    </p:spTree>
+    <p:extLst>
+      <p:ext uri="{BB962C8B-B14F-4D97-AF65-F5344CB8AC3E}">
+        <p14:creationId xmlns:p14="http://schemas.microsoft.com/office/powerpoint/2010/main" val="4288564312"/>
+      </p:ext>
+    </p:extLst>
+  </p:cSld>
+  <p:clrMapOvr>
+    <a:masterClrMapping/>
+  </p:clrMapOvr>
+</p:sld>
+</file>
+
+<file path=ppt/slides/slide15.xml><?xml version="1.0" encoding="utf-8"?>
+<p:sld xmlns:a="http://schemas.openxmlformats.org/drawingml/2006/main" xmlns:r="http://schemas.openxmlformats.org/officeDocument/2006/relationships" xmlns:p="http://schemas.openxmlformats.org/presentationml/2006/main">
+  <p:cSld>
+    <p:spTree>
+      <p:nvGrpSpPr>
+        <p:cNvPr id="1" name=""/>
+        <p:cNvGrpSpPr/>
+        <p:nvPr/>
+      </p:nvGrpSpPr>
+      <p:grpSpPr>
+        <a:xfrm>
+          <a:off x="0" y="0"/>
+          <a:ext cx="0" cy="0"/>
+          <a:chOff x="0" y="0"/>
+          <a:chExt cx="0" cy="0"/>
+        </a:xfrm>
+      </p:grpSpPr>
+      <p:sp>
+        <p:nvSpPr>
+          <p:cNvPr id="2" name="タイトル 1">
+            <a:extLst>
+              <a:ext uri="{FF2B5EF4-FFF2-40B4-BE49-F238E27FC236}">
+                <a16:creationId xmlns:a16="http://schemas.microsoft.com/office/drawing/2014/main" id="{34233B45-6224-D342-5D0B-75551495DE21}"/>
+              </a:ext>
+            </a:extLst>
+          </p:cNvPr>
+          <p:cNvSpPr>
+            <a:spLocks noGrp="1"/>
+          </p:cNvSpPr>
+          <p:nvPr>
+            <p:ph type="title"/>
+          </p:nvPr>
+        </p:nvSpPr>
+        <p:spPr/>
+        <p:txBody>
+          <a:bodyPr/>
+          <a:lstStyle/>
+          <a:p>
+            <a:r>
+              <a:rPr kumimoji="1" lang="en-US" altLang="ja-JP" dirty="0"/>
+              <a:t>ESD</a:t>
+            </a:r>
+            <a:r>
+              <a:rPr kumimoji="1" lang="ja-JP" altLang="en-US" dirty="0"/>
+              <a:t>について</a:t>
+            </a:r>
+          </a:p>
+        </p:txBody>
+      </p:sp>
+      <p:sp>
+        <p:nvSpPr>
+          <p:cNvPr id="3" name="日付プレースホルダー 2">
+            <a:extLst>
+              <a:ext uri="{FF2B5EF4-FFF2-40B4-BE49-F238E27FC236}">
+                <a16:creationId xmlns:a16="http://schemas.microsoft.com/office/drawing/2014/main" id="{A5EA01EE-17F4-1615-8D70-D4CE8CEDB2A9}"/>
+              </a:ext>
+            </a:extLst>
+          </p:cNvPr>
+          <p:cNvSpPr>
+            <a:spLocks noGrp="1"/>
+          </p:cNvSpPr>
+          <p:nvPr>
+            <p:ph type="dt" sz="half" idx="10"/>
+          </p:nvPr>
+        </p:nvSpPr>
+        <p:spPr/>
+        <p:txBody>
+          <a:bodyPr/>
+          <a:lstStyle/>
+          <a:p>
+            <a:fld id="{EEA6A375-72BC-45FC-83AA-00EA8839FC12}" type="datetime1">
+              <a:rPr kumimoji="1" lang="ja-JP" altLang="en-US" smtClean="0"/>
+              <a:t>2024/6/19</a:t>
+            </a:fld>
+            <a:endParaRPr kumimoji="1" lang="ja-JP" altLang="en-US"/>
+          </a:p>
+        </p:txBody>
+      </p:sp>
+      <p:sp>
+        <p:nvSpPr>
+          <p:cNvPr id="4" name="スライド番号プレースホルダー 3">
+            <a:extLst>
+              <a:ext uri="{FF2B5EF4-FFF2-40B4-BE49-F238E27FC236}">
+                <a16:creationId xmlns:a16="http://schemas.microsoft.com/office/drawing/2014/main" id="{94E19BC2-8B1A-C336-6A34-1E3064439DB6}"/>
+              </a:ext>
+            </a:extLst>
+          </p:cNvPr>
+          <p:cNvSpPr>
+            <a:spLocks noGrp="1"/>
+          </p:cNvSpPr>
+          <p:nvPr>
+            <p:ph type="sldNum" sz="quarter" idx="12"/>
+          </p:nvPr>
+        </p:nvSpPr>
+        <p:spPr/>
+        <p:txBody>
+          <a:bodyPr/>
+          <a:lstStyle/>
+          <a:p>
+            <a:fld id="{6294761A-CFE9-4878-87A7-90ECABD59CE5}" type="slidenum">
+              <a:rPr kumimoji="1" lang="ja-JP" altLang="en-US" smtClean="0"/>
+              <a:t>15</a:t>
+            </a:fld>
+            <a:endParaRPr kumimoji="1" lang="ja-JP" altLang="en-US"/>
+          </a:p>
+        </p:txBody>
+      </p:sp>
+      <p:sp>
+        <p:nvSpPr>
+          <p:cNvPr id="5" name="フッター プレースホルダー 4">
+            <a:extLst>
+              <a:ext uri="{FF2B5EF4-FFF2-40B4-BE49-F238E27FC236}">
+                <a16:creationId xmlns:a16="http://schemas.microsoft.com/office/drawing/2014/main" id="{BD20D461-754D-3267-4F03-EA21BE07AEC8}"/>
+              </a:ext>
+            </a:extLst>
+          </p:cNvPr>
+          <p:cNvSpPr>
+            <a:spLocks noGrp="1"/>
+          </p:cNvSpPr>
+          <p:nvPr>
+            <p:ph type="ftr" sz="quarter" idx="3"/>
+          </p:nvPr>
+        </p:nvSpPr>
+        <p:spPr/>
+        <p:txBody>
+          <a:bodyPr/>
+          <a:lstStyle/>
+          <a:p>
+            <a:r>
+              <a:rPr lang="en-US" altLang="ja-JP"/>
+              <a:t>Wave Signal Processing Circuit Laboratory,  Meiji University</a:t>
+            </a:r>
+            <a:endParaRPr lang="en-US" altLang="ja-JP" dirty="0"/>
+          </a:p>
+        </p:txBody>
+      </p:sp>
+      <p:pic>
+        <p:nvPicPr>
+          <p:cNvPr id="6" name="図 5" descr="夜に光っている電子&#10;&#10;自動的に生成された説明">
+            <a:extLst>
+              <a:ext uri="{FF2B5EF4-FFF2-40B4-BE49-F238E27FC236}">
+                <a16:creationId xmlns:a16="http://schemas.microsoft.com/office/drawing/2014/main" id="{714BBFC5-8909-4D68-CF93-4AA57D8E8782}"/>
+              </a:ext>
+            </a:extLst>
+          </p:cNvPr>
+          <p:cNvPicPr>
+            <a:picLocks noChangeAspect="1"/>
+          </p:cNvPicPr>
+          <p:nvPr/>
+        </p:nvPicPr>
+        <p:blipFill rotWithShape="1">
+          <a:blip r:embed="rId2">
+            <a:extLst>
+              <a:ext uri="{28A0092B-C50C-407E-A947-70E740481C1C}">
+                <a14:useLocalDpi xmlns:a14="http://schemas.microsoft.com/office/drawing/2010/main" val="0"/>
+              </a:ext>
+            </a:extLst>
+          </a:blip>
+          <a:srcRect l="66428"/>
+          <a:stretch/>
+        </p:blipFill>
+        <p:spPr>
+          <a:xfrm>
+            <a:off x="1263840" y="1607109"/>
+            <a:ext cx="2819055" cy="4354012"/>
+          </a:xfrm>
+          <a:prstGeom prst="rect">
+            <a:avLst/>
+          </a:prstGeom>
+        </p:spPr>
+      </p:pic>
+      <p:sp>
+        <p:nvSpPr>
+          <p:cNvPr id="7" name="テキスト ボックス 6">
+            <a:extLst>
+              <a:ext uri="{FF2B5EF4-FFF2-40B4-BE49-F238E27FC236}">
+                <a16:creationId xmlns:a16="http://schemas.microsoft.com/office/drawing/2014/main" id="{41584E8F-4F95-71AA-656E-1D5888729B5C}"/>
+              </a:ext>
+            </a:extLst>
+          </p:cNvPr>
+          <p:cNvSpPr txBox="1"/>
+          <p:nvPr/>
+        </p:nvSpPr>
+        <p:spPr>
+          <a:xfrm>
+            <a:off x="4536024" y="3535334"/>
+            <a:ext cx="7146166" cy="461665"/>
+          </a:xfrm>
+          <a:prstGeom prst="rect">
+            <a:avLst/>
+          </a:prstGeom>
+          <a:noFill/>
+        </p:spPr>
+        <p:txBody>
+          <a:bodyPr wrap="square" rtlCol="0">
+            <a:spAutoFit/>
+          </a:bodyPr>
+          <a:lstStyle/>
+          <a:p>
+            <a:pPr algn="l"/>
+            <a:r>
+              <a:rPr kumimoji="1" lang="en-US" altLang="ja-JP" sz="2400" dirty="0">
+                <a:latin typeface="Times Newer Roman" panose="00000500000000000000" pitchFamily="50" charset="0"/>
+              </a:rPr>
+              <a:t>PDK</a:t>
+            </a:r>
+            <a:r>
+              <a:rPr kumimoji="1" lang="ja-JP" altLang="en-US" sz="2400" dirty="0">
+                <a:latin typeface="Times Newer Roman" panose="00000500000000000000" pitchFamily="50" charset="0"/>
+              </a:rPr>
+              <a:t>によると電源電圧を</a:t>
+            </a:r>
+            <a:r>
+              <a:rPr kumimoji="1" lang="en-US" altLang="ja-JP" sz="2400" dirty="0">
+                <a:latin typeface="Times Newer Roman" panose="00000500000000000000" pitchFamily="50" charset="0"/>
+              </a:rPr>
+              <a:t>3.3 V</a:t>
+            </a:r>
+            <a:r>
+              <a:rPr kumimoji="1" lang="ja-JP" altLang="en-US" sz="2400" dirty="0">
+                <a:latin typeface="Times Newer Roman" panose="00000500000000000000" pitchFamily="50" charset="0"/>
+              </a:rPr>
+              <a:t>付近に制限</a:t>
+            </a:r>
+            <a:r>
+              <a:rPr lang="ja-JP" altLang="en-US" sz="2400" dirty="0">
+                <a:latin typeface="Times Newer Roman" panose="00000500000000000000" pitchFamily="50" charset="0"/>
+              </a:rPr>
+              <a:t>する素子。</a:t>
+            </a:r>
+            <a:endParaRPr lang="en-US" altLang="ja-JP" sz="2400" dirty="0">
+              <a:latin typeface="Times Newer Roman" panose="00000500000000000000" pitchFamily="50" charset="0"/>
+            </a:endParaRPr>
+          </a:p>
+        </p:txBody>
+      </p:sp>
+    </p:spTree>
+    <p:extLst>
+      <p:ext uri="{BB962C8B-B14F-4D97-AF65-F5344CB8AC3E}">
+        <p14:creationId xmlns:p14="http://schemas.microsoft.com/office/powerpoint/2010/main" val="1052130050"/>
+      </p:ext>
+    </p:extLst>
+  </p:cSld>
+  <p:clrMapOvr>
+    <a:masterClrMapping/>
+  </p:clrMapOvr>
+</p:sld>
+</file>
+
+<file path=ppt/slides/slide16.xml><?xml version="1.0" encoding="utf-8"?>
+<p:sld xmlns:a="http://schemas.openxmlformats.org/drawingml/2006/main" xmlns:r="http://schemas.openxmlformats.org/officeDocument/2006/relationships" xmlns:p="http://schemas.openxmlformats.org/presentationml/2006/main">
+  <p:cSld>
+    <p:spTree>
+      <p:nvGrpSpPr>
+        <p:cNvPr id="1" name=""/>
+        <p:cNvGrpSpPr/>
+        <p:nvPr/>
+      </p:nvGrpSpPr>
+      <p:grpSpPr>
+        <a:xfrm>
+          <a:off x="0" y="0"/>
+          <a:ext cx="0" cy="0"/>
+          <a:chOff x="0" y="0"/>
+          <a:chExt cx="0" cy="0"/>
+        </a:xfrm>
+      </p:grpSpPr>
+      <p:sp>
+        <p:nvSpPr>
+          <p:cNvPr id="2" name="タイトル 1">
+            <a:extLst>
+              <a:ext uri="{FF2B5EF4-FFF2-40B4-BE49-F238E27FC236}">
+                <a16:creationId xmlns:a16="http://schemas.microsoft.com/office/drawing/2014/main" id="{BB08369B-FFA0-F0D1-4540-5588DE11DD56}"/>
+              </a:ext>
+            </a:extLst>
+          </p:cNvPr>
+          <p:cNvSpPr>
+            <a:spLocks noGrp="1"/>
+          </p:cNvSpPr>
+          <p:nvPr>
+            <p:ph type="title"/>
+          </p:nvPr>
+        </p:nvSpPr>
+        <p:spPr/>
+        <p:txBody>
+          <a:bodyPr/>
+          <a:lstStyle/>
+          <a:p>
+            <a:r>
+              <a:rPr kumimoji="1" lang="en-US" altLang="ja-JP" dirty="0"/>
+              <a:t>ESD</a:t>
+            </a:r>
+            <a:r>
+              <a:rPr kumimoji="1" lang="ja-JP" altLang="en-US" dirty="0"/>
+              <a:t>について</a:t>
+            </a:r>
+          </a:p>
+        </p:txBody>
+      </p:sp>
+      <p:sp>
+        <p:nvSpPr>
+          <p:cNvPr id="3" name="日付プレースホルダー 2">
+            <a:extLst>
+              <a:ext uri="{FF2B5EF4-FFF2-40B4-BE49-F238E27FC236}">
+                <a16:creationId xmlns:a16="http://schemas.microsoft.com/office/drawing/2014/main" id="{684DCD18-C543-7578-8BBC-160EAFA72DE4}"/>
+              </a:ext>
+            </a:extLst>
+          </p:cNvPr>
+          <p:cNvSpPr>
+            <a:spLocks noGrp="1"/>
+          </p:cNvSpPr>
+          <p:nvPr>
+            <p:ph type="dt" sz="half" idx="10"/>
+          </p:nvPr>
+        </p:nvSpPr>
+        <p:spPr/>
+        <p:txBody>
+          <a:bodyPr/>
+          <a:lstStyle/>
+          <a:p>
+            <a:fld id="{EEA6A375-72BC-45FC-83AA-00EA8839FC12}" type="datetime1">
+              <a:rPr kumimoji="1" lang="ja-JP" altLang="en-US" smtClean="0"/>
+              <a:t>2024/6/19</a:t>
+            </a:fld>
+            <a:endParaRPr kumimoji="1" lang="ja-JP" altLang="en-US"/>
+          </a:p>
+        </p:txBody>
+      </p:sp>
+      <p:sp>
+        <p:nvSpPr>
+          <p:cNvPr id="4" name="スライド番号プレースホルダー 3">
+            <a:extLst>
+              <a:ext uri="{FF2B5EF4-FFF2-40B4-BE49-F238E27FC236}">
+                <a16:creationId xmlns:a16="http://schemas.microsoft.com/office/drawing/2014/main" id="{30F1F890-C0A1-7DB8-DD63-CB26C1499CD0}"/>
+              </a:ext>
+            </a:extLst>
+          </p:cNvPr>
+          <p:cNvSpPr>
+            <a:spLocks noGrp="1"/>
+          </p:cNvSpPr>
+          <p:nvPr>
+            <p:ph type="sldNum" sz="quarter" idx="12"/>
+          </p:nvPr>
+        </p:nvSpPr>
+        <p:spPr/>
+        <p:txBody>
+          <a:bodyPr/>
+          <a:lstStyle/>
+          <a:p>
+            <a:fld id="{6294761A-CFE9-4878-87A7-90ECABD59CE5}" type="slidenum">
+              <a:rPr kumimoji="1" lang="ja-JP" altLang="en-US" smtClean="0"/>
+              <a:t>16</a:t>
+            </a:fld>
+            <a:endParaRPr kumimoji="1" lang="ja-JP" altLang="en-US"/>
+          </a:p>
+        </p:txBody>
+      </p:sp>
+      <p:sp>
+        <p:nvSpPr>
+          <p:cNvPr id="5" name="フッター プレースホルダー 4">
+            <a:extLst>
+              <a:ext uri="{FF2B5EF4-FFF2-40B4-BE49-F238E27FC236}">
+                <a16:creationId xmlns:a16="http://schemas.microsoft.com/office/drawing/2014/main" id="{912419DB-FA35-AFED-172E-786DACB1396D}"/>
+              </a:ext>
+            </a:extLst>
+          </p:cNvPr>
+          <p:cNvSpPr>
+            <a:spLocks noGrp="1"/>
+          </p:cNvSpPr>
+          <p:nvPr>
+            <p:ph type="ftr" sz="quarter" idx="3"/>
+          </p:nvPr>
+        </p:nvSpPr>
+        <p:spPr/>
+        <p:txBody>
+          <a:bodyPr/>
+          <a:lstStyle/>
+          <a:p>
+            <a:r>
+              <a:rPr lang="en-US" altLang="ja-JP"/>
+              <a:t>Wave Signal Processing Circuit Laboratory,  Meiji University</a:t>
+            </a:r>
+            <a:endParaRPr lang="en-US" altLang="ja-JP" dirty="0"/>
+          </a:p>
+        </p:txBody>
+      </p:sp>
+      <p:pic>
+        <p:nvPicPr>
+          <p:cNvPr id="7" name="図 6" descr="カラフルな光のcg&#10;&#10;中程度の精度で自動的に生成された説明">
+            <a:extLst>
+              <a:ext uri="{FF2B5EF4-FFF2-40B4-BE49-F238E27FC236}">
+                <a16:creationId xmlns:a16="http://schemas.microsoft.com/office/drawing/2014/main" id="{EF5DCF80-5957-C91A-8EAA-A139FE1B8415}"/>
+              </a:ext>
+            </a:extLst>
+          </p:cNvPr>
+          <p:cNvPicPr>
+            <a:picLocks noChangeAspect="1"/>
+          </p:cNvPicPr>
+          <p:nvPr/>
+        </p:nvPicPr>
+        <p:blipFill>
+          <a:blip r:embed="rId2">
+            <a:extLst>
+              <a:ext uri="{28A0092B-C50C-407E-A947-70E740481C1C}">
+                <a14:useLocalDpi xmlns:a14="http://schemas.microsoft.com/office/drawing/2010/main" val="0"/>
+              </a:ext>
+            </a:extLst>
+          </a:blip>
+          <a:stretch>
+            <a:fillRect/>
+          </a:stretch>
+        </p:blipFill>
+        <p:spPr>
+          <a:xfrm>
+            <a:off x="370853" y="1532210"/>
+            <a:ext cx="5742299" cy="4647873"/>
+          </a:xfrm>
+          <a:prstGeom prst="rect">
+            <a:avLst/>
+          </a:prstGeom>
+        </p:spPr>
+      </p:pic>
+      <mc:AlternateContent xmlns:mc="http://schemas.openxmlformats.org/markup-compatibility/2006">
+        <mc:Choice xmlns:a14="http://schemas.microsoft.com/office/drawing/2010/main" Requires="a14">
+          <p:sp>
+            <p:nvSpPr>
+              <p:cNvPr id="8" name="テキスト ボックス 7">
+                <a:extLst>
+                  <a:ext uri="{FF2B5EF4-FFF2-40B4-BE49-F238E27FC236}">
+                    <a16:creationId xmlns:a16="http://schemas.microsoft.com/office/drawing/2014/main" id="{874EA77A-A5EC-9AE1-3E19-3F2964D30256}"/>
+                  </a:ext>
+                </a:extLst>
+              </p:cNvPr>
+              <p:cNvSpPr txBox="1"/>
+              <p:nvPr/>
+            </p:nvSpPr>
+            <p:spPr>
+              <a:xfrm>
+                <a:off x="6224750" y="1834175"/>
+                <a:ext cx="5967250" cy="4524315"/>
+              </a:xfrm>
+              <a:prstGeom prst="rect">
+                <a:avLst/>
+              </a:prstGeom>
+              <a:noFill/>
+            </p:spPr>
+            <p:txBody>
+              <a:bodyPr wrap="square" rtlCol="0">
+                <a:spAutoFit/>
+              </a:bodyPr>
+              <a:lstStyle/>
+              <a:p>
+                <a:pPr algn="l"/>
+                <a:r>
+                  <a:rPr kumimoji="1" lang="ja-JP" altLang="en-US" sz="2400" dirty="0">
+                    <a:latin typeface="Times Newer Roman" panose="00000500000000000000" pitchFamily="50" charset="0"/>
+                  </a:rPr>
+                  <a:t>こちらも配置は前ページと同様。</a:t>
+                </a:r>
+                <a:endParaRPr kumimoji="1" lang="en-US" altLang="ja-JP" sz="2400" dirty="0">
+                  <a:latin typeface="Times Newer Roman" panose="00000500000000000000" pitchFamily="50" charset="0"/>
+                </a:endParaRPr>
+              </a:p>
+              <a:p>
+                <a:pPr algn="l"/>
+                <a:r>
+                  <a:rPr lang="ja-JP" altLang="en-US" sz="2400" dirty="0">
+                    <a:latin typeface="Times Newer Roman" panose="00000500000000000000" pitchFamily="50" charset="0"/>
+                  </a:rPr>
+                  <a:t>サイズは</a:t>
+                </a:r>
+                <a:r>
+                  <a:rPr lang="en-US" altLang="ja-JP" sz="2400" dirty="0">
+                    <a:latin typeface="Times Newer Roman" panose="00000500000000000000" pitchFamily="50" charset="0"/>
+                  </a:rPr>
+                  <a:t>200</a:t>
+                </a:r>
+                <a:r>
+                  <a:rPr lang="ja-JP" altLang="en-US" sz="2400" dirty="0">
+                    <a:latin typeface="Times Newer Roman" panose="00000500000000000000" pitchFamily="50" charset="0"/>
+                  </a:rPr>
+                  <a:t>が</a:t>
+                </a:r>
+                <a14:m>
+                  <m:oMath xmlns:m="http://schemas.openxmlformats.org/officeDocument/2006/math">
+                    <m:r>
+                      <a:rPr lang="en-US" altLang="ja-JP" sz="2400" b="0" i="1" smtClean="0">
+                        <a:latin typeface="Cambria Math" panose="02040503050406030204" pitchFamily="18" charset="0"/>
+                      </a:rPr>
+                      <m:t>20 </m:t>
+                    </m:r>
+                    <m:r>
+                      <m:rPr>
+                        <m:sty m:val="p"/>
+                      </m:rPr>
+                      <a:rPr lang="en-US" altLang="ja-JP" sz="2400" b="0" i="0" smtClean="0">
+                        <a:latin typeface="Cambria Math" panose="02040503050406030204" pitchFamily="18" charset="0"/>
+                      </a:rPr>
+                      <m:t>μm</m:t>
+                    </m:r>
+                    <m:r>
+                      <a:rPr lang="en-US" altLang="ja-JP" sz="2400" b="0" i="1" smtClean="0">
+                        <a:latin typeface="Cambria Math" panose="02040503050406030204" pitchFamily="18" charset="0"/>
+                      </a:rPr>
+                      <m:t>×30 </m:t>
+                    </m:r>
+                    <m:r>
+                      <m:rPr>
+                        <m:sty m:val="p"/>
+                      </m:rPr>
+                      <a:rPr lang="en-US" altLang="ja-JP" sz="2400" b="0" i="0" smtClean="0">
+                        <a:latin typeface="Cambria Math" panose="02040503050406030204" pitchFamily="18" charset="0"/>
+                      </a:rPr>
+                      <m:t>μm</m:t>
+                    </m:r>
+                  </m:oMath>
+                </a14:m>
+                <a:endParaRPr kumimoji="1" lang="en-US" altLang="ja-JP" sz="2400" dirty="0">
+                  <a:latin typeface="Times Newer Roman" panose="00000500000000000000" pitchFamily="50" charset="0"/>
+                </a:endParaRPr>
+              </a:p>
+              <a:p>
+                <a:pPr algn="l"/>
+                <a:r>
+                  <a:rPr kumimoji="1" lang="en-US" altLang="ja-JP" sz="2400" dirty="0">
+                    <a:latin typeface="Times Newer Roman" panose="00000500000000000000" pitchFamily="50" charset="0"/>
+                  </a:rPr>
+                  <a:t>400</a:t>
+                </a:r>
+                <a:r>
+                  <a:rPr kumimoji="1" lang="ja-JP" altLang="en-US" sz="2400" dirty="0">
+                    <a:latin typeface="Times Newer Roman" panose="00000500000000000000" pitchFamily="50" charset="0"/>
+                  </a:rPr>
+                  <a:t>が</a:t>
+                </a:r>
+                <a14:m>
+                  <m:oMath xmlns:m="http://schemas.openxmlformats.org/officeDocument/2006/math">
+                    <m:r>
+                      <a:rPr kumimoji="1" lang="en-US" altLang="ja-JP" sz="2400" b="0" i="1" smtClean="0">
+                        <a:latin typeface="Cambria Math" panose="02040503050406030204" pitchFamily="18" charset="0"/>
+                      </a:rPr>
+                      <m:t>20 </m:t>
+                    </m:r>
+                    <m:r>
+                      <m:rPr>
+                        <m:sty m:val="p"/>
+                      </m:rPr>
+                      <a:rPr kumimoji="1" lang="en-US" altLang="ja-JP" sz="2400" b="0" i="0" smtClean="0">
+                        <a:latin typeface="Cambria Math" panose="02040503050406030204" pitchFamily="18" charset="0"/>
+                      </a:rPr>
+                      <m:t>μm</m:t>
+                    </m:r>
+                    <m:r>
+                      <a:rPr kumimoji="1" lang="en-US" altLang="ja-JP" sz="2400" b="0" i="1" smtClean="0">
+                        <a:latin typeface="Cambria Math" panose="02040503050406030204" pitchFamily="18" charset="0"/>
+                      </a:rPr>
+                      <m:t>×60 </m:t>
+                    </m:r>
+                    <m:r>
+                      <m:rPr>
+                        <m:sty m:val="p"/>
+                      </m:rPr>
+                      <a:rPr kumimoji="1" lang="en-US" altLang="ja-JP" sz="2400" b="0" i="0" smtClean="0">
+                        <a:latin typeface="Cambria Math" panose="02040503050406030204" pitchFamily="18" charset="0"/>
+                      </a:rPr>
+                      <m:t>μm</m:t>
+                    </m:r>
+                  </m:oMath>
+                </a14:m>
+                <a:r>
+                  <a:rPr kumimoji="1" lang="ja-JP" altLang="en-US" sz="2400" dirty="0">
+                    <a:latin typeface="Times Newer Roman" panose="00000500000000000000" pitchFamily="50" charset="0"/>
+                  </a:rPr>
+                  <a:t>程度。</a:t>
+                </a:r>
+                <a:endParaRPr kumimoji="1" lang="en-US" altLang="ja-JP" sz="2400" dirty="0">
+                  <a:latin typeface="Times Newer Roman" panose="00000500000000000000" pitchFamily="50" charset="0"/>
+                </a:endParaRPr>
+              </a:p>
+              <a:p>
+                <a:pPr algn="l"/>
+                <a:endParaRPr lang="en-US" altLang="ja-JP" sz="2400" dirty="0">
+                  <a:latin typeface="Times Newer Roman" panose="00000500000000000000" pitchFamily="50" charset="0"/>
+                </a:endParaRPr>
+              </a:p>
+              <a:p>
+                <a:pPr algn="l"/>
+                <a:r>
+                  <a:rPr lang="en-US" altLang="ja-JP" sz="2400" dirty="0" err="1">
+                    <a:latin typeface="Times Newer Roman" panose="00000500000000000000" pitchFamily="50" charset="0"/>
+                  </a:rPr>
+                  <a:t>n</a:t>
+                </a:r>
+                <a:r>
+                  <a:rPr kumimoji="1" lang="en-US" altLang="ja-JP" sz="2400" dirty="0" err="1">
+                    <a:latin typeface="Times Newer Roman" panose="00000500000000000000" pitchFamily="50" charset="0"/>
+                  </a:rPr>
+                  <a:t>mos</a:t>
+                </a:r>
+                <a:r>
+                  <a:rPr kumimoji="1" lang="ja-JP" altLang="en-US" sz="2400" dirty="0">
+                    <a:latin typeface="Times Newer Roman" panose="00000500000000000000" pitchFamily="50" charset="0"/>
+                  </a:rPr>
+                  <a:t>のレイヤーに</a:t>
+                </a:r>
+                <a:r>
+                  <a:rPr kumimoji="1" lang="en-US" altLang="ja-JP" sz="2400" dirty="0" err="1">
+                    <a:latin typeface="Times Newer Roman" panose="00000500000000000000" pitchFamily="50" charset="0"/>
+                  </a:rPr>
+                  <a:t>nBuLay</a:t>
+                </a:r>
+                <a:r>
+                  <a:rPr kumimoji="1" lang="ja-JP" altLang="en-US" sz="2400" dirty="0">
+                    <a:latin typeface="Times Newer Roman" panose="00000500000000000000" pitchFamily="50" charset="0"/>
+                  </a:rPr>
+                  <a:t>というレイヤーが重なっていた。</a:t>
+                </a:r>
+                <a:endParaRPr kumimoji="1" lang="en-US" altLang="ja-JP" sz="2400" dirty="0">
+                  <a:latin typeface="Times Newer Roman" panose="00000500000000000000" pitchFamily="50" charset="0"/>
+                </a:endParaRPr>
+              </a:p>
+              <a:p>
+                <a:pPr algn="l"/>
+                <a:r>
+                  <a:rPr lang="en-US" altLang="ja-JP" sz="2400" dirty="0">
+                    <a:latin typeface="Times Newer Roman" panose="00000500000000000000" pitchFamily="50" charset="0"/>
+                  </a:rPr>
+                  <a:t>PDK</a:t>
+                </a:r>
+                <a:r>
+                  <a:rPr lang="ja-JP" altLang="en-US" sz="2400" dirty="0">
+                    <a:latin typeface="Times Newer Roman" panose="00000500000000000000" pitchFamily="50" charset="0"/>
+                  </a:rPr>
+                  <a:t>によれば基板と分離された</a:t>
+                </a:r>
+                <a:r>
+                  <a:rPr lang="en-US" altLang="ja-JP" sz="2400" dirty="0" err="1">
+                    <a:latin typeface="Times Newer Roman" panose="00000500000000000000" pitchFamily="50" charset="0"/>
+                  </a:rPr>
+                  <a:t>nmos</a:t>
+                </a:r>
+                <a:r>
+                  <a:rPr lang="ja-JP" altLang="en-US" sz="2400" dirty="0">
+                    <a:latin typeface="Times Newer Roman" panose="00000500000000000000" pitchFamily="50" charset="0"/>
+                  </a:rPr>
+                  <a:t>に必要なレイヤーでトリプルウェルを作れるよう。</a:t>
+                </a:r>
+                <a:endParaRPr lang="en-US" altLang="ja-JP" sz="2400" dirty="0">
+                  <a:latin typeface="Times Newer Roman" panose="00000500000000000000" pitchFamily="50" charset="0"/>
+                </a:endParaRPr>
+              </a:p>
+              <a:p>
+                <a:pPr algn="l"/>
+                <a:endParaRPr kumimoji="1" lang="en-US" altLang="ja-JP" sz="2400" dirty="0">
+                  <a:latin typeface="Times Newer Roman" panose="00000500000000000000" pitchFamily="50" charset="0"/>
+                </a:endParaRPr>
+              </a:p>
+              <a:p>
+                <a:pPr algn="l"/>
+                <a:r>
+                  <a:rPr lang="en-US" altLang="ja-JP" sz="2400" dirty="0" err="1">
+                    <a:latin typeface="Times Newer Roman" panose="00000500000000000000" pitchFamily="50" charset="0"/>
+                  </a:rPr>
+                  <a:t>nmosi</a:t>
+                </a:r>
+                <a:r>
+                  <a:rPr lang="ja-JP" altLang="en-US" sz="2400" dirty="0">
+                    <a:latin typeface="Times Newer Roman" panose="00000500000000000000" pitchFamily="50" charset="0"/>
+                  </a:rPr>
+                  <a:t>の</a:t>
+                </a:r>
+                <a:r>
+                  <a:rPr lang="en-US" altLang="ja-JP" sz="2400" dirty="0" err="1">
+                    <a:latin typeface="Times Newer Roman" panose="00000500000000000000" pitchFamily="50" charset="0"/>
+                  </a:rPr>
+                  <a:t>i</a:t>
+                </a:r>
+                <a:r>
+                  <a:rPr lang="ja-JP" altLang="en-US" sz="2400" dirty="0">
+                    <a:latin typeface="Times Newer Roman" panose="00000500000000000000" pitchFamily="50" charset="0"/>
+                  </a:rPr>
+                  <a:t>は</a:t>
+                </a:r>
+                <a:r>
+                  <a:rPr lang="en-US" altLang="ja-JP" sz="2400" dirty="0">
+                    <a:latin typeface="Times Newer Roman" panose="00000500000000000000" pitchFamily="50" charset="0"/>
+                  </a:rPr>
+                  <a:t>isolated</a:t>
+                </a:r>
+                <a:r>
+                  <a:rPr lang="ja-JP" altLang="en-US" sz="2400" dirty="0">
+                    <a:latin typeface="Times Newer Roman" panose="00000500000000000000" pitchFamily="50" charset="0"/>
+                  </a:rPr>
+                  <a:t>のことでトリプルウェルのことだと分かった。</a:t>
+                </a:r>
+                <a:endParaRPr kumimoji="1" lang="ja-JP" altLang="en-US" sz="2400" dirty="0">
+                  <a:latin typeface="Times Newer Roman" panose="00000500000000000000" pitchFamily="50" charset="0"/>
+                </a:endParaRPr>
+              </a:p>
+            </p:txBody>
+          </p:sp>
+        </mc:Choice>
+        <mc:Fallback>
+          <p:sp>
+            <p:nvSpPr>
+              <p:cNvPr id="8" name="テキスト ボックス 7">
+                <a:extLst>
+                  <a:ext uri="{FF2B5EF4-FFF2-40B4-BE49-F238E27FC236}">
+                    <a16:creationId xmlns:a16="http://schemas.microsoft.com/office/drawing/2014/main" id="{874EA77A-A5EC-9AE1-3E19-3F2964D30256}"/>
+                  </a:ext>
+                </a:extLst>
+              </p:cNvPr>
+              <p:cNvSpPr txBox="1">
+                <a:spLocks noRot="1" noChangeAspect="1" noMove="1" noResize="1" noEditPoints="1" noAdjustHandles="1" noChangeArrowheads="1" noChangeShapeType="1" noTextEdit="1"/>
+              </p:cNvSpPr>
+              <p:nvPr/>
+            </p:nvSpPr>
+            <p:spPr>
+              <a:xfrm>
+                <a:off x="6224750" y="1834175"/>
+                <a:ext cx="5967250" cy="4524315"/>
+              </a:xfrm>
+              <a:prstGeom prst="rect">
+                <a:avLst/>
+              </a:prstGeom>
+              <a:blipFill>
+                <a:blip r:embed="rId3"/>
+                <a:stretch>
+                  <a:fillRect l="-1532" t="-1348" r="-511" b="-1887"/>
+                </a:stretch>
+              </a:blipFill>
+            </p:spPr>
+            <p:txBody>
+              <a:bodyPr/>
+              <a:lstStyle/>
+              <a:p>
+                <a:r>
+                  <a:rPr lang="ja-JP" altLang="en-US">
+                    <a:noFill/>
+                  </a:rPr>
+                  <a:t> </a:t>
+                </a:r>
+              </a:p>
+            </p:txBody>
+          </p:sp>
+        </mc:Fallback>
+      </mc:AlternateContent>
+    </p:spTree>
+    <p:extLst>
+      <p:ext uri="{BB962C8B-B14F-4D97-AF65-F5344CB8AC3E}">
+        <p14:creationId xmlns:p14="http://schemas.microsoft.com/office/powerpoint/2010/main" val="4123055662"/>
+      </p:ext>
+    </p:extLst>
+  </p:cSld>
+  <p:clrMapOvr>
+    <a:masterClrMapping/>
+  </p:clrMapOvr>
+</p:sld>
+</file>
+
 <file path=ppt/slides/slide2.xml><?xml version="1.0" encoding="utf-8"?>
 <p:sld xmlns:a="http://schemas.openxmlformats.org/drawingml/2006/main" xmlns:r="http://schemas.openxmlformats.org/officeDocument/2006/relationships" xmlns:p="http://schemas.openxmlformats.org/presentationml/2006/main">
   <p:cSld>
@@ -5638,7 +7276,10 @@
           <a:bodyPr/>
           <a:lstStyle/>
           <a:p>
-            <a:endParaRPr kumimoji="1" lang="ja-JP" altLang="en-US"/>
+            <a:r>
+              <a:rPr kumimoji="1" lang="ja-JP" altLang="en-US" dirty="0"/>
+              <a:t>目次</a:t>
+            </a:r>
           </a:p>
         </p:txBody>
       </p:sp>
@@ -5663,7 +7304,56 @@
           <a:bodyPr/>
           <a:lstStyle/>
           <a:p>
-            <a:endParaRPr kumimoji="1" lang="ja-JP" altLang="en-US"/>
+            <a:r>
+              <a:rPr lang="ja-JP" altLang="en-US" dirty="0"/>
+              <a:t>目的</a:t>
+            </a:r>
+            <a:endParaRPr lang="en-US" altLang="ja-JP" dirty="0"/>
+          </a:p>
+          <a:p>
+            <a:r>
+              <a:rPr kumimoji="1" lang="ja-JP" altLang="en-US" dirty="0"/>
+              <a:t>初段のシミュレーション</a:t>
+            </a:r>
+            <a:endParaRPr kumimoji="1" lang="en-US" altLang="ja-JP" dirty="0"/>
+          </a:p>
+          <a:p>
+            <a:r>
+              <a:rPr lang="ja-JP" altLang="en-US" dirty="0"/>
+              <a:t>二段目のシミュレーション</a:t>
+            </a:r>
+            <a:endParaRPr lang="en-US" altLang="ja-JP" dirty="0"/>
+          </a:p>
+          <a:p>
+            <a:r>
+              <a:rPr kumimoji="1" lang="ja-JP" altLang="en-US" dirty="0"/>
+              <a:t>寄生成分を付加したシミュレーション</a:t>
+            </a:r>
+            <a:endParaRPr kumimoji="1" lang="en-US" altLang="ja-JP" dirty="0"/>
+          </a:p>
+          <a:p>
+            <a:r>
+              <a:rPr kumimoji="1" lang="ja-JP" altLang="en-US" dirty="0"/>
+              <a:t>まとめ</a:t>
+            </a:r>
+            <a:endParaRPr kumimoji="1" lang="en-US" altLang="ja-JP" dirty="0"/>
+          </a:p>
+          <a:p>
+            <a:pPr marL="0" indent="0">
+              <a:buNone/>
+            </a:pPr>
+            <a:endParaRPr kumimoji="1" lang="en-US" altLang="ja-JP" dirty="0"/>
+          </a:p>
+          <a:p>
+            <a:r>
+              <a:rPr lang="en-US" altLang="ja-JP" dirty="0"/>
+              <a:t>ESD</a:t>
+            </a:r>
+            <a:r>
+              <a:rPr lang="ja-JP" altLang="en-US" dirty="0"/>
+              <a:t>について</a:t>
+            </a:r>
+            <a:endParaRPr kumimoji="1" lang="ja-JP" altLang="en-US" dirty="0"/>
           </a:p>
         </p:txBody>
       </p:sp>
@@ -5690,7 +7380,7 @@
           <a:p>
             <a:fld id="{7D14AB70-9A31-428D-80CA-6C2A71BE81C0}" type="datetime1">
               <a:rPr kumimoji="1" lang="ja-JP" altLang="en-US" smtClean="0"/>
-              <a:t>2024/6/16</a:t>
+              <a:t>2024/6/19</a:t>
             </a:fld>
             <a:endParaRPr kumimoji="1" lang="ja-JP" altLang="en-US"/>
           </a:p>
@@ -5789,7 +7479,7 @@
           <p:cNvPr id="2" name="タイトル 1">
             <a:extLst>
               <a:ext uri="{FF2B5EF4-FFF2-40B4-BE49-F238E27FC236}">
-                <a16:creationId xmlns:a16="http://schemas.microsoft.com/office/drawing/2014/main" id="{4D3F323A-EE5A-EEA4-FC02-7F079CBBDC45}"/>
+                <a16:creationId xmlns:a16="http://schemas.microsoft.com/office/drawing/2014/main" id="{7E0B22DD-9169-BD32-8E30-D17FD6979808}"/>
               </a:ext>
             </a:extLst>
           </p:cNvPr>
@@ -5806,10 +7496,9 @@
           <a:lstStyle/>
           <a:p>
             <a:r>
-              <a:rPr lang="ja-JP" altLang="en-US" dirty="0"/>
-              <a:t>背景</a:t>
-            </a:r>
-            <a:endParaRPr kumimoji="1" lang="ja-JP" altLang="en-US" dirty="0"/>
+              <a:rPr kumimoji="1" lang="ja-JP" altLang="en-US" dirty="0"/>
+              <a:t>目的</a:t>
+            </a:r>
           </a:p>
         </p:txBody>
       </p:sp>
@@ -5818,7 +7507,7 @@
           <p:cNvPr id="3" name="日付プレースホルダー 2">
             <a:extLst>
               <a:ext uri="{FF2B5EF4-FFF2-40B4-BE49-F238E27FC236}">
-                <a16:creationId xmlns:a16="http://schemas.microsoft.com/office/drawing/2014/main" id="{580AE6FE-6537-C257-F9B6-6C07E323DE1E}"/>
+                <a16:creationId xmlns:a16="http://schemas.microsoft.com/office/drawing/2014/main" id="{B5AC285E-B305-6021-F8A7-482DAADB1E76}"/>
               </a:ext>
             </a:extLst>
           </p:cNvPr>
@@ -5836,7 +7525,7 @@
           <a:p>
             <a:fld id="{EEA6A375-72BC-45FC-83AA-00EA8839FC12}" type="datetime1">
               <a:rPr kumimoji="1" lang="ja-JP" altLang="en-US" smtClean="0"/>
-              <a:t>2024/6/16</a:t>
+              <a:t>2024/6/19</a:t>
             </a:fld>
             <a:endParaRPr kumimoji="1" lang="ja-JP" altLang="en-US"/>
           </a:p>
@@ -5847,7 +7536,7 @@
           <p:cNvPr id="4" name="スライド番号プレースホルダー 3">
             <a:extLst>
               <a:ext uri="{FF2B5EF4-FFF2-40B4-BE49-F238E27FC236}">
-                <a16:creationId xmlns:a16="http://schemas.microsoft.com/office/drawing/2014/main" id="{C035DC6F-1CBD-90F5-44B5-26A70882BC0F}"/>
+                <a16:creationId xmlns:a16="http://schemas.microsoft.com/office/drawing/2014/main" id="{B476CA9C-69F6-75DA-F636-F7CF50525141}"/>
               </a:ext>
             </a:extLst>
           </p:cNvPr>
@@ -5876,7 +7565,7 @@
           <p:cNvPr id="5" name="フッター プレースホルダー 4">
             <a:extLst>
               <a:ext uri="{FF2B5EF4-FFF2-40B4-BE49-F238E27FC236}">
-                <a16:creationId xmlns:a16="http://schemas.microsoft.com/office/drawing/2014/main" id="{41CFEDAE-E248-1AC4-B2FA-405FF78C27DA}"/>
+                <a16:creationId xmlns:a16="http://schemas.microsoft.com/office/drawing/2014/main" id="{D17C5CBA-3573-F5EF-0FEC-9C2B7E55082B}"/>
               </a:ext>
             </a:extLst>
           </p:cNvPr>
@@ -5897,13 +7586,78 @@
               <a:t>Wave Signal Processing Circuit Laboratory,  Meiji University</a:t>
             </a:r>
             <a:endParaRPr lang="en-US" altLang="ja-JP" dirty="0"/>
+          </a:p>
+        </p:txBody>
+      </p:sp>
+      <p:sp>
+        <p:nvSpPr>
+          <p:cNvPr id="6" name="テキスト ボックス 5">
+            <a:extLst>
+              <a:ext uri="{FF2B5EF4-FFF2-40B4-BE49-F238E27FC236}">
+                <a16:creationId xmlns:a16="http://schemas.microsoft.com/office/drawing/2014/main" id="{AB17CA79-A44A-C870-C553-C1539596FA0B}"/>
+              </a:ext>
+            </a:extLst>
+          </p:cNvPr>
+          <p:cNvSpPr txBox="1"/>
+          <p:nvPr/>
+        </p:nvSpPr>
+        <p:spPr>
+          <a:xfrm>
+            <a:off x="1962807" y="3253132"/>
+            <a:ext cx="7866993" cy="1077218"/>
+          </a:xfrm>
+          <a:prstGeom prst="rect">
+            <a:avLst/>
+          </a:prstGeom>
+          <a:noFill/>
+        </p:spPr>
+        <p:txBody>
+          <a:bodyPr wrap="square" rtlCol="0">
+            <a:spAutoFit/>
+          </a:bodyPr>
+          <a:lstStyle/>
+          <a:p>
+            <a:pPr algn="ctr"/>
+            <a:r>
+              <a:rPr kumimoji="1" lang="ja-JP" altLang="en-US" sz="3200" dirty="0">
+                <a:latin typeface="Times Newer Roman" panose="00000500000000000000" pitchFamily="50" charset="0"/>
+              </a:rPr>
+              <a:t>使用している</a:t>
+            </a:r>
+            <a:r>
+              <a:rPr kumimoji="1" lang="en-US" altLang="ja-JP" sz="3200" dirty="0">
+                <a:latin typeface="Times Newer Roman" panose="00000500000000000000" pitchFamily="50" charset="0"/>
+              </a:rPr>
+              <a:t>TIA</a:t>
+            </a:r>
+            <a:r>
+              <a:rPr lang="ja-JP" altLang="en-US" sz="3200" dirty="0">
+                <a:latin typeface="Times Newer Roman" panose="00000500000000000000" pitchFamily="50" charset="0"/>
+              </a:rPr>
+              <a:t>の小信号等価回路が</a:t>
+            </a:r>
+            <a:endParaRPr lang="en-US" altLang="ja-JP" sz="3200" dirty="0">
+              <a:latin typeface="Times Newer Roman" panose="00000500000000000000" pitchFamily="50" charset="0"/>
+            </a:endParaRPr>
+          </a:p>
+          <a:p>
+            <a:pPr algn="ctr"/>
+            <a:r>
+              <a:rPr lang="ja-JP" altLang="en-US" sz="3200" dirty="0">
+                <a:latin typeface="Times Newer Roman" panose="00000500000000000000" pitchFamily="50" charset="0"/>
+              </a:rPr>
+              <a:t>問題ないのかを確認する。</a:t>
+            </a:r>
+            <a:endParaRPr lang="en-US" altLang="ja-JP" sz="3200" dirty="0">
+              <a:latin typeface="Times Newer Roman" panose="00000500000000000000" pitchFamily="50" charset="0"/>
+            </a:endParaRPr>
           </a:p>
         </p:txBody>
       </p:sp>
     </p:spTree>
     <p:extLst>
       <p:ext uri="{BB962C8B-B14F-4D97-AF65-F5344CB8AC3E}">
-        <p14:creationId xmlns:p14="http://schemas.microsoft.com/office/powerpoint/2010/main" val="418937628"/>
+        <p14:creationId xmlns:p14="http://schemas.microsoft.com/office/powerpoint/2010/main" val="4167545403"/>
       </p:ext>
     </p:extLst>
   </p:cSld>
@@ -5935,7 +7689,7 @@
           <p:cNvPr id="2" name="タイトル 1">
             <a:extLst>
               <a:ext uri="{FF2B5EF4-FFF2-40B4-BE49-F238E27FC236}">
-                <a16:creationId xmlns:a16="http://schemas.microsoft.com/office/drawing/2014/main" id="{7E0B22DD-9169-BD32-8E30-D17FD6979808}"/>
+                <a16:creationId xmlns:a16="http://schemas.microsoft.com/office/drawing/2014/main" id="{A57BB936-7983-955F-62AD-E8DD37CD668B}"/>
               </a:ext>
             </a:extLst>
           </p:cNvPr>
@@ -5953,7 +7707,15 @@
           <a:p>
             <a:r>
               <a:rPr kumimoji="1" lang="ja-JP" altLang="en-US" dirty="0"/>
-              <a:t>目的</a:t>
+              <a:t>シミュレーション回路 </a:t>
+            </a:r>
+            <a:r>
+              <a:rPr kumimoji="1" lang="en-US" altLang="ja-JP" dirty="0"/>
+              <a:t>– </a:t>
+            </a:r>
+            <a:r>
+              <a:rPr kumimoji="1" lang="ja-JP" altLang="en-US" dirty="0"/>
+              <a:t>初段</a:t>
             </a:r>
           </a:p>
         </p:txBody>
@@ -5963,7 +7725,7 @@
           <p:cNvPr id="3" name="日付プレースホルダー 2">
             <a:extLst>
               <a:ext uri="{FF2B5EF4-FFF2-40B4-BE49-F238E27FC236}">
-                <a16:creationId xmlns:a16="http://schemas.microsoft.com/office/drawing/2014/main" id="{B5AC285E-B305-6021-F8A7-482DAADB1E76}"/>
+                <a16:creationId xmlns:a16="http://schemas.microsoft.com/office/drawing/2014/main" id="{EA3EEEF3-61D7-810E-3D0C-5D7DBD6D41F5}"/>
               </a:ext>
             </a:extLst>
           </p:cNvPr>
@@ -5981,7 +7743,7 @@
           <a:p>
             <a:fld id="{EEA6A375-72BC-45FC-83AA-00EA8839FC12}" type="datetime1">
               <a:rPr kumimoji="1" lang="ja-JP" altLang="en-US" smtClean="0"/>
-              <a:t>2024/6/16</a:t>
+              <a:t>2024/6/19</a:t>
             </a:fld>
             <a:endParaRPr kumimoji="1" lang="ja-JP" altLang="en-US"/>
           </a:p>
@@ -5992,7 +7754,7 @@
           <p:cNvPr id="4" name="スライド番号プレースホルダー 3">
             <a:extLst>
               <a:ext uri="{FF2B5EF4-FFF2-40B4-BE49-F238E27FC236}">
-                <a16:creationId xmlns:a16="http://schemas.microsoft.com/office/drawing/2014/main" id="{B476CA9C-69F6-75DA-F636-F7CF50525141}"/>
+                <a16:creationId xmlns:a16="http://schemas.microsoft.com/office/drawing/2014/main" id="{963CB6DA-CED1-5605-D66F-BA29789C65C0}"/>
               </a:ext>
             </a:extLst>
           </p:cNvPr>
@@ -6021,7 +7783,7 @@
           <p:cNvPr id="5" name="フッター プレースホルダー 4">
             <a:extLst>
               <a:ext uri="{FF2B5EF4-FFF2-40B4-BE49-F238E27FC236}">
-                <a16:creationId xmlns:a16="http://schemas.microsoft.com/office/drawing/2014/main" id="{D17C5CBA-3573-F5EF-0FEC-9C2B7E55082B}"/>
+                <a16:creationId xmlns:a16="http://schemas.microsoft.com/office/drawing/2014/main" id="{2D7A5C82-088C-3BAC-4442-DF73C7896A25}"/>
               </a:ext>
             </a:extLst>
           </p:cNvPr>
@@ -6042,13 +7804,251 @@
               <a:t>Wave Signal Processing Circuit Laboratory,  Meiji University</a:t>
             </a:r>
             <a:endParaRPr lang="en-US" altLang="ja-JP" dirty="0"/>
+          </a:p>
+        </p:txBody>
+      </p:sp>
+      <p:pic>
+        <p:nvPicPr>
+          <p:cNvPr id="7" name="図 6" descr="グラフィカル ユーザー インターフェイス, アプリケーション&#10;&#10;自動的に生成された説明">
+            <a:extLst>
+              <a:ext uri="{FF2B5EF4-FFF2-40B4-BE49-F238E27FC236}">
+                <a16:creationId xmlns:a16="http://schemas.microsoft.com/office/drawing/2014/main" id="{E0A4559E-BC49-E7D3-F53E-1D9C5F80A75B}"/>
+              </a:ext>
+            </a:extLst>
+          </p:cNvPr>
+          <p:cNvPicPr>
+            <a:picLocks noChangeAspect="1"/>
+          </p:cNvPicPr>
+          <p:nvPr/>
+        </p:nvPicPr>
+        <p:blipFill>
+          <a:blip r:embed="rId2">
+            <a:extLst>
+              <a:ext uri="{28A0092B-C50C-407E-A947-70E740481C1C}">
+                <a14:useLocalDpi xmlns:a14="http://schemas.microsoft.com/office/drawing/2010/main" val="0"/>
+              </a:ext>
+            </a:extLst>
+          </a:blip>
+          <a:stretch>
+            <a:fillRect/>
+          </a:stretch>
+        </p:blipFill>
+        <p:spPr>
+          <a:xfrm>
+            <a:off x="1244014" y="1396634"/>
+            <a:ext cx="4052455" cy="3582494"/>
+          </a:xfrm>
+          <a:prstGeom prst="rect">
+            <a:avLst/>
+          </a:prstGeom>
+        </p:spPr>
+      </p:pic>
+      <p:pic>
+        <p:nvPicPr>
+          <p:cNvPr id="9" name="図 8" descr="テキスト が含まれている画像&#10;&#10;自動的に生成された説明">
+            <a:extLst>
+              <a:ext uri="{FF2B5EF4-FFF2-40B4-BE49-F238E27FC236}">
+                <a16:creationId xmlns:a16="http://schemas.microsoft.com/office/drawing/2014/main" id="{C57E4F9F-7BEF-2AD1-52F0-E1C2E9A2FA6E}"/>
+              </a:ext>
+            </a:extLst>
+          </p:cNvPr>
+          <p:cNvPicPr>
+            <a:picLocks noChangeAspect="1"/>
+          </p:cNvPicPr>
+          <p:nvPr/>
+        </p:nvPicPr>
+        <p:blipFill>
+          <a:blip r:embed="rId3">
+            <a:extLst>
+              <a:ext uri="{28A0092B-C50C-407E-A947-70E740481C1C}">
+                <a14:useLocalDpi xmlns:a14="http://schemas.microsoft.com/office/drawing/2010/main" val="0"/>
+              </a:ext>
+            </a:extLst>
+          </a:blip>
+          <a:stretch>
+            <a:fillRect/>
+          </a:stretch>
+        </p:blipFill>
+        <p:spPr>
+          <a:xfrm>
+            <a:off x="5626128" y="1234000"/>
+            <a:ext cx="5958879" cy="3745128"/>
+          </a:xfrm>
+          <a:prstGeom prst="rect">
+            <a:avLst/>
+          </a:prstGeom>
+        </p:spPr>
+      </p:pic>
+      <p:sp>
+        <p:nvSpPr>
+          <p:cNvPr id="10" name="テキスト ボックス 9">
+            <a:extLst>
+              <a:ext uri="{FF2B5EF4-FFF2-40B4-BE49-F238E27FC236}">
+                <a16:creationId xmlns:a16="http://schemas.microsoft.com/office/drawing/2014/main" id="{F1336A69-7F92-25AF-BE8E-DDEE1787277B}"/>
+              </a:ext>
+            </a:extLst>
+          </p:cNvPr>
+          <p:cNvSpPr txBox="1"/>
+          <p:nvPr/>
+        </p:nvSpPr>
+        <p:spPr>
+          <a:xfrm>
+            <a:off x="370853" y="5217693"/>
+            <a:ext cx="5296469" cy="1200329"/>
+          </a:xfrm>
+          <a:prstGeom prst="rect">
+            <a:avLst/>
+          </a:prstGeom>
+          <a:noFill/>
+        </p:spPr>
+        <p:txBody>
+          <a:bodyPr wrap="square" rtlCol="0">
+            <a:spAutoFit/>
+          </a:bodyPr>
+          <a:lstStyle/>
+          <a:p>
+            <a:pPr algn="l"/>
+            <a:r>
+              <a:rPr kumimoji="1" lang="ja-JP" altLang="en-US" sz="2400" dirty="0">
+                <a:latin typeface="Times Newer Roman" panose="00000500000000000000" pitchFamily="50" charset="0"/>
+              </a:rPr>
+              <a:t>初段のシミュレーション回路。</a:t>
+            </a:r>
+            <a:r>
+              <a:rPr lang="en-US" altLang="ja-JP" sz="2400" dirty="0">
+                <a:latin typeface="Times Newer Roman" panose="00000500000000000000" pitchFamily="50" charset="0"/>
+              </a:rPr>
+              <a:t>v</a:t>
+            </a:r>
+            <a:r>
+              <a:rPr kumimoji="1" lang="en-US" altLang="ja-JP" sz="2400" dirty="0">
+                <a:latin typeface="Times Newer Roman" panose="00000500000000000000" pitchFamily="50" charset="0"/>
+              </a:rPr>
+              <a:t>irtuoso</a:t>
+            </a:r>
+            <a:r>
+              <a:rPr kumimoji="1" lang="ja-JP" altLang="en-US" sz="2400" dirty="0">
+                <a:latin typeface="Times Newer Roman" panose="00000500000000000000" pitchFamily="50" charset="0"/>
+              </a:rPr>
+              <a:t>上で</a:t>
+            </a:r>
+            <a:r>
+              <a:rPr kumimoji="1" lang="en-US" altLang="ja-JP" sz="2400" dirty="0">
+                <a:latin typeface="Times Newer Roman" panose="00000500000000000000" pitchFamily="50" charset="0"/>
+              </a:rPr>
+              <a:t>IHP</a:t>
+            </a:r>
+            <a:r>
+              <a:rPr kumimoji="1" lang="ja-JP" altLang="en-US" sz="2400" dirty="0">
+                <a:latin typeface="Times Newer Roman" panose="00000500000000000000" pitchFamily="50" charset="0"/>
+              </a:rPr>
+              <a:t>のモデルを使用してシミュレーション。</a:t>
+            </a:r>
+          </a:p>
+        </p:txBody>
+      </p:sp>
+      <p:sp>
+        <p:nvSpPr>
+          <p:cNvPr id="11" name="テキスト ボックス 10">
+            <a:extLst>
+              <a:ext uri="{FF2B5EF4-FFF2-40B4-BE49-F238E27FC236}">
+                <a16:creationId xmlns:a16="http://schemas.microsoft.com/office/drawing/2014/main" id="{D643F083-0611-D395-3069-31570D0308F7}"/>
+              </a:ext>
+            </a:extLst>
+          </p:cNvPr>
+          <p:cNvSpPr txBox="1"/>
+          <p:nvPr/>
+        </p:nvSpPr>
+        <p:spPr>
+          <a:xfrm>
+            <a:off x="6406653" y="5000107"/>
+            <a:ext cx="4937760" cy="1569660"/>
+          </a:xfrm>
+          <a:prstGeom prst="rect">
+            <a:avLst/>
+          </a:prstGeom>
+          <a:noFill/>
+        </p:spPr>
+        <p:txBody>
+          <a:bodyPr wrap="square" rtlCol="0">
+            <a:spAutoFit/>
+          </a:bodyPr>
+          <a:lstStyle/>
+          <a:p>
+            <a:pPr algn="l"/>
+            <a:r>
+              <a:rPr lang="ja-JP" altLang="en-US" sz="2400" dirty="0">
+                <a:latin typeface="Times Newer Roman" panose="00000500000000000000" pitchFamily="50" charset="0"/>
+              </a:rPr>
+              <a:t>初段の小信号等価回路。</a:t>
+            </a:r>
+            <a:endParaRPr lang="en-US" altLang="ja-JP" sz="2400" dirty="0">
+              <a:latin typeface="Times Newer Roman" panose="00000500000000000000" pitchFamily="50" charset="0"/>
+            </a:endParaRPr>
+          </a:p>
+          <a:p>
+            <a:pPr algn="l"/>
+            <a:r>
+              <a:rPr kumimoji="1" lang="en-US" altLang="ja-JP" sz="2400" dirty="0" err="1">
+                <a:latin typeface="Times Newer Roman" panose="00000500000000000000" pitchFamily="50" charset="0"/>
+              </a:rPr>
+              <a:t>LTSpice</a:t>
+            </a:r>
+            <a:r>
+              <a:rPr kumimoji="1" lang="ja-JP" altLang="en-US" sz="2400" dirty="0">
+                <a:latin typeface="Times Newer Roman" panose="00000500000000000000" pitchFamily="50" charset="0"/>
+              </a:rPr>
+              <a:t>上で</a:t>
+            </a:r>
+            <a:r>
+              <a:rPr lang="ja-JP" altLang="en-US" sz="2400" dirty="0">
+                <a:latin typeface="Times Newer Roman" panose="00000500000000000000" pitchFamily="50" charset="0"/>
+              </a:rPr>
+              <a:t>シミュレーション。</a:t>
+            </a:r>
+            <a:endParaRPr lang="en-US" altLang="ja-JP" sz="2400" dirty="0">
+              <a:latin typeface="Times Newer Roman" panose="00000500000000000000" pitchFamily="50" charset="0"/>
+            </a:endParaRPr>
+          </a:p>
+          <a:p>
+            <a:pPr algn="l"/>
+            <a:r>
+              <a:rPr kumimoji="1" lang="ja-JP" altLang="en-US" sz="2400" dirty="0">
+                <a:latin typeface="Times Newer Roman" panose="00000500000000000000" pitchFamily="50" charset="0"/>
+              </a:rPr>
+              <a:t>寄生容量、入出力抵抗は</a:t>
+            </a:r>
+            <a:r>
+              <a:rPr kumimoji="1" lang="en-US" altLang="ja-JP" sz="2400" dirty="0">
+                <a:latin typeface="Times Newer Roman" panose="00000500000000000000" pitchFamily="50" charset="0"/>
+              </a:rPr>
+              <a:t>virtuoso</a:t>
+            </a:r>
+            <a:r>
+              <a:rPr kumimoji="1" lang="ja-JP" altLang="en-US" sz="2400" dirty="0">
+                <a:latin typeface="Times Newer Roman" panose="00000500000000000000" pitchFamily="50" charset="0"/>
+              </a:rPr>
+              <a:t>の</a:t>
+            </a:r>
+            <a:r>
+              <a:rPr kumimoji="1" lang="en-US" altLang="ja-JP" sz="2400" dirty="0">
+                <a:latin typeface="Times Newer Roman" panose="00000500000000000000" pitchFamily="50" charset="0"/>
+              </a:rPr>
+              <a:t>DC Operating Points</a:t>
+            </a:r>
+            <a:r>
+              <a:rPr kumimoji="1" lang="ja-JP" altLang="en-US" sz="2400" dirty="0">
+                <a:latin typeface="Times Newer Roman" panose="00000500000000000000" pitchFamily="50" charset="0"/>
+              </a:rPr>
+              <a:t>から決定。</a:t>
+            </a:r>
           </a:p>
         </p:txBody>
       </p:sp>
     </p:spTree>
     <p:extLst>
       <p:ext uri="{BB962C8B-B14F-4D97-AF65-F5344CB8AC3E}">
-        <p14:creationId xmlns:p14="http://schemas.microsoft.com/office/powerpoint/2010/main" val="4167545403"/>
+        <p14:creationId xmlns:p14="http://schemas.microsoft.com/office/powerpoint/2010/main" val="2871149507"/>
       </p:ext>
     </p:extLst>
   </p:cSld>
@@ -6080,7 +8080,7 @@
           <p:cNvPr id="2" name="タイトル 1">
             <a:extLst>
               <a:ext uri="{FF2B5EF4-FFF2-40B4-BE49-F238E27FC236}">
-                <a16:creationId xmlns:a16="http://schemas.microsoft.com/office/drawing/2014/main" id="{A57BB936-7983-955F-62AD-E8DD37CD668B}"/>
+                <a16:creationId xmlns:a16="http://schemas.microsoft.com/office/drawing/2014/main" id="{7B6969B9-7263-43BA-22D7-793B3D0497DC}"/>
               </a:ext>
             </a:extLst>
           </p:cNvPr>
@@ -6098,7 +8098,7 @@
           <a:p>
             <a:r>
               <a:rPr kumimoji="1" lang="ja-JP" altLang="en-US" dirty="0"/>
-              <a:t>シミュレーション回路 </a:t>
+              <a:t>シミュレーション結果 </a:t>
             </a:r>
             <a:r>
               <a:rPr kumimoji="1" lang="en-US" altLang="ja-JP" dirty="0"/>
@@ -6116,7 +8116,7 @@
           <p:cNvPr id="3" name="日付プレースホルダー 2">
             <a:extLst>
               <a:ext uri="{FF2B5EF4-FFF2-40B4-BE49-F238E27FC236}">
-                <a16:creationId xmlns:a16="http://schemas.microsoft.com/office/drawing/2014/main" id="{EA3EEEF3-61D7-810E-3D0C-5D7DBD6D41F5}"/>
+                <a16:creationId xmlns:a16="http://schemas.microsoft.com/office/drawing/2014/main" id="{B37D906C-CFB4-6AA2-418D-2B5668B2F5FC}"/>
               </a:ext>
             </a:extLst>
           </p:cNvPr>
@@ -6134,7 +8134,7 @@
           <a:p>
             <a:fld id="{EEA6A375-72BC-45FC-83AA-00EA8839FC12}" type="datetime1">
               <a:rPr kumimoji="1" lang="ja-JP" altLang="en-US" smtClean="0"/>
-              <a:t>2024/6/16</a:t>
+              <a:t>2024/6/19</a:t>
             </a:fld>
             <a:endParaRPr kumimoji="1" lang="ja-JP" altLang="en-US"/>
           </a:p>
@@ -6145,7 +8145,7 @@
           <p:cNvPr id="4" name="スライド番号プレースホルダー 3">
             <a:extLst>
               <a:ext uri="{FF2B5EF4-FFF2-40B4-BE49-F238E27FC236}">
-                <a16:creationId xmlns:a16="http://schemas.microsoft.com/office/drawing/2014/main" id="{963CB6DA-CED1-5605-D66F-BA29789C65C0}"/>
+                <a16:creationId xmlns:a16="http://schemas.microsoft.com/office/drawing/2014/main" id="{F5D0811D-A28D-AD47-8070-716DE9D1A750}"/>
               </a:ext>
             </a:extLst>
           </p:cNvPr>
@@ -6174,7 +8174,7 @@
           <p:cNvPr id="5" name="フッター プレースホルダー 4">
             <a:extLst>
               <a:ext uri="{FF2B5EF4-FFF2-40B4-BE49-F238E27FC236}">
-                <a16:creationId xmlns:a16="http://schemas.microsoft.com/office/drawing/2014/main" id="{2D7A5C82-088C-3BAC-4442-DF73C7896A25}"/>
+                <a16:creationId xmlns:a16="http://schemas.microsoft.com/office/drawing/2014/main" id="{B6AB0A62-5889-2E08-DBAD-68156BC494AE}"/>
               </a:ext>
             </a:extLst>
           </p:cNvPr>
@@ -6200,10 +8200,10 @@
       </p:sp>
       <p:pic>
         <p:nvPicPr>
-          <p:cNvPr id="7" name="図 6" descr="グラフィカル ユーザー インターフェイス, アプリケーション&#10;&#10;自動的に生成された説明">
-            <a:extLst>
-              <a:ext uri="{FF2B5EF4-FFF2-40B4-BE49-F238E27FC236}">
-                <a16:creationId xmlns:a16="http://schemas.microsoft.com/office/drawing/2014/main" id="{E0A4559E-BC49-E7D3-F53E-1D9C5F80A75B}"/>
+          <p:cNvPr id="7" name="図 6" descr="グラフ&#10;&#10;自動的に生成された説明">
+            <a:extLst>
+              <a:ext uri="{FF2B5EF4-FFF2-40B4-BE49-F238E27FC236}">
+                <a16:creationId xmlns:a16="http://schemas.microsoft.com/office/drawing/2014/main" id="{1EE7D774-9D36-F740-7A72-FCAAC7A1CE46}"/>
               </a:ext>
             </a:extLst>
           </p:cNvPr>
@@ -6226,66 +8226,30 @@
         </p:blipFill>
         <p:spPr>
           <a:xfrm>
-            <a:off x="1244014" y="1396634"/>
-            <a:ext cx="4052455" cy="3582494"/>
+            <a:off x="370853" y="1172263"/>
+            <a:ext cx="7398788" cy="5179152"/>
           </a:xfrm>
           <a:prstGeom prst="rect">
             <a:avLst/>
           </a:prstGeom>
         </p:spPr>
       </p:pic>
-      <p:pic>
-        <p:nvPicPr>
-          <p:cNvPr id="9" name="図 8" descr="テキスト が含まれている画像&#10;&#10;自動的に生成された説明">
-            <a:extLst>
-              <a:ext uri="{FF2B5EF4-FFF2-40B4-BE49-F238E27FC236}">
-                <a16:creationId xmlns:a16="http://schemas.microsoft.com/office/drawing/2014/main" id="{C57E4F9F-7BEF-2AD1-52F0-E1C2E9A2FA6E}"/>
-              </a:ext>
-            </a:extLst>
-          </p:cNvPr>
-          <p:cNvPicPr>
-            <a:picLocks noChangeAspect="1"/>
-          </p:cNvPicPr>
+      <p:sp>
+        <p:nvSpPr>
+          <p:cNvPr id="8" name="テキスト ボックス 7">
+            <a:extLst>
+              <a:ext uri="{FF2B5EF4-FFF2-40B4-BE49-F238E27FC236}">
+                <a16:creationId xmlns:a16="http://schemas.microsoft.com/office/drawing/2014/main" id="{CE60BDA4-7578-EE55-6A08-2493F668A472}"/>
+              </a:ext>
+            </a:extLst>
+          </p:cNvPr>
+          <p:cNvSpPr txBox="1"/>
           <p:nvPr/>
-        </p:nvPicPr>
-        <p:blipFill>
-          <a:blip r:embed="rId3">
-            <a:extLst>
-              <a:ext uri="{28A0092B-C50C-407E-A947-70E740481C1C}">
-                <a14:useLocalDpi xmlns:a14="http://schemas.microsoft.com/office/drawing/2010/main" val="0"/>
-              </a:ext>
-            </a:extLst>
-          </a:blip>
-          <a:stretch>
-            <a:fillRect/>
-          </a:stretch>
-        </p:blipFill>
+        </p:nvSpPr>
         <p:spPr>
           <a:xfrm>
-            <a:off x="5626128" y="1234000"/>
-            <a:ext cx="5958879" cy="3745128"/>
-          </a:xfrm>
-          <a:prstGeom prst="rect">
-            <a:avLst/>
-          </a:prstGeom>
-        </p:spPr>
-      </p:pic>
-      <p:sp>
-        <p:nvSpPr>
-          <p:cNvPr id="10" name="テキスト ボックス 9">
-            <a:extLst>
-              <a:ext uri="{FF2B5EF4-FFF2-40B4-BE49-F238E27FC236}">
-                <a16:creationId xmlns:a16="http://schemas.microsoft.com/office/drawing/2014/main" id="{F1336A69-7F92-25AF-BE8E-DDEE1787277B}"/>
-              </a:ext>
-            </a:extLst>
-          </p:cNvPr>
-          <p:cNvSpPr txBox="1"/>
-          <p:nvPr/>
-        </p:nvSpPr>
-        <p:spPr>
-          <a:xfrm>
-            <a:off x="370853" y="5217693"/>
-            <a:ext cx="5296469" cy="1200329"/>
+            <a:off x="7083767" y="2459504"/>
+            <a:ext cx="4730065" cy="1938992"/>
           </a:xfrm>
           <a:prstGeom prst="rect">
             <a:avLst/>
@@ -6300,102 +8264,28 @@
           <a:p>
             <a:pPr algn="l"/>
             <a:r>
-              <a:rPr kumimoji="1" lang="ja-JP" altLang="en-US" sz="2400" dirty="0">
-                <a:latin typeface="Times Newer Roman" panose="00000500000000000000" pitchFamily="50" charset="0"/>
-              </a:rPr>
-              <a:t>初段のシミュレーション回路。</a:t>
-            </a:r>
-            <a:r>
-              <a:rPr lang="en-US" altLang="ja-JP" sz="2400" dirty="0">
-                <a:latin typeface="Times Newer Roman" panose="00000500000000000000" pitchFamily="50" charset="0"/>
-              </a:rPr>
-              <a:t>v</a:t>
-            </a:r>
-            <a:r>
-              <a:rPr kumimoji="1" lang="en-US" altLang="ja-JP" sz="2400" dirty="0">
-                <a:latin typeface="Times Newer Roman" panose="00000500000000000000" pitchFamily="50" charset="0"/>
-              </a:rPr>
-              <a:t>irtuoso</a:t>
-            </a:r>
-            <a:r>
-              <a:rPr kumimoji="1" lang="ja-JP" altLang="en-US" sz="2400" dirty="0">
-                <a:latin typeface="Times Newer Roman" panose="00000500000000000000" pitchFamily="50" charset="0"/>
-              </a:rPr>
-              <a:t>上で</a:t>
-            </a:r>
-            <a:r>
-              <a:rPr kumimoji="1" lang="en-US" altLang="ja-JP" sz="2400" dirty="0">
-                <a:latin typeface="Times Newer Roman" panose="00000500000000000000" pitchFamily="50" charset="0"/>
-              </a:rPr>
-              <a:t>IHP</a:t>
-            </a:r>
-            <a:r>
-              <a:rPr kumimoji="1" lang="ja-JP" altLang="en-US" sz="2400" dirty="0">
-                <a:latin typeface="Times Newer Roman" panose="00000500000000000000" pitchFamily="50" charset="0"/>
-              </a:rPr>
-              <a:t>のモデルを使用してシミュレーション。</a:t>
-            </a:r>
-          </a:p>
-        </p:txBody>
-      </p:sp>
-      <p:sp>
-        <p:nvSpPr>
-          <p:cNvPr id="11" name="テキスト ボックス 10">
-            <a:extLst>
-              <a:ext uri="{FF2B5EF4-FFF2-40B4-BE49-F238E27FC236}">
-                <a16:creationId xmlns:a16="http://schemas.microsoft.com/office/drawing/2014/main" id="{D643F083-0611-D395-3069-31570D0308F7}"/>
-              </a:ext>
-            </a:extLst>
-          </p:cNvPr>
-          <p:cNvSpPr txBox="1"/>
-          <p:nvPr/>
-        </p:nvSpPr>
-        <p:spPr>
-          <a:xfrm>
-            <a:off x="6406653" y="5000107"/>
-            <a:ext cx="4937760" cy="1569660"/>
-          </a:xfrm>
-          <a:prstGeom prst="rect">
-            <a:avLst/>
-          </a:prstGeom>
-          <a:noFill/>
-        </p:spPr>
-        <p:txBody>
-          <a:bodyPr wrap="square" rtlCol="0">
-            <a:spAutoFit/>
-          </a:bodyPr>
-          <a:lstStyle/>
-          <a:p>
-            <a:pPr algn="l"/>
-            <a:r>
-              <a:rPr lang="ja-JP" altLang="en-US" sz="2400" dirty="0">
-                <a:latin typeface="Times Newer Roman" panose="00000500000000000000" pitchFamily="50" charset="0"/>
-              </a:rPr>
-              <a:t>初段の小信号等価回路。</a:t>
-            </a:r>
-            <a:endParaRPr lang="en-US" altLang="ja-JP" sz="2400" dirty="0">
-              <a:latin typeface="Times Newer Roman" panose="00000500000000000000" pitchFamily="50" charset="0"/>
-            </a:endParaRPr>
-          </a:p>
-          <a:p>
-            <a:pPr algn="l"/>
-            <a:r>
               <a:rPr kumimoji="1" lang="en-US" altLang="ja-JP" sz="2400" dirty="0" err="1">
                 <a:latin typeface="Times Newer Roman" panose="00000500000000000000" pitchFamily="50" charset="0"/>
               </a:rPr>
               <a:t>LTSpice</a:t>
             </a:r>
             <a:r>
-              <a:rPr kumimoji="1" lang="ja-JP" altLang="en-US" sz="2400" dirty="0">
-                <a:latin typeface="Times Newer Roman" panose="00000500000000000000" pitchFamily="50" charset="0"/>
-              </a:rPr>
-              <a:t>上で</a:t>
-            </a:r>
-            <a:r>
               <a:rPr lang="ja-JP" altLang="en-US" sz="2400" dirty="0">
                 <a:latin typeface="Times Newer Roman" panose="00000500000000000000" pitchFamily="50" charset="0"/>
               </a:rPr>
-              <a:t>シミュレーション。</a:t>
+              <a:t>と</a:t>
+            </a:r>
+            <a:r>
+              <a:rPr lang="en-US" altLang="ja-JP" sz="2400" dirty="0">
+                <a:latin typeface="Times Newer Roman" panose="00000500000000000000" pitchFamily="50" charset="0"/>
+              </a:rPr>
+              <a:t>virtuoso</a:t>
+            </a:r>
+            <a:r>
+              <a:rPr lang="ja-JP" altLang="en-US" sz="2400" dirty="0">
+                <a:latin typeface="Times Newer Roman" panose="00000500000000000000" pitchFamily="50" charset="0"/>
+              </a:rPr>
+              <a:t>でのモデルを使用したシミュレーション結果はかなり一致していた。</a:t>
             </a:r>
             <a:endParaRPr lang="en-US" altLang="ja-JP" sz="2400" dirty="0">
               <a:latin typeface="Times Newer Roman" panose="00000500000000000000" pitchFamily="50" charset="0"/>
@@ -6403,43 +8293,34 @@
           </a:p>
           <a:p>
             <a:pPr algn="l"/>
-            <a:r>
-              <a:rPr kumimoji="1" lang="ja-JP" altLang="en-US" sz="2400" dirty="0">
+            <a:endParaRPr kumimoji="1" lang="en-US" altLang="ja-JP" sz="2400" dirty="0">
+              <a:latin typeface="Times Newer Roman" panose="00000500000000000000" pitchFamily="50" charset="0"/>
+            </a:endParaRPr>
+          </a:p>
+          <a:p>
+            <a:pPr algn="l"/>
+            <a:r>
+              <a:rPr lang="en-US" altLang="ja-JP" sz="2400" dirty="0">
                 <a:latin typeface="Times Newer Roman" panose="00000500000000000000" pitchFamily="50" charset="0"/>
               </a:rPr>
-              <a:t>寄生容量、入出力抵抗は</a:t>
-            </a:r>
-            <a:r>
-              <a:rPr kumimoji="1" lang="en-US" altLang="ja-JP" sz="2400" dirty="0">
+              <a:t>TIA</a:t>
+            </a:r>
+            <a:r>
+              <a:rPr lang="ja-JP" altLang="en-US" sz="2400" dirty="0">
                 <a:latin typeface="Times Newer Roman" panose="00000500000000000000" pitchFamily="50" charset="0"/>
               </a:rPr>
-              <a:t>virtuoso</a:t>
-            </a:r>
-            <a:r>
-              <a:rPr kumimoji="1" lang="ja-JP" altLang="en-US" sz="2400" dirty="0">
-                <a:latin typeface="Times Newer Roman" panose="00000500000000000000" pitchFamily="50" charset="0"/>
-              </a:rPr>
-              <a:t>の</a:t>
-            </a:r>
-            <a:r>
-              <a:rPr kumimoji="1" lang="en-US" altLang="ja-JP" sz="2400" dirty="0">
-                <a:latin typeface="Times Newer Roman" panose="00000500000000000000" pitchFamily="50" charset="0"/>
-              </a:rPr>
-              <a:t>DC Operating Points</a:t>
-            </a:r>
-            <a:r>
-              <a:rPr kumimoji="1" lang="ja-JP" altLang="en-US" sz="2400" dirty="0">
-                <a:latin typeface="Times Newer Roman" panose="00000500000000000000" pitchFamily="50" charset="0"/>
-              </a:rPr>
-              <a:t>から決定。</a:t>
-            </a:r>
+              <a:t>のモデルとしては十分なよう。</a:t>
+            </a:r>
+            <a:endParaRPr kumimoji="1" lang="ja-JP" altLang="en-US" sz="2400" dirty="0">
+              <a:latin typeface="Times Newer Roman" panose="00000500000000000000" pitchFamily="50" charset="0"/>
+            </a:endParaRPr>
           </a:p>
         </p:txBody>
       </p:sp>
     </p:spTree>
     <p:extLst>
       <p:ext uri="{BB962C8B-B14F-4D97-AF65-F5344CB8AC3E}">
-        <p14:creationId xmlns:p14="http://schemas.microsoft.com/office/powerpoint/2010/main" val="2871149507"/>
+        <p14:creationId xmlns:p14="http://schemas.microsoft.com/office/powerpoint/2010/main" val="97927760"/>
       </p:ext>
     </p:extLst>
   </p:cSld>
@@ -6471,7 +8352,7 @@
           <p:cNvPr id="2" name="タイトル 1">
             <a:extLst>
               <a:ext uri="{FF2B5EF4-FFF2-40B4-BE49-F238E27FC236}">
-                <a16:creationId xmlns:a16="http://schemas.microsoft.com/office/drawing/2014/main" id="{7B6969B9-7263-43BA-22D7-793B3D0497DC}"/>
+                <a16:creationId xmlns:a16="http://schemas.microsoft.com/office/drawing/2014/main" id="{0A6B2B24-5347-02E2-7DA3-CB2F7868D229}"/>
               </a:ext>
             </a:extLst>
           </p:cNvPr>
@@ -6489,16 +8370,17 @@
           <a:p>
             <a:r>
               <a:rPr kumimoji="1" lang="ja-JP" altLang="en-US" dirty="0"/>
-              <a:t>シミュレーション結果 </a:t>
+              <a:t>シミュレーション回路 </a:t>
             </a:r>
             <a:r>
               <a:rPr kumimoji="1" lang="en-US" altLang="ja-JP" dirty="0"/>
               <a:t>– </a:t>
             </a:r>
             <a:r>
-              <a:rPr kumimoji="1" lang="ja-JP" altLang="en-US" dirty="0"/>
-              <a:t>初段</a:t>
-            </a:r>
+              <a:rPr lang="ja-JP" altLang="en-US" dirty="0"/>
+              <a:t>二段目</a:t>
+            </a:r>
+            <a:endParaRPr kumimoji="1" lang="ja-JP" altLang="en-US" dirty="0"/>
           </a:p>
         </p:txBody>
       </p:sp>
@@ -6507,7 +8389,7 @@
           <p:cNvPr id="3" name="日付プレースホルダー 2">
             <a:extLst>
               <a:ext uri="{FF2B5EF4-FFF2-40B4-BE49-F238E27FC236}">
-                <a16:creationId xmlns:a16="http://schemas.microsoft.com/office/drawing/2014/main" id="{B37D906C-CFB4-6AA2-418D-2B5668B2F5FC}"/>
+                <a16:creationId xmlns:a16="http://schemas.microsoft.com/office/drawing/2014/main" id="{0812DAD0-5275-5C28-7736-EA767B7D29BE}"/>
               </a:ext>
             </a:extLst>
           </p:cNvPr>
@@ -6525,7 +8407,7 @@
           <a:p>
             <a:fld id="{EEA6A375-72BC-45FC-83AA-00EA8839FC12}" type="datetime1">
               <a:rPr kumimoji="1" lang="ja-JP" altLang="en-US" smtClean="0"/>
-              <a:t>2024/6/16</a:t>
+              <a:t>2024/6/19</a:t>
             </a:fld>
             <a:endParaRPr kumimoji="1" lang="ja-JP" altLang="en-US"/>
           </a:p>
@@ -6536,7 +8418,7 @@
           <p:cNvPr id="4" name="スライド番号プレースホルダー 3">
             <a:extLst>
               <a:ext uri="{FF2B5EF4-FFF2-40B4-BE49-F238E27FC236}">
-                <a16:creationId xmlns:a16="http://schemas.microsoft.com/office/drawing/2014/main" id="{F5D0811D-A28D-AD47-8070-716DE9D1A750}"/>
+                <a16:creationId xmlns:a16="http://schemas.microsoft.com/office/drawing/2014/main" id="{238A165B-F0EA-8015-B14E-D4DE148E5F04}"/>
               </a:ext>
             </a:extLst>
           </p:cNvPr>
@@ -6565,7 +8447,7 @@
           <p:cNvPr id="5" name="フッター プレースホルダー 4">
             <a:extLst>
               <a:ext uri="{FF2B5EF4-FFF2-40B4-BE49-F238E27FC236}">
-                <a16:creationId xmlns:a16="http://schemas.microsoft.com/office/drawing/2014/main" id="{B6AB0A62-5889-2E08-DBAD-68156BC494AE}"/>
+                <a16:creationId xmlns:a16="http://schemas.microsoft.com/office/drawing/2014/main" id="{B84D36C3-1FC8-0951-80B7-0260FAE213C0}"/>
               </a:ext>
             </a:extLst>
           </p:cNvPr>
@@ -6591,10 +8473,10 @@
       </p:sp>
       <p:pic>
         <p:nvPicPr>
-          <p:cNvPr id="7" name="図 6" descr="グラフ&#10;&#10;自動的に生成された説明">
-            <a:extLst>
-              <a:ext uri="{FF2B5EF4-FFF2-40B4-BE49-F238E27FC236}">
-                <a16:creationId xmlns:a16="http://schemas.microsoft.com/office/drawing/2014/main" id="{1EE7D774-9D36-F740-7A72-FCAAC7A1CE46}"/>
+          <p:cNvPr id="7" name="図 6" descr="グラフィカル ユーザー インターフェイス, アプリケーション&#10;&#10;自動的に生成された説明">
+            <a:extLst>
+              <a:ext uri="{FF2B5EF4-FFF2-40B4-BE49-F238E27FC236}">
+                <a16:creationId xmlns:a16="http://schemas.microsoft.com/office/drawing/2014/main" id="{FABFA668-DBFB-0B7F-BAB6-E53DAE13A71E}"/>
               </a:ext>
             </a:extLst>
           </p:cNvPr>
@@ -6617,20 +8499,56 @@
         </p:blipFill>
         <p:spPr>
           <a:xfrm>
-            <a:off x="370853" y="1172263"/>
-            <a:ext cx="7398788" cy="5179152"/>
+            <a:off x="1317917" y="1186881"/>
+            <a:ext cx="2850563" cy="3413271"/>
           </a:xfrm>
           <a:prstGeom prst="rect">
             <a:avLst/>
           </a:prstGeom>
         </p:spPr>
       </p:pic>
-      <p:sp>
-        <p:nvSpPr>
-          <p:cNvPr id="8" name="テキスト ボックス 7">
-            <a:extLst>
-              <a:ext uri="{FF2B5EF4-FFF2-40B4-BE49-F238E27FC236}">
-                <a16:creationId xmlns:a16="http://schemas.microsoft.com/office/drawing/2014/main" id="{CE60BDA4-7578-EE55-6A08-2493F668A472}"/>
+      <p:pic>
+        <p:nvPicPr>
+          <p:cNvPr id="13" name="図 12" descr="グラフィカル ユーザー インターフェイス が含まれている画像&#10;&#10;自動的に生成された説明">
+            <a:extLst>
+              <a:ext uri="{FF2B5EF4-FFF2-40B4-BE49-F238E27FC236}">
+                <a16:creationId xmlns:a16="http://schemas.microsoft.com/office/drawing/2014/main" id="{71D4E75B-6D0B-D84F-35EF-4128FFDE5736}"/>
+              </a:ext>
+            </a:extLst>
+          </p:cNvPr>
+          <p:cNvPicPr>
+            <a:picLocks noChangeAspect="1"/>
+          </p:cNvPicPr>
+          <p:nvPr/>
+        </p:nvPicPr>
+        <p:blipFill>
+          <a:blip r:embed="rId3">
+            <a:extLst>
+              <a:ext uri="{28A0092B-C50C-407E-A947-70E740481C1C}">
+                <a14:useLocalDpi xmlns:a14="http://schemas.microsoft.com/office/drawing/2010/main" val="0"/>
+              </a:ext>
+            </a:extLst>
+          </a:blip>
+          <a:stretch>
+            <a:fillRect/>
+          </a:stretch>
+        </p:blipFill>
+        <p:spPr>
+          <a:xfrm>
+            <a:off x="4271674" y="1471622"/>
+            <a:ext cx="7772416" cy="2843790"/>
+          </a:xfrm>
+          <a:prstGeom prst="rect">
+            <a:avLst/>
+          </a:prstGeom>
+        </p:spPr>
+      </p:pic>
+      <p:sp>
+        <p:nvSpPr>
+          <p:cNvPr id="15" name="テキスト ボックス 14">
+            <a:extLst>
+              <a:ext uri="{FF2B5EF4-FFF2-40B4-BE49-F238E27FC236}">
+                <a16:creationId xmlns:a16="http://schemas.microsoft.com/office/drawing/2014/main" id="{0B923A91-DE07-DFA6-0EFD-BD41907BA117}"/>
               </a:ext>
             </a:extLst>
           </p:cNvPr>
@@ -6639,8 +8557,8 @@
         </p:nvSpPr>
         <p:spPr>
           <a:xfrm>
-            <a:off x="7083767" y="2459504"/>
-            <a:ext cx="4730065" cy="1938992"/>
+            <a:off x="645458" y="5028796"/>
+            <a:ext cx="4195483" cy="830997"/>
           </a:xfrm>
           <a:prstGeom prst="rect">
             <a:avLst/>
@@ -6655,6 +8573,62 @@
           <a:p>
             <a:pPr algn="l"/>
             <a:r>
+              <a:rPr kumimoji="1" lang="en-US" altLang="ja-JP" sz="2400" dirty="0">
+                <a:latin typeface="Times Newer Roman" panose="00000500000000000000" pitchFamily="50" charset="0"/>
+              </a:rPr>
+              <a:t>virtuoso</a:t>
+            </a:r>
+            <a:r>
+              <a:rPr kumimoji="1" lang="ja-JP" altLang="en-US" sz="2400" dirty="0">
+                <a:latin typeface="Times Newer Roman" panose="00000500000000000000" pitchFamily="50" charset="0"/>
+              </a:rPr>
+              <a:t>で</a:t>
+            </a:r>
+            <a:r>
+              <a:rPr kumimoji="1" lang="en-US" altLang="ja-JP" sz="2400" dirty="0">
+                <a:latin typeface="Times Newer Roman" panose="00000500000000000000" pitchFamily="50" charset="0"/>
+              </a:rPr>
+              <a:t>IHP</a:t>
+            </a:r>
+            <a:r>
+              <a:rPr kumimoji="1" lang="ja-JP" altLang="en-US" sz="2400" dirty="0">
+                <a:latin typeface="Times Newer Roman" panose="00000500000000000000" pitchFamily="50" charset="0"/>
+              </a:rPr>
+              <a:t>のモデルを使用したソース接地増幅回路。</a:t>
+            </a:r>
+          </a:p>
+        </p:txBody>
+      </p:sp>
+      <p:sp>
+        <p:nvSpPr>
+          <p:cNvPr id="16" name="テキスト ボックス 15">
+            <a:extLst>
+              <a:ext uri="{FF2B5EF4-FFF2-40B4-BE49-F238E27FC236}">
+                <a16:creationId xmlns:a16="http://schemas.microsoft.com/office/drawing/2014/main" id="{90E34BB1-CB1F-851E-282C-2B0483447328}"/>
+              </a:ext>
+            </a:extLst>
+          </p:cNvPr>
+          <p:cNvSpPr txBox="1"/>
+          <p:nvPr/>
+        </p:nvSpPr>
+        <p:spPr>
+          <a:xfrm>
+            <a:off x="6033247" y="4943497"/>
+            <a:ext cx="5280212" cy="830997"/>
+          </a:xfrm>
+          <a:prstGeom prst="rect">
+            <a:avLst/>
+          </a:prstGeom>
+          <a:noFill/>
+        </p:spPr>
+        <p:txBody>
+          <a:bodyPr wrap="square" rtlCol="0">
+            <a:spAutoFit/>
+          </a:bodyPr>
+          <a:lstStyle/>
+          <a:p>
+            <a:pPr algn="l"/>
+            <a:r>
               <a:rPr kumimoji="1" lang="en-US" altLang="ja-JP" sz="2400" dirty="0" err="1">
                 <a:latin typeface="Times Newer Roman" panose="00000500000000000000" pitchFamily="50" charset="0"/>
               </a:rPr>
@@ -6664,19 +8638,7 @@
               <a:rPr lang="ja-JP" altLang="en-US" sz="2400" dirty="0">
                 <a:latin typeface="Times Newer Roman" panose="00000500000000000000" pitchFamily="50" charset="0"/>
               </a:rPr>
-              <a:t>と</a:t>
-            </a:r>
-            <a:r>
-              <a:rPr lang="en-US" altLang="ja-JP" sz="2400" dirty="0">
-                <a:latin typeface="Times Newer Roman" panose="00000500000000000000" pitchFamily="50" charset="0"/>
-              </a:rPr>
-              <a:t>virtuoso</a:t>
-            </a:r>
-            <a:r>
-              <a:rPr lang="ja-JP" altLang="en-US" sz="2400" dirty="0">
-                <a:latin typeface="Times Newer Roman" panose="00000500000000000000" pitchFamily="50" charset="0"/>
-              </a:rPr>
-              <a:t>でのモデルを使用したシミュレーション結果はかなり一致していた。</a:t>
+              <a:t>で電圧制御電流源を使用した</a:t>
             </a:r>
             <a:endParaRPr lang="en-US" altLang="ja-JP" sz="2400" dirty="0">
               <a:latin typeface="Times Newer Roman" panose="00000500000000000000" pitchFamily="50" charset="0"/>
@@ -6684,34 +8646,19 @@
           </a:p>
           <a:p>
             <a:pPr algn="l"/>
-            <a:endParaRPr kumimoji="1" lang="en-US" altLang="ja-JP" sz="2400" dirty="0">
-              <a:latin typeface="Times Newer Roman" panose="00000500000000000000" pitchFamily="50" charset="0"/>
-            </a:endParaRPr>
-          </a:p>
-          <a:p>
-            <a:pPr algn="l"/>
-            <a:r>
-              <a:rPr lang="en-US" altLang="ja-JP" sz="2400" dirty="0">
+            <a:r>
+              <a:rPr kumimoji="1" lang="ja-JP" altLang="en-US" sz="2400" dirty="0">
                 <a:latin typeface="Times Newer Roman" panose="00000500000000000000" pitchFamily="50" charset="0"/>
               </a:rPr>
-              <a:t>TIA</a:t>
-            </a:r>
-            <a:r>
-              <a:rPr lang="ja-JP" altLang="en-US" sz="2400" dirty="0">
-                <a:latin typeface="Times Newer Roman" panose="00000500000000000000" pitchFamily="50" charset="0"/>
-              </a:rPr>
-              <a:t>のモデルとしては十分なよう。</a:t>
-            </a:r>
-            <a:endParaRPr kumimoji="1" lang="ja-JP" altLang="en-US" sz="2400" dirty="0">
-              <a:latin typeface="Times Newer Roman" panose="00000500000000000000" pitchFamily="50" charset="0"/>
-            </a:endParaRPr>
+              <a:t>ソース接地増幅回路。</a:t>
+            </a:r>
           </a:p>
         </p:txBody>
       </p:sp>
     </p:spTree>
     <p:extLst>
       <p:ext uri="{BB962C8B-B14F-4D97-AF65-F5344CB8AC3E}">
-        <p14:creationId xmlns:p14="http://schemas.microsoft.com/office/powerpoint/2010/main" val="97927760"/>
+        <p14:creationId xmlns:p14="http://schemas.microsoft.com/office/powerpoint/2010/main" val="3713300253"/>
       </p:ext>
     </p:extLst>
   </p:cSld>
@@ -6743,7 +8690,7 @@
           <p:cNvPr id="2" name="タイトル 1">
             <a:extLst>
               <a:ext uri="{FF2B5EF4-FFF2-40B4-BE49-F238E27FC236}">
-                <a16:creationId xmlns:a16="http://schemas.microsoft.com/office/drawing/2014/main" id="{0A6B2B24-5347-02E2-7DA3-CB2F7868D229}"/>
+                <a16:creationId xmlns:a16="http://schemas.microsoft.com/office/drawing/2014/main" id="{E83E530C-D718-3130-A158-D29904E93A8E}"/>
               </a:ext>
             </a:extLst>
           </p:cNvPr>
@@ -6761,7 +8708,7 @@
           <a:p>
             <a:r>
               <a:rPr kumimoji="1" lang="ja-JP" altLang="en-US" dirty="0"/>
-              <a:t>シミュレーション回路 </a:t>
+              <a:t>シミュレーション結果 </a:t>
             </a:r>
             <a:r>
               <a:rPr kumimoji="1" lang="en-US" altLang="ja-JP" dirty="0"/>
@@ -6780,7 +8727,7 @@
           <p:cNvPr id="3" name="日付プレースホルダー 2">
             <a:extLst>
               <a:ext uri="{FF2B5EF4-FFF2-40B4-BE49-F238E27FC236}">
-                <a16:creationId xmlns:a16="http://schemas.microsoft.com/office/drawing/2014/main" id="{0812DAD0-5275-5C28-7736-EA767B7D29BE}"/>
+                <a16:creationId xmlns:a16="http://schemas.microsoft.com/office/drawing/2014/main" id="{DAD53EA8-AA07-1D67-9C5A-68D887822E47}"/>
               </a:ext>
             </a:extLst>
           </p:cNvPr>
@@ -6798,7 +8745,7 @@
           <a:p>
             <a:fld id="{EEA6A375-72BC-45FC-83AA-00EA8839FC12}" type="datetime1">
               <a:rPr kumimoji="1" lang="ja-JP" altLang="en-US" smtClean="0"/>
-              <a:t>2024/6/16</a:t>
+              <a:t>2024/6/19</a:t>
             </a:fld>
             <a:endParaRPr kumimoji="1" lang="ja-JP" altLang="en-US"/>
           </a:p>
@@ -6809,7 +8756,7 @@
           <p:cNvPr id="4" name="スライド番号プレースホルダー 3">
             <a:extLst>
               <a:ext uri="{FF2B5EF4-FFF2-40B4-BE49-F238E27FC236}">
-                <a16:creationId xmlns:a16="http://schemas.microsoft.com/office/drawing/2014/main" id="{238A165B-F0EA-8015-B14E-D4DE148E5F04}"/>
+                <a16:creationId xmlns:a16="http://schemas.microsoft.com/office/drawing/2014/main" id="{62E4B590-C00C-99DC-189A-FC574C3E993F}"/>
               </a:ext>
             </a:extLst>
           </p:cNvPr>
@@ -6838,7 +8785,7 @@
           <p:cNvPr id="5" name="フッター プレースホルダー 4">
             <a:extLst>
               <a:ext uri="{FF2B5EF4-FFF2-40B4-BE49-F238E27FC236}">
-                <a16:creationId xmlns:a16="http://schemas.microsoft.com/office/drawing/2014/main" id="{B84D36C3-1FC8-0951-80B7-0260FAE213C0}"/>
+                <a16:creationId xmlns:a16="http://schemas.microsoft.com/office/drawing/2014/main" id="{F8CB3DE4-E149-806B-0085-1154FFF3903A}"/>
               </a:ext>
             </a:extLst>
           </p:cNvPr>
@@ -6864,10 +8811,10 @@
       </p:sp>
       <p:pic>
         <p:nvPicPr>
-          <p:cNvPr id="7" name="図 6" descr="グラフィカル ユーザー インターフェイス, アプリケーション&#10;&#10;自動的に生成された説明">
-            <a:extLst>
-              <a:ext uri="{FF2B5EF4-FFF2-40B4-BE49-F238E27FC236}">
-                <a16:creationId xmlns:a16="http://schemas.microsoft.com/office/drawing/2014/main" id="{FABFA668-DBFB-0B7F-BAB6-E53DAE13A71E}"/>
+          <p:cNvPr id="7" name="図 6" descr="グラフ&#10;&#10;自動的に生成された説明">
+            <a:extLst>
+              <a:ext uri="{FF2B5EF4-FFF2-40B4-BE49-F238E27FC236}">
+                <a16:creationId xmlns:a16="http://schemas.microsoft.com/office/drawing/2014/main" id="{95126014-88FA-E0BC-6E17-7F4D54C9CB4F}"/>
               </a:ext>
             </a:extLst>
           </p:cNvPr>
@@ -6890,66 +8837,30 @@
         </p:blipFill>
         <p:spPr>
           <a:xfrm>
-            <a:off x="1317917" y="1186881"/>
-            <a:ext cx="2850563" cy="3413271"/>
+            <a:off x="370853" y="1279256"/>
+            <a:ext cx="7156740" cy="5009719"/>
           </a:xfrm>
           <a:prstGeom prst="rect">
             <a:avLst/>
           </a:prstGeom>
         </p:spPr>
       </p:pic>
-      <p:pic>
-        <p:nvPicPr>
-          <p:cNvPr id="13" name="図 12" descr="グラフィカル ユーザー インターフェイス が含まれている画像&#10;&#10;自動的に生成された説明">
-            <a:extLst>
-              <a:ext uri="{FF2B5EF4-FFF2-40B4-BE49-F238E27FC236}">
-                <a16:creationId xmlns:a16="http://schemas.microsoft.com/office/drawing/2014/main" id="{71D4E75B-6D0B-D84F-35EF-4128FFDE5736}"/>
-              </a:ext>
-            </a:extLst>
-          </p:cNvPr>
-          <p:cNvPicPr>
-            <a:picLocks noChangeAspect="1"/>
-          </p:cNvPicPr>
+      <p:sp>
+        <p:nvSpPr>
+          <p:cNvPr id="8" name="テキスト ボックス 7">
+            <a:extLst>
+              <a:ext uri="{FF2B5EF4-FFF2-40B4-BE49-F238E27FC236}">
+                <a16:creationId xmlns:a16="http://schemas.microsoft.com/office/drawing/2014/main" id="{9F52A065-8E20-4AE1-E282-E276157390F1}"/>
+              </a:ext>
+            </a:extLst>
+          </p:cNvPr>
+          <p:cNvSpPr txBox="1"/>
           <p:nvPr/>
-        </p:nvPicPr>
-        <p:blipFill>
-          <a:blip r:embed="rId3">
-            <a:extLst>
-              <a:ext uri="{28A0092B-C50C-407E-A947-70E740481C1C}">
-                <a14:useLocalDpi xmlns:a14="http://schemas.microsoft.com/office/drawing/2010/main" val="0"/>
-              </a:ext>
-            </a:extLst>
-          </a:blip>
-          <a:stretch>
-            <a:fillRect/>
-          </a:stretch>
-        </p:blipFill>
+        </p:nvSpPr>
         <p:spPr>
           <a:xfrm>
-            <a:off x="4271674" y="1471622"/>
-            <a:ext cx="7772416" cy="2843790"/>
-          </a:xfrm>
-          <a:prstGeom prst="rect">
-            <a:avLst/>
-          </a:prstGeom>
-        </p:spPr>
-      </p:pic>
-      <p:sp>
-        <p:nvSpPr>
-          <p:cNvPr id="15" name="テキスト ボックス 14">
-            <a:extLst>
-              <a:ext uri="{FF2B5EF4-FFF2-40B4-BE49-F238E27FC236}">
-                <a16:creationId xmlns:a16="http://schemas.microsoft.com/office/drawing/2014/main" id="{0B923A91-DE07-DFA6-0EFD-BD41907BA117}"/>
-              </a:ext>
-            </a:extLst>
-          </p:cNvPr>
-          <p:cNvSpPr txBox="1"/>
-          <p:nvPr/>
-        </p:nvSpPr>
-        <p:spPr>
-          <a:xfrm>
-            <a:off x="645458" y="5028796"/>
-            <a:ext cx="4195483" cy="830997"/>
+            <a:off x="7050741" y="2814619"/>
+            <a:ext cx="4796118" cy="1938992"/>
           </a:xfrm>
           <a:prstGeom prst="rect">
             <a:avLst/>
@@ -6964,72 +8875,22 @@
           <a:p>
             <a:pPr algn="l"/>
             <a:r>
-              <a:rPr kumimoji="1" lang="en-US" altLang="ja-JP" sz="2400" dirty="0">
-                <a:latin typeface="Times Newer Roman" panose="00000500000000000000" pitchFamily="50" charset="0"/>
-              </a:rPr>
-              <a:t>virtuoso</a:t>
-            </a:r>
-            <a:r>
-              <a:rPr kumimoji="1" lang="ja-JP" altLang="en-US" sz="2400" dirty="0">
-                <a:latin typeface="Times Newer Roman" panose="00000500000000000000" pitchFamily="50" charset="0"/>
-              </a:rPr>
-              <a:t>で</a:t>
-            </a:r>
-            <a:r>
-              <a:rPr kumimoji="1" lang="en-US" altLang="ja-JP" sz="2400" dirty="0">
-                <a:latin typeface="Times Newer Roman" panose="00000500000000000000" pitchFamily="50" charset="0"/>
-              </a:rPr>
-              <a:t>IHP</a:t>
-            </a:r>
-            <a:r>
-              <a:rPr kumimoji="1" lang="ja-JP" altLang="en-US" sz="2400" dirty="0">
-                <a:latin typeface="Times Newer Roman" panose="00000500000000000000" pitchFamily="50" charset="0"/>
-              </a:rPr>
-              <a:t>のモデルを使用したソース接地増幅回路。</a:t>
-            </a:r>
-          </a:p>
-        </p:txBody>
-      </p:sp>
-      <p:sp>
-        <p:nvSpPr>
-          <p:cNvPr id="16" name="テキスト ボックス 15">
-            <a:extLst>
-              <a:ext uri="{FF2B5EF4-FFF2-40B4-BE49-F238E27FC236}">
-                <a16:creationId xmlns:a16="http://schemas.microsoft.com/office/drawing/2014/main" id="{90E34BB1-CB1F-851E-282C-2B0483447328}"/>
-              </a:ext>
-            </a:extLst>
-          </p:cNvPr>
-          <p:cNvSpPr txBox="1"/>
-          <p:nvPr/>
-        </p:nvSpPr>
-        <p:spPr>
-          <a:xfrm>
-            <a:off x="6033247" y="4943497"/>
-            <a:ext cx="5280212" cy="830997"/>
-          </a:xfrm>
-          <a:prstGeom prst="rect">
-            <a:avLst/>
-          </a:prstGeom>
-          <a:noFill/>
-        </p:spPr>
-        <p:txBody>
-          <a:bodyPr wrap="square" rtlCol="0">
-            <a:spAutoFit/>
-          </a:bodyPr>
-          <a:lstStyle/>
-          <a:p>
-            <a:pPr algn="l"/>
-            <a:r>
-              <a:rPr kumimoji="1" lang="en-US" altLang="ja-JP" sz="2400" dirty="0" err="1">
-                <a:latin typeface="Times Newer Roman" panose="00000500000000000000" pitchFamily="50" charset="0"/>
-              </a:rPr>
-              <a:t>LTSpice</a:t>
-            </a:r>
-            <a:r>
               <a:rPr lang="ja-JP" altLang="en-US" sz="2400" dirty="0">
                 <a:latin typeface="Times Newer Roman" panose="00000500000000000000" pitchFamily="50" charset="0"/>
               </a:rPr>
-              <a:t>で電圧制御電流源を使用した</a:t>
+              <a:t>全体的に</a:t>
+            </a:r>
+            <a:r>
+              <a:rPr lang="en-US" altLang="ja-JP" sz="2400" dirty="0">
+                <a:latin typeface="Times Newer Roman" panose="00000500000000000000" pitchFamily="50" charset="0"/>
+              </a:rPr>
+              <a:t>4 dB</a:t>
+            </a:r>
+            <a:r>
+              <a:rPr lang="ja-JP" altLang="en-US" sz="2400" dirty="0">
+                <a:latin typeface="Times Newer Roman" panose="00000500000000000000" pitchFamily="50" charset="0"/>
+              </a:rPr>
+              <a:t>程度の差があり、</a:t>
             </a:r>
             <a:endParaRPr lang="en-US" altLang="ja-JP" sz="2400" dirty="0">
               <a:latin typeface="Times Newer Roman" panose="00000500000000000000" pitchFamily="50" charset="0"/>
@@ -7038,18 +8899,51 @@
           <a:p>
             <a:pPr algn="l"/>
             <a:r>
-              <a:rPr kumimoji="1" lang="ja-JP" altLang="en-US" sz="2400" dirty="0">
+              <a:rPr lang="ja-JP" altLang="en-US" sz="2400" dirty="0">
                 <a:latin typeface="Times Newer Roman" panose="00000500000000000000" pitchFamily="50" charset="0"/>
               </a:rPr>
-              <a:t>ソース接地増幅回路。</a:t>
-            </a:r>
+              <a:t>遮断周波数も一桁程度ずれていた。</a:t>
+            </a:r>
+            <a:endParaRPr lang="en-US" altLang="ja-JP" sz="2400" dirty="0">
+              <a:latin typeface="Times Newer Roman" panose="00000500000000000000" pitchFamily="50" charset="0"/>
+            </a:endParaRPr>
+          </a:p>
+          <a:p>
+            <a:pPr algn="l"/>
+            <a:endParaRPr kumimoji="1" lang="en-US" altLang="ja-JP" sz="2400" dirty="0">
+              <a:latin typeface="Times Newer Roman" panose="00000500000000000000" pitchFamily="50" charset="0"/>
+            </a:endParaRPr>
+          </a:p>
+          <a:p>
+            <a:pPr algn="l"/>
+            <a:r>
+              <a:rPr lang="ja-JP" altLang="en-US" sz="2400" dirty="0">
+                <a:latin typeface="Times Newer Roman" panose="00000500000000000000" pitchFamily="50" charset="0"/>
+              </a:rPr>
+              <a:t>こちらはこのままのモデルでは</a:t>
+            </a:r>
+            <a:endParaRPr lang="en-US" altLang="ja-JP" sz="2400" dirty="0">
+              <a:latin typeface="Times Newer Roman" panose="00000500000000000000" pitchFamily="50" charset="0"/>
+            </a:endParaRPr>
+          </a:p>
+          <a:p>
+            <a:pPr algn="l"/>
+            <a:r>
+              <a:rPr lang="ja-JP" altLang="en-US" sz="2400" dirty="0">
+                <a:latin typeface="Times Newer Roman" panose="00000500000000000000" pitchFamily="50" charset="0"/>
+              </a:rPr>
+              <a:t>あまり一致しない。</a:t>
+            </a:r>
+            <a:endParaRPr kumimoji="1" lang="ja-JP" altLang="en-US" sz="2400" dirty="0">
+              <a:latin typeface="Times Newer Roman" panose="00000500000000000000" pitchFamily="50" charset="0"/>
+            </a:endParaRPr>
           </a:p>
         </p:txBody>
       </p:sp>
     </p:spTree>
     <p:extLst>
       <p:ext uri="{BB962C8B-B14F-4D97-AF65-F5344CB8AC3E}">
-        <p14:creationId xmlns:p14="http://schemas.microsoft.com/office/powerpoint/2010/main" val="3713300253"/>
+        <p14:creationId xmlns:p14="http://schemas.microsoft.com/office/powerpoint/2010/main" val="1410602941"/>
       </p:ext>
     </p:extLst>
   </p:cSld>
@@ -7081,7 +8975,7 @@
           <p:cNvPr id="2" name="タイトル 1">
             <a:extLst>
               <a:ext uri="{FF2B5EF4-FFF2-40B4-BE49-F238E27FC236}">
-                <a16:creationId xmlns:a16="http://schemas.microsoft.com/office/drawing/2014/main" id="{E83E530C-D718-3130-A158-D29904E93A8E}"/>
+                <a16:creationId xmlns:a16="http://schemas.microsoft.com/office/drawing/2014/main" id="{492D78FC-7341-B51F-F4EE-33A7853EFB3D}"/>
               </a:ext>
             </a:extLst>
           </p:cNvPr>
@@ -7098,16 +8992,8 @@
           <a:lstStyle/>
           <a:p>
             <a:r>
-              <a:rPr kumimoji="1" lang="ja-JP" altLang="en-US" dirty="0"/>
-              <a:t>シミュレーション結果 </a:t>
-            </a:r>
-            <a:r>
-              <a:rPr kumimoji="1" lang="en-US" altLang="ja-JP" dirty="0"/>
-              <a:t>– </a:t>
-            </a:r>
-            <a:r>
               <a:rPr lang="ja-JP" altLang="en-US" dirty="0"/>
-              <a:t>二段目</a:t>
+              <a:t>ソース接地の寄生成分</a:t>
             </a:r>
             <a:endParaRPr kumimoji="1" lang="ja-JP" altLang="en-US" dirty="0"/>
           </a:p>
@@ -7118,7 +9004,7 @@
           <p:cNvPr id="3" name="日付プレースホルダー 2">
             <a:extLst>
               <a:ext uri="{FF2B5EF4-FFF2-40B4-BE49-F238E27FC236}">
-                <a16:creationId xmlns:a16="http://schemas.microsoft.com/office/drawing/2014/main" id="{DAD53EA8-AA07-1D67-9C5A-68D887822E47}"/>
+                <a16:creationId xmlns:a16="http://schemas.microsoft.com/office/drawing/2014/main" id="{397E73DC-4C42-622E-2103-B3E66A2AFF09}"/>
               </a:ext>
             </a:extLst>
           </p:cNvPr>
@@ -7136,7 +9022,7 @@
           <a:p>
             <a:fld id="{EEA6A375-72BC-45FC-83AA-00EA8839FC12}" type="datetime1">
               <a:rPr kumimoji="1" lang="ja-JP" altLang="en-US" smtClean="0"/>
-              <a:t>2024/6/16</a:t>
+              <a:t>2024/6/19</a:t>
             </a:fld>
             <a:endParaRPr kumimoji="1" lang="ja-JP" altLang="en-US"/>
           </a:p>
@@ -7147,7 +9033,7 @@
           <p:cNvPr id="4" name="スライド番号プレースホルダー 3">
             <a:extLst>
               <a:ext uri="{FF2B5EF4-FFF2-40B4-BE49-F238E27FC236}">
-                <a16:creationId xmlns:a16="http://schemas.microsoft.com/office/drawing/2014/main" id="{62E4B590-C00C-99DC-189A-FC574C3E993F}"/>
+                <a16:creationId xmlns:a16="http://schemas.microsoft.com/office/drawing/2014/main" id="{60A2C3EC-8248-41CE-B56A-11DE73779DC5}"/>
               </a:ext>
             </a:extLst>
           </p:cNvPr>
@@ -7166,283 +9052,6 @@
             <a:fld id="{6294761A-CFE9-4878-87A7-90ECABD59CE5}" type="slidenum">
               <a:rPr kumimoji="1" lang="ja-JP" altLang="en-US" smtClean="0"/>
               <a:t>8</a:t>
-            </a:fld>
-            <a:endParaRPr kumimoji="1" lang="ja-JP" altLang="en-US"/>
-          </a:p>
-        </p:txBody>
-      </p:sp>
-      <p:sp>
-        <p:nvSpPr>
-          <p:cNvPr id="5" name="フッター プレースホルダー 4">
-            <a:extLst>
-              <a:ext uri="{FF2B5EF4-FFF2-40B4-BE49-F238E27FC236}">
-                <a16:creationId xmlns:a16="http://schemas.microsoft.com/office/drawing/2014/main" id="{F8CB3DE4-E149-806B-0085-1154FFF3903A}"/>
-              </a:ext>
-            </a:extLst>
-          </p:cNvPr>
-          <p:cNvSpPr>
-            <a:spLocks noGrp="1"/>
-          </p:cNvSpPr>
-          <p:nvPr>
-            <p:ph type="ftr" sz="quarter" idx="3"/>
-          </p:nvPr>
-        </p:nvSpPr>
-        <p:spPr/>
-        <p:txBody>
-          <a:bodyPr/>
-          <a:lstStyle/>
-          <a:p>
-            <a:r>
-              <a:rPr lang="en-US" altLang="ja-JP"/>
-              <a:t>Wave Signal Processing Circuit Laboratory,  Meiji University</a:t>
-            </a:r>
-            <a:endParaRPr lang="en-US" altLang="ja-JP" dirty="0"/>
-          </a:p>
-        </p:txBody>
-      </p:sp>
-      <p:pic>
-        <p:nvPicPr>
-          <p:cNvPr id="7" name="図 6" descr="グラフ&#10;&#10;自動的に生成された説明">
-            <a:extLst>
-              <a:ext uri="{FF2B5EF4-FFF2-40B4-BE49-F238E27FC236}">
-                <a16:creationId xmlns:a16="http://schemas.microsoft.com/office/drawing/2014/main" id="{95126014-88FA-E0BC-6E17-7F4D54C9CB4F}"/>
-              </a:ext>
-            </a:extLst>
-          </p:cNvPr>
-          <p:cNvPicPr>
-            <a:picLocks noChangeAspect="1"/>
-          </p:cNvPicPr>
-          <p:nvPr/>
-        </p:nvPicPr>
-        <p:blipFill>
-          <a:blip r:embed="rId2">
-            <a:extLst>
-              <a:ext uri="{28A0092B-C50C-407E-A947-70E740481C1C}">
-                <a14:useLocalDpi xmlns:a14="http://schemas.microsoft.com/office/drawing/2010/main" val="0"/>
-              </a:ext>
-            </a:extLst>
-          </a:blip>
-          <a:stretch>
-            <a:fillRect/>
-          </a:stretch>
-        </p:blipFill>
-        <p:spPr>
-          <a:xfrm>
-            <a:off x="370853" y="1279256"/>
-            <a:ext cx="7156740" cy="5009719"/>
-          </a:xfrm>
-          <a:prstGeom prst="rect">
-            <a:avLst/>
-          </a:prstGeom>
-        </p:spPr>
-      </p:pic>
-      <p:sp>
-        <p:nvSpPr>
-          <p:cNvPr id="8" name="テキスト ボックス 7">
-            <a:extLst>
-              <a:ext uri="{FF2B5EF4-FFF2-40B4-BE49-F238E27FC236}">
-                <a16:creationId xmlns:a16="http://schemas.microsoft.com/office/drawing/2014/main" id="{9F52A065-8E20-4AE1-E282-E276157390F1}"/>
-              </a:ext>
-            </a:extLst>
-          </p:cNvPr>
-          <p:cNvSpPr txBox="1"/>
-          <p:nvPr/>
-        </p:nvSpPr>
-        <p:spPr>
-          <a:xfrm>
-            <a:off x="7050741" y="2814619"/>
-            <a:ext cx="4796118" cy="1938992"/>
-          </a:xfrm>
-          <a:prstGeom prst="rect">
-            <a:avLst/>
-          </a:prstGeom>
-          <a:noFill/>
-        </p:spPr>
-        <p:txBody>
-          <a:bodyPr wrap="square" rtlCol="0">
-            <a:spAutoFit/>
-          </a:bodyPr>
-          <a:lstStyle/>
-          <a:p>
-            <a:pPr algn="l"/>
-            <a:r>
-              <a:rPr lang="ja-JP" altLang="en-US" sz="2400" dirty="0">
-                <a:latin typeface="Times Newer Roman" panose="00000500000000000000" pitchFamily="50" charset="0"/>
-              </a:rPr>
-              <a:t>全体的に</a:t>
-            </a:r>
-            <a:r>
-              <a:rPr lang="en-US" altLang="ja-JP" sz="2400" dirty="0">
-                <a:latin typeface="Times Newer Roman" panose="00000500000000000000" pitchFamily="50" charset="0"/>
-              </a:rPr>
-              <a:t>4 dB</a:t>
-            </a:r>
-            <a:r>
-              <a:rPr lang="ja-JP" altLang="en-US" sz="2400" dirty="0">
-                <a:latin typeface="Times Newer Roman" panose="00000500000000000000" pitchFamily="50" charset="0"/>
-              </a:rPr>
-              <a:t>程度の差があり、</a:t>
-            </a:r>
-            <a:endParaRPr lang="en-US" altLang="ja-JP" sz="2400" dirty="0">
-              <a:latin typeface="Times Newer Roman" panose="00000500000000000000" pitchFamily="50" charset="0"/>
-            </a:endParaRPr>
-          </a:p>
-          <a:p>
-            <a:pPr algn="l"/>
-            <a:r>
-              <a:rPr lang="ja-JP" altLang="en-US" sz="2400" dirty="0">
-                <a:latin typeface="Times Newer Roman" panose="00000500000000000000" pitchFamily="50" charset="0"/>
-              </a:rPr>
-              <a:t>遮断周波数も一桁程度ずれていた。</a:t>
-            </a:r>
-            <a:endParaRPr lang="en-US" altLang="ja-JP" sz="2400" dirty="0">
-              <a:latin typeface="Times Newer Roman" panose="00000500000000000000" pitchFamily="50" charset="0"/>
-            </a:endParaRPr>
-          </a:p>
-          <a:p>
-            <a:pPr algn="l"/>
-            <a:endParaRPr kumimoji="1" lang="en-US" altLang="ja-JP" sz="2400" dirty="0">
-              <a:latin typeface="Times Newer Roman" panose="00000500000000000000" pitchFamily="50" charset="0"/>
-            </a:endParaRPr>
-          </a:p>
-          <a:p>
-            <a:pPr algn="l"/>
-            <a:r>
-              <a:rPr lang="ja-JP" altLang="en-US" sz="2400" dirty="0">
-                <a:latin typeface="Times Newer Roman" panose="00000500000000000000" pitchFamily="50" charset="0"/>
-              </a:rPr>
-              <a:t>こちらはこのままのモデルでは</a:t>
-            </a:r>
-            <a:endParaRPr lang="en-US" altLang="ja-JP" sz="2400" dirty="0">
-              <a:latin typeface="Times Newer Roman" panose="00000500000000000000" pitchFamily="50" charset="0"/>
-            </a:endParaRPr>
-          </a:p>
-          <a:p>
-            <a:pPr algn="l"/>
-            <a:r>
-              <a:rPr lang="ja-JP" altLang="en-US" sz="2400" dirty="0">
-                <a:latin typeface="Times Newer Roman" panose="00000500000000000000" pitchFamily="50" charset="0"/>
-              </a:rPr>
-              <a:t>あまり一致しない。</a:t>
-            </a:r>
-            <a:endParaRPr kumimoji="1" lang="ja-JP" altLang="en-US" sz="2400" dirty="0">
-              <a:latin typeface="Times Newer Roman" panose="00000500000000000000" pitchFamily="50" charset="0"/>
-            </a:endParaRPr>
-          </a:p>
-        </p:txBody>
-      </p:sp>
-    </p:spTree>
-    <p:extLst>
-      <p:ext uri="{BB962C8B-B14F-4D97-AF65-F5344CB8AC3E}">
-        <p14:creationId xmlns:p14="http://schemas.microsoft.com/office/powerpoint/2010/main" val="1410602941"/>
-      </p:ext>
-    </p:extLst>
-  </p:cSld>
-  <p:clrMapOvr>
-    <a:masterClrMapping/>
-  </p:clrMapOvr>
-</p:sld>
-</file>
-
-<file path=ppt/slides/slide9.xml><?xml version="1.0" encoding="utf-8"?>
-<p:sld xmlns:a="http://schemas.openxmlformats.org/drawingml/2006/main" xmlns:r="http://schemas.openxmlformats.org/officeDocument/2006/relationships" xmlns:p="http://schemas.openxmlformats.org/presentationml/2006/main">
-  <p:cSld>
-    <p:spTree>
-      <p:nvGrpSpPr>
-        <p:cNvPr id="1" name=""/>
-        <p:cNvGrpSpPr/>
-        <p:nvPr/>
-      </p:nvGrpSpPr>
-      <p:grpSpPr>
-        <a:xfrm>
-          <a:off x="0" y="0"/>
-          <a:ext cx="0" cy="0"/>
-          <a:chOff x="0" y="0"/>
-          <a:chExt cx="0" cy="0"/>
-        </a:xfrm>
-      </p:grpSpPr>
-      <p:sp>
-        <p:nvSpPr>
-          <p:cNvPr id="2" name="タイトル 1">
-            <a:extLst>
-              <a:ext uri="{FF2B5EF4-FFF2-40B4-BE49-F238E27FC236}">
-                <a16:creationId xmlns:a16="http://schemas.microsoft.com/office/drawing/2014/main" id="{492D78FC-7341-B51F-F4EE-33A7853EFB3D}"/>
-              </a:ext>
-            </a:extLst>
-          </p:cNvPr>
-          <p:cNvSpPr>
-            <a:spLocks noGrp="1"/>
-          </p:cNvSpPr>
-          <p:nvPr>
-            <p:ph type="title"/>
-          </p:nvPr>
-        </p:nvSpPr>
-        <p:spPr/>
-        <p:txBody>
-          <a:bodyPr/>
-          <a:lstStyle/>
-          <a:p>
-            <a:r>
-              <a:rPr lang="ja-JP" altLang="en-US" dirty="0"/>
-              <a:t>ソース接地の寄生成分</a:t>
-            </a:r>
-            <a:endParaRPr kumimoji="1" lang="ja-JP" altLang="en-US" dirty="0"/>
-          </a:p>
-        </p:txBody>
-      </p:sp>
-      <p:sp>
-        <p:nvSpPr>
-          <p:cNvPr id="3" name="日付プレースホルダー 2">
-            <a:extLst>
-              <a:ext uri="{FF2B5EF4-FFF2-40B4-BE49-F238E27FC236}">
-                <a16:creationId xmlns:a16="http://schemas.microsoft.com/office/drawing/2014/main" id="{397E73DC-4C42-622E-2103-B3E66A2AFF09}"/>
-              </a:ext>
-            </a:extLst>
-          </p:cNvPr>
-          <p:cNvSpPr>
-            <a:spLocks noGrp="1"/>
-          </p:cNvSpPr>
-          <p:nvPr>
-            <p:ph type="dt" sz="half" idx="10"/>
-          </p:nvPr>
-        </p:nvSpPr>
-        <p:spPr/>
-        <p:txBody>
-          <a:bodyPr/>
-          <a:lstStyle/>
-          <a:p>
-            <a:fld id="{EEA6A375-72BC-45FC-83AA-00EA8839FC12}" type="datetime1">
-              <a:rPr kumimoji="1" lang="ja-JP" altLang="en-US" smtClean="0"/>
-              <a:t>2024/6/16</a:t>
-            </a:fld>
-            <a:endParaRPr kumimoji="1" lang="ja-JP" altLang="en-US"/>
-          </a:p>
-        </p:txBody>
-      </p:sp>
-      <p:sp>
-        <p:nvSpPr>
-          <p:cNvPr id="4" name="スライド番号プレースホルダー 3">
-            <a:extLst>
-              <a:ext uri="{FF2B5EF4-FFF2-40B4-BE49-F238E27FC236}">
-                <a16:creationId xmlns:a16="http://schemas.microsoft.com/office/drawing/2014/main" id="{60A2C3EC-8248-41CE-B56A-11DE73779DC5}"/>
-              </a:ext>
-            </a:extLst>
-          </p:cNvPr>
-          <p:cNvSpPr>
-            <a:spLocks noGrp="1"/>
-          </p:cNvSpPr>
-          <p:nvPr>
-            <p:ph type="sldNum" sz="quarter" idx="12"/>
-          </p:nvPr>
-        </p:nvSpPr>
-        <p:spPr/>
-        <p:txBody>
-          <a:bodyPr/>
-          <a:lstStyle/>
-          <a:p>
-            <a:fld id="{6294761A-CFE9-4878-87A7-90ECABD59CE5}" type="slidenum">
-              <a:rPr kumimoji="1" lang="ja-JP" altLang="en-US" smtClean="0"/>
-              <a:t>9</a:t>
             </a:fld>
             <a:endParaRPr kumimoji="1" lang="ja-JP" altLang="en-US"/>
           </a:p>
@@ -7513,8 +9122,8 @@
           </a:prstGeom>
         </p:spPr>
       </p:pic>
-      <mc:AlternateContent xmlns:mc="http://schemas.openxmlformats.org/markup-compatibility/2006">
-        <mc:Choice xmlns:a14="http://schemas.microsoft.com/office/drawing/2010/main" Requires="a14">
+      <mc:AlternateContent xmlns:mc="http://schemas.openxmlformats.org/markup-compatibility/2006" xmlns:a14="http://schemas.microsoft.com/office/drawing/2010/main">
+        <mc:Choice Requires="a14">
           <p:sp>
             <p:nvSpPr>
               <p:cNvPr id="8" name="テキスト ボックス 7">
@@ -7630,7 +9239,7 @@
             </p:txBody>
           </p:sp>
         </mc:Choice>
-        <mc:Fallback>
+        <mc:Fallback xmlns="">
           <p:sp>
             <p:nvSpPr>
               <p:cNvPr id="8" name="テキスト ボックス 7">
@@ -7679,6 +9288,310 @@
     <p:extLst>
       <p:ext uri="{BB962C8B-B14F-4D97-AF65-F5344CB8AC3E}">
         <p14:creationId xmlns:p14="http://schemas.microsoft.com/office/powerpoint/2010/main" val="3451484510"/>
+      </p:ext>
+    </p:extLst>
+  </p:cSld>
+  <p:clrMapOvr>
+    <a:masterClrMapping/>
+  </p:clrMapOvr>
+</p:sld>
+</file>
+
+<file path=ppt/slides/slide9.xml><?xml version="1.0" encoding="utf-8"?>
+<p:sld xmlns:a="http://schemas.openxmlformats.org/drawingml/2006/main" xmlns:r="http://schemas.openxmlformats.org/officeDocument/2006/relationships" xmlns:p="http://schemas.openxmlformats.org/presentationml/2006/main">
+  <p:cSld>
+    <p:spTree>
+      <p:nvGrpSpPr>
+        <p:cNvPr id="1" name=""/>
+        <p:cNvGrpSpPr/>
+        <p:nvPr/>
+      </p:nvGrpSpPr>
+      <p:grpSpPr>
+        <a:xfrm>
+          <a:off x="0" y="0"/>
+          <a:ext cx="0" cy="0"/>
+          <a:chOff x="0" y="0"/>
+          <a:chExt cx="0" cy="0"/>
+        </a:xfrm>
+      </p:grpSpPr>
+      <p:sp>
+        <p:nvSpPr>
+          <p:cNvPr id="2" name="タイトル 1">
+            <a:extLst>
+              <a:ext uri="{FF2B5EF4-FFF2-40B4-BE49-F238E27FC236}">
+                <a16:creationId xmlns:a16="http://schemas.microsoft.com/office/drawing/2014/main" id="{93DBF429-9B5B-7670-F17D-0ADA5C1D03E2}"/>
+              </a:ext>
+            </a:extLst>
+          </p:cNvPr>
+          <p:cNvSpPr>
+            <a:spLocks noGrp="1"/>
+          </p:cNvSpPr>
+          <p:nvPr>
+            <p:ph type="title"/>
+          </p:nvPr>
+        </p:nvSpPr>
+        <p:spPr>
+          <a:xfrm>
+            <a:off x="110877" y="191551"/>
+            <a:ext cx="10515600" cy="785955"/>
+          </a:xfrm>
+        </p:spPr>
+        <p:txBody>
+          <a:bodyPr>
+            <a:normAutofit/>
+          </a:bodyPr>
+          <a:lstStyle/>
+          <a:p>
+            <a:r>
+              <a:rPr kumimoji="1" lang="ja-JP" altLang="en-US" dirty="0"/>
+              <a:t>寄生成分をさらに追加したシミュレーション</a:t>
+            </a:r>
+          </a:p>
+        </p:txBody>
+      </p:sp>
+      <p:sp>
+        <p:nvSpPr>
+          <p:cNvPr id="3" name="日付プレースホルダー 2">
+            <a:extLst>
+              <a:ext uri="{FF2B5EF4-FFF2-40B4-BE49-F238E27FC236}">
+                <a16:creationId xmlns:a16="http://schemas.microsoft.com/office/drawing/2014/main" id="{182290C3-2E5E-9BE5-98E1-EB1C94F0273C}"/>
+              </a:ext>
+            </a:extLst>
+          </p:cNvPr>
+          <p:cNvSpPr>
+            <a:spLocks noGrp="1"/>
+          </p:cNvSpPr>
+          <p:nvPr>
+            <p:ph type="dt" sz="half" idx="10"/>
+          </p:nvPr>
+        </p:nvSpPr>
+        <p:spPr/>
+        <p:txBody>
+          <a:bodyPr/>
+          <a:lstStyle/>
+          <a:p>
+            <a:fld id="{EEA6A375-72BC-45FC-83AA-00EA8839FC12}" type="datetime1">
+              <a:rPr kumimoji="1" lang="ja-JP" altLang="en-US" smtClean="0"/>
+              <a:t>2024/6/19</a:t>
+            </a:fld>
+            <a:endParaRPr kumimoji="1" lang="ja-JP" altLang="en-US"/>
+          </a:p>
+        </p:txBody>
+      </p:sp>
+      <p:sp>
+        <p:nvSpPr>
+          <p:cNvPr id="4" name="スライド番号プレースホルダー 3">
+            <a:extLst>
+              <a:ext uri="{FF2B5EF4-FFF2-40B4-BE49-F238E27FC236}">
+                <a16:creationId xmlns:a16="http://schemas.microsoft.com/office/drawing/2014/main" id="{DA571182-36FB-204E-722A-5E95C407AB37}"/>
+              </a:ext>
+            </a:extLst>
+          </p:cNvPr>
+          <p:cNvSpPr>
+            <a:spLocks noGrp="1"/>
+          </p:cNvSpPr>
+          <p:nvPr>
+            <p:ph type="sldNum" sz="quarter" idx="12"/>
+          </p:nvPr>
+        </p:nvSpPr>
+        <p:spPr/>
+        <p:txBody>
+          <a:bodyPr/>
+          <a:lstStyle/>
+          <a:p>
+            <a:fld id="{6294761A-CFE9-4878-87A7-90ECABD59CE5}" type="slidenum">
+              <a:rPr kumimoji="1" lang="ja-JP" altLang="en-US" smtClean="0"/>
+              <a:t>9</a:t>
+            </a:fld>
+            <a:endParaRPr kumimoji="1" lang="ja-JP" altLang="en-US"/>
+          </a:p>
+        </p:txBody>
+      </p:sp>
+      <p:sp>
+        <p:nvSpPr>
+          <p:cNvPr id="5" name="フッター プレースホルダー 4">
+            <a:extLst>
+              <a:ext uri="{FF2B5EF4-FFF2-40B4-BE49-F238E27FC236}">
+                <a16:creationId xmlns:a16="http://schemas.microsoft.com/office/drawing/2014/main" id="{C42F7151-F844-C8A3-2250-4D549CF70072}"/>
+              </a:ext>
+            </a:extLst>
+          </p:cNvPr>
+          <p:cNvSpPr>
+            <a:spLocks noGrp="1"/>
+          </p:cNvSpPr>
+          <p:nvPr>
+            <p:ph type="ftr" sz="quarter" idx="3"/>
+          </p:nvPr>
+        </p:nvSpPr>
+        <p:spPr/>
+        <p:txBody>
+          <a:bodyPr/>
+          <a:lstStyle/>
+          <a:p>
+            <a:r>
+              <a:rPr lang="en-US" altLang="ja-JP"/>
+              <a:t>Wave Signal Processing Circuit Laboratory,  Meiji University</a:t>
+            </a:r>
+            <a:endParaRPr lang="en-US" altLang="ja-JP" dirty="0"/>
+          </a:p>
+        </p:txBody>
+      </p:sp>
+      <p:pic>
+        <p:nvPicPr>
+          <p:cNvPr id="7" name="図 6" descr="グラフ&#10;&#10;自動的に生成された説明">
+            <a:extLst>
+              <a:ext uri="{FF2B5EF4-FFF2-40B4-BE49-F238E27FC236}">
+                <a16:creationId xmlns:a16="http://schemas.microsoft.com/office/drawing/2014/main" id="{D9595D57-B440-EF40-DEA3-82901A8B4E8E}"/>
+              </a:ext>
+            </a:extLst>
+          </p:cNvPr>
+          <p:cNvPicPr>
+            <a:picLocks noChangeAspect="1"/>
+          </p:cNvPicPr>
+          <p:nvPr/>
+        </p:nvPicPr>
+        <p:blipFill>
+          <a:blip r:embed="rId2">
+            <a:extLst>
+              <a:ext uri="{28A0092B-C50C-407E-A947-70E740481C1C}">
+                <a14:useLocalDpi xmlns:a14="http://schemas.microsoft.com/office/drawing/2010/main" val="0"/>
+              </a:ext>
+            </a:extLst>
+          </a:blip>
+          <a:stretch>
+            <a:fillRect/>
+          </a:stretch>
+        </p:blipFill>
+        <p:spPr>
+          <a:xfrm>
+            <a:off x="367553" y="1125198"/>
+            <a:ext cx="7459733" cy="5221814"/>
+          </a:xfrm>
+          <a:prstGeom prst="rect">
+            <a:avLst/>
+          </a:prstGeom>
+        </p:spPr>
+      </p:pic>
+      <p:sp>
+        <p:nvSpPr>
+          <p:cNvPr id="8" name="テキスト ボックス 7">
+            <a:extLst>
+              <a:ext uri="{FF2B5EF4-FFF2-40B4-BE49-F238E27FC236}">
+                <a16:creationId xmlns:a16="http://schemas.microsoft.com/office/drawing/2014/main" id="{3F69D502-8D4A-7801-8821-47F28BAAA9DB}"/>
+              </a:ext>
+            </a:extLst>
+          </p:cNvPr>
+          <p:cNvSpPr txBox="1"/>
+          <p:nvPr/>
+        </p:nvSpPr>
+        <p:spPr>
+          <a:xfrm>
+            <a:off x="7404846" y="2581943"/>
+            <a:ext cx="4554071" cy="2308324"/>
+          </a:xfrm>
+          <a:prstGeom prst="rect">
+            <a:avLst/>
+          </a:prstGeom>
+          <a:noFill/>
+        </p:spPr>
+        <p:txBody>
+          <a:bodyPr wrap="square" rtlCol="0">
+            <a:spAutoFit/>
+          </a:bodyPr>
+          <a:lstStyle/>
+          <a:p>
+            <a:pPr algn="l"/>
+            <a:r>
+              <a:rPr lang="en-US" altLang="ja-JP" sz="2400" dirty="0">
+                <a:latin typeface="Times Newer Roman" panose="00000500000000000000" pitchFamily="50" charset="0"/>
+              </a:rPr>
+              <a:t>IHP</a:t>
+            </a:r>
+            <a:r>
+              <a:rPr lang="ja-JP" altLang="en-US" sz="2400" dirty="0">
+                <a:latin typeface="Times Newer Roman" panose="00000500000000000000" pitchFamily="50" charset="0"/>
+              </a:rPr>
+              <a:t>のモデルと遮断周波数は</a:t>
+            </a:r>
+            <a:endParaRPr lang="en-US" altLang="ja-JP" sz="2400" dirty="0">
+              <a:latin typeface="Times Newer Roman" panose="00000500000000000000" pitchFamily="50" charset="0"/>
+            </a:endParaRPr>
+          </a:p>
+          <a:p>
+            <a:pPr algn="l"/>
+            <a:r>
+              <a:rPr lang="ja-JP" altLang="en-US" sz="2400" dirty="0">
+                <a:latin typeface="Times Newer Roman" panose="00000500000000000000" pitchFamily="50" charset="0"/>
+              </a:rPr>
+              <a:t>かなり近づいた。</a:t>
+            </a:r>
+            <a:endParaRPr lang="en-US" altLang="ja-JP" sz="2400" dirty="0">
+              <a:latin typeface="Times Newer Roman" panose="00000500000000000000" pitchFamily="50" charset="0"/>
+            </a:endParaRPr>
+          </a:p>
+          <a:p>
+            <a:pPr algn="l"/>
+            <a:r>
+              <a:rPr lang="ja-JP" altLang="en-US" sz="2400" dirty="0">
+                <a:latin typeface="Times Newer Roman" panose="00000500000000000000" pitchFamily="50" charset="0"/>
+              </a:rPr>
+              <a:t>利得はまだ</a:t>
+            </a:r>
+            <a:r>
+              <a:rPr lang="en-US" altLang="ja-JP" sz="2400" dirty="0">
+                <a:latin typeface="Times Newer Roman" panose="00000500000000000000" pitchFamily="50" charset="0"/>
+              </a:rPr>
+              <a:t>2 dB</a:t>
+            </a:r>
+            <a:r>
+              <a:rPr lang="ja-JP" altLang="en-US" sz="2400" dirty="0">
+                <a:latin typeface="Times Newer Roman" panose="00000500000000000000" pitchFamily="50" charset="0"/>
+              </a:rPr>
+              <a:t>程度ずれている。</a:t>
+            </a:r>
+            <a:endParaRPr lang="en-US" altLang="ja-JP" sz="2400" dirty="0">
+              <a:latin typeface="Times Newer Roman" panose="00000500000000000000" pitchFamily="50" charset="0"/>
+            </a:endParaRPr>
+          </a:p>
+          <a:p>
+            <a:pPr algn="l"/>
+            <a:endParaRPr lang="en-US" altLang="ja-JP" sz="2400" dirty="0">
+              <a:latin typeface="Times Newer Roman" panose="00000500000000000000" pitchFamily="50" charset="0"/>
+            </a:endParaRPr>
+          </a:p>
+          <a:p>
+            <a:pPr algn="l"/>
+            <a:r>
+              <a:rPr kumimoji="1" lang="en-US" altLang="ja-JP" sz="2400" dirty="0">
+                <a:latin typeface="Times Newer Roman" panose="00000500000000000000" pitchFamily="50" charset="0"/>
+              </a:rPr>
+              <a:t>TIA</a:t>
+            </a:r>
+            <a:r>
+              <a:rPr kumimoji="1" lang="ja-JP" altLang="en-US" sz="2400" dirty="0">
+                <a:latin typeface="Times Newer Roman" panose="00000500000000000000" pitchFamily="50" charset="0"/>
+              </a:rPr>
+              <a:t>の方にも同様に負荷すると</a:t>
+            </a:r>
+            <a:r>
+              <a:rPr kumimoji="1" lang="en-US" altLang="ja-JP" sz="2400" dirty="0">
+                <a:latin typeface="Times Newer Roman" panose="00000500000000000000" pitchFamily="50" charset="0"/>
+              </a:rPr>
+              <a:t>IHP</a:t>
+            </a:r>
+            <a:r>
+              <a:rPr kumimoji="1" lang="ja-JP" altLang="en-US" sz="2400" dirty="0">
+                <a:latin typeface="Times Newer Roman" panose="00000500000000000000" pitchFamily="50" charset="0"/>
+              </a:rPr>
+              <a:t>のモデルから離れた。</a:t>
+            </a:r>
+          </a:p>
+        </p:txBody>
+      </p:sp>
+    </p:spTree>
+    <p:extLst>
+      <p:ext uri="{BB962C8B-B14F-4D97-AF65-F5344CB8AC3E}">
+        <p14:creationId xmlns:p14="http://schemas.microsoft.com/office/powerpoint/2010/main" val="2150409590"/>
       </p:ext>
     </p:extLst>
   </p:cSld>

--- a/IHP_2024/20240620/TIAの小信号等価回路による.pptx
+++ b/IHP_2024/20240620/TIAの小信号等価回路による.pptx
@@ -6270,8 +6270,8 @@
           </a:prstGeom>
         </p:spPr>
       </p:pic>
-      <mc:AlternateContent xmlns:mc="http://schemas.openxmlformats.org/markup-compatibility/2006">
-        <mc:Choice xmlns:a14="http://schemas.microsoft.com/office/drawing/2010/main" Requires="a14">
+      <mc:AlternateContent xmlns:mc="http://schemas.openxmlformats.org/markup-compatibility/2006" xmlns:a14="http://schemas.microsoft.com/office/drawing/2010/main">
+        <mc:Choice Requires="a14">
           <p:sp>
             <p:nvSpPr>
               <p:cNvPr id="8" name="テキスト ボックス 7">
@@ -6421,7 +6421,7 @@
             </p:txBody>
           </p:sp>
         </mc:Choice>
-        <mc:Fallback>
+        <mc:Fallback xmlns="">
           <p:sp>
             <p:nvSpPr>
               <p:cNvPr id="8" name="テキスト ボックス 7">
@@ -6900,8 +6900,8 @@
           </a:prstGeom>
         </p:spPr>
       </p:pic>
-      <mc:AlternateContent xmlns:mc="http://schemas.openxmlformats.org/markup-compatibility/2006">
-        <mc:Choice xmlns:a14="http://schemas.microsoft.com/office/drawing/2010/main" Requires="a14">
+      <mc:AlternateContent xmlns:mc="http://schemas.openxmlformats.org/markup-compatibility/2006" xmlns:a14="http://schemas.microsoft.com/office/drawing/2010/main">
+        <mc:Choice Requires="a14">
           <p:sp>
             <p:nvSpPr>
               <p:cNvPr id="8" name="テキスト ボックス 7">
@@ -7180,7 +7180,7 @@
             </p:txBody>
           </p:sp>
         </mc:Choice>
-        <mc:Fallback>
+        <mc:Fallback xmlns="">
           <p:sp>
             <p:nvSpPr>
               <p:cNvPr id="8" name="テキスト ボックス 7">
@@ -8473,10 +8473,10 @@
       </p:sp>
       <p:pic>
         <p:nvPicPr>
-          <p:cNvPr id="7" name="図 6" descr="グラフィカル ユーザー インターフェイス, アプリケーション&#10;&#10;自動的に生成された説明">
-            <a:extLst>
-              <a:ext uri="{FF2B5EF4-FFF2-40B4-BE49-F238E27FC236}">
-                <a16:creationId xmlns:a16="http://schemas.microsoft.com/office/drawing/2014/main" id="{FABFA668-DBFB-0B7F-BAB6-E53DAE13A71E}"/>
+          <p:cNvPr id="13" name="図 12" descr="グラフィカル ユーザー インターフェイス が含まれている画像&#10;&#10;自動的に生成された説明">
+            <a:extLst>
+              <a:ext uri="{FF2B5EF4-FFF2-40B4-BE49-F238E27FC236}">
+                <a16:creationId xmlns:a16="http://schemas.microsoft.com/office/drawing/2014/main" id="{71D4E75B-6D0B-D84F-35EF-4128FFDE5736}"/>
               </a:ext>
             </a:extLst>
           </p:cNvPr>
@@ -8487,42 +8487,6 @@
         </p:nvPicPr>
         <p:blipFill>
           <a:blip r:embed="rId2">
-            <a:extLst>
-              <a:ext uri="{28A0092B-C50C-407E-A947-70E740481C1C}">
-                <a14:useLocalDpi xmlns:a14="http://schemas.microsoft.com/office/drawing/2010/main" val="0"/>
-              </a:ext>
-            </a:extLst>
-          </a:blip>
-          <a:stretch>
-            <a:fillRect/>
-          </a:stretch>
-        </p:blipFill>
-        <p:spPr>
-          <a:xfrm>
-            <a:off x="1317917" y="1186881"/>
-            <a:ext cx="2850563" cy="3413271"/>
-          </a:xfrm>
-          <a:prstGeom prst="rect">
-            <a:avLst/>
-          </a:prstGeom>
-        </p:spPr>
-      </p:pic>
-      <p:pic>
-        <p:nvPicPr>
-          <p:cNvPr id="13" name="図 12" descr="グラフィカル ユーザー インターフェイス が含まれている画像&#10;&#10;自動的に生成された説明">
-            <a:extLst>
-              <a:ext uri="{FF2B5EF4-FFF2-40B4-BE49-F238E27FC236}">
-                <a16:creationId xmlns:a16="http://schemas.microsoft.com/office/drawing/2014/main" id="{71D4E75B-6D0B-D84F-35EF-4128FFDE5736}"/>
-              </a:ext>
-            </a:extLst>
-          </p:cNvPr>
-          <p:cNvPicPr>
-            <a:picLocks noChangeAspect="1"/>
-          </p:cNvPicPr>
-          <p:nvPr/>
-        </p:nvPicPr>
-        <p:blipFill>
-          <a:blip r:embed="rId3">
             <a:extLst>
               <a:ext uri="{28A0092B-C50C-407E-A947-70E740481C1C}">
                 <a14:useLocalDpi xmlns:a14="http://schemas.microsoft.com/office/drawing/2010/main" val="0"/>
@@ -8599,62 +8563,232 @@
           </a:p>
         </p:txBody>
       </p:sp>
-      <p:sp>
-        <p:nvSpPr>
-          <p:cNvPr id="16" name="テキスト ボックス 15">
-            <a:extLst>
-              <a:ext uri="{FF2B5EF4-FFF2-40B4-BE49-F238E27FC236}">
-                <a16:creationId xmlns:a16="http://schemas.microsoft.com/office/drawing/2014/main" id="{90E34BB1-CB1F-851E-282C-2B0483447328}"/>
-              </a:ext>
-            </a:extLst>
-          </p:cNvPr>
-          <p:cNvSpPr txBox="1"/>
+      <mc:AlternateContent xmlns:mc="http://schemas.openxmlformats.org/markup-compatibility/2006">
+        <mc:Choice xmlns:a14="http://schemas.microsoft.com/office/drawing/2010/main" Requires="a14">
+          <p:sp>
+            <p:nvSpPr>
+              <p:cNvPr id="16" name="テキスト ボックス 15">
+                <a:extLst>
+                  <a:ext uri="{FF2B5EF4-FFF2-40B4-BE49-F238E27FC236}">
+                    <a16:creationId xmlns:a16="http://schemas.microsoft.com/office/drawing/2014/main" id="{90E34BB1-CB1F-851E-282C-2B0483447328}"/>
+                  </a:ext>
+                </a:extLst>
+              </p:cNvPr>
+              <p:cNvSpPr txBox="1"/>
+              <p:nvPr/>
+            </p:nvSpPr>
+            <p:spPr>
+              <a:xfrm>
+                <a:off x="5965462" y="4633804"/>
+                <a:ext cx="5280212" cy="1938992"/>
+              </a:xfrm>
+              <a:prstGeom prst="rect">
+                <a:avLst/>
+              </a:prstGeom>
+              <a:noFill/>
+            </p:spPr>
+            <p:txBody>
+              <a:bodyPr wrap="square" rtlCol="0">
+                <a:spAutoFit/>
+              </a:bodyPr>
+              <a:lstStyle/>
+              <a:p>
+                <a:pPr algn="l"/>
+                <a:r>
+                  <a:rPr kumimoji="1" lang="en-US" altLang="ja-JP" sz="2400" dirty="0">
+                    <a:latin typeface="Times Newer Roman" panose="00000500000000000000" pitchFamily="50" charset="0"/>
+                  </a:rPr>
+                  <a:t>LTSpice</a:t>
+                </a:r>
+                <a:r>
+                  <a:rPr lang="ja-JP" altLang="en-US" sz="2400" dirty="0">
+                    <a:latin typeface="Times Newer Roman" panose="00000500000000000000" pitchFamily="50" charset="0"/>
+                  </a:rPr>
+                  <a:t>で電圧制御電流源を使用した</a:t>
+                </a:r>
+                <a:endParaRPr lang="en-US" altLang="ja-JP" sz="2400" dirty="0">
+                  <a:latin typeface="Times Newer Roman" panose="00000500000000000000" pitchFamily="50" charset="0"/>
+                </a:endParaRPr>
+              </a:p>
+              <a:p>
+                <a:pPr algn="l"/>
+                <a:r>
+                  <a:rPr kumimoji="1" lang="ja-JP" altLang="en-US" sz="2400" dirty="0">
+                    <a:latin typeface="Times Newer Roman" panose="00000500000000000000" pitchFamily="50" charset="0"/>
+                  </a:rPr>
+                  <a:t>ソース接地増幅回路。</a:t>
+                </a:r>
+                <a:endParaRPr kumimoji="1" lang="en-US" altLang="ja-JP" sz="2400" dirty="0">
+                  <a:latin typeface="Times Newer Roman" panose="00000500000000000000" pitchFamily="50" charset="0"/>
+                </a:endParaRPr>
+              </a:p>
+              <a:p>
+                <a:pPr algn="l"/>
+                <a14:m>
+                  <m:oMath xmlns:m="http://schemas.openxmlformats.org/officeDocument/2006/math">
+                    <m:sSub>
+                      <m:sSubPr>
+                        <m:ctrlPr>
+                          <a:rPr kumimoji="1" lang="en-US" altLang="ja-JP" sz="2400" b="0" i="1" smtClean="0">
+                            <a:latin typeface="Cambria Math" panose="02040503050406030204" pitchFamily="18" charset="0"/>
+                          </a:rPr>
+                        </m:ctrlPr>
+                      </m:sSubPr>
+                      <m:e>
+                        <m:r>
+                          <a:rPr kumimoji="1" lang="en-US" altLang="ja-JP" sz="2400" b="0" i="1" smtClean="0">
+                            <a:latin typeface="Cambria Math" panose="02040503050406030204" pitchFamily="18" charset="0"/>
+                          </a:rPr>
+                          <m:t>𝑅</m:t>
+                        </m:r>
+                      </m:e>
+                      <m:sub>
+                        <m:r>
+                          <a:rPr kumimoji="1" lang="en-US" altLang="ja-JP" sz="2400" b="0" i="1" smtClean="0">
+                            <a:latin typeface="Cambria Math" panose="02040503050406030204" pitchFamily="18" charset="0"/>
+                          </a:rPr>
+                          <m:t>𝐶</m:t>
+                        </m:r>
+                        <m:r>
+                          <a:rPr kumimoji="1" lang="en-US" altLang="ja-JP" sz="2400" b="0" i="1" smtClean="0">
+                            <a:latin typeface="Cambria Math" panose="02040503050406030204" pitchFamily="18" charset="0"/>
+                          </a:rPr>
+                          <m:t>2</m:t>
+                        </m:r>
+                      </m:sub>
+                    </m:sSub>
+                  </m:oMath>
+                </a14:m>
+                <a:r>
+                  <a:rPr kumimoji="1" lang="ja-JP" altLang="en-US" sz="2400" dirty="0">
+                    <a:latin typeface="Times Newer Roman" panose="00000500000000000000" pitchFamily="50" charset="0"/>
+                  </a:rPr>
+                  <a:t>以外の素子値は</a:t>
+                </a:r>
+                <a:r>
+                  <a:rPr kumimoji="1" lang="en-US" altLang="ja-JP" sz="2400" dirty="0">
+                    <a:latin typeface="Times Newer Roman" panose="00000500000000000000" pitchFamily="50" charset="0"/>
+                  </a:rPr>
+                  <a:t>TIA</a:t>
+                </a:r>
+                <a:r>
+                  <a:rPr kumimoji="1" lang="ja-JP" altLang="en-US" sz="2400" dirty="0">
+                    <a:latin typeface="Times Newer Roman" panose="00000500000000000000" pitchFamily="50" charset="0"/>
+                  </a:rPr>
+                  <a:t>と同様に</a:t>
+                </a:r>
+                <a:r>
+                  <a:rPr kumimoji="1" lang="en-US" altLang="ja-JP" sz="2400" dirty="0">
+                    <a:latin typeface="Times Newer Roman" panose="00000500000000000000" pitchFamily="50" charset="0"/>
+                  </a:rPr>
+                  <a:t>virtuoso</a:t>
+                </a:r>
+                <a:r>
+                  <a:rPr kumimoji="1" lang="ja-JP" altLang="en-US" sz="2400" dirty="0">
+                    <a:latin typeface="Times Newer Roman" panose="00000500000000000000" pitchFamily="50" charset="0"/>
+                  </a:rPr>
+                  <a:t>の </a:t>
+                </a:r>
+                <a:r>
+                  <a:rPr kumimoji="1" lang="en-US" altLang="ja-JP" sz="2400" dirty="0">
+                    <a:latin typeface="Times Newer Roman" panose="00000500000000000000" pitchFamily="50" charset="0"/>
+                  </a:rPr>
+                  <a:t>DC Operating Points</a:t>
+                </a:r>
+              </a:p>
+              <a:p>
+                <a:pPr algn="l"/>
+                <a:r>
+                  <a:rPr kumimoji="1" lang="ja-JP" altLang="en-US" sz="2400" dirty="0">
+                    <a:latin typeface="Times Newer Roman" panose="00000500000000000000" pitchFamily="50" charset="0"/>
+                  </a:rPr>
+                  <a:t>から求めた。</a:t>
+                </a:r>
+              </a:p>
+            </p:txBody>
+          </p:sp>
+        </mc:Choice>
+        <mc:Fallback>
+          <p:sp>
+            <p:nvSpPr>
+              <p:cNvPr id="16" name="テキスト ボックス 15">
+                <a:extLst>
+                  <a:ext uri="{FF2B5EF4-FFF2-40B4-BE49-F238E27FC236}">
+                    <a16:creationId xmlns:a16="http://schemas.microsoft.com/office/drawing/2014/main" id="{90E34BB1-CB1F-851E-282C-2B0483447328}"/>
+                  </a:ext>
+                </a:extLst>
+              </p:cNvPr>
+              <p:cNvSpPr txBox="1">
+                <a:spLocks noRot="1" noChangeAspect="1" noMove="1" noResize="1" noEditPoints="1" noAdjustHandles="1" noChangeArrowheads="1" noChangeShapeType="1" noTextEdit="1"/>
+              </p:cNvSpPr>
+              <p:nvPr/>
+            </p:nvSpPr>
+            <p:spPr>
+              <a:xfrm>
+                <a:off x="5965462" y="4633804"/>
+                <a:ext cx="5280212" cy="1938992"/>
+              </a:xfrm>
+              <a:prstGeom prst="rect">
+                <a:avLst/>
+              </a:prstGeom>
+              <a:blipFill>
+                <a:blip r:embed="rId3"/>
+                <a:stretch>
+                  <a:fillRect l="-1848" t="-3145" r="-924" b="-5660"/>
+                </a:stretch>
+              </a:blipFill>
+            </p:spPr>
+            <p:txBody>
+              <a:bodyPr/>
+              <a:lstStyle/>
+              <a:p>
+                <a:r>
+                  <a:rPr lang="ja-JP" altLang="en-US">
+                    <a:noFill/>
+                  </a:rPr>
+                  <a:t> </a:t>
+                </a:r>
+              </a:p>
+            </p:txBody>
+          </p:sp>
+        </mc:Fallback>
+      </mc:AlternateContent>
+      <p:pic>
+        <p:nvPicPr>
+          <p:cNvPr id="8" name="図 7" descr="ダイアグラム&#10;&#10;低い精度で自動的に生成された説明">
+            <a:extLst>
+              <a:ext uri="{FF2B5EF4-FFF2-40B4-BE49-F238E27FC236}">
+                <a16:creationId xmlns:a16="http://schemas.microsoft.com/office/drawing/2014/main" id="{60E8B5DF-489C-EB03-85D8-47E16745B742}"/>
+              </a:ext>
+            </a:extLst>
+          </p:cNvPr>
+          <p:cNvPicPr>
+            <a:picLocks noChangeAspect="1"/>
+          </p:cNvPicPr>
           <p:nvPr/>
-        </p:nvSpPr>
+        </p:nvPicPr>
+        <p:blipFill>
+          <a:blip r:embed="rId4">
+            <a:extLst>
+              <a:ext uri="{28A0092B-C50C-407E-A947-70E740481C1C}">
+                <a14:useLocalDpi xmlns:a14="http://schemas.microsoft.com/office/drawing/2010/main" val="0"/>
+              </a:ext>
+            </a:extLst>
+          </a:blip>
+          <a:stretch>
+            <a:fillRect/>
+          </a:stretch>
+        </p:blipFill>
         <p:spPr>
           <a:xfrm>
-            <a:off x="6033247" y="4943497"/>
-            <a:ext cx="5280212" cy="830997"/>
+            <a:off x="946326" y="1301969"/>
+            <a:ext cx="3165100" cy="3602744"/>
           </a:xfrm>
           <a:prstGeom prst="rect">
             <a:avLst/>
           </a:prstGeom>
-          <a:noFill/>
         </p:spPr>
-        <p:txBody>
-          <a:bodyPr wrap="square" rtlCol="0">
-            <a:spAutoFit/>
-          </a:bodyPr>
-          <a:lstStyle/>
-          <a:p>
-            <a:pPr algn="l"/>
-            <a:r>
-              <a:rPr kumimoji="1" lang="en-US" altLang="ja-JP" sz="2400" dirty="0" err="1">
-                <a:latin typeface="Times Newer Roman" panose="00000500000000000000" pitchFamily="50" charset="0"/>
-              </a:rPr>
-              <a:t>LTSpice</a:t>
-            </a:r>
-            <a:r>
-              <a:rPr lang="ja-JP" altLang="en-US" sz="2400" dirty="0">
-                <a:latin typeface="Times Newer Roman" panose="00000500000000000000" pitchFamily="50" charset="0"/>
-              </a:rPr>
-              <a:t>で電圧制御電流源を使用した</a:t>
-            </a:r>
-            <a:endParaRPr lang="en-US" altLang="ja-JP" sz="2400" dirty="0">
-              <a:latin typeface="Times Newer Roman" panose="00000500000000000000" pitchFamily="50" charset="0"/>
-            </a:endParaRPr>
-          </a:p>
-          <a:p>
-            <a:pPr algn="l"/>
-            <a:r>
-              <a:rPr kumimoji="1" lang="ja-JP" altLang="en-US" sz="2400" dirty="0">
-                <a:latin typeface="Times Newer Roman" panose="00000500000000000000" pitchFamily="50" charset="0"/>
-              </a:rPr>
-              <a:t>ソース接地増幅回路。</a:t>
-            </a:r>
-          </a:p>
-        </p:txBody>
-      </p:sp>
+      </p:pic>
     </p:spTree>
     <p:extLst>
       <p:ext uri="{BB962C8B-B14F-4D97-AF65-F5344CB8AC3E}">

--- a/IHP_2024/20240620/TIAの小信号等価回路による.pptx
+++ b/IHP_2024/20240620/TIAの小信号等価回路による.pptx
@@ -212,7 +212,7 @@
           <a:p>
             <a:fld id="{F8456487-DC86-474A-B4EE-F658698A396D}" type="datetimeFigureOut">
               <a:rPr kumimoji="1" lang="ja-JP" altLang="en-US" smtClean="0"/>
-              <a:t>2024/6/19</a:t>
+              <a:t>2024/6/20</a:t>
             </a:fld>
             <a:endParaRPr kumimoji="1" lang="ja-JP" altLang="en-US"/>
           </a:p>
@@ -702,7 +702,7 @@
           <a:p>
             <a:fld id="{FEB85F8A-DDB5-432B-B8BF-86E12CA3E1B5}" type="datetime1">
               <a:rPr kumimoji="1" lang="ja-JP" altLang="en-US" smtClean="0"/>
-              <a:t>2024/6/19</a:t>
+              <a:t>2024/6/20</a:t>
             </a:fld>
             <a:endParaRPr kumimoji="1" lang="ja-JP" altLang="en-US"/>
           </a:p>
@@ -1018,7 +1018,7 @@
           <a:p>
             <a:fld id="{21AF51CA-8154-4160-8313-688B08CD61D6}" type="datetime1">
               <a:rPr kumimoji="1" lang="ja-JP" altLang="en-US" smtClean="0"/>
-              <a:t>2024/6/19</a:t>
+              <a:t>2024/6/20</a:t>
             </a:fld>
             <a:endParaRPr kumimoji="1" lang="ja-JP" altLang="en-US"/>
           </a:p>
@@ -1277,7 +1277,7 @@
           <a:p>
             <a:fld id="{D5D22A7C-5C5E-4AEF-9904-8AC373CD06D1}" type="datetime1">
               <a:rPr kumimoji="1" lang="ja-JP" altLang="en-US" smtClean="0"/>
-              <a:t>2024/6/19</a:t>
+              <a:t>2024/6/20</a:t>
             </a:fld>
             <a:endParaRPr kumimoji="1" lang="ja-JP" altLang="en-US"/>
           </a:p>
@@ -1531,7 +1531,7 @@
           <a:p>
             <a:fld id="{7D14AB70-9A31-428D-80CA-6C2A71BE81C0}" type="datetime1">
               <a:rPr kumimoji="1" lang="ja-JP" altLang="en-US" smtClean="0"/>
-              <a:t>2024/6/19</a:t>
+              <a:t>2024/6/20</a:t>
             </a:fld>
             <a:endParaRPr kumimoji="1" lang="ja-JP" altLang="en-US"/>
           </a:p>
@@ -1903,7 +1903,7 @@
           <a:p>
             <a:fld id="{617D3280-2E51-4BDE-B06A-470263465AE0}" type="datetime1">
               <a:rPr kumimoji="1" lang="ja-JP" altLang="en-US" smtClean="0"/>
-              <a:t>2024/6/19</a:t>
+              <a:t>2024/6/20</a:t>
             </a:fld>
             <a:endParaRPr kumimoji="1" lang="ja-JP" altLang="en-US"/>
           </a:p>
@@ -2251,7 +2251,7 @@
           <a:p>
             <a:fld id="{534E7D8B-15CC-4ADD-A96D-E53EE0773D10}" type="datetime1">
               <a:rPr kumimoji="1" lang="ja-JP" altLang="en-US" smtClean="0"/>
-              <a:t>2024/6/19</a:t>
+              <a:t>2024/6/20</a:t>
             </a:fld>
             <a:endParaRPr kumimoji="1" lang="ja-JP" altLang="en-US"/>
           </a:p>
@@ -2746,7 +2746,7 @@
           <a:p>
             <a:fld id="{0A7E0AD5-8B2C-4807-9A34-44B53ED8C9E2}" type="datetime1">
               <a:rPr kumimoji="1" lang="ja-JP" altLang="en-US" smtClean="0"/>
-              <a:t>2024/6/19</a:t>
+              <a:t>2024/6/20</a:t>
             </a:fld>
             <a:endParaRPr kumimoji="1" lang="ja-JP" altLang="en-US"/>
           </a:p>
@@ -2917,7 +2917,7 @@
           <a:p>
             <a:fld id="{EEA6A375-72BC-45FC-83AA-00EA8839FC12}" type="datetime1">
               <a:rPr kumimoji="1" lang="ja-JP" altLang="en-US" smtClean="0"/>
-              <a:t>2024/6/19</a:t>
+              <a:t>2024/6/20</a:t>
             </a:fld>
             <a:endParaRPr kumimoji="1" lang="ja-JP" altLang="en-US"/>
           </a:p>
@@ -3116,7 +3116,7 @@
           <a:p>
             <a:fld id="{2E745049-197C-41A0-8DB6-4F32FD03AE57}" type="datetime1">
               <a:rPr kumimoji="1" lang="ja-JP" altLang="en-US" smtClean="0"/>
-              <a:t>2024/6/19</a:t>
+              <a:t>2024/6/20</a:t>
             </a:fld>
             <a:endParaRPr kumimoji="1" lang="ja-JP" altLang="en-US"/>
           </a:p>
@@ -3545,7 +3545,7 @@
           <a:p>
             <a:fld id="{C680A16C-E6A7-4756-A3F4-14C1642851C1}" type="datetime1">
               <a:rPr kumimoji="1" lang="ja-JP" altLang="en-US" smtClean="0"/>
-              <a:t>2024/6/19</a:t>
+              <a:t>2024/6/20</a:t>
             </a:fld>
             <a:endParaRPr kumimoji="1" lang="ja-JP" altLang="en-US"/>
           </a:p>
@@ -3855,7 +3855,7 @@
           <a:p>
             <a:fld id="{A56F6540-D1D8-4517-9227-190B63944A94}" type="datetime1">
               <a:rPr kumimoji="1" lang="ja-JP" altLang="en-US" smtClean="0"/>
-              <a:t>2024/6/19</a:t>
+              <a:t>2024/6/20</a:t>
             </a:fld>
             <a:endParaRPr kumimoji="1" lang="ja-JP" altLang="en-US"/>
           </a:p>
@@ -4205,7 +4205,7 @@
           <a:p>
             <a:fld id="{0FF07873-ABA9-44AB-A9BF-3A41F38C3D70}" type="datetime1">
               <a:rPr lang="ja-JP" altLang="en-US" smtClean="0"/>
-              <a:t>2024/6/19</a:t>
+              <a:t>2024/6/20</a:t>
             </a:fld>
             <a:endParaRPr lang="ja-JP" altLang="en-US" dirty="0"/>
           </a:p>
@@ -4886,7 +4886,7 @@
           <a:p>
             <a:fld id="{AB2DCCF9-1D86-4D8B-BD00-9792060EEB29}" type="datetime1">
               <a:rPr kumimoji="1" lang="ja-JP" altLang="en-US" smtClean="0"/>
-              <a:t>2024/6/19</a:t>
+              <a:t>2024/6/20</a:t>
             </a:fld>
             <a:endParaRPr kumimoji="1" lang="ja-JP" altLang="en-US"/>
           </a:p>
@@ -4951,132 +4951,12 @@
           <a:chExt cx="0" cy="0"/>
         </a:xfrm>
       </p:grpSpPr>
-      <p:sp>
-        <p:nvSpPr>
-          <p:cNvPr id="2" name="タイトル 1">
-            <a:extLst>
-              <a:ext uri="{FF2B5EF4-FFF2-40B4-BE49-F238E27FC236}">
-                <a16:creationId xmlns:a16="http://schemas.microsoft.com/office/drawing/2014/main" id="{8ED1F140-798D-8537-4861-C59200EEEC7F}"/>
-              </a:ext>
-            </a:extLst>
-          </p:cNvPr>
-          <p:cNvSpPr>
-            <a:spLocks noGrp="1"/>
-          </p:cNvSpPr>
-          <p:nvPr>
-            <p:ph type="title"/>
-          </p:nvPr>
-        </p:nvSpPr>
-        <p:spPr/>
-        <p:txBody>
-          <a:bodyPr/>
-          <a:lstStyle/>
-          <a:p>
-            <a:r>
-              <a:rPr lang="en-US" altLang="ja-JP" dirty="0"/>
-              <a:t>TIA+</a:t>
-            </a:r>
-            <a:r>
-              <a:rPr lang="ja-JP" altLang="en-US" dirty="0"/>
-              <a:t>ソース接地のシミュレーション</a:t>
-            </a:r>
-            <a:endParaRPr kumimoji="1" lang="ja-JP" altLang="en-US" dirty="0"/>
-          </a:p>
-        </p:txBody>
-      </p:sp>
-      <p:sp>
-        <p:nvSpPr>
-          <p:cNvPr id="3" name="日付プレースホルダー 2">
-            <a:extLst>
-              <a:ext uri="{FF2B5EF4-FFF2-40B4-BE49-F238E27FC236}">
-                <a16:creationId xmlns:a16="http://schemas.microsoft.com/office/drawing/2014/main" id="{D7BEB4D6-90B3-601E-32AB-F5DEB7D8DCB1}"/>
-              </a:ext>
-            </a:extLst>
-          </p:cNvPr>
-          <p:cNvSpPr>
-            <a:spLocks noGrp="1"/>
-          </p:cNvSpPr>
-          <p:nvPr>
-            <p:ph type="dt" sz="half" idx="10"/>
-          </p:nvPr>
-        </p:nvSpPr>
-        <p:spPr/>
-        <p:txBody>
-          <a:bodyPr/>
-          <a:lstStyle/>
-          <a:p>
-            <a:fld id="{EEA6A375-72BC-45FC-83AA-00EA8839FC12}" type="datetime1">
-              <a:rPr kumimoji="1" lang="ja-JP" altLang="en-US" smtClean="0"/>
-              <a:t>2024/6/19</a:t>
-            </a:fld>
-            <a:endParaRPr kumimoji="1" lang="ja-JP" altLang="en-US"/>
-          </a:p>
-        </p:txBody>
-      </p:sp>
-      <p:sp>
-        <p:nvSpPr>
-          <p:cNvPr id="4" name="スライド番号プレースホルダー 3">
-            <a:extLst>
-              <a:ext uri="{FF2B5EF4-FFF2-40B4-BE49-F238E27FC236}">
-                <a16:creationId xmlns:a16="http://schemas.microsoft.com/office/drawing/2014/main" id="{0F3975BE-4090-1FA3-C644-E697B089EC92}"/>
-              </a:ext>
-            </a:extLst>
-          </p:cNvPr>
-          <p:cNvSpPr>
-            <a:spLocks noGrp="1"/>
-          </p:cNvSpPr>
-          <p:nvPr>
-            <p:ph type="sldNum" sz="quarter" idx="12"/>
-          </p:nvPr>
-        </p:nvSpPr>
-        <p:spPr/>
-        <p:txBody>
-          <a:bodyPr/>
-          <a:lstStyle/>
-          <a:p>
-            <a:fld id="{6294761A-CFE9-4878-87A7-90ECABD59CE5}" type="slidenum">
-              <a:rPr kumimoji="1" lang="ja-JP" altLang="en-US" smtClean="0"/>
-              <a:t>10</a:t>
-            </a:fld>
-            <a:endParaRPr kumimoji="1" lang="ja-JP" altLang="en-US"/>
-          </a:p>
-        </p:txBody>
-      </p:sp>
-      <p:sp>
-        <p:nvSpPr>
-          <p:cNvPr id="5" name="フッター プレースホルダー 4">
-            <a:extLst>
-              <a:ext uri="{FF2B5EF4-FFF2-40B4-BE49-F238E27FC236}">
-                <a16:creationId xmlns:a16="http://schemas.microsoft.com/office/drawing/2014/main" id="{B826E359-F946-F4F7-DFB8-78B5CE2E46C9}"/>
-              </a:ext>
-            </a:extLst>
-          </p:cNvPr>
-          <p:cNvSpPr>
-            <a:spLocks noGrp="1"/>
-          </p:cNvSpPr>
-          <p:nvPr>
-            <p:ph type="ftr" sz="quarter" idx="3"/>
-          </p:nvPr>
-        </p:nvSpPr>
-        <p:spPr/>
-        <p:txBody>
-          <a:bodyPr/>
-          <a:lstStyle/>
-          <a:p>
-            <a:r>
-              <a:rPr lang="en-US" altLang="ja-JP"/>
-              <a:t>Wave Signal Processing Circuit Laboratory,  Meiji University</a:t>
-            </a:r>
-            <a:endParaRPr lang="en-US" altLang="ja-JP" dirty="0"/>
-          </a:p>
-        </p:txBody>
-      </p:sp>
       <p:pic>
         <p:nvPicPr>
-          <p:cNvPr id="7" name="図 6" descr="グラフ&#10;&#10;自動的に生成された説明">
-            <a:extLst>
-              <a:ext uri="{FF2B5EF4-FFF2-40B4-BE49-F238E27FC236}">
-                <a16:creationId xmlns:a16="http://schemas.microsoft.com/office/drawing/2014/main" id="{A614ED6B-7C81-5931-E32F-231615C6BF8D}"/>
+          <p:cNvPr id="9" name="図 8" descr="グラフ&#10;&#10;自動的に生成された説明">
+            <a:extLst>
+              <a:ext uri="{FF2B5EF4-FFF2-40B4-BE49-F238E27FC236}">
+                <a16:creationId xmlns:a16="http://schemas.microsoft.com/office/drawing/2014/main" id="{AED0E6EA-FC83-44A6-0666-77A0D89F47FC}"/>
               </a:ext>
             </a:extLst>
           </p:cNvPr>
@@ -5099,14 +4979,134 @@
         </p:blipFill>
         <p:spPr>
           <a:xfrm>
-            <a:off x="254311" y="1300210"/>
-            <a:ext cx="7120069" cy="4984049"/>
+            <a:off x="270391" y="1185317"/>
+            <a:ext cx="7340902" cy="5138632"/>
           </a:xfrm>
           <a:prstGeom prst="rect">
             <a:avLst/>
           </a:prstGeom>
         </p:spPr>
       </p:pic>
+      <p:sp>
+        <p:nvSpPr>
+          <p:cNvPr id="2" name="タイトル 1">
+            <a:extLst>
+              <a:ext uri="{FF2B5EF4-FFF2-40B4-BE49-F238E27FC236}">
+                <a16:creationId xmlns:a16="http://schemas.microsoft.com/office/drawing/2014/main" id="{8ED1F140-798D-8537-4861-C59200EEEC7F}"/>
+              </a:ext>
+            </a:extLst>
+          </p:cNvPr>
+          <p:cNvSpPr>
+            <a:spLocks noGrp="1"/>
+          </p:cNvSpPr>
+          <p:nvPr>
+            <p:ph type="title"/>
+          </p:nvPr>
+        </p:nvSpPr>
+        <p:spPr/>
+        <p:txBody>
+          <a:bodyPr/>
+          <a:lstStyle/>
+          <a:p>
+            <a:r>
+              <a:rPr lang="en-US" altLang="ja-JP" dirty="0"/>
+              <a:t>TIA+</a:t>
+            </a:r>
+            <a:r>
+              <a:rPr lang="ja-JP" altLang="en-US" dirty="0"/>
+              <a:t>ソース接地のシミュレーション</a:t>
+            </a:r>
+            <a:endParaRPr kumimoji="1" lang="ja-JP" altLang="en-US" dirty="0"/>
+          </a:p>
+        </p:txBody>
+      </p:sp>
+      <p:sp>
+        <p:nvSpPr>
+          <p:cNvPr id="3" name="日付プレースホルダー 2">
+            <a:extLst>
+              <a:ext uri="{FF2B5EF4-FFF2-40B4-BE49-F238E27FC236}">
+                <a16:creationId xmlns:a16="http://schemas.microsoft.com/office/drawing/2014/main" id="{D7BEB4D6-90B3-601E-32AB-F5DEB7D8DCB1}"/>
+              </a:ext>
+            </a:extLst>
+          </p:cNvPr>
+          <p:cNvSpPr>
+            <a:spLocks noGrp="1"/>
+          </p:cNvSpPr>
+          <p:nvPr>
+            <p:ph type="dt" sz="half" idx="10"/>
+          </p:nvPr>
+        </p:nvSpPr>
+        <p:spPr/>
+        <p:txBody>
+          <a:bodyPr/>
+          <a:lstStyle/>
+          <a:p>
+            <a:fld id="{EEA6A375-72BC-45FC-83AA-00EA8839FC12}" type="datetime1">
+              <a:rPr kumimoji="1" lang="ja-JP" altLang="en-US" smtClean="0"/>
+              <a:t>2024/6/20</a:t>
+            </a:fld>
+            <a:endParaRPr kumimoji="1" lang="ja-JP" altLang="en-US"/>
+          </a:p>
+        </p:txBody>
+      </p:sp>
+      <p:sp>
+        <p:nvSpPr>
+          <p:cNvPr id="4" name="スライド番号プレースホルダー 3">
+            <a:extLst>
+              <a:ext uri="{FF2B5EF4-FFF2-40B4-BE49-F238E27FC236}">
+                <a16:creationId xmlns:a16="http://schemas.microsoft.com/office/drawing/2014/main" id="{0F3975BE-4090-1FA3-C644-E697B089EC92}"/>
+              </a:ext>
+            </a:extLst>
+          </p:cNvPr>
+          <p:cNvSpPr>
+            <a:spLocks noGrp="1"/>
+          </p:cNvSpPr>
+          <p:nvPr>
+            <p:ph type="sldNum" sz="quarter" idx="12"/>
+          </p:nvPr>
+        </p:nvSpPr>
+        <p:spPr/>
+        <p:txBody>
+          <a:bodyPr/>
+          <a:lstStyle/>
+          <a:p>
+            <a:fld id="{6294761A-CFE9-4878-87A7-90ECABD59CE5}" type="slidenum">
+              <a:rPr kumimoji="1" lang="ja-JP" altLang="en-US" smtClean="0"/>
+              <a:t>10</a:t>
+            </a:fld>
+            <a:endParaRPr kumimoji="1" lang="ja-JP" altLang="en-US"/>
+          </a:p>
+        </p:txBody>
+      </p:sp>
+      <p:sp>
+        <p:nvSpPr>
+          <p:cNvPr id="5" name="フッター プレースホルダー 4">
+            <a:extLst>
+              <a:ext uri="{FF2B5EF4-FFF2-40B4-BE49-F238E27FC236}">
+                <a16:creationId xmlns:a16="http://schemas.microsoft.com/office/drawing/2014/main" id="{B826E359-F946-F4F7-DFB8-78B5CE2E46C9}"/>
+              </a:ext>
+            </a:extLst>
+          </p:cNvPr>
+          <p:cNvSpPr>
+            <a:spLocks noGrp="1"/>
+          </p:cNvSpPr>
+          <p:nvPr>
+            <p:ph type="ftr" sz="quarter" idx="3"/>
+          </p:nvPr>
+        </p:nvSpPr>
+        <p:spPr/>
+        <p:txBody>
+          <a:bodyPr/>
+          <a:lstStyle/>
+          <a:p>
+            <a:r>
+              <a:rPr lang="en-US" altLang="ja-JP"/>
+              <a:t>Wave Signal Processing Circuit Laboratory,  Meiji University</a:t>
+            </a:r>
+            <a:endParaRPr lang="en-US" altLang="ja-JP" dirty="0"/>
+          </a:p>
+        </p:txBody>
+      </p:sp>
       <mc:AlternateContent xmlns:mc="http://schemas.openxmlformats.org/markup-compatibility/2006" xmlns:a14="http://schemas.microsoft.com/office/drawing/2010/main">
         <mc:Choice Requires="a14">
           <p:sp>
@@ -5373,7 +5373,7 @@
           <a:p>
             <a:fld id="{EEA6A375-72BC-45FC-83AA-00EA8839FC12}" type="datetime1">
               <a:rPr kumimoji="1" lang="ja-JP" altLang="en-US" smtClean="0"/>
-              <a:t>2024/6/19</a:t>
+              <a:t>2024/6/20</a:t>
             </a:fld>
             <a:endParaRPr kumimoji="1" lang="ja-JP" altLang="en-US"/>
           </a:p>
@@ -5605,7 +5605,7 @@
           <a:p>
             <a:fld id="{EEA6A375-72BC-45FC-83AA-00EA8839FC12}" type="datetime1">
               <a:rPr kumimoji="1" lang="ja-JP" altLang="en-US" smtClean="0"/>
-              <a:t>2024/6/19</a:t>
+              <a:t>2024/6/20</a:t>
             </a:fld>
             <a:endParaRPr kumimoji="1" lang="ja-JP" altLang="en-US"/>
           </a:p>
@@ -5858,7 +5858,7 @@
           <a:p>
             <a:fld id="{EEA6A375-72BC-45FC-83AA-00EA8839FC12}" type="datetime1">
               <a:rPr kumimoji="1" lang="ja-JP" altLang="en-US" smtClean="0"/>
-              <a:t>2024/6/19</a:t>
+              <a:t>2024/6/20</a:t>
             </a:fld>
             <a:endParaRPr kumimoji="1" lang="ja-JP" altLang="en-US"/>
           </a:p>
@@ -6170,7 +6170,7 @@
           <a:p>
             <a:fld id="{EEA6A375-72BC-45FC-83AA-00EA8839FC12}" type="datetime1">
               <a:rPr kumimoji="1" lang="ja-JP" altLang="en-US" smtClean="0"/>
-              <a:t>2024/6/19</a:t>
+              <a:t>2024/6/20</a:t>
             </a:fld>
             <a:endParaRPr kumimoji="1" lang="ja-JP" altLang="en-US"/>
           </a:p>
@@ -6551,7 +6551,7 @@
           <a:p>
             <a:fld id="{EEA6A375-72BC-45FC-83AA-00EA8839FC12}" type="datetime1">
               <a:rPr kumimoji="1" lang="ja-JP" altLang="en-US" smtClean="0"/>
-              <a:t>2024/6/19</a:t>
+              <a:t>2024/6/20</a:t>
             </a:fld>
             <a:endParaRPr kumimoji="1" lang="ja-JP" altLang="en-US"/>
           </a:p>
@@ -6800,7 +6800,7 @@
           <a:p>
             <a:fld id="{EEA6A375-72BC-45FC-83AA-00EA8839FC12}" type="datetime1">
               <a:rPr kumimoji="1" lang="ja-JP" altLang="en-US" smtClean="0"/>
-              <a:t>2024/6/19</a:t>
+              <a:t>2024/6/20</a:t>
             </a:fld>
             <a:endParaRPr kumimoji="1" lang="ja-JP" altLang="en-US"/>
           </a:p>
@@ -7380,7 +7380,7 @@
           <a:p>
             <a:fld id="{7D14AB70-9A31-428D-80CA-6C2A71BE81C0}" type="datetime1">
               <a:rPr kumimoji="1" lang="ja-JP" altLang="en-US" smtClean="0"/>
-              <a:t>2024/6/19</a:t>
+              <a:t>2024/6/20</a:t>
             </a:fld>
             <a:endParaRPr kumimoji="1" lang="ja-JP" altLang="en-US"/>
           </a:p>
@@ -7525,7 +7525,7 @@
           <a:p>
             <a:fld id="{EEA6A375-72BC-45FC-83AA-00EA8839FC12}" type="datetime1">
               <a:rPr kumimoji="1" lang="ja-JP" altLang="en-US" smtClean="0"/>
-              <a:t>2024/6/19</a:t>
+              <a:t>2024/6/20</a:t>
             </a:fld>
             <a:endParaRPr kumimoji="1" lang="ja-JP" altLang="en-US"/>
           </a:p>
@@ -7743,7 +7743,7 @@
           <a:p>
             <a:fld id="{EEA6A375-72BC-45FC-83AA-00EA8839FC12}" type="datetime1">
               <a:rPr kumimoji="1" lang="ja-JP" altLang="en-US" smtClean="0"/>
-              <a:t>2024/6/19</a:t>
+              <a:t>2024/6/20</a:t>
             </a:fld>
             <a:endParaRPr kumimoji="1" lang="ja-JP" altLang="en-US"/>
           </a:p>
@@ -7809,10 +7809,10 @@
       </p:sp>
       <p:pic>
         <p:nvPicPr>
-          <p:cNvPr id="7" name="図 6" descr="グラフィカル ユーザー インターフェイス, アプリケーション&#10;&#10;自動的に生成された説明">
-            <a:extLst>
-              <a:ext uri="{FF2B5EF4-FFF2-40B4-BE49-F238E27FC236}">
-                <a16:creationId xmlns:a16="http://schemas.microsoft.com/office/drawing/2014/main" id="{E0A4559E-BC49-E7D3-F53E-1D9C5F80A75B}"/>
+          <p:cNvPr id="9" name="図 8" descr="テキスト が含まれている画像&#10;&#10;自動的に生成された説明">
+            <a:extLst>
+              <a:ext uri="{FF2B5EF4-FFF2-40B4-BE49-F238E27FC236}">
+                <a16:creationId xmlns:a16="http://schemas.microsoft.com/office/drawing/2014/main" id="{C57E4F9F-7BEF-2AD1-52F0-E1C2E9A2FA6E}"/>
               </a:ext>
             </a:extLst>
           </p:cNvPr>
@@ -7823,42 +7823,6 @@
         </p:nvPicPr>
         <p:blipFill>
           <a:blip r:embed="rId2">
-            <a:extLst>
-              <a:ext uri="{28A0092B-C50C-407E-A947-70E740481C1C}">
-                <a14:useLocalDpi xmlns:a14="http://schemas.microsoft.com/office/drawing/2010/main" val="0"/>
-              </a:ext>
-            </a:extLst>
-          </a:blip>
-          <a:stretch>
-            <a:fillRect/>
-          </a:stretch>
-        </p:blipFill>
-        <p:spPr>
-          <a:xfrm>
-            <a:off x="1244014" y="1396634"/>
-            <a:ext cx="4052455" cy="3582494"/>
-          </a:xfrm>
-          <a:prstGeom prst="rect">
-            <a:avLst/>
-          </a:prstGeom>
-        </p:spPr>
-      </p:pic>
-      <p:pic>
-        <p:nvPicPr>
-          <p:cNvPr id="9" name="図 8" descr="テキスト が含まれている画像&#10;&#10;自動的に生成された説明">
-            <a:extLst>
-              <a:ext uri="{FF2B5EF4-FFF2-40B4-BE49-F238E27FC236}">
-                <a16:creationId xmlns:a16="http://schemas.microsoft.com/office/drawing/2014/main" id="{C57E4F9F-7BEF-2AD1-52F0-E1C2E9A2FA6E}"/>
-              </a:ext>
-            </a:extLst>
-          </p:cNvPr>
-          <p:cNvPicPr>
-            <a:picLocks noChangeAspect="1"/>
-          </p:cNvPicPr>
-          <p:nvPr/>
-        </p:nvPicPr>
-        <p:blipFill>
-          <a:blip r:embed="rId3">
             <a:extLst>
               <a:ext uri="{28A0092B-C50C-407E-A947-70E740481C1C}">
                 <a14:useLocalDpi xmlns:a14="http://schemas.microsoft.com/office/drawing/2010/main" val="0"/>
@@ -8045,6 +8009,42 @@
           </a:p>
         </p:txBody>
       </p:sp>
+      <p:pic>
+        <p:nvPicPr>
+          <p:cNvPr id="8" name="図 7" descr="グラフィカル ユーザー インターフェイス, アプリケーション&#10;&#10;自動的に生成された説明">
+            <a:extLst>
+              <a:ext uri="{FF2B5EF4-FFF2-40B4-BE49-F238E27FC236}">
+                <a16:creationId xmlns:a16="http://schemas.microsoft.com/office/drawing/2014/main" id="{5F21728E-45CD-0A5C-B00C-57E538F52856}"/>
+              </a:ext>
+            </a:extLst>
+          </p:cNvPr>
+          <p:cNvPicPr>
+            <a:picLocks noChangeAspect="1"/>
+          </p:cNvPicPr>
+          <p:nvPr/>
+        </p:nvPicPr>
+        <p:blipFill>
+          <a:blip r:embed="rId3">
+            <a:extLst>
+              <a:ext uri="{28A0092B-C50C-407E-A947-70E740481C1C}">
+                <a14:useLocalDpi xmlns:a14="http://schemas.microsoft.com/office/drawing/2010/main" val="0"/>
+              </a:ext>
+            </a:extLst>
+          </a:blip>
+          <a:stretch>
+            <a:fillRect/>
+          </a:stretch>
+        </p:blipFill>
+        <p:spPr>
+          <a:xfrm>
+            <a:off x="767690" y="1269712"/>
+            <a:ext cx="4291989" cy="3786089"/>
+          </a:xfrm>
+          <a:prstGeom prst="rect">
+            <a:avLst/>
+          </a:prstGeom>
+        </p:spPr>
+      </p:pic>
     </p:spTree>
     <p:extLst>
       <p:ext uri="{BB962C8B-B14F-4D97-AF65-F5344CB8AC3E}">
@@ -8134,7 +8134,7 @@
           <a:p>
             <a:fld id="{EEA6A375-72BC-45FC-83AA-00EA8839FC12}" type="datetime1">
               <a:rPr kumimoji="1" lang="ja-JP" altLang="en-US" smtClean="0"/>
-              <a:t>2024/6/19</a:t>
+              <a:t>2024/6/20</a:t>
             </a:fld>
             <a:endParaRPr kumimoji="1" lang="ja-JP" altLang="en-US"/>
           </a:p>
@@ -8407,7 +8407,7 @@
           <a:p>
             <a:fld id="{EEA6A375-72BC-45FC-83AA-00EA8839FC12}" type="datetime1">
               <a:rPr kumimoji="1" lang="ja-JP" altLang="en-US" smtClean="0"/>
-              <a:t>2024/6/19</a:t>
+              <a:t>2024/6/20</a:t>
             </a:fld>
             <a:endParaRPr kumimoji="1" lang="ja-JP" altLang="en-US"/>
           </a:p>
@@ -8471,42 +8471,6 @@
           </a:p>
         </p:txBody>
       </p:sp>
-      <p:pic>
-        <p:nvPicPr>
-          <p:cNvPr id="13" name="図 12" descr="グラフィカル ユーザー インターフェイス が含まれている画像&#10;&#10;自動的に生成された説明">
-            <a:extLst>
-              <a:ext uri="{FF2B5EF4-FFF2-40B4-BE49-F238E27FC236}">
-                <a16:creationId xmlns:a16="http://schemas.microsoft.com/office/drawing/2014/main" id="{71D4E75B-6D0B-D84F-35EF-4128FFDE5736}"/>
-              </a:ext>
-            </a:extLst>
-          </p:cNvPr>
-          <p:cNvPicPr>
-            <a:picLocks noChangeAspect="1"/>
-          </p:cNvPicPr>
-          <p:nvPr/>
-        </p:nvPicPr>
-        <p:blipFill>
-          <a:blip r:embed="rId2">
-            <a:extLst>
-              <a:ext uri="{28A0092B-C50C-407E-A947-70E740481C1C}">
-                <a14:useLocalDpi xmlns:a14="http://schemas.microsoft.com/office/drawing/2010/main" val="0"/>
-              </a:ext>
-            </a:extLst>
-          </a:blip>
-          <a:stretch>
-            <a:fillRect/>
-          </a:stretch>
-        </p:blipFill>
-        <p:spPr>
-          <a:xfrm>
-            <a:off x="4271674" y="1471622"/>
-            <a:ext cx="7772416" cy="2843790"/>
-          </a:xfrm>
-          <a:prstGeom prst="rect">
-            <a:avLst/>
-          </a:prstGeom>
-        </p:spPr>
-      </p:pic>
       <p:sp>
         <p:nvSpPr>
           <p:cNvPr id="15" name="テキスト ボックス 14">
@@ -8563,8 +8527,8 @@
           </a:p>
         </p:txBody>
       </p:sp>
-      <mc:AlternateContent xmlns:mc="http://schemas.openxmlformats.org/markup-compatibility/2006">
-        <mc:Choice xmlns:a14="http://schemas.microsoft.com/office/drawing/2010/main" Requires="a14">
+      <mc:AlternateContent xmlns:mc="http://schemas.openxmlformats.org/markup-compatibility/2006" xmlns:a14="http://schemas.microsoft.com/office/drawing/2010/main">
+        <mc:Choice Requires="a14">
           <p:sp>
             <p:nvSpPr>
               <p:cNvPr id="16" name="テキスト ボックス 15">
@@ -8708,7 +8672,7 @@
             </p:txBody>
           </p:sp>
         </mc:Choice>
-        <mc:Fallback>
+        <mc:Fallback xmlns="">
           <p:sp>
             <p:nvSpPr>
               <p:cNvPr id="16" name="テキスト ボックス 15">
@@ -8789,6 +8753,42 @@
           </a:prstGeom>
         </p:spPr>
       </p:pic>
+      <p:pic>
+        <p:nvPicPr>
+          <p:cNvPr id="7" name="図 6" descr="テキスト が含まれている画像&#10;&#10;自動的に生成された説明">
+            <a:extLst>
+              <a:ext uri="{FF2B5EF4-FFF2-40B4-BE49-F238E27FC236}">
+                <a16:creationId xmlns:a16="http://schemas.microsoft.com/office/drawing/2014/main" id="{4D969EFF-85DD-C7AD-20E0-7CB76826A259}"/>
+              </a:ext>
+            </a:extLst>
+          </p:cNvPr>
+          <p:cNvPicPr>
+            <a:picLocks noChangeAspect="1"/>
+          </p:cNvPicPr>
+          <p:nvPr/>
+        </p:nvPicPr>
+        <p:blipFill>
+          <a:blip r:embed="rId5">
+            <a:extLst>
+              <a:ext uri="{28A0092B-C50C-407E-A947-70E740481C1C}">
+                <a14:useLocalDpi xmlns:a14="http://schemas.microsoft.com/office/drawing/2010/main" val="0"/>
+              </a:ext>
+            </a:extLst>
+          </a:blip>
+          <a:stretch>
+            <a:fillRect/>
+          </a:stretch>
+        </p:blipFill>
+        <p:spPr>
+          <a:xfrm>
+            <a:off x="4276411" y="1708438"/>
+            <a:ext cx="7410492" cy="2708183"/>
+          </a:xfrm>
+          <a:prstGeom prst="rect">
+            <a:avLst/>
+          </a:prstGeom>
+        </p:spPr>
+      </p:pic>
     </p:spTree>
     <p:extLst>
       <p:ext uri="{BB962C8B-B14F-4D97-AF65-F5344CB8AC3E}">
@@ -8819,136 +8819,12 @@
           <a:chExt cx="0" cy="0"/>
         </a:xfrm>
       </p:grpSpPr>
-      <p:sp>
-        <p:nvSpPr>
-          <p:cNvPr id="2" name="タイトル 1">
-            <a:extLst>
-              <a:ext uri="{FF2B5EF4-FFF2-40B4-BE49-F238E27FC236}">
-                <a16:creationId xmlns:a16="http://schemas.microsoft.com/office/drawing/2014/main" id="{E83E530C-D718-3130-A158-D29904E93A8E}"/>
-              </a:ext>
-            </a:extLst>
-          </p:cNvPr>
-          <p:cNvSpPr>
-            <a:spLocks noGrp="1"/>
-          </p:cNvSpPr>
-          <p:nvPr>
-            <p:ph type="title"/>
-          </p:nvPr>
-        </p:nvSpPr>
-        <p:spPr/>
-        <p:txBody>
-          <a:bodyPr/>
-          <a:lstStyle/>
-          <a:p>
-            <a:r>
-              <a:rPr kumimoji="1" lang="ja-JP" altLang="en-US" dirty="0"/>
-              <a:t>シミュレーション結果 </a:t>
-            </a:r>
-            <a:r>
-              <a:rPr kumimoji="1" lang="en-US" altLang="ja-JP" dirty="0"/>
-              <a:t>– </a:t>
-            </a:r>
-            <a:r>
-              <a:rPr lang="ja-JP" altLang="en-US" dirty="0"/>
-              <a:t>二段目</a:t>
-            </a:r>
-            <a:endParaRPr kumimoji="1" lang="ja-JP" altLang="en-US" dirty="0"/>
-          </a:p>
-        </p:txBody>
-      </p:sp>
-      <p:sp>
-        <p:nvSpPr>
-          <p:cNvPr id="3" name="日付プレースホルダー 2">
-            <a:extLst>
-              <a:ext uri="{FF2B5EF4-FFF2-40B4-BE49-F238E27FC236}">
-                <a16:creationId xmlns:a16="http://schemas.microsoft.com/office/drawing/2014/main" id="{DAD53EA8-AA07-1D67-9C5A-68D887822E47}"/>
-              </a:ext>
-            </a:extLst>
-          </p:cNvPr>
-          <p:cNvSpPr>
-            <a:spLocks noGrp="1"/>
-          </p:cNvSpPr>
-          <p:nvPr>
-            <p:ph type="dt" sz="half" idx="10"/>
-          </p:nvPr>
-        </p:nvSpPr>
-        <p:spPr/>
-        <p:txBody>
-          <a:bodyPr/>
-          <a:lstStyle/>
-          <a:p>
-            <a:fld id="{EEA6A375-72BC-45FC-83AA-00EA8839FC12}" type="datetime1">
-              <a:rPr kumimoji="1" lang="ja-JP" altLang="en-US" smtClean="0"/>
-              <a:t>2024/6/19</a:t>
-            </a:fld>
-            <a:endParaRPr kumimoji="1" lang="ja-JP" altLang="en-US"/>
-          </a:p>
-        </p:txBody>
-      </p:sp>
-      <p:sp>
-        <p:nvSpPr>
-          <p:cNvPr id="4" name="スライド番号プレースホルダー 3">
-            <a:extLst>
-              <a:ext uri="{FF2B5EF4-FFF2-40B4-BE49-F238E27FC236}">
-                <a16:creationId xmlns:a16="http://schemas.microsoft.com/office/drawing/2014/main" id="{62E4B590-C00C-99DC-189A-FC574C3E993F}"/>
-              </a:ext>
-            </a:extLst>
-          </p:cNvPr>
-          <p:cNvSpPr>
-            <a:spLocks noGrp="1"/>
-          </p:cNvSpPr>
-          <p:nvPr>
-            <p:ph type="sldNum" sz="quarter" idx="12"/>
-          </p:nvPr>
-        </p:nvSpPr>
-        <p:spPr/>
-        <p:txBody>
-          <a:bodyPr/>
-          <a:lstStyle/>
-          <a:p>
-            <a:fld id="{6294761A-CFE9-4878-87A7-90ECABD59CE5}" type="slidenum">
-              <a:rPr kumimoji="1" lang="ja-JP" altLang="en-US" smtClean="0"/>
-              <a:t>7</a:t>
-            </a:fld>
-            <a:endParaRPr kumimoji="1" lang="ja-JP" altLang="en-US"/>
-          </a:p>
-        </p:txBody>
-      </p:sp>
-      <p:sp>
-        <p:nvSpPr>
-          <p:cNvPr id="5" name="フッター プレースホルダー 4">
-            <a:extLst>
-              <a:ext uri="{FF2B5EF4-FFF2-40B4-BE49-F238E27FC236}">
-                <a16:creationId xmlns:a16="http://schemas.microsoft.com/office/drawing/2014/main" id="{F8CB3DE4-E149-806B-0085-1154FFF3903A}"/>
-              </a:ext>
-            </a:extLst>
-          </p:cNvPr>
-          <p:cNvSpPr>
-            <a:spLocks noGrp="1"/>
-          </p:cNvSpPr>
-          <p:nvPr>
-            <p:ph type="ftr" sz="quarter" idx="3"/>
-          </p:nvPr>
-        </p:nvSpPr>
-        <p:spPr/>
-        <p:txBody>
-          <a:bodyPr/>
-          <a:lstStyle/>
-          <a:p>
-            <a:r>
-              <a:rPr lang="en-US" altLang="ja-JP"/>
-              <a:t>Wave Signal Processing Circuit Laboratory,  Meiji University</a:t>
-            </a:r>
-            <a:endParaRPr lang="en-US" altLang="ja-JP" dirty="0"/>
-          </a:p>
-        </p:txBody>
-      </p:sp>
       <p:pic>
         <p:nvPicPr>
-          <p:cNvPr id="7" name="図 6" descr="グラフ&#10;&#10;自動的に生成された説明">
-            <a:extLst>
-              <a:ext uri="{FF2B5EF4-FFF2-40B4-BE49-F238E27FC236}">
-                <a16:creationId xmlns:a16="http://schemas.microsoft.com/office/drawing/2014/main" id="{95126014-88FA-E0BC-6E17-7F4D54C9CB4F}"/>
+          <p:cNvPr id="9" name="図 8" descr="グラフ&#10;&#10;自動的に生成された説明">
+            <a:extLst>
+              <a:ext uri="{FF2B5EF4-FFF2-40B4-BE49-F238E27FC236}">
+                <a16:creationId xmlns:a16="http://schemas.microsoft.com/office/drawing/2014/main" id="{FA2438B5-7884-7AAB-EC74-3E1439C38730}"/>
               </a:ext>
             </a:extLst>
           </p:cNvPr>
@@ -8971,14 +8847,138 @@
         </p:blipFill>
         <p:spPr>
           <a:xfrm>
-            <a:off x="370853" y="1279256"/>
-            <a:ext cx="7156740" cy="5009719"/>
+            <a:off x="345141" y="1147653"/>
+            <a:ext cx="7504495" cy="5253147"/>
           </a:xfrm>
           <a:prstGeom prst="rect">
             <a:avLst/>
           </a:prstGeom>
         </p:spPr>
       </p:pic>
+      <p:sp>
+        <p:nvSpPr>
+          <p:cNvPr id="2" name="タイトル 1">
+            <a:extLst>
+              <a:ext uri="{FF2B5EF4-FFF2-40B4-BE49-F238E27FC236}">
+                <a16:creationId xmlns:a16="http://schemas.microsoft.com/office/drawing/2014/main" id="{E83E530C-D718-3130-A158-D29904E93A8E}"/>
+              </a:ext>
+            </a:extLst>
+          </p:cNvPr>
+          <p:cNvSpPr>
+            <a:spLocks noGrp="1"/>
+          </p:cNvSpPr>
+          <p:nvPr>
+            <p:ph type="title"/>
+          </p:nvPr>
+        </p:nvSpPr>
+        <p:spPr/>
+        <p:txBody>
+          <a:bodyPr/>
+          <a:lstStyle/>
+          <a:p>
+            <a:r>
+              <a:rPr kumimoji="1" lang="ja-JP" altLang="en-US" dirty="0"/>
+              <a:t>シミュレーション結果 </a:t>
+            </a:r>
+            <a:r>
+              <a:rPr kumimoji="1" lang="en-US" altLang="ja-JP" dirty="0"/>
+              <a:t>– </a:t>
+            </a:r>
+            <a:r>
+              <a:rPr lang="ja-JP" altLang="en-US" dirty="0"/>
+              <a:t>二段目</a:t>
+            </a:r>
+            <a:endParaRPr kumimoji="1" lang="ja-JP" altLang="en-US" dirty="0"/>
+          </a:p>
+        </p:txBody>
+      </p:sp>
+      <p:sp>
+        <p:nvSpPr>
+          <p:cNvPr id="3" name="日付プレースホルダー 2">
+            <a:extLst>
+              <a:ext uri="{FF2B5EF4-FFF2-40B4-BE49-F238E27FC236}">
+                <a16:creationId xmlns:a16="http://schemas.microsoft.com/office/drawing/2014/main" id="{DAD53EA8-AA07-1D67-9C5A-68D887822E47}"/>
+              </a:ext>
+            </a:extLst>
+          </p:cNvPr>
+          <p:cNvSpPr>
+            <a:spLocks noGrp="1"/>
+          </p:cNvSpPr>
+          <p:nvPr>
+            <p:ph type="dt" sz="half" idx="10"/>
+          </p:nvPr>
+        </p:nvSpPr>
+        <p:spPr/>
+        <p:txBody>
+          <a:bodyPr/>
+          <a:lstStyle/>
+          <a:p>
+            <a:fld id="{EEA6A375-72BC-45FC-83AA-00EA8839FC12}" type="datetime1">
+              <a:rPr kumimoji="1" lang="ja-JP" altLang="en-US" smtClean="0"/>
+              <a:t>2024/6/20</a:t>
+            </a:fld>
+            <a:endParaRPr kumimoji="1" lang="ja-JP" altLang="en-US"/>
+          </a:p>
+        </p:txBody>
+      </p:sp>
+      <p:sp>
+        <p:nvSpPr>
+          <p:cNvPr id="4" name="スライド番号プレースホルダー 3">
+            <a:extLst>
+              <a:ext uri="{FF2B5EF4-FFF2-40B4-BE49-F238E27FC236}">
+                <a16:creationId xmlns:a16="http://schemas.microsoft.com/office/drawing/2014/main" id="{62E4B590-C00C-99DC-189A-FC574C3E993F}"/>
+              </a:ext>
+            </a:extLst>
+          </p:cNvPr>
+          <p:cNvSpPr>
+            <a:spLocks noGrp="1"/>
+          </p:cNvSpPr>
+          <p:nvPr>
+            <p:ph type="sldNum" sz="quarter" idx="12"/>
+          </p:nvPr>
+        </p:nvSpPr>
+        <p:spPr/>
+        <p:txBody>
+          <a:bodyPr/>
+          <a:lstStyle/>
+          <a:p>
+            <a:fld id="{6294761A-CFE9-4878-87A7-90ECABD59CE5}" type="slidenum">
+              <a:rPr kumimoji="1" lang="ja-JP" altLang="en-US" smtClean="0"/>
+              <a:t>7</a:t>
+            </a:fld>
+            <a:endParaRPr kumimoji="1" lang="ja-JP" altLang="en-US"/>
+          </a:p>
+        </p:txBody>
+      </p:sp>
+      <p:sp>
+        <p:nvSpPr>
+          <p:cNvPr id="5" name="フッター プレースホルダー 4">
+            <a:extLst>
+              <a:ext uri="{FF2B5EF4-FFF2-40B4-BE49-F238E27FC236}">
+                <a16:creationId xmlns:a16="http://schemas.microsoft.com/office/drawing/2014/main" id="{F8CB3DE4-E149-806B-0085-1154FFF3903A}"/>
+              </a:ext>
+            </a:extLst>
+          </p:cNvPr>
+          <p:cNvSpPr>
+            <a:spLocks noGrp="1"/>
+          </p:cNvSpPr>
+          <p:nvPr>
+            <p:ph type="ftr" sz="quarter" idx="3"/>
+          </p:nvPr>
+        </p:nvSpPr>
+        <p:spPr/>
+        <p:txBody>
+          <a:bodyPr/>
+          <a:lstStyle/>
+          <a:p>
+            <a:r>
+              <a:rPr lang="en-US" altLang="ja-JP"/>
+              <a:t>Wave Signal Processing Circuit Laboratory,  Meiji University</a:t>
+            </a:r>
+            <a:endParaRPr lang="en-US" altLang="ja-JP" dirty="0"/>
+          </a:p>
+        </p:txBody>
+      </p:sp>
       <p:sp>
         <p:nvSpPr>
           <p:cNvPr id="8" name="テキスト ボックス 7">
@@ -9156,7 +9156,7 @@
           <a:p>
             <a:fld id="{EEA6A375-72BC-45FC-83AA-00EA8839FC12}" type="datetime1">
               <a:rPr kumimoji="1" lang="ja-JP" altLang="en-US" smtClean="0"/>
-              <a:t>2024/6/19</a:t>
+              <a:t>2024/6/20</a:t>
             </a:fld>
             <a:endParaRPr kumimoji="1" lang="ja-JP" altLang="en-US"/>
           </a:p>
@@ -9220,42 +9220,6 @@
           </a:p>
         </p:txBody>
       </p:sp>
-      <p:pic>
-        <p:nvPicPr>
-          <p:cNvPr id="7" name="図 6" descr="タイムライン&#10;&#10;自動的に生成された説明">
-            <a:extLst>
-              <a:ext uri="{FF2B5EF4-FFF2-40B4-BE49-F238E27FC236}">
-                <a16:creationId xmlns:a16="http://schemas.microsoft.com/office/drawing/2014/main" id="{BCDE615A-07E4-3451-61F1-2852E8B0A291}"/>
-              </a:ext>
-            </a:extLst>
-          </p:cNvPr>
-          <p:cNvPicPr>
-            <a:picLocks noChangeAspect="1"/>
-          </p:cNvPicPr>
-          <p:nvPr/>
-        </p:nvPicPr>
-        <p:blipFill>
-          <a:blip r:embed="rId2">
-            <a:extLst>
-              <a:ext uri="{28A0092B-C50C-407E-A947-70E740481C1C}">
-                <a14:useLocalDpi xmlns:a14="http://schemas.microsoft.com/office/drawing/2010/main" val="0"/>
-              </a:ext>
-            </a:extLst>
-          </a:blip>
-          <a:stretch>
-            <a:fillRect/>
-          </a:stretch>
-        </p:blipFill>
-        <p:spPr>
-          <a:xfrm>
-            <a:off x="861048" y="1460258"/>
-            <a:ext cx="10469901" cy="2843790"/>
-          </a:xfrm>
-          <a:prstGeom prst="rect">
-            <a:avLst/>
-          </a:prstGeom>
-        </p:spPr>
-      </p:pic>
       <mc:AlternateContent xmlns:mc="http://schemas.openxmlformats.org/markup-compatibility/2006" xmlns:a14="http://schemas.microsoft.com/office/drawing/2010/main">
         <mc:Choice Requires="a14">
           <p:sp>
@@ -9418,6 +9382,42 @@
           </p:sp>
         </mc:Fallback>
       </mc:AlternateContent>
+      <p:pic>
+        <p:nvPicPr>
+          <p:cNvPr id="9" name="図 8" descr="タイムライン が含まれている画像&#10;&#10;自動的に生成された説明">
+            <a:extLst>
+              <a:ext uri="{FF2B5EF4-FFF2-40B4-BE49-F238E27FC236}">
+                <a16:creationId xmlns:a16="http://schemas.microsoft.com/office/drawing/2014/main" id="{D0EECFB4-2C05-7E8F-29C8-A80BA4F79E78}"/>
+              </a:ext>
+            </a:extLst>
+          </p:cNvPr>
+          <p:cNvPicPr>
+            <a:picLocks noChangeAspect="1"/>
+          </p:cNvPicPr>
+          <p:nvPr/>
+        </p:nvPicPr>
+        <p:blipFill>
+          <a:blip r:embed="rId4">
+            <a:extLst>
+              <a:ext uri="{28A0092B-C50C-407E-A947-70E740481C1C}">
+                <a14:useLocalDpi xmlns:a14="http://schemas.microsoft.com/office/drawing/2010/main" val="0"/>
+              </a:ext>
+            </a:extLst>
+          </a:blip>
+          <a:stretch>
+            <a:fillRect/>
+          </a:stretch>
+        </p:blipFill>
+        <p:spPr>
+          <a:xfrm>
+            <a:off x="279262" y="1458465"/>
+            <a:ext cx="11633476" cy="3157078"/>
+          </a:xfrm>
+          <a:prstGeom prst="rect">
+            <a:avLst/>
+          </a:prstGeom>
+        </p:spPr>
+      </p:pic>
     </p:spTree>
     <p:extLst>
       <p:ext uri="{BB962C8B-B14F-4D97-AF65-F5344CB8AC3E}">
@@ -9448,134 +9448,12 @@
           <a:chExt cx="0" cy="0"/>
         </a:xfrm>
       </p:grpSpPr>
-      <p:sp>
-        <p:nvSpPr>
-          <p:cNvPr id="2" name="タイトル 1">
-            <a:extLst>
-              <a:ext uri="{FF2B5EF4-FFF2-40B4-BE49-F238E27FC236}">
-                <a16:creationId xmlns:a16="http://schemas.microsoft.com/office/drawing/2014/main" id="{93DBF429-9B5B-7670-F17D-0ADA5C1D03E2}"/>
-              </a:ext>
-            </a:extLst>
-          </p:cNvPr>
-          <p:cNvSpPr>
-            <a:spLocks noGrp="1"/>
-          </p:cNvSpPr>
-          <p:nvPr>
-            <p:ph type="title"/>
-          </p:nvPr>
-        </p:nvSpPr>
-        <p:spPr>
-          <a:xfrm>
-            <a:off x="110877" y="191551"/>
-            <a:ext cx="10515600" cy="785955"/>
-          </a:xfrm>
-        </p:spPr>
-        <p:txBody>
-          <a:bodyPr>
-            <a:normAutofit/>
-          </a:bodyPr>
-          <a:lstStyle/>
-          <a:p>
-            <a:r>
-              <a:rPr kumimoji="1" lang="ja-JP" altLang="en-US" dirty="0"/>
-              <a:t>寄生成分をさらに追加したシミュレーション</a:t>
-            </a:r>
-          </a:p>
-        </p:txBody>
-      </p:sp>
-      <p:sp>
-        <p:nvSpPr>
-          <p:cNvPr id="3" name="日付プレースホルダー 2">
-            <a:extLst>
-              <a:ext uri="{FF2B5EF4-FFF2-40B4-BE49-F238E27FC236}">
-                <a16:creationId xmlns:a16="http://schemas.microsoft.com/office/drawing/2014/main" id="{182290C3-2E5E-9BE5-98E1-EB1C94F0273C}"/>
-              </a:ext>
-            </a:extLst>
-          </p:cNvPr>
-          <p:cNvSpPr>
-            <a:spLocks noGrp="1"/>
-          </p:cNvSpPr>
-          <p:nvPr>
-            <p:ph type="dt" sz="half" idx="10"/>
-          </p:nvPr>
-        </p:nvSpPr>
-        <p:spPr/>
-        <p:txBody>
-          <a:bodyPr/>
-          <a:lstStyle/>
-          <a:p>
-            <a:fld id="{EEA6A375-72BC-45FC-83AA-00EA8839FC12}" type="datetime1">
-              <a:rPr kumimoji="1" lang="ja-JP" altLang="en-US" smtClean="0"/>
-              <a:t>2024/6/19</a:t>
-            </a:fld>
-            <a:endParaRPr kumimoji="1" lang="ja-JP" altLang="en-US"/>
-          </a:p>
-        </p:txBody>
-      </p:sp>
-      <p:sp>
-        <p:nvSpPr>
-          <p:cNvPr id="4" name="スライド番号プレースホルダー 3">
-            <a:extLst>
-              <a:ext uri="{FF2B5EF4-FFF2-40B4-BE49-F238E27FC236}">
-                <a16:creationId xmlns:a16="http://schemas.microsoft.com/office/drawing/2014/main" id="{DA571182-36FB-204E-722A-5E95C407AB37}"/>
-              </a:ext>
-            </a:extLst>
-          </p:cNvPr>
-          <p:cNvSpPr>
-            <a:spLocks noGrp="1"/>
-          </p:cNvSpPr>
-          <p:nvPr>
-            <p:ph type="sldNum" sz="quarter" idx="12"/>
-          </p:nvPr>
-        </p:nvSpPr>
-        <p:spPr/>
-        <p:txBody>
-          <a:bodyPr/>
-          <a:lstStyle/>
-          <a:p>
-            <a:fld id="{6294761A-CFE9-4878-87A7-90ECABD59CE5}" type="slidenum">
-              <a:rPr kumimoji="1" lang="ja-JP" altLang="en-US" smtClean="0"/>
-              <a:t>9</a:t>
-            </a:fld>
-            <a:endParaRPr kumimoji="1" lang="ja-JP" altLang="en-US"/>
-          </a:p>
-        </p:txBody>
-      </p:sp>
-      <p:sp>
-        <p:nvSpPr>
-          <p:cNvPr id="5" name="フッター プレースホルダー 4">
-            <a:extLst>
-              <a:ext uri="{FF2B5EF4-FFF2-40B4-BE49-F238E27FC236}">
-                <a16:creationId xmlns:a16="http://schemas.microsoft.com/office/drawing/2014/main" id="{C42F7151-F844-C8A3-2250-4D549CF70072}"/>
-              </a:ext>
-            </a:extLst>
-          </p:cNvPr>
-          <p:cNvSpPr>
-            <a:spLocks noGrp="1"/>
-          </p:cNvSpPr>
-          <p:nvPr>
-            <p:ph type="ftr" sz="quarter" idx="3"/>
-          </p:nvPr>
-        </p:nvSpPr>
-        <p:spPr/>
-        <p:txBody>
-          <a:bodyPr/>
-          <a:lstStyle/>
-          <a:p>
-            <a:r>
-              <a:rPr lang="en-US" altLang="ja-JP"/>
-              <a:t>Wave Signal Processing Circuit Laboratory,  Meiji University</a:t>
-            </a:r>
-            <a:endParaRPr lang="en-US" altLang="ja-JP" dirty="0"/>
-          </a:p>
-        </p:txBody>
-      </p:sp>
       <p:pic>
         <p:nvPicPr>
-          <p:cNvPr id="7" name="図 6" descr="グラフ&#10;&#10;自動的に生成された説明">
-            <a:extLst>
-              <a:ext uri="{FF2B5EF4-FFF2-40B4-BE49-F238E27FC236}">
-                <a16:creationId xmlns:a16="http://schemas.microsoft.com/office/drawing/2014/main" id="{D9595D57-B440-EF40-DEA3-82901A8B4E8E}"/>
+          <p:cNvPr id="9" name="図 8" descr="グラフ&#10;&#10;自動的に生成された説明">
+            <a:extLst>
+              <a:ext uri="{FF2B5EF4-FFF2-40B4-BE49-F238E27FC236}">
+                <a16:creationId xmlns:a16="http://schemas.microsoft.com/office/drawing/2014/main" id="{7D67A6DB-D3BE-1286-69F1-E862DF036804}"/>
               </a:ext>
             </a:extLst>
           </p:cNvPr>
@@ -9598,14 +9476,136 @@
         </p:blipFill>
         <p:spPr>
           <a:xfrm>
-            <a:off x="367553" y="1125198"/>
-            <a:ext cx="7459733" cy="5221814"/>
+            <a:off x="387799" y="1238041"/>
+            <a:ext cx="7589254" cy="5312478"/>
           </a:xfrm>
           <a:prstGeom prst="rect">
             <a:avLst/>
           </a:prstGeom>
         </p:spPr>
       </p:pic>
+      <p:sp>
+        <p:nvSpPr>
+          <p:cNvPr id="2" name="タイトル 1">
+            <a:extLst>
+              <a:ext uri="{FF2B5EF4-FFF2-40B4-BE49-F238E27FC236}">
+                <a16:creationId xmlns:a16="http://schemas.microsoft.com/office/drawing/2014/main" id="{93DBF429-9B5B-7670-F17D-0ADA5C1D03E2}"/>
+              </a:ext>
+            </a:extLst>
+          </p:cNvPr>
+          <p:cNvSpPr>
+            <a:spLocks noGrp="1"/>
+          </p:cNvSpPr>
+          <p:nvPr>
+            <p:ph type="title"/>
+          </p:nvPr>
+        </p:nvSpPr>
+        <p:spPr>
+          <a:xfrm>
+            <a:off x="110877" y="191551"/>
+            <a:ext cx="10515600" cy="785955"/>
+          </a:xfrm>
+        </p:spPr>
+        <p:txBody>
+          <a:bodyPr>
+            <a:normAutofit/>
+          </a:bodyPr>
+          <a:lstStyle/>
+          <a:p>
+            <a:r>
+              <a:rPr kumimoji="1" lang="ja-JP" altLang="en-US" dirty="0"/>
+              <a:t>寄生成分をさらに追加したシミュレーション</a:t>
+            </a:r>
+          </a:p>
+        </p:txBody>
+      </p:sp>
+      <p:sp>
+        <p:nvSpPr>
+          <p:cNvPr id="3" name="日付プレースホルダー 2">
+            <a:extLst>
+              <a:ext uri="{FF2B5EF4-FFF2-40B4-BE49-F238E27FC236}">
+                <a16:creationId xmlns:a16="http://schemas.microsoft.com/office/drawing/2014/main" id="{182290C3-2E5E-9BE5-98E1-EB1C94F0273C}"/>
+              </a:ext>
+            </a:extLst>
+          </p:cNvPr>
+          <p:cNvSpPr>
+            <a:spLocks noGrp="1"/>
+          </p:cNvSpPr>
+          <p:nvPr>
+            <p:ph type="dt" sz="half" idx="10"/>
+          </p:nvPr>
+        </p:nvSpPr>
+        <p:spPr/>
+        <p:txBody>
+          <a:bodyPr/>
+          <a:lstStyle/>
+          <a:p>
+            <a:fld id="{EEA6A375-72BC-45FC-83AA-00EA8839FC12}" type="datetime1">
+              <a:rPr kumimoji="1" lang="ja-JP" altLang="en-US" smtClean="0"/>
+              <a:t>2024/6/20</a:t>
+            </a:fld>
+            <a:endParaRPr kumimoji="1" lang="ja-JP" altLang="en-US"/>
+          </a:p>
+        </p:txBody>
+      </p:sp>
+      <p:sp>
+        <p:nvSpPr>
+          <p:cNvPr id="4" name="スライド番号プレースホルダー 3">
+            <a:extLst>
+              <a:ext uri="{FF2B5EF4-FFF2-40B4-BE49-F238E27FC236}">
+                <a16:creationId xmlns:a16="http://schemas.microsoft.com/office/drawing/2014/main" id="{DA571182-36FB-204E-722A-5E95C407AB37}"/>
+              </a:ext>
+            </a:extLst>
+          </p:cNvPr>
+          <p:cNvSpPr>
+            <a:spLocks noGrp="1"/>
+          </p:cNvSpPr>
+          <p:nvPr>
+            <p:ph type="sldNum" sz="quarter" idx="12"/>
+          </p:nvPr>
+        </p:nvSpPr>
+        <p:spPr/>
+        <p:txBody>
+          <a:bodyPr/>
+          <a:lstStyle/>
+          <a:p>
+            <a:fld id="{6294761A-CFE9-4878-87A7-90ECABD59CE5}" type="slidenum">
+              <a:rPr kumimoji="1" lang="ja-JP" altLang="en-US" smtClean="0"/>
+              <a:t>9</a:t>
+            </a:fld>
+            <a:endParaRPr kumimoji="1" lang="ja-JP" altLang="en-US"/>
+          </a:p>
+        </p:txBody>
+      </p:sp>
+      <p:sp>
+        <p:nvSpPr>
+          <p:cNvPr id="5" name="フッター プレースホルダー 4">
+            <a:extLst>
+              <a:ext uri="{FF2B5EF4-FFF2-40B4-BE49-F238E27FC236}">
+                <a16:creationId xmlns:a16="http://schemas.microsoft.com/office/drawing/2014/main" id="{C42F7151-F844-C8A3-2250-4D549CF70072}"/>
+              </a:ext>
+            </a:extLst>
+          </p:cNvPr>
+          <p:cNvSpPr>
+            <a:spLocks noGrp="1"/>
+          </p:cNvSpPr>
+          <p:nvPr>
+            <p:ph type="ftr" sz="quarter" idx="3"/>
+          </p:nvPr>
+        </p:nvSpPr>
+        <p:spPr/>
+        <p:txBody>
+          <a:bodyPr/>
+          <a:lstStyle/>
+          <a:p>
+            <a:r>
+              <a:rPr lang="en-US" altLang="ja-JP"/>
+              <a:t>Wave Signal Processing Circuit Laboratory,  Meiji University</a:t>
+            </a:r>
+            <a:endParaRPr lang="en-US" altLang="ja-JP" dirty="0"/>
+          </a:p>
+        </p:txBody>
+      </p:sp>
       <p:sp>
         <p:nvSpPr>
           <p:cNvPr id="8" name="テキスト ボックス 7">

--- a/IHP_2024/20240620/TIAの小信号等価回路による.pptx
+++ b/IHP_2024/20240620/TIAの小信号等価回路による.pptx
@@ -212,7 +212,7 @@
           <a:p>
             <a:fld id="{F8456487-DC86-474A-B4EE-F658698A396D}" type="datetimeFigureOut">
               <a:rPr kumimoji="1" lang="ja-JP" altLang="en-US" smtClean="0"/>
-              <a:t>2024/6/20</a:t>
+              <a:t>2024/6/27</a:t>
             </a:fld>
             <a:endParaRPr kumimoji="1" lang="ja-JP" altLang="en-US"/>
           </a:p>
@@ -702,7 +702,7 @@
           <a:p>
             <a:fld id="{FEB85F8A-DDB5-432B-B8BF-86E12CA3E1B5}" type="datetime1">
               <a:rPr kumimoji="1" lang="ja-JP" altLang="en-US" smtClean="0"/>
-              <a:t>2024/6/20</a:t>
+              <a:t>2024/6/27</a:t>
             </a:fld>
             <a:endParaRPr kumimoji="1" lang="ja-JP" altLang="en-US"/>
           </a:p>
@@ -1018,7 +1018,7 @@
           <a:p>
             <a:fld id="{21AF51CA-8154-4160-8313-688B08CD61D6}" type="datetime1">
               <a:rPr kumimoji="1" lang="ja-JP" altLang="en-US" smtClean="0"/>
-              <a:t>2024/6/20</a:t>
+              <a:t>2024/6/27</a:t>
             </a:fld>
             <a:endParaRPr kumimoji="1" lang="ja-JP" altLang="en-US"/>
           </a:p>
@@ -1277,7 +1277,7 @@
           <a:p>
             <a:fld id="{D5D22A7C-5C5E-4AEF-9904-8AC373CD06D1}" type="datetime1">
               <a:rPr kumimoji="1" lang="ja-JP" altLang="en-US" smtClean="0"/>
-              <a:t>2024/6/20</a:t>
+              <a:t>2024/6/27</a:t>
             </a:fld>
             <a:endParaRPr kumimoji="1" lang="ja-JP" altLang="en-US"/>
           </a:p>
@@ -1531,7 +1531,7 @@
           <a:p>
             <a:fld id="{7D14AB70-9A31-428D-80CA-6C2A71BE81C0}" type="datetime1">
               <a:rPr kumimoji="1" lang="ja-JP" altLang="en-US" smtClean="0"/>
-              <a:t>2024/6/20</a:t>
+              <a:t>2024/6/27</a:t>
             </a:fld>
             <a:endParaRPr kumimoji="1" lang="ja-JP" altLang="en-US"/>
           </a:p>
@@ -1903,7 +1903,7 @@
           <a:p>
             <a:fld id="{617D3280-2E51-4BDE-B06A-470263465AE0}" type="datetime1">
               <a:rPr kumimoji="1" lang="ja-JP" altLang="en-US" smtClean="0"/>
-              <a:t>2024/6/20</a:t>
+              <a:t>2024/6/27</a:t>
             </a:fld>
             <a:endParaRPr kumimoji="1" lang="ja-JP" altLang="en-US"/>
           </a:p>
@@ -2251,7 +2251,7 @@
           <a:p>
             <a:fld id="{534E7D8B-15CC-4ADD-A96D-E53EE0773D10}" type="datetime1">
               <a:rPr kumimoji="1" lang="ja-JP" altLang="en-US" smtClean="0"/>
-              <a:t>2024/6/20</a:t>
+              <a:t>2024/6/27</a:t>
             </a:fld>
             <a:endParaRPr kumimoji="1" lang="ja-JP" altLang="en-US"/>
           </a:p>
@@ -2746,7 +2746,7 @@
           <a:p>
             <a:fld id="{0A7E0AD5-8B2C-4807-9A34-44B53ED8C9E2}" type="datetime1">
               <a:rPr kumimoji="1" lang="ja-JP" altLang="en-US" smtClean="0"/>
-              <a:t>2024/6/20</a:t>
+              <a:t>2024/6/27</a:t>
             </a:fld>
             <a:endParaRPr kumimoji="1" lang="ja-JP" altLang="en-US"/>
           </a:p>
@@ -2917,7 +2917,7 @@
           <a:p>
             <a:fld id="{EEA6A375-72BC-45FC-83AA-00EA8839FC12}" type="datetime1">
               <a:rPr kumimoji="1" lang="ja-JP" altLang="en-US" smtClean="0"/>
-              <a:t>2024/6/20</a:t>
+              <a:t>2024/6/27</a:t>
             </a:fld>
             <a:endParaRPr kumimoji="1" lang="ja-JP" altLang="en-US"/>
           </a:p>
@@ -3116,7 +3116,7 @@
           <a:p>
             <a:fld id="{2E745049-197C-41A0-8DB6-4F32FD03AE57}" type="datetime1">
               <a:rPr kumimoji="1" lang="ja-JP" altLang="en-US" smtClean="0"/>
-              <a:t>2024/6/20</a:t>
+              <a:t>2024/6/27</a:t>
             </a:fld>
             <a:endParaRPr kumimoji="1" lang="ja-JP" altLang="en-US"/>
           </a:p>
@@ -3545,7 +3545,7 @@
           <a:p>
             <a:fld id="{C680A16C-E6A7-4756-A3F4-14C1642851C1}" type="datetime1">
               <a:rPr kumimoji="1" lang="ja-JP" altLang="en-US" smtClean="0"/>
-              <a:t>2024/6/20</a:t>
+              <a:t>2024/6/27</a:t>
             </a:fld>
             <a:endParaRPr kumimoji="1" lang="ja-JP" altLang="en-US"/>
           </a:p>
@@ -3855,7 +3855,7 @@
           <a:p>
             <a:fld id="{A56F6540-D1D8-4517-9227-190B63944A94}" type="datetime1">
               <a:rPr kumimoji="1" lang="ja-JP" altLang="en-US" smtClean="0"/>
-              <a:t>2024/6/20</a:t>
+              <a:t>2024/6/27</a:t>
             </a:fld>
             <a:endParaRPr kumimoji="1" lang="ja-JP" altLang="en-US"/>
           </a:p>
@@ -4205,7 +4205,7 @@
           <a:p>
             <a:fld id="{0FF07873-ABA9-44AB-A9BF-3A41F38C3D70}" type="datetime1">
               <a:rPr lang="ja-JP" altLang="en-US" smtClean="0"/>
-              <a:t>2024/6/20</a:t>
+              <a:t>2024/6/27</a:t>
             </a:fld>
             <a:endParaRPr lang="ja-JP" altLang="en-US" dirty="0"/>
           </a:p>
@@ -4886,7 +4886,7 @@
           <a:p>
             <a:fld id="{AB2DCCF9-1D86-4D8B-BD00-9792060EEB29}" type="datetime1">
               <a:rPr kumimoji="1" lang="ja-JP" altLang="en-US" smtClean="0"/>
-              <a:t>2024/6/20</a:t>
+              <a:t>2024/6/27</a:t>
             </a:fld>
             <a:endParaRPr kumimoji="1" lang="ja-JP" altLang="en-US"/>
           </a:p>
@@ -5043,7 +5043,7 @@
           <a:p>
             <a:fld id="{EEA6A375-72BC-45FC-83AA-00EA8839FC12}" type="datetime1">
               <a:rPr kumimoji="1" lang="ja-JP" altLang="en-US" smtClean="0"/>
-              <a:t>2024/6/20</a:t>
+              <a:t>2024/6/27</a:t>
             </a:fld>
             <a:endParaRPr kumimoji="1" lang="ja-JP" altLang="en-US"/>
           </a:p>
@@ -5373,7 +5373,7 @@
           <a:p>
             <a:fld id="{EEA6A375-72BC-45FC-83AA-00EA8839FC12}" type="datetime1">
               <a:rPr kumimoji="1" lang="ja-JP" altLang="en-US" smtClean="0"/>
-              <a:t>2024/6/20</a:t>
+              <a:t>2024/6/27</a:t>
             </a:fld>
             <a:endParaRPr kumimoji="1" lang="ja-JP" altLang="en-US"/>
           </a:p>
@@ -5605,7 +5605,7 @@
           <a:p>
             <a:fld id="{EEA6A375-72BC-45FC-83AA-00EA8839FC12}" type="datetime1">
               <a:rPr kumimoji="1" lang="ja-JP" altLang="en-US" smtClean="0"/>
-              <a:t>2024/6/20</a:t>
+              <a:t>2024/6/27</a:t>
             </a:fld>
             <a:endParaRPr kumimoji="1" lang="ja-JP" altLang="en-US"/>
           </a:p>
@@ -5858,7 +5858,7 @@
           <a:p>
             <a:fld id="{EEA6A375-72BC-45FC-83AA-00EA8839FC12}" type="datetime1">
               <a:rPr kumimoji="1" lang="ja-JP" altLang="en-US" smtClean="0"/>
-              <a:t>2024/6/20</a:t>
+              <a:t>2024/6/27</a:t>
             </a:fld>
             <a:endParaRPr kumimoji="1" lang="ja-JP" altLang="en-US"/>
           </a:p>
@@ -6170,7 +6170,7 @@
           <a:p>
             <a:fld id="{EEA6A375-72BC-45FC-83AA-00EA8839FC12}" type="datetime1">
               <a:rPr kumimoji="1" lang="ja-JP" altLang="en-US" smtClean="0"/>
-              <a:t>2024/6/20</a:t>
+              <a:t>2024/6/27</a:t>
             </a:fld>
             <a:endParaRPr kumimoji="1" lang="ja-JP" altLang="en-US"/>
           </a:p>
@@ -6551,7 +6551,7 @@
           <a:p>
             <a:fld id="{EEA6A375-72BC-45FC-83AA-00EA8839FC12}" type="datetime1">
               <a:rPr kumimoji="1" lang="ja-JP" altLang="en-US" smtClean="0"/>
-              <a:t>2024/6/20</a:t>
+              <a:t>2024/6/27</a:t>
             </a:fld>
             <a:endParaRPr kumimoji="1" lang="ja-JP" altLang="en-US"/>
           </a:p>
@@ -6800,7 +6800,7 @@
           <a:p>
             <a:fld id="{EEA6A375-72BC-45FC-83AA-00EA8839FC12}" type="datetime1">
               <a:rPr kumimoji="1" lang="ja-JP" altLang="en-US" smtClean="0"/>
-              <a:t>2024/6/20</a:t>
+              <a:t>2024/6/27</a:t>
             </a:fld>
             <a:endParaRPr kumimoji="1" lang="ja-JP" altLang="en-US"/>
           </a:p>
@@ -7380,7 +7380,7 @@
           <a:p>
             <a:fld id="{7D14AB70-9A31-428D-80CA-6C2A71BE81C0}" type="datetime1">
               <a:rPr kumimoji="1" lang="ja-JP" altLang="en-US" smtClean="0"/>
-              <a:t>2024/6/20</a:t>
+              <a:t>2024/6/27</a:t>
             </a:fld>
             <a:endParaRPr kumimoji="1" lang="ja-JP" altLang="en-US"/>
           </a:p>
@@ -7525,7 +7525,7 @@
           <a:p>
             <a:fld id="{EEA6A375-72BC-45FC-83AA-00EA8839FC12}" type="datetime1">
               <a:rPr kumimoji="1" lang="ja-JP" altLang="en-US" smtClean="0"/>
-              <a:t>2024/6/20</a:t>
+              <a:t>2024/6/27</a:t>
             </a:fld>
             <a:endParaRPr kumimoji="1" lang="ja-JP" altLang="en-US"/>
           </a:p>
@@ -7743,7 +7743,7 @@
           <a:p>
             <a:fld id="{EEA6A375-72BC-45FC-83AA-00EA8839FC12}" type="datetime1">
               <a:rPr kumimoji="1" lang="ja-JP" altLang="en-US" smtClean="0"/>
-              <a:t>2024/6/20</a:t>
+              <a:t>2024/6/27</a:t>
             </a:fld>
             <a:endParaRPr kumimoji="1" lang="ja-JP" altLang="en-US"/>
           </a:p>
@@ -8134,7 +8134,7 @@
           <a:p>
             <a:fld id="{EEA6A375-72BC-45FC-83AA-00EA8839FC12}" type="datetime1">
               <a:rPr kumimoji="1" lang="ja-JP" altLang="en-US" smtClean="0"/>
-              <a:t>2024/6/20</a:t>
+              <a:t>2024/6/27</a:t>
             </a:fld>
             <a:endParaRPr kumimoji="1" lang="ja-JP" altLang="en-US"/>
           </a:p>
@@ -8407,7 +8407,7 @@
           <a:p>
             <a:fld id="{EEA6A375-72BC-45FC-83AA-00EA8839FC12}" type="datetime1">
               <a:rPr kumimoji="1" lang="ja-JP" altLang="en-US" smtClean="0"/>
-              <a:t>2024/6/20</a:t>
+              <a:t>2024/6/27</a:t>
             </a:fld>
             <a:endParaRPr kumimoji="1" lang="ja-JP" altLang="en-US"/>
           </a:p>
@@ -8915,7 +8915,7 @@
           <a:p>
             <a:fld id="{EEA6A375-72BC-45FC-83AA-00EA8839FC12}" type="datetime1">
               <a:rPr kumimoji="1" lang="ja-JP" altLang="en-US" smtClean="0"/>
-              <a:t>2024/6/20</a:t>
+              <a:t>2024/6/27</a:t>
             </a:fld>
             <a:endParaRPr kumimoji="1" lang="ja-JP" altLang="en-US"/>
           </a:p>
@@ -9156,7 +9156,7 @@
           <a:p>
             <a:fld id="{EEA6A375-72BC-45FC-83AA-00EA8839FC12}" type="datetime1">
               <a:rPr kumimoji="1" lang="ja-JP" altLang="en-US" smtClean="0"/>
-              <a:t>2024/6/20</a:t>
+              <a:t>2024/6/27</a:t>
             </a:fld>
             <a:endParaRPr kumimoji="1" lang="ja-JP" altLang="en-US"/>
           </a:p>
@@ -9542,7 +9542,7 @@
           <a:p>
             <a:fld id="{EEA6A375-72BC-45FC-83AA-00EA8839FC12}" type="datetime1">
               <a:rPr kumimoji="1" lang="ja-JP" altLang="en-US" smtClean="0"/>
-              <a:t>2024/6/20</a:t>
+              <a:t>2024/6/27</a:t>
             </a:fld>
             <a:endParaRPr kumimoji="1" lang="ja-JP" altLang="en-US"/>
           </a:p>
